--- a/saturn/enhanced-four-corner-model.pptx
+++ b/saturn/enhanced-four-corner-model.pptx
@@ -288,7 +288,7 @@
           <a:p>
             <a:fld id="{FC080E38-6FF2-48B3-BDAB-4FA23B840E92}" type="datetimeFigureOut">
               <a:rPr lang="en-US" smtClean="0"/>
-              <a:t>2019-08-16</a:t>
+              <a:t>2019-08-17</a:t>
             </a:fld>
             <a:endParaRPr lang="en-US"/>
           </a:p>
@@ -458,7 +458,7 @@
           <a:p>
             <a:fld id="{FC080E38-6FF2-48B3-BDAB-4FA23B840E92}" type="datetimeFigureOut">
               <a:rPr lang="en-US" smtClean="0"/>
-              <a:t>2019-08-16</a:t>
+              <a:t>2019-08-17</a:t>
             </a:fld>
             <a:endParaRPr lang="en-US"/>
           </a:p>
@@ -638,7 +638,7 @@
           <a:p>
             <a:fld id="{FC080E38-6FF2-48B3-BDAB-4FA23B840E92}" type="datetimeFigureOut">
               <a:rPr lang="en-US" smtClean="0"/>
-              <a:t>2019-08-16</a:t>
+              <a:t>2019-08-17</a:t>
             </a:fld>
             <a:endParaRPr lang="en-US"/>
           </a:p>
@@ -808,7 +808,7 @@
           <a:p>
             <a:fld id="{FC080E38-6FF2-48B3-BDAB-4FA23B840E92}" type="datetimeFigureOut">
               <a:rPr lang="en-US" smtClean="0"/>
-              <a:t>2019-08-16</a:t>
+              <a:t>2019-08-17</a:t>
             </a:fld>
             <a:endParaRPr lang="en-US"/>
           </a:p>
@@ -1054,7 +1054,7 @@
           <a:p>
             <a:fld id="{FC080E38-6FF2-48B3-BDAB-4FA23B840E92}" type="datetimeFigureOut">
               <a:rPr lang="en-US" smtClean="0"/>
-              <a:t>2019-08-16</a:t>
+              <a:t>2019-08-17</a:t>
             </a:fld>
             <a:endParaRPr lang="en-US"/>
           </a:p>
@@ -1342,7 +1342,7 @@
           <a:p>
             <a:fld id="{FC080E38-6FF2-48B3-BDAB-4FA23B840E92}" type="datetimeFigureOut">
               <a:rPr lang="en-US" smtClean="0"/>
-              <a:t>2019-08-16</a:t>
+              <a:t>2019-08-17</a:t>
             </a:fld>
             <a:endParaRPr lang="en-US"/>
           </a:p>
@@ -1764,7 +1764,7 @@
           <a:p>
             <a:fld id="{FC080E38-6FF2-48B3-BDAB-4FA23B840E92}" type="datetimeFigureOut">
               <a:rPr lang="en-US" smtClean="0"/>
-              <a:t>2019-08-16</a:t>
+              <a:t>2019-08-17</a:t>
             </a:fld>
             <a:endParaRPr lang="en-US"/>
           </a:p>
@@ -1882,7 +1882,7 @@
           <a:p>
             <a:fld id="{FC080E38-6FF2-48B3-BDAB-4FA23B840E92}" type="datetimeFigureOut">
               <a:rPr lang="en-US" smtClean="0"/>
-              <a:t>2019-08-16</a:t>
+              <a:t>2019-08-17</a:t>
             </a:fld>
             <a:endParaRPr lang="en-US"/>
           </a:p>
@@ -1977,7 +1977,7 @@
           <a:p>
             <a:fld id="{FC080E38-6FF2-48B3-BDAB-4FA23B840E92}" type="datetimeFigureOut">
               <a:rPr lang="en-US" smtClean="0"/>
-              <a:t>2019-08-16</a:t>
+              <a:t>2019-08-17</a:t>
             </a:fld>
             <a:endParaRPr lang="en-US"/>
           </a:p>
@@ -2254,7 +2254,7 @@
           <a:p>
             <a:fld id="{FC080E38-6FF2-48B3-BDAB-4FA23B840E92}" type="datetimeFigureOut">
               <a:rPr lang="en-US" smtClean="0"/>
-              <a:t>2019-08-16</a:t>
+              <a:t>2019-08-17</a:t>
             </a:fld>
             <a:endParaRPr lang="en-US"/>
           </a:p>
@@ -2507,7 +2507,7 @@
           <a:p>
             <a:fld id="{FC080E38-6FF2-48B3-BDAB-4FA23B840E92}" type="datetimeFigureOut">
               <a:rPr lang="en-US" smtClean="0"/>
-              <a:t>2019-08-16</a:t>
+              <a:t>2019-08-17</a:t>
             </a:fld>
             <a:endParaRPr lang="en-US"/>
           </a:p>
@@ -2720,7 +2720,7 @@
           <a:p>
             <a:fld id="{FC080E38-6FF2-48B3-BDAB-4FA23B840E92}" type="datetimeFigureOut">
               <a:rPr lang="en-US" smtClean="0"/>
-              <a:t>2019-08-16</a:t>
+              <a:t>2019-08-17</a:t>
             </a:fld>
             <a:endParaRPr lang="en-US"/>
           </a:p>
@@ -3103,7 +3103,7 @@
         </p:nvGrpSpPr>
         <p:grpSpPr>
           <a:xfrm>
-            <a:off x="1403647" y="1522902"/>
+            <a:off x="1115616" y="1666918"/>
             <a:ext cx="1273991" cy="825978"/>
             <a:chOff x="1065761" y="1512050"/>
             <a:chExt cx="1273991" cy="825978"/>
@@ -3524,15 +3524,14 @@
         <p:nvCxnSpPr>
           <p:cNvPr id="194" name="Straight Connector 193"/>
           <p:cNvCxnSpPr>
-            <a:stCxn id="189" idx="0"/>
             <a:endCxn id="184" idx="3"/>
           </p:cNvCxnSpPr>
           <p:nvPr/>
         </p:nvCxnSpPr>
         <p:spPr>
-          <a:xfrm flipH="1" flipV="1">
+          <a:xfrm flipV="1">
             <a:off x="3645415" y="4469696"/>
-            <a:ext cx="108804" cy="294025"/>
+            <a:ext cx="0" cy="399464"/>
           </a:xfrm>
           <a:prstGeom prst="line">
             <a:avLst/>
@@ -3565,15 +3564,14 @@
         <p:nvCxnSpPr>
           <p:cNvPr id="193" name="Straight Connector 192"/>
           <p:cNvCxnSpPr>
-            <a:stCxn id="188" idx="0"/>
             <a:endCxn id="181" idx="4"/>
           </p:cNvCxnSpPr>
           <p:nvPr/>
         </p:nvCxnSpPr>
         <p:spPr>
-          <a:xfrm flipH="1" flipV="1">
+          <a:xfrm flipV="1">
             <a:off x="5179179" y="3756194"/>
-            <a:ext cx="275536" cy="241359"/>
+            <a:ext cx="0" cy="479722"/>
           </a:xfrm>
           <a:prstGeom prst="line">
             <a:avLst/>
@@ -3607,14 +3605,13 @@
           <p:cNvPr id="35" name="Straight Connector 34"/>
           <p:cNvCxnSpPr>
             <a:stCxn id="179" idx="0"/>
-            <a:endCxn id="192" idx="2"/>
           </p:cNvCxnSpPr>
           <p:nvPr/>
         </p:nvCxnSpPr>
         <p:spPr>
-          <a:xfrm flipV="1">
-            <a:off x="3692993" y="2968208"/>
-            <a:ext cx="335213" cy="351885"/>
+          <a:xfrm flipH="1" flipV="1">
+            <a:off x="3692992" y="2826514"/>
+            <a:ext cx="1" cy="493579"/>
           </a:xfrm>
           <a:prstGeom prst="line">
             <a:avLst/>
@@ -3799,8 +3796,8 @@
         </p:nvSpPr>
         <p:spPr>
           <a:xfrm>
-            <a:off x="5436095" y="2780928"/>
-            <a:ext cx="2168927" cy="307777"/>
+            <a:off x="5834441" y="2564904"/>
+            <a:ext cx="1372234" cy="523220"/>
           </a:xfrm>
           <a:prstGeom prst="rect">
             <a:avLst/>
@@ -3819,7 +3816,28 @@
                 <a:latin typeface="Arial" panose="020B0604020202020204" pitchFamily="34" charset="0"/>
                 <a:cs typeface="Arial" panose="020B0604020202020204" pitchFamily="34" charset="0"/>
               </a:rPr>
-              <a:t>User with Mobile “Wallet”</a:t>
+              <a:t>User with </a:t>
+            </a:r>
+            <a:endParaRPr lang="en-US" sz="1400" dirty="0" smtClean="0">
+              <a:latin typeface="Arial" panose="020B0604020202020204" pitchFamily="34" charset="0"/>
+              <a:cs typeface="Arial" panose="020B0604020202020204" pitchFamily="34" charset="0"/>
+            </a:endParaRPr>
+          </a:p>
+          <a:p>
+            <a:pPr algn="ctr"/>
+            <a:r>
+              <a:rPr lang="en-US" sz="1400" dirty="0" smtClean="0">
+                <a:latin typeface="Arial" panose="020B0604020202020204" pitchFamily="34" charset="0"/>
+                <a:cs typeface="Arial" panose="020B0604020202020204" pitchFamily="34" charset="0"/>
+              </a:rPr>
+              <a:t>Mobile </a:t>
+            </a:r>
+            <a:r>
+              <a:rPr lang="en-US" sz="1400" dirty="0" smtClean="0">
+                <a:latin typeface="Arial" panose="020B0604020202020204" pitchFamily="34" charset="0"/>
+                <a:cs typeface="Arial" panose="020B0604020202020204" pitchFamily="34" charset="0"/>
+              </a:rPr>
+              <a:t>“Wallet”</a:t>
             </a:r>
             <a:endParaRPr lang="en-US" sz="1400" dirty="0">
               <a:latin typeface="Arial" panose="020B0604020202020204" pitchFamily="34" charset="0"/>
@@ -3928,13 +3946,13 @@
           <a:p>
             <a:pPr algn="ctr"/>
             <a:r>
-              <a:rPr lang="en-US" sz="1400" dirty="0" smtClean="0">
+              <a:rPr lang="en-US" sz="1400" i="1" dirty="0" smtClean="0">
                 <a:latin typeface="Arial" panose="020B0604020202020204" pitchFamily="34" charset="0"/>
                 <a:cs typeface="Arial" panose="020B0604020202020204" pitchFamily="34" charset="0"/>
               </a:rPr>
               <a:t>Relation</a:t>
             </a:r>
-            <a:endParaRPr lang="en-US" sz="1400" dirty="0">
+            <a:endParaRPr lang="en-US" sz="1400" i="1" dirty="0">
               <a:latin typeface="Arial" panose="020B0604020202020204" pitchFamily="34" charset="0"/>
               <a:cs typeface="Arial" panose="020B0604020202020204" pitchFamily="34" charset="0"/>
             </a:endParaRPr>
@@ -3965,13 +3983,13 @@
           <a:p>
             <a:pPr algn="ctr"/>
             <a:r>
-              <a:rPr lang="en-US" sz="1400" dirty="0" smtClean="0">
+              <a:rPr lang="en-US" sz="1400" i="1" dirty="0" smtClean="0">
                 <a:latin typeface="Arial" panose="020B0604020202020204" pitchFamily="34" charset="0"/>
                 <a:cs typeface="Arial" panose="020B0604020202020204" pitchFamily="34" charset="0"/>
               </a:rPr>
               <a:t>Relation</a:t>
             </a:r>
-            <a:endParaRPr lang="en-US" sz="1400" dirty="0">
+            <a:endParaRPr lang="en-US" sz="1400" i="1" dirty="0">
               <a:latin typeface="Arial" panose="020B0604020202020204" pitchFamily="34" charset="0"/>
               <a:cs typeface="Arial" panose="020B0604020202020204" pitchFamily="34" charset="0"/>
             </a:endParaRPr>
@@ -4002,13 +4020,13 @@
           <a:p>
             <a:pPr algn="ctr"/>
             <a:r>
-              <a:rPr lang="en-US" sz="1400" dirty="0" smtClean="0">
+              <a:rPr lang="en-US" sz="1400" i="1" dirty="0" smtClean="0">
                 <a:latin typeface="Arial" panose="020B0604020202020204" pitchFamily="34" charset="0"/>
                 <a:cs typeface="Arial" panose="020B0604020202020204" pitchFamily="34" charset="0"/>
               </a:rPr>
               <a:t>Relation</a:t>
             </a:r>
-            <a:endParaRPr lang="en-US" sz="1400" dirty="0">
+            <a:endParaRPr lang="en-US" sz="1400" i="1" dirty="0">
               <a:latin typeface="Arial" panose="020B0604020202020204" pitchFamily="34" charset="0"/>
               <a:cs typeface="Arial" panose="020B0604020202020204" pitchFamily="34" charset="0"/>
             </a:endParaRPr>
@@ -5872,8 +5890,8 @@
         </p:nvSpPr>
         <p:spPr>
           <a:xfrm>
-            <a:off x="2195736" y="260648"/>
-            <a:ext cx="4620176" cy="461665"/>
+            <a:off x="2585432" y="149151"/>
+            <a:ext cx="4005648" cy="615553"/>
           </a:xfrm>
           <a:prstGeom prst="rect">
             <a:avLst/>
@@ -5886,15 +5904,59 @@
           </a:bodyPr>
           <a:lstStyle/>
           <a:p>
-            <a:r>
-              <a:rPr lang="en-US" sz="2400" dirty="0" smtClean="0">
+            <a:pPr algn="ctr"/>
+            <a:r>
+              <a:rPr lang="en-US" sz="2000" dirty="0" smtClean="0">
                 <a:latin typeface="Arial" panose="020B0604020202020204" pitchFamily="34" charset="0"/>
                 <a:ea typeface="Segoe UI Emoji" panose="020B0502040204020203" pitchFamily="34" charset="0"/>
                 <a:cs typeface="Arial" panose="020B0604020202020204" pitchFamily="34" charset="0"/>
               </a:rPr>
-              <a:t>Enhanced “Four Corner Model”</a:t>
-            </a:r>
-            <a:endParaRPr lang="en-US" sz="2400" dirty="0">
+              <a:t>Enhanced “Four Corner Model</a:t>
+            </a:r>
+            <a:r>
+              <a:rPr lang="en-US" sz="2000" dirty="0" smtClean="0">
+                <a:latin typeface="Arial" panose="020B0604020202020204" pitchFamily="34" charset="0"/>
+                <a:ea typeface="Segoe UI Emoji" panose="020B0502040204020203" pitchFamily="34" charset="0"/>
+                <a:cs typeface="Arial" panose="020B0604020202020204" pitchFamily="34" charset="0"/>
+              </a:rPr>
+              <a:t>”</a:t>
+            </a:r>
+          </a:p>
+          <a:p>
+            <a:pPr algn="ctr"/>
+            <a:r>
+              <a:rPr lang="en-US" sz="1400" dirty="0" smtClean="0">
+                <a:latin typeface="Arial" panose="020B0604020202020204" pitchFamily="34" charset="0"/>
+                <a:ea typeface="Segoe UI Emoji" panose="020B0502040204020203" pitchFamily="34" charset="0"/>
+                <a:cs typeface="Arial" panose="020B0604020202020204" pitchFamily="34" charset="0"/>
+              </a:rPr>
+              <a:t>for </a:t>
+            </a:r>
+            <a:r>
+              <a:rPr lang="en-US" sz="1400" i="1" dirty="0" smtClean="0">
+                <a:latin typeface="Arial" panose="020B0604020202020204" pitchFamily="34" charset="0"/>
+                <a:ea typeface="Segoe UI Emoji" panose="020B0502040204020203" pitchFamily="34" charset="0"/>
+                <a:cs typeface="Arial" panose="020B0604020202020204" pitchFamily="34" charset="0"/>
+              </a:rPr>
+              <a:t>Authorizing</a:t>
+            </a:r>
+            <a:r>
+              <a:rPr lang="en-US" sz="1400" dirty="0" smtClean="0">
+                <a:latin typeface="Arial" panose="020B0604020202020204" pitchFamily="34" charset="0"/>
+                <a:ea typeface="Segoe UI Emoji" panose="020B0502040204020203" pitchFamily="34" charset="0"/>
+                <a:cs typeface="Arial" panose="020B0604020202020204" pitchFamily="34" charset="0"/>
+              </a:rPr>
+              <a:t> </a:t>
+            </a:r>
+            <a:r>
+              <a:rPr lang="en-US" sz="1400" dirty="0" smtClean="0">
+                <a:latin typeface="Arial" panose="020B0604020202020204" pitchFamily="34" charset="0"/>
+                <a:ea typeface="Segoe UI Emoji" panose="020B0502040204020203" pitchFamily="34" charset="0"/>
+                <a:cs typeface="Arial" panose="020B0604020202020204" pitchFamily="34" charset="0"/>
+              </a:rPr>
+              <a:t>Account-2-Account Transactions</a:t>
+            </a:r>
+            <a:endParaRPr lang="en-US" sz="1400" dirty="0">
               <a:latin typeface="Arial" panose="020B0604020202020204" pitchFamily="34" charset="0"/>
               <a:ea typeface="Segoe UI Emoji" panose="020B0502040204020203" pitchFamily="34" charset="0"/>
               <a:cs typeface="Arial" panose="020B0604020202020204" pitchFamily="34" charset="0"/>
@@ -5973,8 +6035,8 @@
         </p:nvSpPr>
         <p:spPr>
           <a:xfrm>
-            <a:off x="1566541" y="2222287"/>
-            <a:ext cx="1150097" cy="3287106"/>
+            <a:off x="1566541" y="2420887"/>
+            <a:ext cx="1150097" cy="3088505"/>
           </a:xfrm>
           <a:custGeom>
             <a:avLst/>
@@ -6428,9 +6490,9 @@
           <p:nvPr/>
         </p:nvCxnSpPr>
         <p:spPr>
-          <a:xfrm flipH="1">
-            <a:off x="2709243" y="1959033"/>
-            <a:ext cx="123488" cy="1249587"/>
+          <a:xfrm>
+            <a:off x="2544700" y="2103049"/>
+            <a:ext cx="164543" cy="1105571"/>
           </a:xfrm>
           <a:prstGeom prst="line">
             <a:avLst/>
@@ -6987,7 +7049,7 @@
         </p:nvSpPr>
         <p:spPr>
           <a:xfrm>
-            <a:off x="1697721" y="2833191"/>
+            <a:off x="1763688" y="2905199"/>
             <a:ext cx="930062" cy="307777"/>
           </a:xfrm>
           <a:prstGeom prst="rect">
@@ -7668,12 +7730,12 @@
         </p:nvSpPr>
         <p:spPr>
           <a:xfrm>
-            <a:off x="3025667" y="4763721"/>
-            <a:ext cx="1457103" cy="263366"/>
+            <a:off x="2973749" y="4702467"/>
+            <a:ext cx="1560940" cy="526733"/>
           </a:xfrm>
           <a:prstGeom prst="roundRect">
             <a:avLst>
-              <a:gd name="adj" fmla="val 32052"/>
+              <a:gd name="adj" fmla="val 19811"/>
             </a:avLst>
           </a:prstGeom>
           <a:solidFill>
@@ -7711,7 +7773,24 @@
                 <a:latin typeface="Arial" panose="020B0604020202020204" pitchFamily="34" charset="0"/>
                 <a:cs typeface="Arial" panose="020B0604020202020204" pitchFamily="34" charset="0"/>
               </a:rPr>
-              <a:t> “Commit”</a:t>
+              <a:t> “Commit</a:t>
+            </a:r>
+            <a:r>
+              <a:rPr lang="en-US" sz="1400" dirty="0" smtClean="0">
+                <a:latin typeface="Arial" panose="020B0604020202020204" pitchFamily="34" charset="0"/>
+                <a:cs typeface="Arial" panose="020B0604020202020204" pitchFamily="34" charset="0"/>
+              </a:rPr>
+              <a:t>”</a:t>
+            </a:r>
+          </a:p>
+          <a:p>
+            <a:pPr algn="ctr"/>
+            <a:r>
+              <a:rPr lang="en-US" sz="1400" dirty="0" smtClean="0">
+                <a:latin typeface="Arial" panose="020B0604020202020204" pitchFamily="34" charset="0"/>
+                <a:cs typeface="Arial" panose="020B0604020202020204" pitchFamily="34" charset="0"/>
+              </a:rPr>
+              <a:t>(Payment Order)</a:t>
             </a:r>
             <a:endParaRPr lang="en-US" sz="1400" dirty="0">
               <a:latin typeface="Arial" panose="020B0604020202020204" pitchFamily="34" charset="0"/>
@@ -7728,8 +7807,8 @@
         </p:nvSpPr>
         <p:spPr>
           <a:xfrm>
-            <a:off x="4515921" y="1052736"/>
-            <a:ext cx="2950194" cy="1169551"/>
+            <a:off x="4139952" y="1340768"/>
+            <a:ext cx="4032448" cy="954107"/>
           </a:xfrm>
           <a:prstGeom prst="rect">
             <a:avLst/>
@@ -7916,11 +7995,13 @@
         </p:nvSpPr>
         <p:spPr>
           <a:xfrm>
-            <a:off x="3604462" y="2253119"/>
-            <a:ext cx="847487" cy="715089"/>
+            <a:off x="2950604" y="2671996"/>
+            <a:ext cx="2197460" cy="252948"/>
           </a:xfrm>
           <a:prstGeom prst="roundRect">
-            <a:avLst/>
+            <a:avLst>
+              <a:gd name="adj" fmla="val 26503"/>
+            </a:avLst>
           </a:prstGeom>
           <a:solidFill>
             <a:schemeClr val="bg1"/>
@@ -7934,7 +8015,7 @@
           </a:ln>
         </p:spPr>
         <p:txBody>
-          <a:bodyPr wrap="none" lIns="36000" tIns="0" rIns="36000" bIns="0" rtlCol="0" anchor="ctr" anchorCtr="0">
+          <a:bodyPr wrap="none" lIns="72000" tIns="0" rIns="72000" bIns="0" rtlCol="0" anchor="ctr" anchorCtr="0">
             <a:spAutoFit/>
           </a:bodyPr>
           <a:lstStyle/>
@@ -7950,37 +8031,14 @@
                 <a:latin typeface="Arial" panose="020B0604020202020204" pitchFamily="34" charset="0"/>
                 <a:cs typeface="Arial" panose="020B0604020202020204" pitchFamily="34" charset="0"/>
               </a:rPr>
-              <a:t>Signed</a:t>
+              <a:t>Signed </a:t>
             </a:r>
             <a:r>
               <a:rPr lang="en-US" sz="1400" dirty="0" smtClean="0">
                 <a:latin typeface="Arial" panose="020B0604020202020204" pitchFamily="34" charset="0"/>
                 <a:cs typeface="Arial" panose="020B0604020202020204" pitchFamily="34" charset="0"/>
               </a:rPr>
-              <a:t/>
-            </a:r>
-            <a:br>
-              <a:rPr lang="en-US" sz="1400" dirty="0" smtClean="0">
-                <a:latin typeface="Arial" panose="020B0604020202020204" pitchFamily="34" charset="0"/>
-                <a:cs typeface="Arial" panose="020B0604020202020204" pitchFamily="34" charset="0"/>
-              </a:rPr>
-            </a:br>
-            <a:r>
-              <a:rPr lang="en-US" sz="1400" dirty="0" smtClean="0">
-                <a:latin typeface="Arial" panose="020B0604020202020204" pitchFamily="34" charset="0"/>
-                <a:cs typeface="Arial" panose="020B0604020202020204" pitchFamily="34" charset="0"/>
-              </a:rPr>
-              <a:t>Payment</a:t>
-            </a:r>
-          </a:p>
-          <a:p>
-            <a:pPr algn="ctr"/>
-            <a:r>
-              <a:rPr lang="en-US" sz="1400" dirty="0" smtClean="0">
-                <a:latin typeface="Arial" panose="020B0604020202020204" pitchFamily="34" charset="0"/>
-                <a:cs typeface="Arial" panose="020B0604020202020204" pitchFamily="34" charset="0"/>
-              </a:rPr>
-              <a:t>Request</a:t>
+              <a:t>Payment Request</a:t>
             </a:r>
             <a:endParaRPr lang="en-US" sz="1400" dirty="0">
               <a:latin typeface="Arial" panose="020B0604020202020204" pitchFamily="34" charset="0"/>
@@ -8313,7 +8371,7 @@
         </p:nvGrpSpPr>
         <p:grpSpPr>
           <a:xfrm>
-            <a:off x="2195735" y="1306878"/>
+            <a:off x="1907704" y="1450894"/>
             <a:ext cx="1273991" cy="825978"/>
             <a:chOff x="1065761" y="1512050"/>
             <a:chExt cx="1273991" cy="825978"/>
@@ -8542,7 +8600,7 @@
         </p:nvGrpSpPr>
         <p:grpSpPr>
           <a:xfrm>
-            <a:off x="3037678" y="1124744"/>
+            <a:off x="2749647" y="1268760"/>
             <a:ext cx="1273991" cy="825978"/>
             <a:chOff x="1065761" y="1512050"/>
             <a:chExt cx="1273991" cy="825978"/>
@@ -8771,7 +8829,7 @@
         </p:nvGrpSpPr>
         <p:grpSpPr>
           <a:xfrm>
-            <a:off x="2597974" y="627832"/>
+            <a:off x="2843808" y="755410"/>
             <a:ext cx="389850" cy="369332"/>
             <a:chOff x="7769835" y="3418564"/>
             <a:chExt cx="389850" cy="369332"/>
@@ -8864,7 +8922,7 @@
         </p:nvSpPr>
         <p:spPr>
           <a:xfrm>
-            <a:off x="2823239" y="654852"/>
+            <a:off x="3069073" y="782430"/>
             <a:ext cx="288862" cy="307777"/>
           </a:xfrm>
           <a:prstGeom prst="rect">
@@ -8897,7 +8955,7 @@
         </p:nvSpPr>
         <p:spPr>
           <a:xfrm>
-            <a:off x="3380598" y="657862"/>
+            <a:off x="3626432" y="785440"/>
             <a:ext cx="2612510" cy="307777"/>
           </a:xfrm>
           <a:prstGeom prst="rect">
@@ -8934,7 +8992,7 @@
         </p:nvSpPr>
         <p:spPr>
           <a:xfrm>
-            <a:off x="7850" y="6646492"/>
+            <a:off x="-6432" y="6646492"/>
             <a:ext cx="1593706" cy="215444"/>
           </a:xfrm>
           <a:prstGeom prst="rect">
@@ -9070,7 +9128,7 @@
         </p:blipFill>
         <p:spPr>
           <a:xfrm>
-            <a:off x="223992" y="192348"/>
+            <a:off x="179512" y="192348"/>
             <a:ext cx="1035640" cy="356332"/>
           </a:xfrm>
           <a:prstGeom prst="rect">
@@ -9179,7 +9237,7 @@
         </p:nvGrpSpPr>
         <p:grpSpPr>
           <a:xfrm>
-            <a:off x="2958014" y="627834"/>
+            <a:off x="3203848" y="755412"/>
             <a:ext cx="389850" cy="369332"/>
             <a:chOff x="7769835" y="3418564"/>
             <a:chExt cx="389850" cy="369332"/>
@@ -9423,7 +9481,7 @@
         </p:nvSpPr>
         <p:spPr>
           <a:xfrm>
-            <a:off x="7164287" y="3236075"/>
+            <a:off x="7164287" y="3224043"/>
             <a:ext cx="855166" cy="238363"/>
           </a:xfrm>
           <a:prstGeom prst="roundRect">
@@ -9513,7 +9571,7 @@
         </p:nvSpPr>
         <p:spPr>
           <a:xfrm>
-            <a:off x="3283002" y="754638"/>
+            <a:off x="3528836" y="882216"/>
             <a:ext cx="148482" cy="108000"/>
           </a:xfrm>
           <a:prstGeom prst="rightArrow">

--- a/saturn/enhanced-four-corner-model.pptx
+++ b/saturn/enhanced-four-corner-model.pptx
@@ -3818,10 +3818,6 @@
               </a:rPr>
               <a:t>User with </a:t>
             </a:r>
-            <a:endParaRPr lang="en-US" sz="1400" dirty="0" smtClean="0">
-              <a:latin typeface="Arial" panose="020B0604020202020204" pitchFamily="34" charset="0"/>
-              <a:cs typeface="Arial" panose="020B0604020202020204" pitchFamily="34" charset="0"/>
-            </a:endParaRPr>
           </a:p>
           <a:p>
             <a:pPr algn="ctr"/>
@@ -3830,14 +3826,7 @@
                 <a:latin typeface="Arial" panose="020B0604020202020204" pitchFamily="34" charset="0"/>
                 <a:cs typeface="Arial" panose="020B0604020202020204" pitchFamily="34" charset="0"/>
               </a:rPr>
-              <a:t>Mobile </a:t>
-            </a:r>
-            <a:r>
-              <a:rPr lang="en-US" sz="1400" dirty="0" smtClean="0">
-                <a:latin typeface="Arial" panose="020B0604020202020204" pitchFamily="34" charset="0"/>
-                <a:cs typeface="Arial" panose="020B0604020202020204" pitchFamily="34" charset="0"/>
-              </a:rPr>
-              <a:t>“Wallet”</a:t>
+              <a:t>Mobile “Wallet”</a:t>
             </a:r>
             <a:endParaRPr lang="en-US" sz="1400" dirty="0">
               <a:latin typeface="Arial" panose="020B0604020202020204" pitchFamily="34" charset="0"/>
@@ -5890,8 +5879,8 @@
         </p:nvSpPr>
         <p:spPr>
           <a:xfrm>
-            <a:off x="2585432" y="149151"/>
-            <a:ext cx="4005648" cy="615553"/>
+            <a:off x="1324002" y="149151"/>
+            <a:ext cx="6528518" cy="615553"/>
           </a:xfrm>
           <a:prstGeom prst="rect">
             <a:avLst/>
@@ -5911,15 +5900,7 @@
                 <a:ea typeface="Segoe UI Emoji" panose="020B0502040204020203" pitchFamily="34" charset="0"/>
                 <a:cs typeface="Arial" panose="020B0604020202020204" pitchFamily="34" charset="0"/>
               </a:rPr>
-              <a:t>Enhanced “Four Corner Model</a:t>
-            </a:r>
-            <a:r>
-              <a:rPr lang="en-US" sz="2000" dirty="0" smtClean="0">
-                <a:latin typeface="Arial" panose="020B0604020202020204" pitchFamily="34" charset="0"/>
-                <a:ea typeface="Segoe UI Emoji" panose="020B0502040204020203" pitchFamily="34" charset="0"/>
-                <a:cs typeface="Arial" panose="020B0604020202020204" pitchFamily="34" charset="0"/>
-              </a:rPr>
-              <a:t>”</a:t>
+              <a:t>Enhanced “Four Corner Model”</a:t>
             </a:r>
           </a:p>
           <a:p>
@@ -5946,7 +5927,7 @@
                 <a:ea typeface="Segoe UI Emoji" panose="020B0502040204020203" pitchFamily="34" charset="0"/>
                 <a:cs typeface="Arial" panose="020B0604020202020204" pitchFamily="34" charset="0"/>
               </a:rPr>
-              <a:t> </a:t>
+              <a:t> Account-2-Account </a:t>
             </a:r>
             <a:r>
               <a:rPr lang="en-US" sz="1400" dirty="0" smtClean="0">
@@ -5954,7 +5935,7 @@
                 <a:ea typeface="Segoe UI Emoji" panose="020B0502040204020203" pitchFamily="34" charset="0"/>
                 <a:cs typeface="Arial" panose="020B0604020202020204" pitchFamily="34" charset="0"/>
               </a:rPr>
-              <a:t>Account-2-Account Transactions</a:t>
+              <a:t>Transactions without “Trusted Intermediaries”</a:t>
             </a:r>
             <a:endParaRPr lang="en-US" sz="1400" dirty="0">
               <a:latin typeface="Arial" panose="020B0604020202020204" pitchFamily="34" charset="0"/>
@@ -7773,14 +7754,7 @@
                 <a:latin typeface="Arial" panose="020B0604020202020204" pitchFamily="34" charset="0"/>
                 <a:cs typeface="Arial" panose="020B0604020202020204" pitchFamily="34" charset="0"/>
               </a:rPr>
-              <a:t> “Commit</a:t>
-            </a:r>
-            <a:r>
-              <a:rPr lang="en-US" sz="1400" dirty="0" smtClean="0">
-                <a:latin typeface="Arial" panose="020B0604020202020204" pitchFamily="34" charset="0"/>
-                <a:cs typeface="Arial" panose="020B0604020202020204" pitchFamily="34" charset="0"/>
-              </a:rPr>
-              <a:t>”</a:t>
+              <a:t> “Commit”</a:t>
             </a:r>
           </a:p>
           <a:p>
@@ -9128,7 +9102,7 @@
         </p:blipFill>
         <p:spPr>
           <a:xfrm>
-            <a:off x="179512" y="192348"/>
+            <a:off x="179512" y="180624"/>
             <a:ext cx="1035640" cy="356332"/>
           </a:xfrm>
           <a:prstGeom prst="rect">

--- a/saturn/enhanced-four-corner-model.pptx
+++ b/saturn/enhanced-four-corner-model.pptx
@@ -288,7 +288,7 @@
           <a:p>
             <a:fld id="{FC080E38-6FF2-48B3-BDAB-4FA23B840E92}" type="datetimeFigureOut">
               <a:rPr lang="en-US" smtClean="0"/>
-              <a:t>2019-08-17</a:t>
+              <a:t>2019-08-19</a:t>
             </a:fld>
             <a:endParaRPr lang="en-US"/>
           </a:p>
@@ -458,7 +458,7 @@
           <a:p>
             <a:fld id="{FC080E38-6FF2-48B3-BDAB-4FA23B840E92}" type="datetimeFigureOut">
               <a:rPr lang="en-US" smtClean="0"/>
-              <a:t>2019-08-17</a:t>
+              <a:t>2019-08-19</a:t>
             </a:fld>
             <a:endParaRPr lang="en-US"/>
           </a:p>
@@ -638,7 +638,7 @@
           <a:p>
             <a:fld id="{FC080E38-6FF2-48B3-BDAB-4FA23B840E92}" type="datetimeFigureOut">
               <a:rPr lang="en-US" smtClean="0"/>
-              <a:t>2019-08-17</a:t>
+              <a:t>2019-08-19</a:t>
             </a:fld>
             <a:endParaRPr lang="en-US"/>
           </a:p>
@@ -808,7 +808,7 @@
           <a:p>
             <a:fld id="{FC080E38-6FF2-48B3-BDAB-4FA23B840E92}" type="datetimeFigureOut">
               <a:rPr lang="en-US" smtClean="0"/>
-              <a:t>2019-08-17</a:t>
+              <a:t>2019-08-19</a:t>
             </a:fld>
             <a:endParaRPr lang="en-US"/>
           </a:p>
@@ -1054,7 +1054,7 @@
           <a:p>
             <a:fld id="{FC080E38-6FF2-48B3-BDAB-4FA23B840E92}" type="datetimeFigureOut">
               <a:rPr lang="en-US" smtClean="0"/>
-              <a:t>2019-08-17</a:t>
+              <a:t>2019-08-19</a:t>
             </a:fld>
             <a:endParaRPr lang="en-US"/>
           </a:p>
@@ -1342,7 +1342,7 @@
           <a:p>
             <a:fld id="{FC080E38-6FF2-48B3-BDAB-4FA23B840E92}" type="datetimeFigureOut">
               <a:rPr lang="en-US" smtClean="0"/>
-              <a:t>2019-08-17</a:t>
+              <a:t>2019-08-19</a:t>
             </a:fld>
             <a:endParaRPr lang="en-US"/>
           </a:p>
@@ -1764,7 +1764,7 @@
           <a:p>
             <a:fld id="{FC080E38-6FF2-48B3-BDAB-4FA23B840E92}" type="datetimeFigureOut">
               <a:rPr lang="en-US" smtClean="0"/>
-              <a:t>2019-08-17</a:t>
+              <a:t>2019-08-19</a:t>
             </a:fld>
             <a:endParaRPr lang="en-US"/>
           </a:p>
@@ -1882,7 +1882,7 @@
           <a:p>
             <a:fld id="{FC080E38-6FF2-48B3-BDAB-4FA23B840E92}" type="datetimeFigureOut">
               <a:rPr lang="en-US" smtClean="0"/>
-              <a:t>2019-08-17</a:t>
+              <a:t>2019-08-19</a:t>
             </a:fld>
             <a:endParaRPr lang="en-US"/>
           </a:p>
@@ -1977,7 +1977,7 @@
           <a:p>
             <a:fld id="{FC080E38-6FF2-48B3-BDAB-4FA23B840E92}" type="datetimeFigureOut">
               <a:rPr lang="en-US" smtClean="0"/>
-              <a:t>2019-08-17</a:t>
+              <a:t>2019-08-19</a:t>
             </a:fld>
             <a:endParaRPr lang="en-US"/>
           </a:p>
@@ -2254,7 +2254,7 @@
           <a:p>
             <a:fld id="{FC080E38-6FF2-48B3-BDAB-4FA23B840E92}" type="datetimeFigureOut">
               <a:rPr lang="en-US" smtClean="0"/>
-              <a:t>2019-08-17</a:t>
+              <a:t>2019-08-19</a:t>
             </a:fld>
             <a:endParaRPr lang="en-US"/>
           </a:p>
@@ -2507,7 +2507,7 @@
           <a:p>
             <a:fld id="{FC080E38-6FF2-48B3-BDAB-4FA23B840E92}" type="datetimeFigureOut">
               <a:rPr lang="en-US" smtClean="0"/>
-              <a:t>2019-08-17</a:t>
+              <a:t>2019-08-19</a:t>
             </a:fld>
             <a:endParaRPr lang="en-US"/>
           </a:p>
@@ -2720,7 +2720,7 @@
           <a:p>
             <a:fld id="{FC080E38-6FF2-48B3-BDAB-4FA23B840E92}" type="datetimeFigureOut">
               <a:rPr lang="en-US" smtClean="0"/>
-              <a:t>2019-08-17</a:t>
+              <a:t>2019-08-19</a:t>
             </a:fld>
             <a:endParaRPr lang="en-US"/>
           </a:p>
@@ -5927,15 +5927,7 @@
                 <a:ea typeface="Segoe UI Emoji" panose="020B0502040204020203" pitchFamily="34" charset="0"/>
                 <a:cs typeface="Arial" panose="020B0604020202020204" pitchFamily="34" charset="0"/>
               </a:rPr>
-              <a:t> Account-2-Account </a:t>
-            </a:r>
-            <a:r>
-              <a:rPr lang="en-US" sz="1400" dirty="0" smtClean="0">
-                <a:latin typeface="Arial" panose="020B0604020202020204" pitchFamily="34" charset="0"/>
-                <a:ea typeface="Segoe UI Emoji" panose="020B0502040204020203" pitchFamily="34" charset="0"/>
-                <a:cs typeface="Arial" panose="020B0604020202020204" pitchFamily="34" charset="0"/>
-              </a:rPr>
-              <a:t>Transactions without “Trusted Intermediaries”</a:t>
+              <a:t> Account-2-Account Transactions without “Trusted Intermediaries”</a:t>
             </a:r>
             <a:endParaRPr lang="en-US" sz="1400" dirty="0">
               <a:latin typeface="Arial" panose="020B0604020202020204" pitchFamily="34" charset="0"/>
@@ -7782,7 +7774,7 @@
         <p:spPr>
           <a:xfrm>
             <a:off x="4139952" y="1340768"/>
-            <a:ext cx="4032448" cy="954107"/>
+            <a:ext cx="4320480" cy="954107"/>
           </a:xfrm>
           <a:prstGeom prst="rect">
             <a:avLst/>
@@ -7833,7 +7825,14 @@
                 <a:latin typeface="Arial" panose="020B0604020202020204" pitchFamily="34" charset="0"/>
                 <a:cs typeface="Arial" panose="020B0604020202020204" pitchFamily="34" charset="0"/>
               </a:rPr>
-              <a:t>pdated JSON objects </a:t>
+              <a:t>pdated JSON </a:t>
+            </a:r>
+            <a:r>
+              <a:rPr lang="en-US" sz="1400" i="1" dirty="0" smtClean="0">
+                <a:latin typeface="Arial" panose="020B0604020202020204" pitchFamily="34" charset="0"/>
+                <a:cs typeface="Arial" panose="020B0604020202020204" pitchFamily="34" charset="0"/>
+              </a:rPr>
+              <a:t>Authority Objects </a:t>
             </a:r>
             <a:r>
               <a:rPr lang="en-US" sz="1400" dirty="0" smtClean="0">
@@ -8967,7 +8966,7 @@
         <p:spPr>
           <a:xfrm>
             <a:off x="-6432" y="6646492"/>
-            <a:ext cx="1593706" cy="215444"/>
+            <a:ext cx="1651414" cy="215444"/>
           </a:xfrm>
           <a:prstGeom prst="rect">
             <a:avLst/>
@@ -8988,7 +8987,7 @@
                 <a:latin typeface="Arial" panose="020B0604020202020204" pitchFamily="34" charset="0"/>
                 <a:cs typeface="Arial" panose="020B0604020202020204" pitchFamily="34" charset="0"/>
               </a:rPr>
-              <a:t>V0.9, </a:t>
+              <a:t>V0.91, </a:t>
             </a:r>
             <a:r>
               <a:rPr lang="en-US" sz="800" dirty="0" err="1" smtClean="0">
@@ -9002,7 +9001,14 @@
                 <a:latin typeface="Arial" panose="020B0604020202020204" pitchFamily="34" charset="0"/>
                 <a:cs typeface="Arial" panose="020B0604020202020204" pitchFamily="34" charset="0"/>
               </a:rPr>
-              <a:t>, 2019-08-16</a:t>
+              <a:t>, </a:t>
+            </a:r>
+            <a:r>
+              <a:rPr lang="en-US" sz="800" dirty="0" smtClean="0">
+                <a:latin typeface="Arial" panose="020B0604020202020204" pitchFamily="34" charset="0"/>
+                <a:cs typeface="Arial" panose="020B0604020202020204" pitchFamily="34" charset="0"/>
+              </a:rPr>
+              <a:t>2019-08-19</a:t>
             </a:r>
             <a:endParaRPr lang="en-US" sz="800" dirty="0">
               <a:latin typeface="Arial" panose="020B0604020202020204" pitchFamily="34" charset="0"/>
@@ -9582,6 +9588,75 @@
           <a:p>
             <a:pPr algn="ctr"/>
             <a:endParaRPr lang="en-US"/>
+          </a:p>
+        </p:txBody>
+      </p:sp>
+      <p:sp>
+        <p:nvSpPr>
+          <p:cNvPr id="12" name="7-Point Star 11"/>
+          <p:cNvSpPr/>
+          <p:nvPr/>
+        </p:nvSpPr>
+        <p:spPr>
+          <a:xfrm>
+            <a:off x="5400128" y="4916924"/>
+            <a:ext cx="324000" cy="324000"/>
+          </a:xfrm>
+          <a:prstGeom prst="star7">
+            <a:avLst>
+              <a:gd name="adj" fmla="val 22564"/>
+              <a:gd name="hf" fmla="val 102572"/>
+              <a:gd name="vf" fmla="val 105210"/>
+            </a:avLst>
+          </a:prstGeom>
+          <a:solidFill>
+            <a:srgbClr val="FFFF00"/>
+          </a:solidFill>
+          <a:ln w="12700">
+            <a:solidFill>
+              <a:schemeClr val="accent6">
+                <a:lumMod val="75000"/>
+              </a:schemeClr>
+            </a:solidFill>
+          </a:ln>
+          <a:effectLst>
+            <a:outerShdw blurRad="50800" dist="38100" dir="2700000" algn="tl" rotWithShape="0">
+              <a:prstClr val="black">
+                <a:alpha val="40000"/>
+              </a:prstClr>
+            </a:outerShdw>
+          </a:effectLst>
+        </p:spPr>
+        <p:style>
+          <a:lnRef idx="2">
+            <a:schemeClr val="accent1">
+              <a:shade val="50000"/>
+            </a:schemeClr>
+          </a:lnRef>
+          <a:fillRef idx="1">
+            <a:schemeClr val="accent1"/>
+          </a:fillRef>
+          <a:effectRef idx="0">
+            <a:schemeClr val="accent1"/>
+          </a:effectRef>
+          <a:fontRef idx="minor">
+            <a:schemeClr val="lt1"/>
+          </a:fontRef>
+        </p:style>
+        <p:txBody>
+          <a:bodyPr wrap="none" lIns="0" tIns="0" rIns="0" bIns="0" rtlCol="0" anchor="ctr">
+            <a:spAutoFit/>
+          </a:bodyPr>
+          <a:lstStyle/>
+          <a:p>
+            <a:pPr algn="ctr"/>
+            <a:endParaRPr lang="en-US" sz="1400" dirty="0">
+              <a:solidFill>
+                <a:schemeClr val="tx1"/>
+              </a:solidFill>
+              <a:latin typeface="Arial" panose="020B0604020202020204" pitchFamily="34" charset="0"/>
+              <a:cs typeface="Arial" panose="020B0604020202020204" pitchFamily="34" charset="0"/>
+            </a:endParaRPr>
           </a:p>
         </p:txBody>
       </p:sp>

--- a/saturn/enhanced-four-corner-model.pptx
+++ b/saturn/enhanced-four-corner-model.pptx
@@ -288,7 +288,7 @@
           <a:p>
             <a:fld id="{FC080E38-6FF2-48B3-BDAB-4FA23B840E92}" type="datetimeFigureOut">
               <a:rPr lang="en-US" smtClean="0"/>
-              <a:t>2019-08-19</a:t>
+              <a:t>2019-09-02</a:t>
             </a:fld>
             <a:endParaRPr lang="en-US"/>
           </a:p>
@@ -458,7 +458,7 @@
           <a:p>
             <a:fld id="{FC080E38-6FF2-48B3-BDAB-4FA23B840E92}" type="datetimeFigureOut">
               <a:rPr lang="en-US" smtClean="0"/>
-              <a:t>2019-08-19</a:t>
+              <a:t>2019-09-02</a:t>
             </a:fld>
             <a:endParaRPr lang="en-US"/>
           </a:p>
@@ -638,7 +638,7 @@
           <a:p>
             <a:fld id="{FC080E38-6FF2-48B3-BDAB-4FA23B840E92}" type="datetimeFigureOut">
               <a:rPr lang="en-US" smtClean="0"/>
-              <a:t>2019-08-19</a:t>
+              <a:t>2019-09-02</a:t>
             </a:fld>
             <a:endParaRPr lang="en-US"/>
           </a:p>
@@ -808,7 +808,7 @@
           <a:p>
             <a:fld id="{FC080E38-6FF2-48B3-BDAB-4FA23B840E92}" type="datetimeFigureOut">
               <a:rPr lang="en-US" smtClean="0"/>
-              <a:t>2019-08-19</a:t>
+              <a:t>2019-09-02</a:t>
             </a:fld>
             <a:endParaRPr lang="en-US"/>
           </a:p>
@@ -1054,7 +1054,7 @@
           <a:p>
             <a:fld id="{FC080E38-6FF2-48B3-BDAB-4FA23B840E92}" type="datetimeFigureOut">
               <a:rPr lang="en-US" smtClean="0"/>
-              <a:t>2019-08-19</a:t>
+              <a:t>2019-09-02</a:t>
             </a:fld>
             <a:endParaRPr lang="en-US"/>
           </a:p>
@@ -1342,7 +1342,7 @@
           <a:p>
             <a:fld id="{FC080E38-6FF2-48B3-BDAB-4FA23B840E92}" type="datetimeFigureOut">
               <a:rPr lang="en-US" smtClean="0"/>
-              <a:t>2019-08-19</a:t>
+              <a:t>2019-09-02</a:t>
             </a:fld>
             <a:endParaRPr lang="en-US"/>
           </a:p>
@@ -1764,7 +1764,7 @@
           <a:p>
             <a:fld id="{FC080E38-6FF2-48B3-BDAB-4FA23B840E92}" type="datetimeFigureOut">
               <a:rPr lang="en-US" smtClean="0"/>
-              <a:t>2019-08-19</a:t>
+              <a:t>2019-09-02</a:t>
             </a:fld>
             <a:endParaRPr lang="en-US"/>
           </a:p>
@@ -1882,7 +1882,7 @@
           <a:p>
             <a:fld id="{FC080E38-6FF2-48B3-BDAB-4FA23B840E92}" type="datetimeFigureOut">
               <a:rPr lang="en-US" smtClean="0"/>
-              <a:t>2019-08-19</a:t>
+              <a:t>2019-09-02</a:t>
             </a:fld>
             <a:endParaRPr lang="en-US"/>
           </a:p>
@@ -1977,7 +1977,7 @@
           <a:p>
             <a:fld id="{FC080E38-6FF2-48B3-BDAB-4FA23B840E92}" type="datetimeFigureOut">
               <a:rPr lang="en-US" smtClean="0"/>
-              <a:t>2019-08-19</a:t>
+              <a:t>2019-09-02</a:t>
             </a:fld>
             <a:endParaRPr lang="en-US"/>
           </a:p>
@@ -2254,7 +2254,7 @@
           <a:p>
             <a:fld id="{FC080E38-6FF2-48B3-BDAB-4FA23B840E92}" type="datetimeFigureOut">
               <a:rPr lang="en-US" smtClean="0"/>
-              <a:t>2019-08-19</a:t>
+              <a:t>2019-09-02</a:t>
             </a:fld>
             <a:endParaRPr lang="en-US"/>
           </a:p>
@@ -2507,7 +2507,7 @@
           <a:p>
             <a:fld id="{FC080E38-6FF2-48B3-BDAB-4FA23B840E92}" type="datetimeFigureOut">
               <a:rPr lang="en-US" smtClean="0"/>
-              <a:t>2019-08-19</a:t>
+              <a:t>2019-09-02</a:t>
             </a:fld>
             <a:endParaRPr lang="en-US"/>
           </a:p>
@@ -2720,7 +2720,7 @@
           <a:p>
             <a:fld id="{FC080E38-6FF2-48B3-BDAB-4FA23B840E92}" type="datetimeFigureOut">
               <a:rPr lang="en-US" smtClean="0"/>
-              <a:t>2019-08-19</a:t>
+              <a:t>2019-09-02</a:t>
             </a:fld>
             <a:endParaRPr lang="en-US"/>
           </a:p>
@@ -3603,14 +3603,12 @@
       <p:cxnSp>
         <p:nvCxnSpPr>
           <p:cNvPr id="35" name="Straight Connector 34"/>
-          <p:cNvCxnSpPr>
-            <a:stCxn id="179" idx="0"/>
-          </p:cNvCxnSpPr>
+          <p:cNvCxnSpPr/>
           <p:nvPr/>
         </p:nvCxnSpPr>
         <p:spPr>
           <a:xfrm flipH="1" flipV="1">
-            <a:off x="3692992" y="2826514"/>
+            <a:off x="3707903" y="2826514"/>
             <a:ext cx="1" cy="493579"/>
           </a:xfrm>
           <a:prstGeom prst="line">
@@ -3684,7 +3682,7 @@
         </p:nvCxnSpPr>
         <p:spPr>
           <a:xfrm flipH="1">
-            <a:off x="3113886" y="5748645"/>
+            <a:off x="3113886" y="5668709"/>
             <a:ext cx="3060000" cy="0"/>
           </a:xfrm>
           <a:prstGeom prst="straightConnector1">
@@ -3919,7 +3917,7 @@
         </p:nvSpPr>
         <p:spPr>
           <a:xfrm>
-            <a:off x="4211959" y="5453152"/>
+            <a:off x="4211959" y="5373216"/>
             <a:ext cx="841898" cy="307777"/>
           </a:xfrm>
           <a:prstGeom prst="rect">
@@ -7825,14 +7823,7 @@
                 <a:latin typeface="Arial" panose="020B0604020202020204" pitchFamily="34" charset="0"/>
                 <a:cs typeface="Arial" panose="020B0604020202020204" pitchFamily="34" charset="0"/>
               </a:rPr>
-              <a:t>pdated JSON </a:t>
-            </a:r>
-            <a:r>
-              <a:rPr lang="en-US" sz="1400" i="1" dirty="0" smtClean="0">
-                <a:latin typeface="Arial" panose="020B0604020202020204" pitchFamily="34" charset="0"/>
-                <a:cs typeface="Arial" panose="020B0604020202020204" pitchFamily="34" charset="0"/>
-              </a:rPr>
-              <a:t>Authority Objects </a:t>
+              <a:t>pdated JSON Authority Objects </a:t>
             </a:r>
             <a:r>
               <a:rPr lang="en-US" sz="1400" dirty="0" smtClean="0">
@@ -8987,7 +8978,7 @@
                 <a:latin typeface="Arial" panose="020B0604020202020204" pitchFamily="34" charset="0"/>
                 <a:cs typeface="Arial" panose="020B0604020202020204" pitchFamily="34" charset="0"/>
               </a:rPr>
-              <a:t>V0.91, </a:t>
+              <a:t>V0.92, </a:t>
             </a:r>
             <a:r>
               <a:rPr lang="en-US" sz="800" dirty="0" err="1" smtClean="0">
@@ -9008,7 +8999,7 @@
                 <a:latin typeface="Arial" panose="020B0604020202020204" pitchFamily="34" charset="0"/>
                 <a:cs typeface="Arial" panose="020B0604020202020204" pitchFamily="34" charset="0"/>
               </a:rPr>
-              <a:t>2019-08-19</a:t>
+              <a:t>2019-09-02</a:t>
             </a:r>
             <a:endParaRPr lang="en-US" sz="800" dirty="0">
               <a:latin typeface="Arial" panose="020B0604020202020204" pitchFamily="34" charset="0"/>
@@ -9654,6 +9645,107 @@
               <a:solidFill>
                 <a:schemeClr val="tx1"/>
               </a:solidFill>
+              <a:latin typeface="Arial" panose="020B0604020202020204" pitchFamily="34" charset="0"/>
+              <a:cs typeface="Arial" panose="020B0604020202020204" pitchFamily="34" charset="0"/>
+            </a:endParaRPr>
+          </a:p>
+        </p:txBody>
+      </p:sp>
+      <p:sp>
+        <p:nvSpPr>
+          <p:cNvPr id="9" name="Left-Right Arrow 8"/>
+          <p:cNvSpPr/>
+          <p:nvPr/>
+        </p:nvSpPr>
+        <p:spPr>
+          <a:xfrm>
+            <a:off x="3113886" y="5738938"/>
+            <a:ext cx="3060000" cy="175030"/>
+          </a:xfrm>
+          <a:prstGeom prst="leftRightArrow">
+            <a:avLst/>
+          </a:prstGeom>
+          <a:gradFill>
+            <a:gsLst>
+              <a:gs pos="0">
+                <a:srgbClr val="FBEAC7"/>
+              </a:gs>
+              <a:gs pos="17999">
+                <a:srgbClr val="FEE7F2"/>
+              </a:gs>
+              <a:gs pos="36000">
+                <a:srgbClr val="FAC77D"/>
+              </a:gs>
+              <a:gs pos="61000">
+                <a:srgbClr val="FBA97D"/>
+              </a:gs>
+              <a:gs pos="82001">
+                <a:srgbClr val="FBD49C"/>
+              </a:gs>
+              <a:gs pos="100000">
+                <a:srgbClr val="FEE7F2"/>
+              </a:gs>
+            </a:gsLst>
+            <a:lin ang="5400000" scaled="0"/>
+          </a:gradFill>
+          <a:ln w="6350"/>
+        </p:spPr>
+        <p:style>
+          <a:lnRef idx="2">
+            <a:schemeClr val="accent1">
+              <a:shade val="50000"/>
+            </a:schemeClr>
+          </a:lnRef>
+          <a:fillRef idx="1">
+            <a:schemeClr val="accent1"/>
+          </a:fillRef>
+          <a:effectRef idx="0">
+            <a:schemeClr val="accent1"/>
+          </a:effectRef>
+          <a:fontRef idx="minor">
+            <a:schemeClr val="lt1"/>
+          </a:fontRef>
+        </p:style>
+        <p:txBody>
+          <a:bodyPr rtlCol="0" anchor="ctr"/>
+          <a:lstStyle/>
+          <a:p>
+            <a:pPr algn="ctr"/>
+            <a:endParaRPr lang="en-US"/>
+          </a:p>
+        </p:txBody>
+      </p:sp>
+      <p:sp>
+        <p:nvSpPr>
+          <p:cNvPr id="135" name="TextBox 134"/>
+          <p:cNvSpPr txBox="1"/>
+          <p:nvPr/>
+        </p:nvSpPr>
+        <p:spPr>
+          <a:xfrm>
+            <a:off x="3635896" y="5876777"/>
+            <a:ext cx="2137124" cy="307777"/>
+          </a:xfrm>
+          <a:prstGeom prst="rect">
+            <a:avLst/>
+          </a:prstGeom>
+          <a:noFill/>
+        </p:spPr>
+        <p:txBody>
+          <a:bodyPr wrap="none" rtlCol="0">
+            <a:spAutoFit/>
+          </a:bodyPr>
+          <a:lstStyle/>
+          <a:p>
+            <a:pPr algn="ctr"/>
+            <a:r>
+              <a:rPr lang="en-US" sz="1400" dirty="0" smtClean="0">
+                <a:latin typeface="Arial" panose="020B0604020202020204" pitchFamily="34" charset="0"/>
+                <a:cs typeface="Arial" panose="020B0604020202020204" pitchFamily="34" charset="0"/>
+              </a:rPr>
+              <a:t>Existing “Payment Rails”</a:t>
+            </a:r>
+            <a:endParaRPr lang="en-US" sz="1400" dirty="0">
               <a:latin typeface="Arial" panose="020B0604020202020204" pitchFamily="34" charset="0"/>
               <a:cs typeface="Arial" panose="020B0604020202020204" pitchFamily="34" charset="0"/>
             </a:endParaRPr>

--- a/saturn/enhanced-four-corner-model.pptx
+++ b/saturn/enhanced-four-corner-model.pptx
@@ -288,7 +288,7 @@
           <a:p>
             <a:fld id="{FC080E38-6FF2-48B3-BDAB-4FA23B840E92}" type="datetimeFigureOut">
               <a:rPr lang="en-US" smtClean="0"/>
-              <a:t>2019-09-02</a:t>
+              <a:t>2019-09-06</a:t>
             </a:fld>
             <a:endParaRPr lang="en-US"/>
           </a:p>
@@ -458,7 +458,7 @@
           <a:p>
             <a:fld id="{FC080E38-6FF2-48B3-BDAB-4FA23B840E92}" type="datetimeFigureOut">
               <a:rPr lang="en-US" smtClean="0"/>
-              <a:t>2019-09-02</a:t>
+              <a:t>2019-09-06</a:t>
             </a:fld>
             <a:endParaRPr lang="en-US"/>
           </a:p>
@@ -638,7 +638,7 @@
           <a:p>
             <a:fld id="{FC080E38-6FF2-48B3-BDAB-4FA23B840E92}" type="datetimeFigureOut">
               <a:rPr lang="en-US" smtClean="0"/>
-              <a:t>2019-09-02</a:t>
+              <a:t>2019-09-06</a:t>
             </a:fld>
             <a:endParaRPr lang="en-US"/>
           </a:p>
@@ -808,7 +808,7 @@
           <a:p>
             <a:fld id="{FC080E38-6FF2-48B3-BDAB-4FA23B840E92}" type="datetimeFigureOut">
               <a:rPr lang="en-US" smtClean="0"/>
-              <a:t>2019-09-02</a:t>
+              <a:t>2019-09-06</a:t>
             </a:fld>
             <a:endParaRPr lang="en-US"/>
           </a:p>
@@ -1054,7 +1054,7 @@
           <a:p>
             <a:fld id="{FC080E38-6FF2-48B3-BDAB-4FA23B840E92}" type="datetimeFigureOut">
               <a:rPr lang="en-US" smtClean="0"/>
-              <a:t>2019-09-02</a:t>
+              <a:t>2019-09-06</a:t>
             </a:fld>
             <a:endParaRPr lang="en-US"/>
           </a:p>
@@ -1342,7 +1342,7 @@
           <a:p>
             <a:fld id="{FC080E38-6FF2-48B3-BDAB-4FA23B840E92}" type="datetimeFigureOut">
               <a:rPr lang="en-US" smtClean="0"/>
-              <a:t>2019-09-02</a:t>
+              <a:t>2019-09-06</a:t>
             </a:fld>
             <a:endParaRPr lang="en-US"/>
           </a:p>
@@ -1764,7 +1764,7 @@
           <a:p>
             <a:fld id="{FC080E38-6FF2-48B3-BDAB-4FA23B840E92}" type="datetimeFigureOut">
               <a:rPr lang="en-US" smtClean="0"/>
-              <a:t>2019-09-02</a:t>
+              <a:t>2019-09-06</a:t>
             </a:fld>
             <a:endParaRPr lang="en-US"/>
           </a:p>
@@ -1882,7 +1882,7 @@
           <a:p>
             <a:fld id="{FC080E38-6FF2-48B3-BDAB-4FA23B840E92}" type="datetimeFigureOut">
               <a:rPr lang="en-US" smtClean="0"/>
-              <a:t>2019-09-02</a:t>
+              <a:t>2019-09-06</a:t>
             </a:fld>
             <a:endParaRPr lang="en-US"/>
           </a:p>
@@ -1977,7 +1977,7 @@
           <a:p>
             <a:fld id="{FC080E38-6FF2-48B3-BDAB-4FA23B840E92}" type="datetimeFigureOut">
               <a:rPr lang="en-US" smtClean="0"/>
-              <a:t>2019-09-02</a:t>
+              <a:t>2019-09-06</a:t>
             </a:fld>
             <a:endParaRPr lang="en-US"/>
           </a:p>
@@ -2254,7 +2254,7 @@
           <a:p>
             <a:fld id="{FC080E38-6FF2-48B3-BDAB-4FA23B840E92}" type="datetimeFigureOut">
               <a:rPr lang="en-US" smtClean="0"/>
-              <a:t>2019-09-02</a:t>
+              <a:t>2019-09-06</a:t>
             </a:fld>
             <a:endParaRPr lang="en-US"/>
           </a:p>
@@ -2507,7 +2507,7 @@
           <a:p>
             <a:fld id="{FC080E38-6FF2-48B3-BDAB-4FA23B840E92}" type="datetimeFigureOut">
               <a:rPr lang="en-US" smtClean="0"/>
-              <a:t>2019-09-02</a:t>
+              <a:t>2019-09-06</a:t>
             </a:fld>
             <a:endParaRPr lang="en-US"/>
           </a:p>
@@ -2720,7 +2720,7 @@
           <a:p>
             <a:fld id="{FC080E38-6FF2-48B3-BDAB-4FA23B840E92}" type="datetimeFigureOut">
               <a:rPr lang="en-US" smtClean="0"/>
-              <a:t>2019-09-02</a:t>
+              <a:t>2019-09-06</a:t>
             </a:fld>
             <a:endParaRPr lang="en-US"/>
           </a:p>
@@ -3103,7 +3103,7 @@
         </p:nvGrpSpPr>
         <p:grpSpPr>
           <a:xfrm>
-            <a:off x="1115616" y="1666918"/>
+            <a:off x="899592" y="1666918"/>
             <a:ext cx="1273991" cy="825978"/>
             <a:chOff x="1065761" y="1512050"/>
             <a:chExt cx="1273991" cy="825978"/>
@@ -3275,7 +3275,7 @@
           </p:nvSpPr>
           <p:spPr>
             <a:xfrm>
-              <a:off x="1102536" y="1512050"/>
+              <a:off x="1071623" y="1512050"/>
               <a:ext cx="252239" cy="215444"/>
             </a:xfrm>
             <a:prstGeom prst="rect">
@@ -3682,7 +3682,7 @@
         </p:nvCxnSpPr>
         <p:spPr>
           <a:xfrm flipH="1">
-            <a:off x="3113886" y="5668709"/>
+            <a:off x="3102162" y="5662847"/>
             <a:ext cx="3060000" cy="0"/>
           </a:xfrm>
           <a:prstGeom prst="straightConnector1">
@@ -3692,7 +3692,7 @@
             <a:solidFill>
               <a:schemeClr val="accent1"/>
             </a:solidFill>
-            <a:prstDash val="sysDash"/>
+            <a:prstDash val="sysDot"/>
             <a:headEnd type="triangle" w="sm" len="sm"/>
             <a:tailEnd type="triangle" w="sm" len="sm"/>
           </a:ln>
@@ -3851,7 +3851,7 @@
             <a:solidFill>
               <a:schemeClr val="accent1"/>
             </a:solidFill>
-            <a:prstDash val="sysDash"/>
+            <a:prstDash val="sysDot"/>
             <a:headEnd type="triangle" w="sm" len="sm"/>
             <a:tailEnd type="triangle" w="sm" len="sm"/>
           </a:ln>
@@ -3889,7 +3889,7 @@
             <a:solidFill>
               <a:schemeClr val="accent1"/>
             </a:solidFill>
-            <a:prstDash val="sysDash"/>
+            <a:prstDash val="sysDot"/>
             <a:headEnd type="triangle" w="sm" len="sm"/>
             <a:tailEnd type="triangle" w="sm" len="sm"/>
           </a:ln>
@@ -3934,12 +3934,18 @@
             <a:pPr algn="ctr"/>
             <a:r>
               <a:rPr lang="en-US" sz="1400" i="1" dirty="0" smtClean="0">
+                <a:solidFill>
+                  <a:schemeClr val="accent1"/>
+                </a:solidFill>
                 <a:latin typeface="Arial" panose="020B0604020202020204" pitchFamily="34" charset="0"/>
                 <a:cs typeface="Arial" panose="020B0604020202020204" pitchFamily="34" charset="0"/>
               </a:rPr>
               <a:t>Relation</a:t>
             </a:r>
             <a:endParaRPr lang="en-US" sz="1400" i="1" dirty="0">
+              <a:solidFill>
+                <a:schemeClr val="accent1"/>
+              </a:solidFill>
               <a:latin typeface="Arial" panose="020B0604020202020204" pitchFamily="34" charset="0"/>
               <a:cs typeface="Arial" panose="020B0604020202020204" pitchFamily="34" charset="0"/>
             </a:endParaRPr>
@@ -3971,12 +3977,18 @@
             <a:pPr algn="ctr"/>
             <a:r>
               <a:rPr lang="en-US" sz="1400" i="1" dirty="0" smtClean="0">
+                <a:solidFill>
+                  <a:schemeClr val="accent1"/>
+                </a:solidFill>
                 <a:latin typeface="Arial" panose="020B0604020202020204" pitchFamily="34" charset="0"/>
                 <a:cs typeface="Arial" panose="020B0604020202020204" pitchFamily="34" charset="0"/>
               </a:rPr>
               <a:t>Relation</a:t>
             </a:r>
             <a:endParaRPr lang="en-US" sz="1400" i="1" dirty="0">
+              <a:solidFill>
+                <a:schemeClr val="accent1"/>
+              </a:solidFill>
               <a:latin typeface="Arial" panose="020B0604020202020204" pitchFamily="34" charset="0"/>
               <a:cs typeface="Arial" panose="020B0604020202020204" pitchFamily="34" charset="0"/>
             </a:endParaRPr>
@@ -4008,12 +4020,18 @@
             <a:pPr algn="ctr"/>
             <a:r>
               <a:rPr lang="en-US" sz="1400" i="1" dirty="0" smtClean="0">
+                <a:solidFill>
+                  <a:schemeClr val="accent1"/>
+                </a:solidFill>
                 <a:latin typeface="Arial" panose="020B0604020202020204" pitchFamily="34" charset="0"/>
                 <a:cs typeface="Arial" panose="020B0604020202020204" pitchFamily="34" charset="0"/>
               </a:rPr>
               <a:t>Relation</a:t>
             </a:r>
             <a:endParaRPr lang="en-US" sz="1400" i="1" dirty="0">
+              <a:solidFill>
+                <a:schemeClr val="accent1"/>
+              </a:solidFill>
               <a:latin typeface="Arial" panose="020B0604020202020204" pitchFamily="34" charset="0"/>
               <a:cs typeface="Arial" panose="020B0604020202020204" pitchFamily="34" charset="0"/>
             </a:endParaRPr>
@@ -5967,7 +5985,7 @@
         </p:blipFill>
         <p:spPr bwMode="auto">
           <a:xfrm rot="19980000">
-            <a:off x="2029254" y="3298383"/>
+            <a:off x="1896963" y="3217189"/>
             <a:ext cx="360040" cy="356341"/>
           </a:xfrm>
           <a:prstGeom prst="rect">
@@ -6006,8 +6024,8 @@
         </p:nvSpPr>
         <p:spPr>
           <a:xfrm>
-            <a:off x="1566541" y="2420887"/>
-            <a:ext cx="1150097" cy="3088505"/>
+            <a:off x="1413521" y="2420887"/>
+            <a:ext cx="1303117" cy="3088505"/>
           </a:xfrm>
           <a:custGeom>
             <a:avLst/>
@@ -6202,7 +6220,7 @@
         </p:nvSpPr>
         <p:spPr>
           <a:xfrm rot="16200000">
-            <a:off x="599035" y="3296304"/>
+            <a:off x="460185" y="3296304"/>
             <a:ext cx="1628972" cy="307777"/>
           </a:xfrm>
           <a:prstGeom prst="rect">
@@ -6341,116 +6359,6 @@
           </p:spPr>
         </p:pic>
       </p:grpSp>
-      <p:grpSp>
-        <p:nvGrpSpPr>
-          <p:cNvPr id="169" name="Group 168"/>
-          <p:cNvGrpSpPr/>
-          <p:nvPr/>
-        </p:nvGrpSpPr>
-        <p:grpSpPr>
-          <a:xfrm>
-            <a:off x="6967878" y="5445224"/>
-            <a:ext cx="445844" cy="603379"/>
-            <a:chOff x="8232155" y="587661"/>
-            <a:chExt cx="445844" cy="603379"/>
-          </a:xfrm>
-        </p:grpSpPr>
-        <p:pic>
-          <p:nvPicPr>
-            <p:cNvPr id="170" name="Picture 169"/>
-            <p:cNvPicPr>
-              <a:picLocks noChangeAspect="1" noChangeArrowheads="1"/>
-            </p:cNvPicPr>
-            <p:nvPr/>
-          </p:nvPicPr>
-          <p:blipFill>
-            <a:blip r:embed="rId7" cstate="print">
-              <a:extLst>
-                <a:ext uri="{28A0092B-C50C-407E-A947-70E740481C1C}">
-                  <a14:useLocalDpi xmlns:a14="http://schemas.microsoft.com/office/drawing/2010/main" val="0"/>
-                </a:ext>
-              </a:extLst>
-            </a:blip>
-            <a:srcRect/>
-            <a:stretch>
-              <a:fillRect/>
-            </a:stretch>
-          </p:blipFill>
-          <p:spPr bwMode="auto">
-            <a:xfrm>
-              <a:off x="8232155" y="796517"/>
-              <a:ext cx="324060" cy="394523"/>
-            </a:xfrm>
-            <a:prstGeom prst="rect">
-              <a:avLst/>
-            </a:prstGeom>
-            <a:noFill/>
-            <a:extLst>
-              <a:ext uri="{909E8E84-426E-40DD-AFC4-6F175D3DCCD1}">
-                <a14:hiddenFill xmlns:a14="http://schemas.microsoft.com/office/drawing/2010/main">
-                  <a:solidFill>
-                    <a:srgbClr val="FFFFFF"/>
-                  </a:solidFill>
-                </a14:hiddenFill>
-              </a:ext>
-            </a:extLst>
-          </p:spPr>
-        </p:pic>
-        <p:pic>
-          <p:nvPicPr>
-            <p:cNvPr id="171" name="Picture 8" descr="key"/>
-            <p:cNvPicPr>
-              <a:picLocks noChangeAspect="1" noChangeArrowheads="1"/>
-            </p:cNvPicPr>
-            <p:nvPr/>
-          </p:nvPicPr>
-          <p:blipFill>
-            <a:blip r:embed="rId8">
-              <a:extLst>
-                <a:ext uri="{28A0092B-C50C-407E-A947-70E740481C1C}">
-                  <a14:useLocalDpi xmlns:a14="http://schemas.microsoft.com/office/drawing/2010/main" val="0"/>
-                </a:ext>
-              </a:extLst>
-            </a:blip>
-            <a:srcRect/>
-            <a:stretch>
-              <a:fillRect/>
-            </a:stretch>
-          </p:blipFill>
-          <p:spPr bwMode="auto">
-            <a:xfrm>
-              <a:off x="8317959" y="587661"/>
-              <a:ext cx="360040" cy="356341"/>
-            </a:xfrm>
-            <a:prstGeom prst="rect">
-              <a:avLst/>
-            </a:prstGeom>
-            <a:noFill/>
-            <a:ln>
-              <a:noFill/>
-            </a:ln>
-            <a:extLst>
-              <a:ext uri="{909E8E84-426E-40DD-AFC4-6F175D3DCCD1}">
-                <a14:hiddenFill xmlns:a14="http://schemas.microsoft.com/office/drawing/2010/main">
-                  <a:solidFill>
-                    <a:srgbClr val="FFFFFF"/>
-                  </a:solidFill>
-                </a14:hiddenFill>
-              </a:ext>
-              <a:ext uri="{91240B29-F687-4F45-9708-019B960494DF}">
-                <a14:hiddenLine xmlns:a14="http://schemas.microsoft.com/office/drawing/2010/main" w="9525">
-                  <a:solidFill>
-                    <a:srgbClr val="000000"/>
-                  </a:solidFill>
-                  <a:miter lim="800000"/>
-                  <a:headEnd/>
-                  <a:tailEnd/>
-                </a14:hiddenLine>
-              </a:ext>
-            </a:extLst>
-          </p:spPr>
-        </p:pic>
-      </p:grpSp>
       <p:cxnSp>
         <p:nvCxnSpPr>
           <p:cNvPr id="11" name="Straight Connector 10"/>
@@ -6462,8 +6370,8 @@
         </p:nvCxnSpPr>
         <p:spPr>
           <a:xfrm>
-            <a:off x="2544700" y="2103049"/>
-            <a:ext cx="164543" cy="1105571"/>
+            <a:off x="2328676" y="2103049"/>
+            <a:ext cx="380567" cy="1105571"/>
           </a:xfrm>
           <a:prstGeom prst="line">
             <a:avLst/>
@@ -7771,8 +7679,8 @@
         </p:nvSpPr>
         <p:spPr>
           <a:xfrm>
-            <a:off x="4139952" y="1340768"/>
-            <a:ext cx="4320480" cy="954107"/>
+            <a:off x="3993414" y="1297586"/>
+            <a:ext cx="4491055" cy="954107"/>
           </a:xfrm>
           <a:prstGeom prst="rect">
             <a:avLst/>
@@ -8335,7 +8243,7 @@
         </p:nvGrpSpPr>
         <p:grpSpPr>
           <a:xfrm>
-            <a:off x="1907704" y="1450894"/>
+            <a:off x="1691680" y="1450894"/>
             <a:ext cx="1273991" cy="825978"/>
             <a:chOff x="1065761" y="1512050"/>
             <a:chExt cx="1273991" cy="825978"/>
@@ -8507,7 +8415,7 @@
           </p:nvSpPr>
           <p:spPr>
             <a:xfrm>
-              <a:off x="1102536" y="1512050"/>
+              <a:off x="1077485" y="1512050"/>
               <a:ext cx="252239" cy="215444"/>
             </a:xfrm>
             <a:prstGeom prst="rect">
@@ -8564,7 +8472,7 @@
         </p:nvGrpSpPr>
         <p:grpSpPr>
           <a:xfrm>
-            <a:off x="2749647" y="1268760"/>
+            <a:off x="2533623" y="1268760"/>
             <a:ext cx="1273991" cy="825978"/>
             <a:chOff x="1065761" y="1512050"/>
             <a:chExt cx="1273991" cy="825978"/>
@@ -8736,7 +8644,7 @@
           </p:nvSpPr>
           <p:spPr>
             <a:xfrm>
-              <a:off x="1102536" y="1512050"/>
+              <a:off x="1076190" y="1512050"/>
               <a:ext cx="252239" cy="215444"/>
             </a:xfrm>
             <a:prstGeom prst="rect">
@@ -8978,7 +8886,7 @@
                 <a:latin typeface="Arial" panose="020B0604020202020204" pitchFamily="34" charset="0"/>
                 <a:cs typeface="Arial" panose="020B0604020202020204" pitchFamily="34" charset="0"/>
               </a:rPr>
-              <a:t>V0.92, </a:t>
+              <a:t>V0.93, </a:t>
             </a:r>
             <a:r>
               <a:rPr lang="en-US" sz="800" dirty="0" err="1" smtClean="0">
@@ -8999,7 +8907,7 @@
                 <a:latin typeface="Arial" panose="020B0604020202020204" pitchFamily="34" charset="0"/>
                 <a:cs typeface="Arial" panose="020B0604020202020204" pitchFamily="34" charset="0"/>
               </a:rPr>
-              <a:t>2019-09-02</a:t>
+              <a:t>2019-09-06</a:t>
             </a:r>
             <a:endParaRPr lang="en-US" sz="800" dirty="0">
               <a:latin typeface="Arial" panose="020B0604020202020204" pitchFamily="34" charset="0"/>
@@ -9017,7 +8925,7 @@
         <p:spPr>
           <a:xfrm>
             <a:off x="1963698" y="6453336"/>
-            <a:ext cx="5272597" cy="246221"/>
+            <a:ext cx="5560630" cy="246221"/>
           </a:xfrm>
           <a:prstGeom prst="rect">
             <a:avLst/>
@@ -9043,7 +8951,7 @@
           </a:effectLst>
         </p:spPr>
         <p:txBody>
-          <a:bodyPr wrap="none" rtlCol="0">
+          <a:bodyPr wrap="square" rtlCol="0">
             <a:spAutoFit/>
           </a:bodyPr>
           <a:lstStyle/>
@@ -9053,7 +8961,21 @@
                 <a:latin typeface="Arial" panose="020B0604020202020204" pitchFamily="34" charset="0"/>
                 <a:cs typeface="Arial" panose="020B0604020202020204" pitchFamily="34" charset="0"/>
               </a:rPr>
-              <a:t>Note: this drawing is simplified, finer details as well as </a:t>
+              <a:t>Note: this drawing is simplified, </a:t>
+            </a:r>
+            <a:r>
+              <a:rPr lang="en-US" sz="1000" dirty="0" smtClean="0">
+                <a:latin typeface="Arial" panose="020B0604020202020204" pitchFamily="34" charset="0"/>
+                <a:cs typeface="Arial" panose="020B0604020202020204" pitchFamily="34" charset="0"/>
+              </a:rPr>
+              <a:t>succeeding steps as </a:t>
+            </a:r>
+            <a:r>
+              <a:rPr lang="en-US" sz="1000" dirty="0" smtClean="0">
+                <a:latin typeface="Arial" panose="020B0604020202020204" pitchFamily="34" charset="0"/>
+                <a:cs typeface="Arial" panose="020B0604020202020204" pitchFamily="34" charset="0"/>
+              </a:rPr>
+              <a:t>well as </a:t>
             </a:r>
             <a:r>
               <a:rPr lang="en-US" sz="1000" dirty="0" smtClean="0">
@@ -9659,7 +9581,7 @@
         </p:nvSpPr>
         <p:spPr>
           <a:xfrm>
-            <a:off x="3113886" y="5738938"/>
+            <a:off x="3102162" y="5733076"/>
             <a:ext cx="3060000" cy="175030"/>
           </a:xfrm>
           <a:prstGeom prst="leftRightArrow">
@@ -9689,6 +9611,13 @@
             <a:lin ang="5400000" scaled="0"/>
           </a:gradFill>
           <a:ln w="6350"/>
+          <a:effectLst>
+            <a:outerShdw blurRad="50800" dist="38100" dir="2700000" algn="tl" rotWithShape="0">
+              <a:prstClr val="black">
+                <a:alpha val="40000"/>
+              </a:prstClr>
+            </a:outerShdw>
+          </a:effectLst>
         </p:spPr>
         <p:style>
           <a:lnRef idx="2">
@@ -9749,6 +9678,375 @@
               <a:latin typeface="Arial" panose="020B0604020202020204" pitchFamily="34" charset="0"/>
               <a:cs typeface="Arial" panose="020B0604020202020204" pitchFamily="34" charset="0"/>
             </a:endParaRPr>
+          </a:p>
+        </p:txBody>
+      </p:sp>
+      <p:pic>
+        <p:nvPicPr>
+          <p:cNvPr id="136" name="Picture 8" descr="key"/>
+          <p:cNvPicPr>
+            <a:picLocks noChangeAspect="1" noChangeArrowheads="1"/>
+          </p:cNvPicPr>
+          <p:nvPr/>
+        </p:nvPicPr>
+        <p:blipFill>
+          <a:blip r:embed="rId8">
+            <a:extLst>
+              <a:ext uri="{28A0092B-C50C-407E-A947-70E740481C1C}">
+                <a14:useLocalDpi xmlns:a14="http://schemas.microsoft.com/office/drawing/2010/main" val="0"/>
+              </a:ext>
+            </a:extLst>
+          </a:blip>
+          <a:srcRect/>
+          <a:stretch>
+            <a:fillRect/>
+          </a:stretch>
+        </p:blipFill>
+        <p:spPr bwMode="auto">
+          <a:xfrm>
+            <a:off x="6946628" y="5589240"/>
+            <a:ext cx="360040" cy="356341"/>
+          </a:xfrm>
+          <a:prstGeom prst="rect">
+            <a:avLst/>
+          </a:prstGeom>
+          <a:noFill/>
+          <a:ln>
+            <a:noFill/>
+          </a:ln>
+          <a:extLst>
+            <a:ext uri="{909E8E84-426E-40DD-AFC4-6F175D3DCCD1}">
+              <a14:hiddenFill xmlns:a14="http://schemas.microsoft.com/office/drawing/2010/main">
+                <a:solidFill>
+                  <a:srgbClr val="FFFFFF"/>
+                </a:solidFill>
+              </a14:hiddenFill>
+            </a:ext>
+            <a:ext uri="{91240B29-F687-4F45-9708-019B960494DF}">
+              <a14:hiddenLine xmlns:a14="http://schemas.microsoft.com/office/drawing/2010/main" w="9525">
+                <a:solidFill>
+                  <a:srgbClr val="000000"/>
+                </a:solidFill>
+                <a:miter lim="800000"/>
+                <a:headEnd/>
+                <a:tailEnd/>
+              </a14:hiddenLine>
+            </a:ext>
+          </a:extLst>
+        </p:spPr>
+      </p:pic>
+      <p:sp>
+        <p:nvSpPr>
+          <p:cNvPr id="137" name="TextBox 136"/>
+          <p:cNvSpPr txBox="1"/>
+          <p:nvPr/>
+        </p:nvSpPr>
+        <p:spPr>
+          <a:xfrm>
+            <a:off x="7297738" y="5637143"/>
+            <a:ext cx="946670" cy="238363"/>
+          </a:xfrm>
+          <a:prstGeom prst="roundRect">
+            <a:avLst/>
+          </a:prstGeom>
+          <a:noFill/>
+          <a:ln w="3175">
+            <a:noFill/>
+          </a:ln>
+        </p:spPr>
+        <p:txBody>
+          <a:bodyPr wrap="none" lIns="36000" tIns="0" rIns="36000" bIns="0" rtlCol="0" anchor="ctr" anchorCtr="0">
+            <a:spAutoFit/>
+          </a:bodyPr>
+          <a:lstStyle/>
+          <a:p>
+            <a:pPr algn="ctr"/>
+            <a:r>
+              <a:rPr lang="en-US" sz="1400" i="1" dirty="0" smtClean="0">
+                <a:solidFill>
+                  <a:schemeClr val="accent6">
+                    <a:lumMod val="50000"/>
+                  </a:schemeClr>
+                </a:solidFill>
+                <a:latin typeface="Arial" panose="020B0604020202020204" pitchFamily="34" charset="0"/>
+                <a:cs typeface="Arial" panose="020B0604020202020204" pitchFamily="34" charset="0"/>
+              </a:rPr>
+              <a:t>Decryption</a:t>
+            </a:r>
+            <a:endParaRPr lang="en-US" sz="1400" dirty="0">
+              <a:latin typeface="Arial" panose="020B0604020202020204" pitchFamily="34" charset="0"/>
+              <a:cs typeface="Arial" panose="020B0604020202020204" pitchFamily="34" charset="0"/>
+            </a:endParaRPr>
+          </a:p>
+        </p:txBody>
+      </p:sp>
+      <p:sp>
+        <p:nvSpPr>
+          <p:cNvPr id="139" name="TextBox 138"/>
+          <p:cNvSpPr txBox="1"/>
+          <p:nvPr/>
+        </p:nvSpPr>
+        <p:spPr>
+          <a:xfrm>
+            <a:off x="986402" y="5633047"/>
+            <a:ext cx="855166" cy="238363"/>
+          </a:xfrm>
+          <a:prstGeom prst="roundRect">
+            <a:avLst/>
+          </a:prstGeom>
+          <a:noFill/>
+          <a:ln w="3175">
+            <a:noFill/>
+          </a:ln>
+        </p:spPr>
+        <p:txBody>
+          <a:bodyPr wrap="none" lIns="36000" tIns="0" rIns="36000" bIns="0" rtlCol="0" anchor="ctr" anchorCtr="0">
+            <a:spAutoFit/>
+          </a:bodyPr>
+          <a:lstStyle/>
+          <a:p>
+            <a:pPr algn="ctr"/>
+            <a:r>
+              <a:rPr lang="en-US" sz="1400" i="1" dirty="0" smtClean="0">
+                <a:solidFill>
+                  <a:schemeClr val="accent6">
+                    <a:lumMod val="50000"/>
+                  </a:schemeClr>
+                </a:solidFill>
+                <a:latin typeface="Arial" panose="020B0604020202020204" pitchFamily="34" charset="0"/>
+                <a:cs typeface="Arial" panose="020B0604020202020204" pitchFamily="34" charset="0"/>
+              </a:rPr>
+              <a:t>Signature</a:t>
+            </a:r>
+            <a:endParaRPr lang="en-US" sz="1400" dirty="0">
+              <a:latin typeface="Arial" panose="020B0604020202020204" pitchFamily="34" charset="0"/>
+              <a:cs typeface="Arial" panose="020B0604020202020204" pitchFamily="34" charset="0"/>
+            </a:endParaRPr>
+          </a:p>
+        </p:txBody>
+      </p:sp>
+      <p:sp>
+        <p:nvSpPr>
+          <p:cNvPr id="140" name="TextBox 139"/>
+          <p:cNvSpPr txBox="1"/>
+          <p:nvPr/>
+        </p:nvSpPr>
+        <p:spPr>
+          <a:xfrm>
+            <a:off x="1599008" y="3519681"/>
+            <a:ext cx="855166" cy="238363"/>
+          </a:xfrm>
+          <a:prstGeom prst="roundRect">
+            <a:avLst/>
+          </a:prstGeom>
+          <a:noFill/>
+          <a:ln w="3175">
+            <a:noFill/>
+          </a:ln>
+        </p:spPr>
+        <p:txBody>
+          <a:bodyPr wrap="none" lIns="36000" tIns="0" rIns="36000" bIns="0" rtlCol="0" anchor="ctr" anchorCtr="0">
+            <a:spAutoFit/>
+          </a:bodyPr>
+          <a:lstStyle/>
+          <a:p>
+            <a:pPr algn="ctr"/>
+            <a:r>
+              <a:rPr lang="en-US" sz="1400" i="1" dirty="0" smtClean="0">
+                <a:solidFill>
+                  <a:schemeClr val="accent6">
+                    <a:lumMod val="50000"/>
+                  </a:schemeClr>
+                </a:solidFill>
+                <a:latin typeface="Arial" panose="020B0604020202020204" pitchFamily="34" charset="0"/>
+                <a:cs typeface="Arial" panose="020B0604020202020204" pitchFamily="34" charset="0"/>
+              </a:rPr>
+              <a:t>Signature</a:t>
+            </a:r>
+            <a:endParaRPr lang="en-US" sz="1400" dirty="0">
+              <a:latin typeface="Arial" panose="020B0604020202020204" pitchFamily="34" charset="0"/>
+              <a:cs typeface="Arial" panose="020B0604020202020204" pitchFamily="34" charset="0"/>
+            </a:endParaRPr>
+          </a:p>
+        </p:txBody>
+      </p:sp>
+      <p:sp>
+        <p:nvSpPr>
+          <p:cNvPr id="13" name="Rectangle 12"/>
+          <p:cNvSpPr/>
+          <p:nvPr/>
+        </p:nvSpPr>
+        <p:spPr>
+          <a:xfrm>
+            <a:off x="8092270" y="3667394"/>
+            <a:ext cx="309462" cy="2088930"/>
+          </a:xfrm>
+          <a:custGeom>
+            <a:avLst/>
+            <a:gdLst>
+              <a:gd name="connsiteX0" fmla="*/ 0 w 792088"/>
+              <a:gd name="connsiteY0" fmla="*/ 0 h 2337825"/>
+              <a:gd name="connsiteX1" fmla="*/ 792088 w 792088"/>
+              <a:gd name="connsiteY1" fmla="*/ 0 h 2337825"/>
+              <a:gd name="connsiteX2" fmla="*/ 792088 w 792088"/>
+              <a:gd name="connsiteY2" fmla="*/ 2337825 h 2337825"/>
+              <a:gd name="connsiteX3" fmla="*/ 0 w 792088"/>
+              <a:gd name="connsiteY3" fmla="*/ 2337825 h 2337825"/>
+              <a:gd name="connsiteX4" fmla="*/ 0 w 792088"/>
+              <a:gd name="connsiteY4" fmla="*/ 0 h 2337825"/>
+              <a:gd name="connsiteX0" fmla="*/ 0 w 792088"/>
+              <a:gd name="connsiteY0" fmla="*/ 0 h 2337825"/>
+              <a:gd name="connsiteX1" fmla="*/ 792088 w 792088"/>
+              <a:gd name="connsiteY1" fmla="*/ 0 h 2337825"/>
+              <a:gd name="connsiteX2" fmla="*/ 792088 w 792088"/>
+              <a:gd name="connsiteY2" fmla="*/ 2337825 h 2337825"/>
+              <a:gd name="connsiteX3" fmla="*/ 0 w 792088"/>
+              <a:gd name="connsiteY3" fmla="*/ 2337825 h 2337825"/>
+              <a:gd name="connsiteX4" fmla="*/ 91440 w 792088"/>
+              <a:gd name="connsiteY4" fmla="*/ 91440 h 2337825"/>
+              <a:gd name="connsiteX0" fmla="*/ 0 w 792088"/>
+              <a:gd name="connsiteY0" fmla="*/ 0 h 2337825"/>
+              <a:gd name="connsiteX1" fmla="*/ 792088 w 792088"/>
+              <a:gd name="connsiteY1" fmla="*/ 0 h 2337825"/>
+              <a:gd name="connsiteX2" fmla="*/ 792088 w 792088"/>
+              <a:gd name="connsiteY2" fmla="*/ 2337825 h 2337825"/>
+              <a:gd name="connsiteX3" fmla="*/ 0 w 792088"/>
+              <a:gd name="connsiteY3" fmla="*/ 2337825 h 2337825"/>
+              <a:gd name="connsiteX0" fmla="*/ 0 w 792088"/>
+              <a:gd name="connsiteY0" fmla="*/ 0 h 2337825"/>
+              <a:gd name="connsiteX1" fmla="*/ 792088 w 792088"/>
+              <a:gd name="connsiteY1" fmla="*/ 0 h 2337825"/>
+              <a:gd name="connsiteX2" fmla="*/ 792088 w 792088"/>
+              <a:gd name="connsiteY2" fmla="*/ 2337825 h 2337825"/>
+              <a:gd name="connsiteX3" fmla="*/ 307776 w 792088"/>
+              <a:gd name="connsiteY3" fmla="*/ 2337825 h 2337825"/>
+              <a:gd name="connsiteX0" fmla="*/ 0 w 792088"/>
+              <a:gd name="connsiteY0" fmla="*/ 0 h 2337825"/>
+              <a:gd name="connsiteX1" fmla="*/ 792088 w 792088"/>
+              <a:gd name="connsiteY1" fmla="*/ 0 h 2337825"/>
+              <a:gd name="connsiteX2" fmla="*/ 792088 w 792088"/>
+              <a:gd name="connsiteY2" fmla="*/ 2337825 h 2337825"/>
+              <a:gd name="connsiteX3" fmla="*/ 307776 w 792088"/>
+              <a:gd name="connsiteY3" fmla="*/ 2337825 h 2337825"/>
+              <a:gd name="connsiteX0" fmla="*/ 0 w 1031104"/>
+              <a:gd name="connsiteY0" fmla="*/ 0 h 2337825"/>
+              <a:gd name="connsiteX1" fmla="*/ 1031104 w 1031104"/>
+              <a:gd name="connsiteY1" fmla="*/ 0 h 2337825"/>
+              <a:gd name="connsiteX2" fmla="*/ 1031104 w 1031104"/>
+              <a:gd name="connsiteY2" fmla="*/ 2337825 h 2337825"/>
+              <a:gd name="connsiteX3" fmla="*/ 546792 w 1031104"/>
+              <a:gd name="connsiteY3" fmla="*/ 2337825 h 2337825"/>
+              <a:gd name="connsiteX0" fmla="*/ 0 w 1031104"/>
+              <a:gd name="connsiteY0" fmla="*/ 0 h 2337825"/>
+              <a:gd name="connsiteX1" fmla="*/ 1031104 w 1031104"/>
+              <a:gd name="connsiteY1" fmla="*/ 0 h 2337825"/>
+              <a:gd name="connsiteX2" fmla="*/ 1031104 w 1031104"/>
+              <a:gd name="connsiteY2" fmla="*/ 2337825 h 2337825"/>
+              <a:gd name="connsiteX3" fmla="*/ 546792 w 1031104"/>
+              <a:gd name="connsiteY3" fmla="*/ 2337825 h 2337825"/>
+              <a:gd name="connsiteX0" fmla="*/ 0 w 847748"/>
+              <a:gd name="connsiteY0" fmla="*/ 0 h 2337825"/>
+              <a:gd name="connsiteX1" fmla="*/ 847748 w 847748"/>
+              <a:gd name="connsiteY1" fmla="*/ 0 h 2337825"/>
+              <a:gd name="connsiteX2" fmla="*/ 847748 w 847748"/>
+              <a:gd name="connsiteY2" fmla="*/ 2337825 h 2337825"/>
+              <a:gd name="connsiteX3" fmla="*/ 363436 w 847748"/>
+              <a:gd name="connsiteY3" fmla="*/ 2337825 h 2337825"/>
+              <a:gd name="connsiteX0" fmla="*/ 0 w 824827"/>
+              <a:gd name="connsiteY0" fmla="*/ 2665 h 2337825"/>
+              <a:gd name="connsiteX1" fmla="*/ 824827 w 824827"/>
+              <a:gd name="connsiteY1" fmla="*/ 0 h 2337825"/>
+              <a:gd name="connsiteX2" fmla="*/ 824827 w 824827"/>
+              <a:gd name="connsiteY2" fmla="*/ 2337825 h 2337825"/>
+              <a:gd name="connsiteX3" fmla="*/ 340515 w 824827"/>
+              <a:gd name="connsiteY3" fmla="*/ 2337825 h 2337825"/>
+              <a:gd name="connsiteX0" fmla="*/ 0 w 808456"/>
+              <a:gd name="connsiteY0" fmla="*/ 0 h 2337825"/>
+              <a:gd name="connsiteX1" fmla="*/ 808456 w 808456"/>
+              <a:gd name="connsiteY1" fmla="*/ 0 h 2337825"/>
+              <a:gd name="connsiteX2" fmla="*/ 808456 w 808456"/>
+              <a:gd name="connsiteY2" fmla="*/ 2337825 h 2337825"/>
+              <a:gd name="connsiteX3" fmla="*/ 324144 w 808456"/>
+              <a:gd name="connsiteY3" fmla="*/ 2337825 h 2337825"/>
+              <a:gd name="connsiteX0" fmla="*/ 0 w 808456"/>
+              <a:gd name="connsiteY0" fmla="*/ 0 h 2337825"/>
+              <a:gd name="connsiteX1" fmla="*/ 808456 w 808456"/>
+              <a:gd name="connsiteY1" fmla="*/ 0 h 2337825"/>
+              <a:gd name="connsiteX2" fmla="*/ 808456 w 808456"/>
+              <a:gd name="connsiteY2" fmla="*/ 2337825 h 2337825"/>
+              <a:gd name="connsiteX3" fmla="*/ 324144 w 808456"/>
+              <a:gd name="connsiteY3" fmla="*/ 2337825 h 2337825"/>
+              <a:gd name="connsiteX0" fmla="*/ 0 w 851021"/>
+              <a:gd name="connsiteY0" fmla="*/ 1333 h 2337825"/>
+              <a:gd name="connsiteX1" fmla="*/ 851021 w 851021"/>
+              <a:gd name="connsiteY1" fmla="*/ 0 h 2337825"/>
+              <a:gd name="connsiteX2" fmla="*/ 851021 w 851021"/>
+              <a:gd name="connsiteY2" fmla="*/ 2337825 h 2337825"/>
+              <a:gd name="connsiteX3" fmla="*/ 366709 w 851021"/>
+              <a:gd name="connsiteY3" fmla="*/ 2337825 h 2337825"/>
+            </a:gdLst>
+            <a:ahLst/>
+            <a:cxnLst>
+              <a:cxn ang="0">
+                <a:pos x="connsiteX0" y="connsiteY0"/>
+              </a:cxn>
+              <a:cxn ang="0">
+                <a:pos x="connsiteX1" y="connsiteY1"/>
+              </a:cxn>
+              <a:cxn ang="0">
+                <a:pos x="connsiteX2" y="connsiteY2"/>
+              </a:cxn>
+              <a:cxn ang="0">
+                <a:pos x="connsiteX3" y="connsiteY3"/>
+              </a:cxn>
+            </a:cxnLst>
+            <a:rect l="l" t="t" r="r" b="b"/>
+            <a:pathLst>
+              <a:path w="851021" h="2337825">
+                <a:moveTo>
+                  <a:pt x="0" y="1333"/>
+                </a:moveTo>
+                <a:lnTo>
+                  <a:pt x="851021" y="0"/>
+                </a:lnTo>
+                <a:lnTo>
+                  <a:pt x="851021" y="2337825"/>
+                </a:lnTo>
+                <a:lnTo>
+                  <a:pt x="366709" y="2337825"/>
+                </a:lnTo>
+              </a:path>
+            </a:pathLst>
+          </a:custGeom>
+          <a:noFill/>
+          <a:ln w="3175">
+            <a:solidFill>
+              <a:schemeClr val="tx1"/>
+            </a:solidFill>
+          </a:ln>
+        </p:spPr>
+        <p:style>
+          <a:lnRef idx="2">
+            <a:schemeClr val="accent1">
+              <a:shade val="50000"/>
+            </a:schemeClr>
+          </a:lnRef>
+          <a:fillRef idx="1">
+            <a:schemeClr val="accent1"/>
+          </a:fillRef>
+          <a:effectRef idx="0">
+            <a:schemeClr val="accent1"/>
+          </a:effectRef>
+          <a:fontRef idx="minor">
+            <a:schemeClr val="lt1"/>
+          </a:fontRef>
+        </p:style>
+        <p:txBody>
+          <a:bodyPr rtlCol="0" anchor="ctr"/>
+          <a:lstStyle/>
+          <a:p>
+            <a:pPr algn="ctr"/>
+            <a:endParaRPr lang="en-US" dirty="0"/>
           </a:p>
         </p:txBody>
       </p:sp>

--- a/saturn/enhanced-four-corner-model.pptx
+++ b/saturn/enhanced-four-corner-model.pptx
@@ -3332,8 +3332,8 @@
         </p:nvSpPr>
         <p:spPr>
           <a:xfrm flipH="1">
-            <a:off x="6612717" y="3781306"/>
-            <a:ext cx="371550" cy="1727550"/>
+            <a:off x="6612717" y="4005064"/>
+            <a:ext cx="371550" cy="1503791"/>
           </a:xfrm>
           <a:custGeom>
             <a:avLst/>
@@ -6983,7 +6983,7 @@
         </p:blipFill>
         <p:spPr bwMode="auto">
           <a:xfrm>
-            <a:off x="6804247" y="3140968"/>
+            <a:off x="6804247" y="3355328"/>
             <a:ext cx="360040" cy="356341"/>
           </a:xfrm>
           <a:prstGeom prst="rect">
@@ -7092,7 +7092,7 @@
         </p:blipFill>
         <p:spPr bwMode="auto">
           <a:xfrm>
-            <a:off x="6804247" y="3434363"/>
+            <a:off x="6804247" y="3648723"/>
             <a:ext cx="360040" cy="356341"/>
           </a:xfrm>
           <a:prstGeom prst="rect">
@@ -8198,43 +8198,6 @@
           </p:txBody>
         </p:sp>
       </p:grpSp>
-      <p:sp>
-        <p:nvSpPr>
-          <p:cNvPr id="207" name="TextBox 206"/>
-          <p:cNvSpPr txBox="1"/>
-          <p:nvPr/>
-        </p:nvSpPr>
-        <p:spPr>
-          <a:xfrm rot="5400000" flipH="1">
-            <a:off x="6557708" y="4278238"/>
-            <a:ext cx="1160895" cy="307777"/>
-          </a:xfrm>
-          <a:prstGeom prst="rect">
-            <a:avLst/>
-          </a:prstGeom>
-          <a:noFill/>
-        </p:spPr>
-        <p:txBody>
-          <a:bodyPr wrap="none" rtlCol="0">
-            <a:spAutoFit/>
-          </a:bodyPr>
-          <a:lstStyle/>
-          <a:p>
-            <a:pPr algn="ctr"/>
-            <a:r>
-              <a:rPr lang="en-US" sz="1400" dirty="0" smtClean="0">
-                <a:latin typeface="Arial" panose="020B0604020202020204" pitchFamily="34" charset="0"/>
-                <a:cs typeface="Arial" panose="020B0604020202020204" pitchFamily="34" charset="0"/>
-              </a:rPr>
-              <a:t>Issued Keys</a:t>
-            </a:r>
-            <a:endParaRPr lang="en-US" sz="1400" dirty="0">
-              <a:latin typeface="Arial" panose="020B0604020202020204" pitchFamily="34" charset="0"/>
-              <a:cs typeface="Arial" panose="020B0604020202020204" pitchFamily="34" charset="0"/>
-            </a:endParaRPr>
-          </a:p>
-        </p:txBody>
-      </p:sp>
       <p:grpSp>
         <p:nvGrpSpPr>
           <p:cNvPr id="212" name="Group 211"/>
@@ -8900,14 +8863,7 @@
                 <a:latin typeface="Arial" panose="020B0604020202020204" pitchFamily="34" charset="0"/>
                 <a:cs typeface="Arial" panose="020B0604020202020204" pitchFamily="34" charset="0"/>
               </a:rPr>
-              <a:t>, </a:t>
-            </a:r>
-            <a:r>
-              <a:rPr lang="en-US" sz="800" dirty="0" smtClean="0">
-                <a:latin typeface="Arial" panose="020B0604020202020204" pitchFamily="34" charset="0"/>
-                <a:cs typeface="Arial" panose="020B0604020202020204" pitchFamily="34" charset="0"/>
-              </a:rPr>
-              <a:t>2019-09-06</a:t>
+              <a:t>, 2019-09-06</a:t>
             </a:r>
             <a:endParaRPr lang="en-US" sz="800" dirty="0">
               <a:latin typeface="Arial" panose="020B0604020202020204" pitchFamily="34" charset="0"/>
@@ -8961,21 +8917,7 @@
                 <a:latin typeface="Arial" panose="020B0604020202020204" pitchFamily="34" charset="0"/>
                 <a:cs typeface="Arial" panose="020B0604020202020204" pitchFamily="34" charset="0"/>
               </a:rPr>
-              <a:t>Note: this drawing is simplified, </a:t>
-            </a:r>
-            <a:r>
-              <a:rPr lang="en-US" sz="1000" dirty="0" smtClean="0">
-                <a:latin typeface="Arial" panose="020B0604020202020204" pitchFamily="34" charset="0"/>
-                <a:cs typeface="Arial" panose="020B0604020202020204" pitchFamily="34" charset="0"/>
-              </a:rPr>
-              <a:t>succeeding steps as </a:t>
-            </a:r>
-            <a:r>
-              <a:rPr lang="en-US" sz="1000" dirty="0" smtClean="0">
-                <a:latin typeface="Arial" panose="020B0604020202020204" pitchFamily="34" charset="0"/>
-                <a:cs typeface="Arial" panose="020B0604020202020204" pitchFamily="34" charset="0"/>
-              </a:rPr>
-              <a:t>well as </a:t>
+              <a:t>Note: this drawing is simplified, succeeding steps as well as </a:t>
             </a:r>
             <a:r>
               <a:rPr lang="en-US" sz="1000" dirty="0" smtClean="0">
@@ -9374,7 +9316,7 @@
         </p:nvSpPr>
         <p:spPr>
           <a:xfrm>
-            <a:off x="7164287" y="3224043"/>
+            <a:off x="7164287" y="3438403"/>
             <a:ext cx="855166" cy="238363"/>
           </a:xfrm>
           <a:prstGeom prst="roundRect">
@@ -9419,7 +9361,7 @@
         </p:nvSpPr>
         <p:spPr>
           <a:xfrm>
-            <a:off x="7164287" y="3541180"/>
+            <a:off x="7164287" y="3755540"/>
             <a:ext cx="936866" cy="238363"/>
           </a:xfrm>
           <a:prstGeom prst="roundRect">
@@ -9878,8 +9820,8 @@
         </p:nvSpPr>
         <p:spPr>
           <a:xfrm>
-            <a:off x="8092270" y="3667394"/>
-            <a:ext cx="309462" cy="2088930"/>
+            <a:off x="8092270" y="3862658"/>
+            <a:ext cx="309462" cy="1893666"/>
           </a:xfrm>
           <a:custGeom>
             <a:avLst/>
@@ -10047,6 +9989,101 @@
           <a:p>
             <a:pPr algn="ctr"/>
             <a:endParaRPr lang="en-US" dirty="0"/>
+          </a:p>
+        </p:txBody>
+      </p:sp>
+      <p:sp>
+        <p:nvSpPr>
+          <p:cNvPr id="138" name="TextBox 137"/>
+          <p:cNvSpPr txBox="1"/>
+          <p:nvPr/>
+        </p:nvSpPr>
+        <p:spPr>
+          <a:xfrm>
+            <a:off x="6660232" y="5013176"/>
+            <a:ext cx="1659677" cy="252948"/>
+          </a:xfrm>
+          <a:prstGeom prst="roundRect">
+            <a:avLst>
+              <a:gd name="adj" fmla="val 26503"/>
+            </a:avLst>
+          </a:prstGeom>
+          <a:solidFill>
+            <a:schemeClr val="bg1"/>
+          </a:solidFill>
+          <a:ln w="3175">
+            <a:solidFill>
+              <a:schemeClr val="bg1">
+                <a:lumMod val="50000"/>
+              </a:schemeClr>
+            </a:solidFill>
+          </a:ln>
+        </p:spPr>
+        <p:txBody>
+          <a:bodyPr wrap="none" lIns="72000" tIns="0" rIns="72000" bIns="0" rtlCol="0" anchor="ctr" anchorCtr="0">
+            <a:spAutoFit/>
+          </a:bodyPr>
+          <a:lstStyle/>
+          <a:p>
+            <a:pPr algn="ctr"/>
+            <a:r>
+              <a:rPr lang="en-US" sz="1400" dirty="0" smtClean="0">
+                <a:latin typeface="Arial" panose="020B0604020202020204" pitchFamily="34" charset="0"/>
+                <a:cs typeface="Arial" panose="020B0604020202020204" pitchFamily="34" charset="0"/>
+              </a:rPr>
+              <a:t>Issued Credentials</a:t>
+            </a:r>
+            <a:endParaRPr lang="en-US" sz="1400" dirty="0">
+              <a:latin typeface="Arial" panose="020B0604020202020204" pitchFamily="34" charset="0"/>
+              <a:cs typeface="Arial" panose="020B0604020202020204" pitchFamily="34" charset="0"/>
+            </a:endParaRPr>
+          </a:p>
+        </p:txBody>
+      </p:sp>
+      <p:sp>
+        <p:nvSpPr>
+          <p:cNvPr id="10" name="TextBox 9"/>
+          <p:cNvSpPr txBox="1"/>
+          <p:nvPr/>
+        </p:nvSpPr>
+        <p:spPr>
+          <a:xfrm>
+            <a:off x="6804248" y="3113207"/>
+            <a:ext cx="949546" cy="215444"/>
+          </a:xfrm>
+          <a:prstGeom prst="rect">
+            <a:avLst/>
+          </a:prstGeom>
+          <a:solidFill>
+            <a:schemeClr val="accent5">
+              <a:lumMod val="20000"/>
+              <a:lumOff val="80000"/>
+            </a:schemeClr>
+          </a:solidFill>
+          <a:ln w="6350">
+            <a:solidFill>
+              <a:schemeClr val="tx1"/>
+            </a:solidFill>
+          </a:ln>
+          <a:effectLst/>
+        </p:spPr>
+        <p:txBody>
+          <a:bodyPr wrap="none" lIns="36000" tIns="0" rIns="36000" bIns="0" rtlCol="0" anchor="ctr" anchorCtr="1">
+            <a:spAutoFit/>
+          </a:bodyPr>
+          <a:lstStyle/>
+          <a:p>
+            <a:r>
+              <a:rPr lang="en-US" sz="1400" dirty="0" smtClean="0">
+                <a:latin typeface="Arial" panose="020B0604020202020204" pitchFamily="34" charset="0"/>
+                <a:cs typeface="Arial" panose="020B0604020202020204" pitchFamily="34" charset="0"/>
+              </a:rPr>
+              <a:t>Account ID</a:t>
+            </a:r>
+            <a:endParaRPr lang="en-US" sz="1400" dirty="0">
+              <a:latin typeface="Arial" panose="020B0604020202020204" pitchFamily="34" charset="0"/>
+              <a:cs typeface="Arial" panose="020B0604020202020204" pitchFamily="34" charset="0"/>
+            </a:endParaRPr>
           </a:p>
         </p:txBody>
       </p:sp>

--- a/saturn/enhanced-four-corner-model.pptx
+++ b/saturn/enhanced-four-corner-model.pptx
@@ -5985,7 +5985,7 @@
         </p:blipFill>
         <p:spPr bwMode="auto">
           <a:xfrm rot="19980000">
-            <a:off x="1896963" y="3217189"/>
+            <a:off x="1820899" y="3217189"/>
             <a:ext cx="360040" cy="356341"/>
           </a:xfrm>
           <a:prstGeom prst="rect">
@@ -6382,7 +6382,7 @@
                 <a:lumMod val="50000"/>
               </a:schemeClr>
             </a:solidFill>
-            <a:prstDash val="dash"/>
+            <a:prstDash val="sysDot"/>
             <a:tailEnd type="none" w="sm" len="sm"/>
           </a:ln>
         </p:spPr>
@@ -6928,19 +6928,21 @@
         </p:nvSpPr>
         <p:spPr>
           <a:xfrm>
-            <a:off x="1763688" y="2905199"/>
-            <a:ext cx="930062" cy="307777"/>
+            <a:off x="1555518" y="2920473"/>
+            <a:ext cx="890802" cy="288147"/>
           </a:xfrm>
           <a:prstGeom prst="rect">
             <a:avLst/>
           </a:prstGeom>
-          <a:noFill/>
+          <a:solidFill>
+            <a:schemeClr val="bg1"/>
+          </a:solidFill>
           <a:ln w="6350">
             <a:noFill/>
           </a:ln>
         </p:spPr>
         <p:txBody>
-          <a:bodyPr wrap="none" rtlCol="0">
+          <a:bodyPr wrap="none" lIns="72000" tIns="36000" rIns="72000" bIns="36000" rtlCol="0">
             <a:spAutoFit/>
           </a:bodyPr>
           <a:lstStyle/>
@@ -9775,7 +9777,7 @@
         </p:nvSpPr>
         <p:spPr>
           <a:xfrm>
-            <a:off x="1599008" y="3519681"/>
+            <a:off x="1573336" y="3519681"/>
             <a:ext cx="855166" cy="238363"/>
           </a:xfrm>
           <a:prstGeom prst="roundRect">

--- a/saturn/enhanced-four-corner-model.pptx
+++ b/saturn/enhanced-four-corner-model.pptx
@@ -8882,8 +8882,8 @@
         </p:nvSpPr>
         <p:spPr>
           <a:xfrm>
-            <a:off x="1963698" y="6453336"/>
-            <a:ext cx="5560630" cy="246221"/>
+            <a:off x="1763688" y="6453336"/>
+            <a:ext cx="5704646" cy="246221"/>
           </a:xfrm>
           <a:prstGeom prst="rect">
             <a:avLst/>
@@ -8934,7 +8934,28 @@
                 <a:latin typeface="Arial" panose="020B0604020202020204" pitchFamily="34" charset="0"/>
                 <a:cs typeface="Arial" panose="020B0604020202020204" pitchFamily="34" charset="0"/>
               </a:rPr>
-              <a:t> is not shown here</a:t>
+              <a:t> </a:t>
+            </a:r>
+            <a:r>
+              <a:rPr lang="en-US" sz="1000" i="1" dirty="0" smtClean="0">
+                <a:latin typeface="Arial" panose="020B0604020202020204" pitchFamily="34" charset="0"/>
+                <a:cs typeface="Arial" panose="020B0604020202020204" pitchFamily="34" charset="0"/>
+              </a:rPr>
+              <a:t>are</a:t>
+            </a:r>
+            <a:r>
+              <a:rPr lang="en-US" sz="1000" i="1" dirty="0" smtClean="0">
+                <a:latin typeface="Arial" panose="020B0604020202020204" pitchFamily="34" charset="0"/>
+                <a:cs typeface="Arial" panose="020B0604020202020204" pitchFamily="34" charset="0"/>
+              </a:rPr>
+              <a:t> </a:t>
+            </a:r>
+            <a:r>
+              <a:rPr lang="en-US" sz="1000" i="1" dirty="0" smtClean="0">
+                <a:latin typeface="Arial" panose="020B0604020202020204" pitchFamily="34" charset="0"/>
+                <a:cs typeface="Arial" panose="020B0604020202020204" pitchFamily="34" charset="0"/>
+              </a:rPr>
+              <a:t>not shown here</a:t>
             </a:r>
             <a:endParaRPr lang="en-US" sz="1000" i="1" dirty="0">
               <a:latin typeface="Arial" panose="020B0604020202020204" pitchFamily="34" charset="0"/>

--- a/saturn/enhanced-four-corner-model.pptx
+++ b/saturn/enhanced-four-corner-model.pptx
@@ -288,7 +288,7 @@
           <a:p>
             <a:fld id="{FC080E38-6FF2-48B3-BDAB-4FA23B840E92}" type="datetimeFigureOut">
               <a:rPr lang="en-US" smtClean="0"/>
-              <a:t>2019-09-06</a:t>
+              <a:t>2019-09-07</a:t>
             </a:fld>
             <a:endParaRPr lang="en-US"/>
           </a:p>
@@ -458,7 +458,7 @@
           <a:p>
             <a:fld id="{FC080E38-6FF2-48B3-BDAB-4FA23B840E92}" type="datetimeFigureOut">
               <a:rPr lang="en-US" smtClean="0"/>
-              <a:t>2019-09-06</a:t>
+              <a:t>2019-09-07</a:t>
             </a:fld>
             <a:endParaRPr lang="en-US"/>
           </a:p>
@@ -638,7 +638,7 @@
           <a:p>
             <a:fld id="{FC080E38-6FF2-48B3-BDAB-4FA23B840E92}" type="datetimeFigureOut">
               <a:rPr lang="en-US" smtClean="0"/>
-              <a:t>2019-09-06</a:t>
+              <a:t>2019-09-07</a:t>
             </a:fld>
             <a:endParaRPr lang="en-US"/>
           </a:p>
@@ -808,7 +808,7 @@
           <a:p>
             <a:fld id="{FC080E38-6FF2-48B3-BDAB-4FA23B840E92}" type="datetimeFigureOut">
               <a:rPr lang="en-US" smtClean="0"/>
-              <a:t>2019-09-06</a:t>
+              <a:t>2019-09-07</a:t>
             </a:fld>
             <a:endParaRPr lang="en-US"/>
           </a:p>
@@ -1054,7 +1054,7 @@
           <a:p>
             <a:fld id="{FC080E38-6FF2-48B3-BDAB-4FA23B840E92}" type="datetimeFigureOut">
               <a:rPr lang="en-US" smtClean="0"/>
-              <a:t>2019-09-06</a:t>
+              <a:t>2019-09-07</a:t>
             </a:fld>
             <a:endParaRPr lang="en-US"/>
           </a:p>
@@ -1342,7 +1342,7 @@
           <a:p>
             <a:fld id="{FC080E38-6FF2-48B3-BDAB-4FA23B840E92}" type="datetimeFigureOut">
               <a:rPr lang="en-US" smtClean="0"/>
-              <a:t>2019-09-06</a:t>
+              <a:t>2019-09-07</a:t>
             </a:fld>
             <a:endParaRPr lang="en-US"/>
           </a:p>
@@ -1764,7 +1764,7 @@
           <a:p>
             <a:fld id="{FC080E38-6FF2-48B3-BDAB-4FA23B840E92}" type="datetimeFigureOut">
               <a:rPr lang="en-US" smtClean="0"/>
-              <a:t>2019-09-06</a:t>
+              <a:t>2019-09-07</a:t>
             </a:fld>
             <a:endParaRPr lang="en-US"/>
           </a:p>
@@ -1882,7 +1882,7 @@
           <a:p>
             <a:fld id="{FC080E38-6FF2-48B3-BDAB-4FA23B840E92}" type="datetimeFigureOut">
               <a:rPr lang="en-US" smtClean="0"/>
-              <a:t>2019-09-06</a:t>
+              <a:t>2019-09-07</a:t>
             </a:fld>
             <a:endParaRPr lang="en-US"/>
           </a:p>
@@ -1977,7 +1977,7 @@
           <a:p>
             <a:fld id="{FC080E38-6FF2-48B3-BDAB-4FA23B840E92}" type="datetimeFigureOut">
               <a:rPr lang="en-US" smtClean="0"/>
-              <a:t>2019-09-06</a:t>
+              <a:t>2019-09-07</a:t>
             </a:fld>
             <a:endParaRPr lang="en-US"/>
           </a:p>
@@ -2254,7 +2254,7 @@
           <a:p>
             <a:fld id="{FC080E38-6FF2-48B3-BDAB-4FA23B840E92}" type="datetimeFigureOut">
               <a:rPr lang="en-US" smtClean="0"/>
-              <a:t>2019-09-06</a:t>
+              <a:t>2019-09-07</a:t>
             </a:fld>
             <a:endParaRPr lang="en-US"/>
           </a:p>
@@ -2507,7 +2507,7 @@
           <a:p>
             <a:fld id="{FC080E38-6FF2-48B3-BDAB-4FA23B840E92}" type="datetimeFigureOut">
               <a:rPr lang="en-US" smtClean="0"/>
-              <a:t>2019-09-06</a:t>
+              <a:t>2019-09-07</a:t>
             </a:fld>
             <a:endParaRPr lang="en-US"/>
           </a:p>
@@ -2720,7 +2720,7 @@
           <a:p>
             <a:fld id="{FC080E38-6FF2-48B3-BDAB-4FA23B840E92}" type="datetimeFigureOut">
               <a:rPr lang="en-US" smtClean="0"/>
-              <a:t>2019-09-06</a:t>
+              <a:t>2019-09-07</a:t>
             </a:fld>
             <a:endParaRPr lang="en-US"/>
           </a:p>
@@ -3095,6 +3095,283 @@
           <a:chExt cx="0" cy="0"/>
         </a:xfrm>
       </p:grpSpPr>
+      <p:sp>
+        <p:nvSpPr>
+          <p:cNvPr id="206" name="Freeform 205"/>
+          <p:cNvSpPr/>
+          <p:nvPr/>
+        </p:nvSpPr>
+        <p:spPr>
+          <a:xfrm flipH="1">
+            <a:off x="6612715" y="3425351"/>
+            <a:ext cx="566099" cy="2083506"/>
+          </a:xfrm>
+          <a:custGeom>
+            <a:avLst/>
+            <a:gdLst>
+              <a:gd name="connsiteX0" fmla="*/ 107576 w 107576"/>
+              <a:gd name="connsiteY0" fmla="*/ 168088 h 168088"/>
+              <a:gd name="connsiteX1" fmla="*/ 94129 w 107576"/>
+              <a:gd name="connsiteY1" fmla="*/ 134470 h 168088"/>
+              <a:gd name="connsiteX2" fmla="*/ 40341 w 107576"/>
+              <a:gd name="connsiteY2" fmla="*/ 60511 h 168088"/>
+              <a:gd name="connsiteX3" fmla="*/ 6723 w 107576"/>
+              <a:gd name="connsiteY3" fmla="*/ 0 h 168088"/>
+              <a:gd name="connsiteX4" fmla="*/ 0 w 107576"/>
+              <a:gd name="connsiteY4" fmla="*/ 0 h 168088"/>
+              <a:gd name="connsiteX0" fmla="*/ 100853 w 100853"/>
+              <a:gd name="connsiteY0" fmla="*/ 168088 h 168088"/>
+              <a:gd name="connsiteX1" fmla="*/ 87406 w 100853"/>
+              <a:gd name="connsiteY1" fmla="*/ 134470 h 168088"/>
+              <a:gd name="connsiteX2" fmla="*/ 33618 w 100853"/>
+              <a:gd name="connsiteY2" fmla="*/ 60511 h 168088"/>
+              <a:gd name="connsiteX3" fmla="*/ 0 w 100853"/>
+              <a:gd name="connsiteY3" fmla="*/ 0 h 168088"/>
+              <a:gd name="connsiteX0" fmla="*/ 101208 w 101208"/>
+              <a:gd name="connsiteY0" fmla="*/ 168088 h 168088"/>
+              <a:gd name="connsiteX1" fmla="*/ 87761 w 101208"/>
+              <a:gd name="connsiteY1" fmla="*/ 134470 h 168088"/>
+              <a:gd name="connsiteX2" fmla="*/ 33973 w 101208"/>
+              <a:gd name="connsiteY2" fmla="*/ 60511 h 168088"/>
+              <a:gd name="connsiteX3" fmla="*/ 355 w 101208"/>
+              <a:gd name="connsiteY3" fmla="*/ 0 h 168088"/>
+              <a:gd name="connsiteX0" fmla="*/ 100853 w 100853"/>
+              <a:gd name="connsiteY0" fmla="*/ 168088 h 168088"/>
+              <a:gd name="connsiteX1" fmla="*/ 87406 w 100853"/>
+              <a:gd name="connsiteY1" fmla="*/ 134470 h 168088"/>
+              <a:gd name="connsiteX2" fmla="*/ 0 w 100853"/>
+              <a:gd name="connsiteY2" fmla="*/ 0 h 168088"/>
+              <a:gd name="connsiteX0" fmla="*/ 101397 w 101397"/>
+              <a:gd name="connsiteY0" fmla="*/ 168088 h 168088"/>
+              <a:gd name="connsiteX1" fmla="*/ 87950 w 101397"/>
+              <a:gd name="connsiteY1" fmla="*/ 134470 h 168088"/>
+              <a:gd name="connsiteX2" fmla="*/ 544 w 101397"/>
+              <a:gd name="connsiteY2" fmla="*/ 0 h 168088"/>
+              <a:gd name="connsiteX0" fmla="*/ 100853 w 100853"/>
+              <a:gd name="connsiteY0" fmla="*/ 168088 h 168088"/>
+              <a:gd name="connsiteX1" fmla="*/ 0 w 100853"/>
+              <a:gd name="connsiteY1" fmla="*/ 0 h 168088"/>
+              <a:gd name="connsiteX0" fmla="*/ 100960 w 100960"/>
+              <a:gd name="connsiteY0" fmla="*/ 168088 h 168088"/>
+              <a:gd name="connsiteX1" fmla="*/ 107 w 100960"/>
+              <a:gd name="connsiteY1" fmla="*/ 0 h 168088"/>
+              <a:gd name="connsiteX0" fmla="*/ 100944 w 100944"/>
+              <a:gd name="connsiteY0" fmla="*/ 168088 h 168088"/>
+              <a:gd name="connsiteX1" fmla="*/ 91 w 100944"/>
+              <a:gd name="connsiteY1" fmla="*/ 0 h 168088"/>
+              <a:gd name="connsiteX0" fmla="*/ 100940 w 104742"/>
+              <a:gd name="connsiteY0" fmla="*/ 168088 h 168242"/>
+              <a:gd name="connsiteX1" fmla="*/ 104734 w 104742"/>
+              <a:gd name="connsiteY1" fmla="*/ 168088 h 168242"/>
+              <a:gd name="connsiteX2" fmla="*/ 87 w 104742"/>
+              <a:gd name="connsiteY2" fmla="*/ 0 h 168242"/>
+              <a:gd name="connsiteX0" fmla="*/ 100968 w 104770"/>
+              <a:gd name="connsiteY0" fmla="*/ 168088 h 168242"/>
+              <a:gd name="connsiteX1" fmla="*/ 104762 w 104770"/>
+              <a:gd name="connsiteY1" fmla="*/ 168088 h 168242"/>
+              <a:gd name="connsiteX2" fmla="*/ 115 w 104770"/>
+              <a:gd name="connsiteY2" fmla="*/ 0 h 168242"/>
+              <a:gd name="connsiteX0" fmla="*/ 99887 w 103689"/>
+              <a:gd name="connsiteY0" fmla="*/ 170870 h 171024"/>
+              <a:gd name="connsiteX1" fmla="*/ 103681 w 103689"/>
+              <a:gd name="connsiteY1" fmla="*/ 170870 h 171024"/>
+              <a:gd name="connsiteX2" fmla="*/ 118 w 103689"/>
+              <a:gd name="connsiteY2" fmla="*/ 0 h 171024"/>
+              <a:gd name="connsiteX0" fmla="*/ 100353 w 104155"/>
+              <a:gd name="connsiteY0" fmla="*/ 170870 h 171024"/>
+              <a:gd name="connsiteX1" fmla="*/ 104147 w 104155"/>
+              <a:gd name="connsiteY1" fmla="*/ 170870 h 171024"/>
+              <a:gd name="connsiteX2" fmla="*/ 584 w 104155"/>
+              <a:gd name="connsiteY2" fmla="*/ 0 h 171024"/>
+              <a:gd name="connsiteX0" fmla="*/ 100455 w 101562"/>
+              <a:gd name="connsiteY0" fmla="*/ 170870 h 186780"/>
+              <a:gd name="connsiteX1" fmla="*/ 101539 w 101562"/>
+              <a:gd name="connsiteY1" fmla="*/ 186770 h 186780"/>
+              <a:gd name="connsiteX2" fmla="*/ 686 w 101562"/>
+              <a:gd name="connsiteY2" fmla="*/ 0 h 186780"/>
+              <a:gd name="connsiteX0" fmla="*/ 101539 w 101539"/>
+              <a:gd name="connsiteY0" fmla="*/ 186770 h 186770"/>
+              <a:gd name="connsiteX1" fmla="*/ 686 w 101539"/>
+              <a:gd name="connsiteY1" fmla="*/ 0 h 186770"/>
+              <a:gd name="connsiteX0" fmla="*/ 107835 w 107835"/>
+              <a:gd name="connsiteY0" fmla="*/ 170473 h 170473"/>
+              <a:gd name="connsiteX1" fmla="*/ 478 w 107835"/>
+              <a:gd name="connsiteY1" fmla="*/ 0 h 170473"/>
+              <a:gd name="connsiteX0" fmla="*/ 112083 w 112083"/>
+              <a:gd name="connsiteY0" fmla="*/ 172460 h 172460"/>
+              <a:gd name="connsiteX1" fmla="*/ 390 w 112083"/>
+              <a:gd name="connsiteY1" fmla="*/ 0 h 172460"/>
+              <a:gd name="connsiteX0" fmla="*/ 111797 w 111797"/>
+              <a:gd name="connsiteY0" fmla="*/ 172460 h 172460"/>
+              <a:gd name="connsiteX1" fmla="*/ 104 w 111797"/>
+              <a:gd name="connsiteY1" fmla="*/ 0 h 172460"/>
+              <a:gd name="connsiteX0" fmla="*/ 111787 w 111787"/>
+              <a:gd name="connsiteY0" fmla="*/ 172460 h 172460"/>
+              <a:gd name="connsiteX1" fmla="*/ 94 w 111787"/>
+              <a:gd name="connsiteY1" fmla="*/ 0 h 172460"/>
+              <a:gd name="connsiteX0" fmla="*/ 118172 w 118172"/>
+              <a:gd name="connsiteY0" fmla="*/ 172460 h 172460"/>
+              <a:gd name="connsiteX1" fmla="*/ 6479 w 118172"/>
+              <a:gd name="connsiteY1" fmla="*/ 0 h 172460"/>
+              <a:gd name="connsiteX0" fmla="*/ 146801 w 146801"/>
+              <a:gd name="connsiteY0" fmla="*/ 173652 h 173652"/>
+              <a:gd name="connsiteX1" fmla="*/ 963 w 146801"/>
+              <a:gd name="connsiteY1" fmla="*/ 0 h 173652"/>
+              <a:gd name="connsiteX0" fmla="*/ 145276 w 145276"/>
+              <a:gd name="connsiteY0" fmla="*/ 184384 h 184384"/>
+              <a:gd name="connsiteX1" fmla="*/ 1064 w 145276"/>
+              <a:gd name="connsiteY1" fmla="*/ 0 h 184384"/>
+              <a:gd name="connsiteX0" fmla="*/ 144266 w 144266"/>
+              <a:gd name="connsiteY0" fmla="*/ 193924 h 193924"/>
+              <a:gd name="connsiteX1" fmla="*/ 1138 w 144266"/>
+              <a:gd name="connsiteY1" fmla="*/ 0 h 193924"/>
+              <a:gd name="connsiteX0" fmla="*/ 128914 w 128914"/>
+              <a:gd name="connsiteY0" fmla="*/ 200508 h 200508"/>
+              <a:gd name="connsiteX1" fmla="*/ 3268 w 128914"/>
+              <a:gd name="connsiteY1" fmla="*/ 0 h 200508"/>
+              <a:gd name="connsiteX0" fmla="*/ 125646 w 125646"/>
+              <a:gd name="connsiteY0" fmla="*/ 200508 h 200508"/>
+              <a:gd name="connsiteX1" fmla="*/ 0 w 125646"/>
+              <a:gd name="connsiteY1" fmla="*/ 0 h 200508"/>
+              <a:gd name="connsiteX0" fmla="*/ 126684 w 126684"/>
+              <a:gd name="connsiteY0" fmla="*/ 200508 h 200508"/>
+              <a:gd name="connsiteX1" fmla="*/ 1038 w 126684"/>
+              <a:gd name="connsiteY1" fmla="*/ 0 h 200508"/>
+              <a:gd name="connsiteX0" fmla="*/ 135025 w 135025"/>
+              <a:gd name="connsiteY0" fmla="*/ 205324 h 205324"/>
+              <a:gd name="connsiteX1" fmla="*/ 0 w 135025"/>
+              <a:gd name="connsiteY1" fmla="*/ 0 h 205324"/>
+              <a:gd name="connsiteX0" fmla="*/ 165106 w 165106"/>
+              <a:gd name="connsiteY0" fmla="*/ 205324 h 205324"/>
+              <a:gd name="connsiteX1" fmla="*/ 30081 w 165106"/>
+              <a:gd name="connsiteY1" fmla="*/ 0 h 205324"/>
+              <a:gd name="connsiteX0" fmla="*/ 93885 w 93885"/>
+              <a:gd name="connsiteY0" fmla="*/ 194729 h 194729"/>
+              <a:gd name="connsiteX1" fmla="*/ 73963 w 93885"/>
+              <a:gd name="connsiteY1" fmla="*/ 1 h 194729"/>
+              <a:gd name="connsiteX0" fmla="*/ 92799 w 92799"/>
+              <a:gd name="connsiteY0" fmla="*/ 194247 h 194247"/>
+              <a:gd name="connsiteX1" fmla="*/ 75435 w 92799"/>
+              <a:gd name="connsiteY1" fmla="*/ 1 h 194247"/>
+              <a:gd name="connsiteX0" fmla="*/ 121818 w 121818"/>
+              <a:gd name="connsiteY0" fmla="*/ 194246 h 194246"/>
+              <a:gd name="connsiteX1" fmla="*/ 104454 w 121818"/>
+              <a:gd name="connsiteY1" fmla="*/ 0 h 194246"/>
+              <a:gd name="connsiteX0" fmla="*/ 118816 w 118816"/>
+              <a:gd name="connsiteY0" fmla="*/ 194246 h 194246"/>
+              <a:gd name="connsiteX1" fmla="*/ 101452 w 118816"/>
+              <a:gd name="connsiteY1" fmla="*/ 0 h 194246"/>
+              <a:gd name="connsiteX0" fmla="*/ 93429 w 93429"/>
+              <a:gd name="connsiteY0" fmla="*/ 194246 h 194246"/>
+              <a:gd name="connsiteX1" fmla="*/ 76065 w 93429"/>
+              <a:gd name="connsiteY1" fmla="*/ 0 h 194246"/>
+            </a:gdLst>
+            <a:ahLst/>
+            <a:cxnLst>
+              <a:cxn ang="0">
+                <a:pos x="connsiteX0" y="connsiteY0"/>
+              </a:cxn>
+              <a:cxn ang="0">
+                <a:pos x="connsiteX1" y="connsiteY1"/>
+              </a:cxn>
+            </a:cxnLst>
+            <a:rect l="l" t="t" r="r" b="b"/>
+            <a:pathLst>
+              <a:path w="93429" h="194246">
+                <a:moveTo>
+                  <a:pt x="93429" y="194246"/>
+                </a:moveTo>
+                <a:cubicBezTo>
+                  <a:pt x="30953" y="170099"/>
+                  <a:pt x="-72034" y="380"/>
+                  <a:pt x="76065" y="0"/>
+                </a:cubicBezTo>
+              </a:path>
+            </a:pathLst>
+          </a:custGeom>
+          <a:noFill/>
+          <a:ln w="9525">
+            <a:tailEnd type="triangle"/>
+          </a:ln>
+        </p:spPr>
+        <p:style>
+          <a:lnRef idx="2">
+            <a:schemeClr val="accent1">
+              <a:shade val="50000"/>
+            </a:schemeClr>
+          </a:lnRef>
+          <a:fillRef idx="1">
+            <a:schemeClr val="accent1"/>
+          </a:fillRef>
+          <a:effectRef idx="0">
+            <a:schemeClr val="accent1"/>
+          </a:effectRef>
+          <a:fontRef idx="minor">
+            <a:schemeClr val="lt1"/>
+          </a:fontRef>
+        </p:style>
+        <p:txBody>
+          <a:bodyPr rtlCol="0" anchor="ctr"/>
+          <a:lstStyle/>
+          <a:p>
+            <a:pPr algn="ctr"/>
+            <a:endParaRPr lang="en-US"/>
+          </a:p>
+        </p:txBody>
+      </p:sp>
+      <p:sp>
+        <p:nvSpPr>
+          <p:cNvPr id="14" name="Rounded Rectangle 13"/>
+          <p:cNvSpPr/>
+          <p:nvPr/>
+        </p:nvSpPr>
+        <p:spPr>
+          <a:xfrm>
+            <a:off x="6895678" y="3561292"/>
+            <a:ext cx="1492746" cy="1141175"/>
+          </a:xfrm>
+          <a:prstGeom prst="roundRect">
+            <a:avLst>
+              <a:gd name="adj" fmla="val 8066"/>
+            </a:avLst>
+          </a:prstGeom>
+          <a:solidFill>
+            <a:schemeClr val="bg1"/>
+          </a:solidFill>
+          <a:ln w="12700"/>
+          <a:effectLst>
+            <a:outerShdw blurRad="50800" dist="38100" dir="2700000" algn="tl" rotWithShape="0">
+              <a:prstClr val="black">
+                <a:alpha val="40000"/>
+              </a:prstClr>
+            </a:outerShdw>
+          </a:effectLst>
+        </p:spPr>
+        <p:style>
+          <a:lnRef idx="2">
+            <a:schemeClr val="accent1">
+              <a:shade val="50000"/>
+            </a:schemeClr>
+          </a:lnRef>
+          <a:fillRef idx="1">
+            <a:schemeClr val="accent1"/>
+          </a:fillRef>
+          <a:effectRef idx="0">
+            <a:schemeClr val="accent1"/>
+          </a:effectRef>
+          <a:fontRef idx="minor">
+            <a:schemeClr val="lt1"/>
+          </a:fontRef>
+        </p:style>
+        <p:txBody>
+          <a:bodyPr rtlCol="0" anchor="ctr"/>
+          <a:lstStyle/>
+          <a:p>
+            <a:pPr algn="ctr"/>
+            <a:endParaRPr lang="en-US"/>
+          </a:p>
+        </p:txBody>
+      </p:sp>
       <p:grpSp>
         <p:nvGrpSpPr>
           <p:cNvPr id="224" name="Group 223"/>
@@ -3324,202 +3601,6 @@
           </p:txBody>
         </p:sp>
       </p:grpSp>
-      <p:sp>
-        <p:nvSpPr>
-          <p:cNvPr id="206" name="Freeform 205"/>
-          <p:cNvSpPr/>
-          <p:nvPr/>
-        </p:nvSpPr>
-        <p:spPr>
-          <a:xfrm flipH="1">
-            <a:off x="6612717" y="4005064"/>
-            <a:ext cx="371550" cy="1503791"/>
-          </a:xfrm>
-          <a:custGeom>
-            <a:avLst/>
-            <a:gdLst>
-              <a:gd name="connsiteX0" fmla="*/ 107576 w 107576"/>
-              <a:gd name="connsiteY0" fmla="*/ 168088 h 168088"/>
-              <a:gd name="connsiteX1" fmla="*/ 94129 w 107576"/>
-              <a:gd name="connsiteY1" fmla="*/ 134470 h 168088"/>
-              <a:gd name="connsiteX2" fmla="*/ 40341 w 107576"/>
-              <a:gd name="connsiteY2" fmla="*/ 60511 h 168088"/>
-              <a:gd name="connsiteX3" fmla="*/ 6723 w 107576"/>
-              <a:gd name="connsiteY3" fmla="*/ 0 h 168088"/>
-              <a:gd name="connsiteX4" fmla="*/ 0 w 107576"/>
-              <a:gd name="connsiteY4" fmla="*/ 0 h 168088"/>
-              <a:gd name="connsiteX0" fmla="*/ 100853 w 100853"/>
-              <a:gd name="connsiteY0" fmla="*/ 168088 h 168088"/>
-              <a:gd name="connsiteX1" fmla="*/ 87406 w 100853"/>
-              <a:gd name="connsiteY1" fmla="*/ 134470 h 168088"/>
-              <a:gd name="connsiteX2" fmla="*/ 33618 w 100853"/>
-              <a:gd name="connsiteY2" fmla="*/ 60511 h 168088"/>
-              <a:gd name="connsiteX3" fmla="*/ 0 w 100853"/>
-              <a:gd name="connsiteY3" fmla="*/ 0 h 168088"/>
-              <a:gd name="connsiteX0" fmla="*/ 101208 w 101208"/>
-              <a:gd name="connsiteY0" fmla="*/ 168088 h 168088"/>
-              <a:gd name="connsiteX1" fmla="*/ 87761 w 101208"/>
-              <a:gd name="connsiteY1" fmla="*/ 134470 h 168088"/>
-              <a:gd name="connsiteX2" fmla="*/ 33973 w 101208"/>
-              <a:gd name="connsiteY2" fmla="*/ 60511 h 168088"/>
-              <a:gd name="connsiteX3" fmla="*/ 355 w 101208"/>
-              <a:gd name="connsiteY3" fmla="*/ 0 h 168088"/>
-              <a:gd name="connsiteX0" fmla="*/ 100853 w 100853"/>
-              <a:gd name="connsiteY0" fmla="*/ 168088 h 168088"/>
-              <a:gd name="connsiteX1" fmla="*/ 87406 w 100853"/>
-              <a:gd name="connsiteY1" fmla="*/ 134470 h 168088"/>
-              <a:gd name="connsiteX2" fmla="*/ 0 w 100853"/>
-              <a:gd name="connsiteY2" fmla="*/ 0 h 168088"/>
-              <a:gd name="connsiteX0" fmla="*/ 101397 w 101397"/>
-              <a:gd name="connsiteY0" fmla="*/ 168088 h 168088"/>
-              <a:gd name="connsiteX1" fmla="*/ 87950 w 101397"/>
-              <a:gd name="connsiteY1" fmla="*/ 134470 h 168088"/>
-              <a:gd name="connsiteX2" fmla="*/ 544 w 101397"/>
-              <a:gd name="connsiteY2" fmla="*/ 0 h 168088"/>
-              <a:gd name="connsiteX0" fmla="*/ 100853 w 100853"/>
-              <a:gd name="connsiteY0" fmla="*/ 168088 h 168088"/>
-              <a:gd name="connsiteX1" fmla="*/ 0 w 100853"/>
-              <a:gd name="connsiteY1" fmla="*/ 0 h 168088"/>
-              <a:gd name="connsiteX0" fmla="*/ 100960 w 100960"/>
-              <a:gd name="connsiteY0" fmla="*/ 168088 h 168088"/>
-              <a:gd name="connsiteX1" fmla="*/ 107 w 100960"/>
-              <a:gd name="connsiteY1" fmla="*/ 0 h 168088"/>
-              <a:gd name="connsiteX0" fmla="*/ 100944 w 100944"/>
-              <a:gd name="connsiteY0" fmla="*/ 168088 h 168088"/>
-              <a:gd name="connsiteX1" fmla="*/ 91 w 100944"/>
-              <a:gd name="connsiteY1" fmla="*/ 0 h 168088"/>
-              <a:gd name="connsiteX0" fmla="*/ 100940 w 104742"/>
-              <a:gd name="connsiteY0" fmla="*/ 168088 h 168242"/>
-              <a:gd name="connsiteX1" fmla="*/ 104734 w 104742"/>
-              <a:gd name="connsiteY1" fmla="*/ 168088 h 168242"/>
-              <a:gd name="connsiteX2" fmla="*/ 87 w 104742"/>
-              <a:gd name="connsiteY2" fmla="*/ 0 h 168242"/>
-              <a:gd name="connsiteX0" fmla="*/ 100968 w 104770"/>
-              <a:gd name="connsiteY0" fmla="*/ 168088 h 168242"/>
-              <a:gd name="connsiteX1" fmla="*/ 104762 w 104770"/>
-              <a:gd name="connsiteY1" fmla="*/ 168088 h 168242"/>
-              <a:gd name="connsiteX2" fmla="*/ 115 w 104770"/>
-              <a:gd name="connsiteY2" fmla="*/ 0 h 168242"/>
-              <a:gd name="connsiteX0" fmla="*/ 99887 w 103689"/>
-              <a:gd name="connsiteY0" fmla="*/ 170870 h 171024"/>
-              <a:gd name="connsiteX1" fmla="*/ 103681 w 103689"/>
-              <a:gd name="connsiteY1" fmla="*/ 170870 h 171024"/>
-              <a:gd name="connsiteX2" fmla="*/ 118 w 103689"/>
-              <a:gd name="connsiteY2" fmla="*/ 0 h 171024"/>
-              <a:gd name="connsiteX0" fmla="*/ 100353 w 104155"/>
-              <a:gd name="connsiteY0" fmla="*/ 170870 h 171024"/>
-              <a:gd name="connsiteX1" fmla="*/ 104147 w 104155"/>
-              <a:gd name="connsiteY1" fmla="*/ 170870 h 171024"/>
-              <a:gd name="connsiteX2" fmla="*/ 584 w 104155"/>
-              <a:gd name="connsiteY2" fmla="*/ 0 h 171024"/>
-              <a:gd name="connsiteX0" fmla="*/ 100455 w 101562"/>
-              <a:gd name="connsiteY0" fmla="*/ 170870 h 186780"/>
-              <a:gd name="connsiteX1" fmla="*/ 101539 w 101562"/>
-              <a:gd name="connsiteY1" fmla="*/ 186770 h 186780"/>
-              <a:gd name="connsiteX2" fmla="*/ 686 w 101562"/>
-              <a:gd name="connsiteY2" fmla="*/ 0 h 186780"/>
-              <a:gd name="connsiteX0" fmla="*/ 101539 w 101539"/>
-              <a:gd name="connsiteY0" fmla="*/ 186770 h 186770"/>
-              <a:gd name="connsiteX1" fmla="*/ 686 w 101539"/>
-              <a:gd name="connsiteY1" fmla="*/ 0 h 186770"/>
-              <a:gd name="connsiteX0" fmla="*/ 107835 w 107835"/>
-              <a:gd name="connsiteY0" fmla="*/ 170473 h 170473"/>
-              <a:gd name="connsiteX1" fmla="*/ 478 w 107835"/>
-              <a:gd name="connsiteY1" fmla="*/ 0 h 170473"/>
-              <a:gd name="connsiteX0" fmla="*/ 112083 w 112083"/>
-              <a:gd name="connsiteY0" fmla="*/ 172460 h 172460"/>
-              <a:gd name="connsiteX1" fmla="*/ 390 w 112083"/>
-              <a:gd name="connsiteY1" fmla="*/ 0 h 172460"/>
-              <a:gd name="connsiteX0" fmla="*/ 111797 w 111797"/>
-              <a:gd name="connsiteY0" fmla="*/ 172460 h 172460"/>
-              <a:gd name="connsiteX1" fmla="*/ 104 w 111797"/>
-              <a:gd name="connsiteY1" fmla="*/ 0 h 172460"/>
-              <a:gd name="connsiteX0" fmla="*/ 111787 w 111787"/>
-              <a:gd name="connsiteY0" fmla="*/ 172460 h 172460"/>
-              <a:gd name="connsiteX1" fmla="*/ 94 w 111787"/>
-              <a:gd name="connsiteY1" fmla="*/ 0 h 172460"/>
-              <a:gd name="connsiteX0" fmla="*/ 118172 w 118172"/>
-              <a:gd name="connsiteY0" fmla="*/ 172460 h 172460"/>
-              <a:gd name="connsiteX1" fmla="*/ 6479 w 118172"/>
-              <a:gd name="connsiteY1" fmla="*/ 0 h 172460"/>
-              <a:gd name="connsiteX0" fmla="*/ 146801 w 146801"/>
-              <a:gd name="connsiteY0" fmla="*/ 173652 h 173652"/>
-              <a:gd name="connsiteX1" fmla="*/ 963 w 146801"/>
-              <a:gd name="connsiteY1" fmla="*/ 0 h 173652"/>
-              <a:gd name="connsiteX0" fmla="*/ 145276 w 145276"/>
-              <a:gd name="connsiteY0" fmla="*/ 184384 h 184384"/>
-              <a:gd name="connsiteX1" fmla="*/ 1064 w 145276"/>
-              <a:gd name="connsiteY1" fmla="*/ 0 h 184384"/>
-              <a:gd name="connsiteX0" fmla="*/ 144266 w 144266"/>
-              <a:gd name="connsiteY0" fmla="*/ 193924 h 193924"/>
-              <a:gd name="connsiteX1" fmla="*/ 1138 w 144266"/>
-              <a:gd name="connsiteY1" fmla="*/ 0 h 193924"/>
-              <a:gd name="connsiteX0" fmla="*/ 128914 w 128914"/>
-              <a:gd name="connsiteY0" fmla="*/ 200508 h 200508"/>
-              <a:gd name="connsiteX1" fmla="*/ 3268 w 128914"/>
-              <a:gd name="connsiteY1" fmla="*/ 0 h 200508"/>
-              <a:gd name="connsiteX0" fmla="*/ 125646 w 125646"/>
-              <a:gd name="connsiteY0" fmla="*/ 200508 h 200508"/>
-              <a:gd name="connsiteX1" fmla="*/ 0 w 125646"/>
-              <a:gd name="connsiteY1" fmla="*/ 0 h 200508"/>
-              <a:gd name="connsiteX0" fmla="*/ 126684 w 126684"/>
-              <a:gd name="connsiteY0" fmla="*/ 200508 h 200508"/>
-              <a:gd name="connsiteX1" fmla="*/ 1038 w 126684"/>
-              <a:gd name="connsiteY1" fmla="*/ 0 h 200508"/>
-            </a:gdLst>
-            <a:ahLst/>
-            <a:cxnLst>
-              <a:cxn ang="0">
-                <a:pos x="connsiteX0" y="connsiteY0"/>
-              </a:cxn>
-              <a:cxn ang="0">
-                <a:pos x="connsiteX1" y="connsiteY1"/>
-              </a:cxn>
-            </a:cxnLst>
-            <a:rect l="l" t="t" r="r" b="b"/>
-            <a:pathLst>
-              <a:path w="126684" h="200508">
-                <a:moveTo>
-                  <a:pt x="126684" y="200508"/>
-                </a:moveTo>
-                <a:cubicBezTo>
-                  <a:pt x="-26169" y="134940"/>
-                  <a:pt x="2999" y="182920"/>
-                  <a:pt x="1038" y="0"/>
-                </a:cubicBezTo>
-              </a:path>
-            </a:pathLst>
-          </a:custGeom>
-          <a:noFill/>
-          <a:ln w="9525">
-            <a:tailEnd type="triangle"/>
-          </a:ln>
-        </p:spPr>
-        <p:style>
-          <a:lnRef idx="2">
-            <a:schemeClr val="accent1">
-              <a:shade val="50000"/>
-            </a:schemeClr>
-          </a:lnRef>
-          <a:fillRef idx="1">
-            <a:schemeClr val="accent1"/>
-          </a:fillRef>
-          <a:effectRef idx="0">
-            <a:schemeClr val="accent1"/>
-          </a:effectRef>
-          <a:fontRef idx="minor">
-            <a:schemeClr val="lt1"/>
-          </a:fontRef>
-        </p:style>
-        <p:txBody>
-          <a:bodyPr rtlCol="0" anchor="ctr"/>
-          <a:lstStyle/>
-          <a:p>
-            <a:pPr algn="ctr"/>
-            <a:endParaRPr lang="en-US"/>
-          </a:p>
-        </p:txBody>
-      </p:sp>
       <p:cxnSp>
         <p:nvCxnSpPr>
           <p:cNvPr id="194" name="Straight Connector 193"/>
@@ -5943,7 +6024,23 @@
                 <a:ea typeface="Segoe UI Emoji" panose="020B0502040204020203" pitchFamily="34" charset="0"/>
                 <a:cs typeface="Arial" panose="020B0604020202020204" pitchFamily="34" charset="0"/>
               </a:rPr>
-              <a:t> Account-2-Account Transactions without “Trusted Intermediaries”</a:t>
+              <a:t> Account-2-Account Transactions </a:t>
+            </a:r>
+            <a:r>
+              <a:rPr lang="en-US" sz="1400" i="1" dirty="0" smtClean="0">
+                <a:latin typeface="Arial" panose="020B0604020202020204" pitchFamily="34" charset="0"/>
+                <a:ea typeface="Segoe UI Emoji" panose="020B0502040204020203" pitchFamily="34" charset="0"/>
+                <a:cs typeface="Arial" panose="020B0604020202020204" pitchFamily="34" charset="0"/>
+              </a:rPr>
+              <a:t>without</a:t>
+            </a:r>
+            <a:r>
+              <a:rPr lang="en-US" sz="1400" dirty="0" smtClean="0">
+                <a:latin typeface="Arial" panose="020B0604020202020204" pitchFamily="34" charset="0"/>
+                <a:ea typeface="Segoe UI Emoji" panose="020B0502040204020203" pitchFamily="34" charset="0"/>
+                <a:cs typeface="Arial" panose="020B0604020202020204" pitchFamily="34" charset="0"/>
+              </a:rPr>
+              <a:t> “Trusted Intermediaries”</a:t>
             </a:r>
             <a:endParaRPr lang="en-US" sz="1400" dirty="0">
               <a:latin typeface="Arial" panose="020B0604020202020204" pitchFamily="34" charset="0"/>
@@ -6209,43 +6306,6 @@
           <a:p>
             <a:pPr algn="ctr"/>
             <a:endParaRPr lang="en-US"/>
-          </a:p>
-        </p:txBody>
-      </p:sp>
-      <p:sp>
-        <p:nvSpPr>
-          <p:cNvPr id="162" name="TextBox 161"/>
-          <p:cNvSpPr txBox="1"/>
-          <p:nvPr/>
-        </p:nvSpPr>
-        <p:spPr>
-          <a:xfrm rot="16200000">
-            <a:off x="460185" y="3296304"/>
-            <a:ext cx="1628972" cy="307777"/>
-          </a:xfrm>
-          <a:prstGeom prst="rect">
-            <a:avLst/>
-          </a:prstGeom>
-          <a:noFill/>
-        </p:spPr>
-        <p:txBody>
-          <a:bodyPr wrap="none" rtlCol="0">
-            <a:spAutoFit/>
-          </a:bodyPr>
-          <a:lstStyle/>
-          <a:p>
-            <a:pPr algn="ctr"/>
-            <a:r>
-              <a:rPr lang="en-US" sz="1400" dirty="0" smtClean="0">
-                <a:latin typeface="Arial" panose="020B0604020202020204" pitchFamily="34" charset="0"/>
-                <a:cs typeface="Arial" panose="020B0604020202020204" pitchFamily="34" charset="0"/>
-              </a:rPr>
-              <a:t>Published Objects</a:t>
-            </a:r>
-            <a:endParaRPr lang="en-US" sz="1400" dirty="0">
-              <a:latin typeface="Arial" panose="020B0604020202020204" pitchFamily="34" charset="0"/>
-              <a:cs typeface="Arial" panose="020B0604020202020204" pitchFamily="34" charset="0"/>
-            </a:endParaRPr>
           </a:p>
         </p:txBody>
       </p:sp>
@@ -6985,7 +7045,7 @@
         </p:blipFill>
         <p:spPr bwMode="auto">
           <a:xfrm>
-            <a:off x="6804247" y="3355328"/>
+            <a:off x="7016017" y="3931392"/>
             <a:ext cx="360040" cy="356341"/>
           </a:xfrm>
           <a:prstGeom prst="rect">
@@ -7094,7 +7154,7 @@
         </p:blipFill>
         <p:spPr bwMode="auto">
           <a:xfrm>
-            <a:off x="6804247" y="3648723"/>
+            <a:off x="7016017" y="4224787"/>
             <a:ext cx="360040" cy="356341"/>
           </a:xfrm>
           <a:prstGeom prst="rect">
@@ -8851,7 +8911,7 @@
                 <a:latin typeface="Arial" panose="020B0604020202020204" pitchFamily="34" charset="0"/>
                 <a:cs typeface="Arial" panose="020B0604020202020204" pitchFamily="34" charset="0"/>
               </a:rPr>
-              <a:t>V0.93, </a:t>
+              <a:t>V0.94, </a:t>
             </a:r>
             <a:r>
               <a:rPr lang="en-US" sz="800" dirty="0" err="1" smtClean="0">
@@ -8865,7 +8925,14 @@
                 <a:latin typeface="Arial" panose="020B0604020202020204" pitchFamily="34" charset="0"/>
                 <a:cs typeface="Arial" panose="020B0604020202020204" pitchFamily="34" charset="0"/>
               </a:rPr>
-              <a:t>, 2019-09-06</a:t>
+              <a:t>, </a:t>
+            </a:r>
+            <a:r>
+              <a:rPr lang="en-US" sz="800" dirty="0" smtClean="0">
+                <a:latin typeface="Arial" panose="020B0604020202020204" pitchFamily="34" charset="0"/>
+                <a:cs typeface="Arial" panose="020B0604020202020204" pitchFamily="34" charset="0"/>
+              </a:rPr>
+              <a:t>2019-09-07</a:t>
             </a:r>
             <a:endParaRPr lang="en-US" sz="800" dirty="0">
               <a:latin typeface="Arial" panose="020B0604020202020204" pitchFamily="34" charset="0"/>
@@ -8934,28 +9001,7 @@
                 <a:latin typeface="Arial" panose="020B0604020202020204" pitchFamily="34" charset="0"/>
                 <a:cs typeface="Arial" panose="020B0604020202020204" pitchFamily="34" charset="0"/>
               </a:rPr>
-              <a:t> </a:t>
-            </a:r>
-            <a:r>
-              <a:rPr lang="en-US" sz="1000" i="1" dirty="0" smtClean="0">
-                <a:latin typeface="Arial" panose="020B0604020202020204" pitchFamily="34" charset="0"/>
-                <a:cs typeface="Arial" panose="020B0604020202020204" pitchFamily="34" charset="0"/>
-              </a:rPr>
-              <a:t>are</a:t>
-            </a:r>
-            <a:r>
-              <a:rPr lang="en-US" sz="1000" i="1" dirty="0" smtClean="0">
-                <a:latin typeface="Arial" panose="020B0604020202020204" pitchFamily="34" charset="0"/>
-                <a:cs typeface="Arial" panose="020B0604020202020204" pitchFamily="34" charset="0"/>
-              </a:rPr>
-              <a:t> </a:t>
-            </a:r>
-            <a:r>
-              <a:rPr lang="en-US" sz="1000" i="1" dirty="0" smtClean="0">
-                <a:latin typeface="Arial" panose="020B0604020202020204" pitchFamily="34" charset="0"/>
-                <a:cs typeface="Arial" panose="020B0604020202020204" pitchFamily="34" charset="0"/>
-              </a:rPr>
-              <a:t>not shown here</a:t>
+              <a:t> are not shown here</a:t>
             </a:r>
             <a:endParaRPr lang="en-US" sz="1000" i="1" dirty="0">
               <a:latin typeface="Arial" panose="020B0604020202020204" pitchFamily="34" charset="0"/>
@@ -9339,7 +9385,7 @@
         </p:nvSpPr>
         <p:spPr>
           <a:xfrm>
-            <a:off x="7164287" y="3438403"/>
+            <a:off x="7376057" y="4014467"/>
             <a:ext cx="855166" cy="238363"/>
           </a:xfrm>
           <a:prstGeom prst="roundRect">
@@ -9384,7 +9430,7 @@
         </p:nvSpPr>
         <p:spPr>
           <a:xfrm>
-            <a:off x="7164287" y="3755540"/>
+            <a:off x="7376057" y="4331604"/>
             <a:ext cx="936866" cy="238363"/>
           </a:xfrm>
           <a:prstGeom prst="roundRect">
@@ -9842,9 +9888,9 @@
           <p:nvPr/>
         </p:nvSpPr>
         <p:spPr>
-          <a:xfrm>
-            <a:off x="8092270" y="3862658"/>
-            <a:ext cx="309462" cy="1893666"/>
+          <a:xfrm flipV="1">
+            <a:off x="8244408" y="4474279"/>
+            <a:ext cx="309462" cy="1305539"/>
           </a:xfrm>
           <a:custGeom>
             <a:avLst/>
@@ -10023,8 +10069,8 @@
         </p:nvSpPr>
         <p:spPr>
           <a:xfrm>
-            <a:off x="6660232" y="5013176"/>
-            <a:ext cx="1659677" cy="252948"/>
+            <a:off x="6665134" y="5013176"/>
+            <a:ext cx="1649873" cy="252948"/>
           </a:xfrm>
           <a:prstGeom prst="roundRect">
             <a:avLst>
@@ -10054,7 +10100,14 @@
                 <a:latin typeface="Arial" panose="020B0604020202020204" pitchFamily="34" charset="0"/>
                 <a:cs typeface="Arial" panose="020B0604020202020204" pitchFamily="34" charset="0"/>
               </a:rPr>
-              <a:t>Issued Credentials</a:t>
+              <a:t>Issues </a:t>
+            </a:r>
+            <a:r>
+              <a:rPr lang="en-US" sz="1400" dirty="0" smtClean="0">
+                <a:latin typeface="Arial" panose="020B0604020202020204" pitchFamily="34" charset="0"/>
+                <a:cs typeface="Arial" panose="020B0604020202020204" pitchFamily="34" charset="0"/>
+              </a:rPr>
+              <a:t>Credentials</a:t>
             </a:r>
             <a:endParaRPr lang="en-US" sz="1400" dirty="0">
               <a:latin typeface="Arial" panose="020B0604020202020204" pitchFamily="34" charset="0"/>
@@ -10071,7 +10124,7 @@
         </p:nvSpPr>
         <p:spPr>
           <a:xfrm>
-            <a:off x="6804248" y="3113207"/>
+            <a:off x="7016018" y="3689271"/>
             <a:ext cx="949546" cy="215444"/>
           </a:xfrm>
           <a:prstGeom prst="rect">
@@ -10102,6 +10155,61 @@
                 <a:cs typeface="Arial" panose="020B0604020202020204" pitchFamily="34" charset="0"/>
               </a:rPr>
               <a:t>Account ID</a:t>
+            </a:r>
+            <a:endParaRPr lang="en-US" sz="1400" dirty="0">
+              <a:latin typeface="Arial" panose="020B0604020202020204" pitchFamily="34" charset="0"/>
+              <a:cs typeface="Arial" panose="020B0604020202020204" pitchFamily="34" charset="0"/>
+            </a:endParaRPr>
+          </a:p>
+        </p:txBody>
+      </p:sp>
+      <p:sp>
+        <p:nvSpPr>
+          <p:cNvPr id="141" name="TextBox 140"/>
+          <p:cNvSpPr txBox="1"/>
+          <p:nvPr/>
+        </p:nvSpPr>
+        <p:spPr>
+          <a:xfrm>
+            <a:off x="609478" y="4005064"/>
+            <a:ext cx="1610657" cy="252948"/>
+          </a:xfrm>
+          <a:prstGeom prst="roundRect">
+            <a:avLst>
+              <a:gd name="adj" fmla="val 26503"/>
+            </a:avLst>
+          </a:prstGeom>
+          <a:solidFill>
+            <a:schemeClr val="bg1"/>
+          </a:solidFill>
+          <a:ln w="3175">
+            <a:solidFill>
+              <a:schemeClr val="bg1">
+                <a:lumMod val="50000"/>
+              </a:schemeClr>
+            </a:solidFill>
+          </a:ln>
+        </p:spPr>
+        <p:txBody>
+          <a:bodyPr wrap="none" lIns="72000" tIns="0" rIns="72000" bIns="0" rtlCol="0" anchor="ctr" anchorCtr="0">
+            <a:spAutoFit/>
+          </a:bodyPr>
+          <a:lstStyle/>
+          <a:p>
+            <a:pPr algn="ctr"/>
+            <a:r>
+              <a:rPr lang="en-US" sz="1400" dirty="0" smtClean="0">
+                <a:latin typeface="Arial" panose="020B0604020202020204" pitchFamily="34" charset="0"/>
+                <a:cs typeface="Arial" panose="020B0604020202020204" pitchFamily="34" charset="0"/>
+              </a:rPr>
+              <a:t>Publishes </a:t>
+            </a:r>
+            <a:r>
+              <a:rPr lang="en-US" sz="1400" dirty="0">
+                <a:latin typeface="Arial" panose="020B0604020202020204" pitchFamily="34" charset="0"/>
+                <a:cs typeface="Arial" panose="020B0604020202020204" pitchFamily="34" charset="0"/>
+              </a:rPr>
+              <a:t>Objects</a:t>
             </a:r>
             <a:endParaRPr lang="en-US" sz="1400" dirty="0">
               <a:latin typeface="Arial" panose="020B0604020202020204" pitchFamily="34" charset="0"/>

--- a/saturn/enhanced-four-corner-model.pptx
+++ b/saturn/enhanced-four-corner-model.pptx
@@ -3095,6 +3095,226 @@
           <a:chExt cx="0" cy="0"/>
         </a:xfrm>
       </p:grpSpPr>
+      <p:cxnSp>
+        <p:nvCxnSpPr>
+          <p:cNvPr id="163" name="Straight Connector 162"/>
+          <p:cNvCxnSpPr>
+            <a:endCxn id="152" idx="2"/>
+          </p:cNvCxnSpPr>
+          <p:nvPr/>
+        </p:nvCxnSpPr>
+        <p:spPr>
+          <a:xfrm flipV="1">
+            <a:off x="7911672" y="3403672"/>
+            <a:ext cx="1" cy="476849"/>
+          </a:xfrm>
+          <a:prstGeom prst="line">
+            <a:avLst/>
+          </a:prstGeom>
+          <a:ln w="3175">
+            <a:solidFill>
+              <a:schemeClr val="bg1">
+                <a:lumMod val="50000"/>
+              </a:schemeClr>
+            </a:solidFill>
+            <a:tailEnd type="none" w="sm" len="sm"/>
+          </a:ln>
+        </p:spPr>
+        <p:style>
+          <a:lnRef idx="1">
+            <a:schemeClr val="accent1"/>
+          </a:lnRef>
+          <a:fillRef idx="0">
+            <a:schemeClr val="accent1"/>
+          </a:fillRef>
+          <a:effectRef idx="0">
+            <a:schemeClr val="accent1"/>
+          </a:effectRef>
+          <a:fontRef idx="minor">
+            <a:schemeClr val="tx1"/>
+          </a:fontRef>
+        </p:style>
+      </p:cxnSp>
+      <p:sp>
+        <p:nvSpPr>
+          <p:cNvPr id="13" name="Rectangle 12"/>
+          <p:cNvSpPr/>
+          <p:nvPr/>
+        </p:nvSpPr>
+        <p:spPr>
+          <a:xfrm flipV="1">
+            <a:off x="8244408" y="4504841"/>
+            <a:ext cx="432048" cy="1274974"/>
+          </a:xfrm>
+          <a:custGeom>
+            <a:avLst/>
+            <a:gdLst>
+              <a:gd name="connsiteX0" fmla="*/ 0 w 792088"/>
+              <a:gd name="connsiteY0" fmla="*/ 0 h 2337825"/>
+              <a:gd name="connsiteX1" fmla="*/ 792088 w 792088"/>
+              <a:gd name="connsiteY1" fmla="*/ 0 h 2337825"/>
+              <a:gd name="connsiteX2" fmla="*/ 792088 w 792088"/>
+              <a:gd name="connsiteY2" fmla="*/ 2337825 h 2337825"/>
+              <a:gd name="connsiteX3" fmla="*/ 0 w 792088"/>
+              <a:gd name="connsiteY3" fmla="*/ 2337825 h 2337825"/>
+              <a:gd name="connsiteX4" fmla="*/ 0 w 792088"/>
+              <a:gd name="connsiteY4" fmla="*/ 0 h 2337825"/>
+              <a:gd name="connsiteX0" fmla="*/ 0 w 792088"/>
+              <a:gd name="connsiteY0" fmla="*/ 0 h 2337825"/>
+              <a:gd name="connsiteX1" fmla="*/ 792088 w 792088"/>
+              <a:gd name="connsiteY1" fmla="*/ 0 h 2337825"/>
+              <a:gd name="connsiteX2" fmla="*/ 792088 w 792088"/>
+              <a:gd name="connsiteY2" fmla="*/ 2337825 h 2337825"/>
+              <a:gd name="connsiteX3" fmla="*/ 0 w 792088"/>
+              <a:gd name="connsiteY3" fmla="*/ 2337825 h 2337825"/>
+              <a:gd name="connsiteX4" fmla="*/ 91440 w 792088"/>
+              <a:gd name="connsiteY4" fmla="*/ 91440 h 2337825"/>
+              <a:gd name="connsiteX0" fmla="*/ 0 w 792088"/>
+              <a:gd name="connsiteY0" fmla="*/ 0 h 2337825"/>
+              <a:gd name="connsiteX1" fmla="*/ 792088 w 792088"/>
+              <a:gd name="connsiteY1" fmla="*/ 0 h 2337825"/>
+              <a:gd name="connsiteX2" fmla="*/ 792088 w 792088"/>
+              <a:gd name="connsiteY2" fmla="*/ 2337825 h 2337825"/>
+              <a:gd name="connsiteX3" fmla="*/ 0 w 792088"/>
+              <a:gd name="connsiteY3" fmla="*/ 2337825 h 2337825"/>
+              <a:gd name="connsiteX0" fmla="*/ 0 w 792088"/>
+              <a:gd name="connsiteY0" fmla="*/ 0 h 2337825"/>
+              <a:gd name="connsiteX1" fmla="*/ 792088 w 792088"/>
+              <a:gd name="connsiteY1" fmla="*/ 0 h 2337825"/>
+              <a:gd name="connsiteX2" fmla="*/ 792088 w 792088"/>
+              <a:gd name="connsiteY2" fmla="*/ 2337825 h 2337825"/>
+              <a:gd name="connsiteX3" fmla="*/ 307776 w 792088"/>
+              <a:gd name="connsiteY3" fmla="*/ 2337825 h 2337825"/>
+              <a:gd name="connsiteX0" fmla="*/ 0 w 792088"/>
+              <a:gd name="connsiteY0" fmla="*/ 0 h 2337825"/>
+              <a:gd name="connsiteX1" fmla="*/ 792088 w 792088"/>
+              <a:gd name="connsiteY1" fmla="*/ 0 h 2337825"/>
+              <a:gd name="connsiteX2" fmla="*/ 792088 w 792088"/>
+              <a:gd name="connsiteY2" fmla="*/ 2337825 h 2337825"/>
+              <a:gd name="connsiteX3" fmla="*/ 307776 w 792088"/>
+              <a:gd name="connsiteY3" fmla="*/ 2337825 h 2337825"/>
+              <a:gd name="connsiteX0" fmla="*/ 0 w 1031104"/>
+              <a:gd name="connsiteY0" fmla="*/ 0 h 2337825"/>
+              <a:gd name="connsiteX1" fmla="*/ 1031104 w 1031104"/>
+              <a:gd name="connsiteY1" fmla="*/ 0 h 2337825"/>
+              <a:gd name="connsiteX2" fmla="*/ 1031104 w 1031104"/>
+              <a:gd name="connsiteY2" fmla="*/ 2337825 h 2337825"/>
+              <a:gd name="connsiteX3" fmla="*/ 546792 w 1031104"/>
+              <a:gd name="connsiteY3" fmla="*/ 2337825 h 2337825"/>
+              <a:gd name="connsiteX0" fmla="*/ 0 w 1031104"/>
+              <a:gd name="connsiteY0" fmla="*/ 0 h 2337825"/>
+              <a:gd name="connsiteX1" fmla="*/ 1031104 w 1031104"/>
+              <a:gd name="connsiteY1" fmla="*/ 0 h 2337825"/>
+              <a:gd name="connsiteX2" fmla="*/ 1031104 w 1031104"/>
+              <a:gd name="connsiteY2" fmla="*/ 2337825 h 2337825"/>
+              <a:gd name="connsiteX3" fmla="*/ 546792 w 1031104"/>
+              <a:gd name="connsiteY3" fmla="*/ 2337825 h 2337825"/>
+              <a:gd name="connsiteX0" fmla="*/ 0 w 847748"/>
+              <a:gd name="connsiteY0" fmla="*/ 0 h 2337825"/>
+              <a:gd name="connsiteX1" fmla="*/ 847748 w 847748"/>
+              <a:gd name="connsiteY1" fmla="*/ 0 h 2337825"/>
+              <a:gd name="connsiteX2" fmla="*/ 847748 w 847748"/>
+              <a:gd name="connsiteY2" fmla="*/ 2337825 h 2337825"/>
+              <a:gd name="connsiteX3" fmla="*/ 363436 w 847748"/>
+              <a:gd name="connsiteY3" fmla="*/ 2337825 h 2337825"/>
+              <a:gd name="connsiteX0" fmla="*/ 0 w 824827"/>
+              <a:gd name="connsiteY0" fmla="*/ 2665 h 2337825"/>
+              <a:gd name="connsiteX1" fmla="*/ 824827 w 824827"/>
+              <a:gd name="connsiteY1" fmla="*/ 0 h 2337825"/>
+              <a:gd name="connsiteX2" fmla="*/ 824827 w 824827"/>
+              <a:gd name="connsiteY2" fmla="*/ 2337825 h 2337825"/>
+              <a:gd name="connsiteX3" fmla="*/ 340515 w 824827"/>
+              <a:gd name="connsiteY3" fmla="*/ 2337825 h 2337825"/>
+              <a:gd name="connsiteX0" fmla="*/ 0 w 808456"/>
+              <a:gd name="connsiteY0" fmla="*/ 0 h 2337825"/>
+              <a:gd name="connsiteX1" fmla="*/ 808456 w 808456"/>
+              <a:gd name="connsiteY1" fmla="*/ 0 h 2337825"/>
+              <a:gd name="connsiteX2" fmla="*/ 808456 w 808456"/>
+              <a:gd name="connsiteY2" fmla="*/ 2337825 h 2337825"/>
+              <a:gd name="connsiteX3" fmla="*/ 324144 w 808456"/>
+              <a:gd name="connsiteY3" fmla="*/ 2337825 h 2337825"/>
+              <a:gd name="connsiteX0" fmla="*/ 0 w 808456"/>
+              <a:gd name="connsiteY0" fmla="*/ 0 h 2337825"/>
+              <a:gd name="connsiteX1" fmla="*/ 808456 w 808456"/>
+              <a:gd name="connsiteY1" fmla="*/ 0 h 2337825"/>
+              <a:gd name="connsiteX2" fmla="*/ 808456 w 808456"/>
+              <a:gd name="connsiteY2" fmla="*/ 2337825 h 2337825"/>
+              <a:gd name="connsiteX3" fmla="*/ 324144 w 808456"/>
+              <a:gd name="connsiteY3" fmla="*/ 2337825 h 2337825"/>
+              <a:gd name="connsiteX0" fmla="*/ 0 w 851021"/>
+              <a:gd name="connsiteY0" fmla="*/ 1333 h 2337825"/>
+              <a:gd name="connsiteX1" fmla="*/ 851021 w 851021"/>
+              <a:gd name="connsiteY1" fmla="*/ 0 h 2337825"/>
+              <a:gd name="connsiteX2" fmla="*/ 851021 w 851021"/>
+              <a:gd name="connsiteY2" fmla="*/ 2337825 h 2337825"/>
+              <a:gd name="connsiteX3" fmla="*/ 366709 w 851021"/>
+              <a:gd name="connsiteY3" fmla="*/ 2337825 h 2337825"/>
+            </a:gdLst>
+            <a:ahLst/>
+            <a:cxnLst>
+              <a:cxn ang="0">
+                <a:pos x="connsiteX0" y="connsiteY0"/>
+              </a:cxn>
+              <a:cxn ang="0">
+                <a:pos x="connsiteX1" y="connsiteY1"/>
+              </a:cxn>
+              <a:cxn ang="0">
+                <a:pos x="connsiteX2" y="connsiteY2"/>
+              </a:cxn>
+              <a:cxn ang="0">
+                <a:pos x="connsiteX3" y="connsiteY3"/>
+              </a:cxn>
+            </a:cxnLst>
+            <a:rect l="l" t="t" r="r" b="b"/>
+            <a:pathLst>
+              <a:path w="851021" h="2337825">
+                <a:moveTo>
+                  <a:pt x="0" y="1333"/>
+                </a:moveTo>
+                <a:lnTo>
+                  <a:pt x="851021" y="0"/>
+                </a:lnTo>
+                <a:lnTo>
+                  <a:pt x="851021" y="2337825"/>
+                </a:lnTo>
+                <a:lnTo>
+                  <a:pt x="366709" y="2337825"/>
+                </a:lnTo>
+              </a:path>
+            </a:pathLst>
+          </a:custGeom>
+          <a:noFill/>
+          <a:ln w="3175">
+            <a:solidFill>
+              <a:schemeClr val="tx1"/>
+            </a:solidFill>
+          </a:ln>
+        </p:spPr>
+        <p:style>
+          <a:lnRef idx="2">
+            <a:schemeClr val="accent1">
+              <a:shade val="50000"/>
+            </a:schemeClr>
+          </a:lnRef>
+          <a:fillRef idx="1">
+            <a:schemeClr val="accent1"/>
+          </a:fillRef>
+          <a:effectRef idx="0">
+            <a:schemeClr val="accent1"/>
+          </a:effectRef>
+          <a:fontRef idx="minor">
+            <a:schemeClr val="lt1"/>
+          </a:fontRef>
+        </p:style>
+        <p:txBody>
+          <a:bodyPr rtlCol="0" anchor="ctr"/>
+          <a:lstStyle/>
+          <a:p>
+            <a:pPr algn="ctr"/>
+            <a:endParaRPr lang="en-US" dirty="0"/>
+          </a:p>
+        </p:txBody>
+      </p:sp>
       <p:sp>
         <p:nvSpPr>
           <p:cNvPr id="206" name="Freeform 205"/>
@@ -3328,7 +3548,7 @@
         <p:spPr>
           <a:xfrm>
             <a:off x="6895678" y="3561292"/>
-            <a:ext cx="1492746" cy="1141175"/>
+            <a:ext cx="1636762" cy="1141175"/>
           </a:xfrm>
           <a:prstGeom prst="roundRect">
             <a:avLst>
@@ -7045,7 +7265,7 @@
         </p:blipFill>
         <p:spPr bwMode="auto">
           <a:xfrm>
-            <a:off x="7016017" y="3931392"/>
+            <a:off x="7016017" y="3941724"/>
             <a:ext cx="360040" cy="356341"/>
           </a:xfrm>
           <a:prstGeom prst="rect">
@@ -7154,7 +7374,7 @@
         </p:blipFill>
         <p:spPr bwMode="auto">
           <a:xfrm>
-            <a:off x="7016017" y="4224787"/>
+            <a:off x="7016017" y="4276131"/>
             <a:ext cx="360040" cy="356341"/>
           </a:xfrm>
           <a:prstGeom prst="rect">
@@ -8925,14 +9145,7 @@
                 <a:latin typeface="Arial" panose="020B0604020202020204" pitchFamily="34" charset="0"/>
                 <a:cs typeface="Arial" panose="020B0604020202020204" pitchFamily="34" charset="0"/>
               </a:rPr>
-              <a:t>, </a:t>
-            </a:r>
-            <a:r>
-              <a:rPr lang="en-US" sz="800" dirty="0" smtClean="0">
-                <a:latin typeface="Arial" panose="020B0604020202020204" pitchFamily="34" charset="0"/>
-                <a:cs typeface="Arial" panose="020B0604020202020204" pitchFamily="34" charset="0"/>
-              </a:rPr>
-              <a:t>2019-09-07</a:t>
+              <a:t>, 2019-09-07</a:t>
             </a:r>
             <a:endParaRPr lang="en-US" sz="800" dirty="0">
               <a:latin typeface="Arial" panose="020B0604020202020204" pitchFamily="34" charset="0"/>
@@ -9385,7 +9598,7 @@
         </p:nvSpPr>
         <p:spPr>
           <a:xfrm>
-            <a:off x="7376057" y="4014467"/>
+            <a:off x="7376057" y="4024799"/>
             <a:ext cx="855166" cy="238363"/>
           </a:xfrm>
           <a:prstGeom prst="roundRect">
@@ -9430,7 +9643,7 @@
         </p:nvSpPr>
         <p:spPr>
           <a:xfrm>
-            <a:off x="7376057" y="4331604"/>
+            <a:off x="7376057" y="4382948"/>
             <a:ext cx="936866" cy="238363"/>
           </a:xfrm>
           <a:prstGeom prst="roundRect">
@@ -9883,186 +10096,6 @@
       </p:sp>
       <p:sp>
         <p:nvSpPr>
-          <p:cNvPr id="13" name="Rectangle 12"/>
-          <p:cNvSpPr/>
-          <p:nvPr/>
-        </p:nvSpPr>
-        <p:spPr>
-          <a:xfrm flipV="1">
-            <a:off x="8244408" y="4474279"/>
-            <a:ext cx="309462" cy="1305539"/>
-          </a:xfrm>
-          <a:custGeom>
-            <a:avLst/>
-            <a:gdLst>
-              <a:gd name="connsiteX0" fmla="*/ 0 w 792088"/>
-              <a:gd name="connsiteY0" fmla="*/ 0 h 2337825"/>
-              <a:gd name="connsiteX1" fmla="*/ 792088 w 792088"/>
-              <a:gd name="connsiteY1" fmla="*/ 0 h 2337825"/>
-              <a:gd name="connsiteX2" fmla="*/ 792088 w 792088"/>
-              <a:gd name="connsiteY2" fmla="*/ 2337825 h 2337825"/>
-              <a:gd name="connsiteX3" fmla="*/ 0 w 792088"/>
-              <a:gd name="connsiteY3" fmla="*/ 2337825 h 2337825"/>
-              <a:gd name="connsiteX4" fmla="*/ 0 w 792088"/>
-              <a:gd name="connsiteY4" fmla="*/ 0 h 2337825"/>
-              <a:gd name="connsiteX0" fmla="*/ 0 w 792088"/>
-              <a:gd name="connsiteY0" fmla="*/ 0 h 2337825"/>
-              <a:gd name="connsiteX1" fmla="*/ 792088 w 792088"/>
-              <a:gd name="connsiteY1" fmla="*/ 0 h 2337825"/>
-              <a:gd name="connsiteX2" fmla="*/ 792088 w 792088"/>
-              <a:gd name="connsiteY2" fmla="*/ 2337825 h 2337825"/>
-              <a:gd name="connsiteX3" fmla="*/ 0 w 792088"/>
-              <a:gd name="connsiteY3" fmla="*/ 2337825 h 2337825"/>
-              <a:gd name="connsiteX4" fmla="*/ 91440 w 792088"/>
-              <a:gd name="connsiteY4" fmla="*/ 91440 h 2337825"/>
-              <a:gd name="connsiteX0" fmla="*/ 0 w 792088"/>
-              <a:gd name="connsiteY0" fmla="*/ 0 h 2337825"/>
-              <a:gd name="connsiteX1" fmla="*/ 792088 w 792088"/>
-              <a:gd name="connsiteY1" fmla="*/ 0 h 2337825"/>
-              <a:gd name="connsiteX2" fmla="*/ 792088 w 792088"/>
-              <a:gd name="connsiteY2" fmla="*/ 2337825 h 2337825"/>
-              <a:gd name="connsiteX3" fmla="*/ 0 w 792088"/>
-              <a:gd name="connsiteY3" fmla="*/ 2337825 h 2337825"/>
-              <a:gd name="connsiteX0" fmla="*/ 0 w 792088"/>
-              <a:gd name="connsiteY0" fmla="*/ 0 h 2337825"/>
-              <a:gd name="connsiteX1" fmla="*/ 792088 w 792088"/>
-              <a:gd name="connsiteY1" fmla="*/ 0 h 2337825"/>
-              <a:gd name="connsiteX2" fmla="*/ 792088 w 792088"/>
-              <a:gd name="connsiteY2" fmla="*/ 2337825 h 2337825"/>
-              <a:gd name="connsiteX3" fmla="*/ 307776 w 792088"/>
-              <a:gd name="connsiteY3" fmla="*/ 2337825 h 2337825"/>
-              <a:gd name="connsiteX0" fmla="*/ 0 w 792088"/>
-              <a:gd name="connsiteY0" fmla="*/ 0 h 2337825"/>
-              <a:gd name="connsiteX1" fmla="*/ 792088 w 792088"/>
-              <a:gd name="connsiteY1" fmla="*/ 0 h 2337825"/>
-              <a:gd name="connsiteX2" fmla="*/ 792088 w 792088"/>
-              <a:gd name="connsiteY2" fmla="*/ 2337825 h 2337825"/>
-              <a:gd name="connsiteX3" fmla="*/ 307776 w 792088"/>
-              <a:gd name="connsiteY3" fmla="*/ 2337825 h 2337825"/>
-              <a:gd name="connsiteX0" fmla="*/ 0 w 1031104"/>
-              <a:gd name="connsiteY0" fmla="*/ 0 h 2337825"/>
-              <a:gd name="connsiteX1" fmla="*/ 1031104 w 1031104"/>
-              <a:gd name="connsiteY1" fmla="*/ 0 h 2337825"/>
-              <a:gd name="connsiteX2" fmla="*/ 1031104 w 1031104"/>
-              <a:gd name="connsiteY2" fmla="*/ 2337825 h 2337825"/>
-              <a:gd name="connsiteX3" fmla="*/ 546792 w 1031104"/>
-              <a:gd name="connsiteY3" fmla="*/ 2337825 h 2337825"/>
-              <a:gd name="connsiteX0" fmla="*/ 0 w 1031104"/>
-              <a:gd name="connsiteY0" fmla="*/ 0 h 2337825"/>
-              <a:gd name="connsiteX1" fmla="*/ 1031104 w 1031104"/>
-              <a:gd name="connsiteY1" fmla="*/ 0 h 2337825"/>
-              <a:gd name="connsiteX2" fmla="*/ 1031104 w 1031104"/>
-              <a:gd name="connsiteY2" fmla="*/ 2337825 h 2337825"/>
-              <a:gd name="connsiteX3" fmla="*/ 546792 w 1031104"/>
-              <a:gd name="connsiteY3" fmla="*/ 2337825 h 2337825"/>
-              <a:gd name="connsiteX0" fmla="*/ 0 w 847748"/>
-              <a:gd name="connsiteY0" fmla="*/ 0 h 2337825"/>
-              <a:gd name="connsiteX1" fmla="*/ 847748 w 847748"/>
-              <a:gd name="connsiteY1" fmla="*/ 0 h 2337825"/>
-              <a:gd name="connsiteX2" fmla="*/ 847748 w 847748"/>
-              <a:gd name="connsiteY2" fmla="*/ 2337825 h 2337825"/>
-              <a:gd name="connsiteX3" fmla="*/ 363436 w 847748"/>
-              <a:gd name="connsiteY3" fmla="*/ 2337825 h 2337825"/>
-              <a:gd name="connsiteX0" fmla="*/ 0 w 824827"/>
-              <a:gd name="connsiteY0" fmla="*/ 2665 h 2337825"/>
-              <a:gd name="connsiteX1" fmla="*/ 824827 w 824827"/>
-              <a:gd name="connsiteY1" fmla="*/ 0 h 2337825"/>
-              <a:gd name="connsiteX2" fmla="*/ 824827 w 824827"/>
-              <a:gd name="connsiteY2" fmla="*/ 2337825 h 2337825"/>
-              <a:gd name="connsiteX3" fmla="*/ 340515 w 824827"/>
-              <a:gd name="connsiteY3" fmla="*/ 2337825 h 2337825"/>
-              <a:gd name="connsiteX0" fmla="*/ 0 w 808456"/>
-              <a:gd name="connsiteY0" fmla="*/ 0 h 2337825"/>
-              <a:gd name="connsiteX1" fmla="*/ 808456 w 808456"/>
-              <a:gd name="connsiteY1" fmla="*/ 0 h 2337825"/>
-              <a:gd name="connsiteX2" fmla="*/ 808456 w 808456"/>
-              <a:gd name="connsiteY2" fmla="*/ 2337825 h 2337825"/>
-              <a:gd name="connsiteX3" fmla="*/ 324144 w 808456"/>
-              <a:gd name="connsiteY3" fmla="*/ 2337825 h 2337825"/>
-              <a:gd name="connsiteX0" fmla="*/ 0 w 808456"/>
-              <a:gd name="connsiteY0" fmla="*/ 0 h 2337825"/>
-              <a:gd name="connsiteX1" fmla="*/ 808456 w 808456"/>
-              <a:gd name="connsiteY1" fmla="*/ 0 h 2337825"/>
-              <a:gd name="connsiteX2" fmla="*/ 808456 w 808456"/>
-              <a:gd name="connsiteY2" fmla="*/ 2337825 h 2337825"/>
-              <a:gd name="connsiteX3" fmla="*/ 324144 w 808456"/>
-              <a:gd name="connsiteY3" fmla="*/ 2337825 h 2337825"/>
-              <a:gd name="connsiteX0" fmla="*/ 0 w 851021"/>
-              <a:gd name="connsiteY0" fmla="*/ 1333 h 2337825"/>
-              <a:gd name="connsiteX1" fmla="*/ 851021 w 851021"/>
-              <a:gd name="connsiteY1" fmla="*/ 0 h 2337825"/>
-              <a:gd name="connsiteX2" fmla="*/ 851021 w 851021"/>
-              <a:gd name="connsiteY2" fmla="*/ 2337825 h 2337825"/>
-              <a:gd name="connsiteX3" fmla="*/ 366709 w 851021"/>
-              <a:gd name="connsiteY3" fmla="*/ 2337825 h 2337825"/>
-            </a:gdLst>
-            <a:ahLst/>
-            <a:cxnLst>
-              <a:cxn ang="0">
-                <a:pos x="connsiteX0" y="connsiteY0"/>
-              </a:cxn>
-              <a:cxn ang="0">
-                <a:pos x="connsiteX1" y="connsiteY1"/>
-              </a:cxn>
-              <a:cxn ang="0">
-                <a:pos x="connsiteX2" y="connsiteY2"/>
-              </a:cxn>
-              <a:cxn ang="0">
-                <a:pos x="connsiteX3" y="connsiteY3"/>
-              </a:cxn>
-            </a:cxnLst>
-            <a:rect l="l" t="t" r="r" b="b"/>
-            <a:pathLst>
-              <a:path w="851021" h="2337825">
-                <a:moveTo>
-                  <a:pt x="0" y="1333"/>
-                </a:moveTo>
-                <a:lnTo>
-                  <a:pt x="851021" y="0"/>
-                </a:lnTo>
-                <a:lnTo>
-                  <a:pt x="851021" y="2337825"/>
-                </a:lnTo>
-                <a:lnTo>
-                  <a:pt x="366709" y="2337825"/>
-                </a:lnTo>
-              </a:path>
-            </a:pathLst>
-          </a:custGeom>
-          <a:noFill/>
-          <a:ln w="3175">
-            <a:solidFill>
-              <a:schemeClr val="tx1"/>
-            </a:solidFill>
-          </a:ln>
-        </p:spPr>
-        <p:style>
-          <a:lnRef idx="2">
-            <a:schemeClr val="accent1">
-              <a:shade val="50000"/>
-            </a:schemeClr>
-          </a:lnRef>
-          <a:fillRef idx="1">
-            <a:schemeClr val="accent1"/>
-          </a:fillRef>
-          <a:effectRef idx="0">
-            <a:schemeClr val="accent1"/>
-          </a:effectRef>
-          <a:fontRef idx="minor">
-            <a:schemeClr val="lt1"/>
-          </a:fontRef>
-        </p:style>
-        <p:txBody>
-          <a:bodyPr rtlCol="0" anchor="ctr"/>
-          <a:lstStyle/>
-          <a:p>
-            <a:pPr algn="ctr"/>
-            <a:endParaRPr lang="en-US" dirty="0"/>
-          </a:p>
-        </p:txBody>
-      </p:sp>
-      <p:sp>
-        <p:nvSpPr>
           <p:cNvPr id="138" name="TextBox 137"/>
           <p:cNvSpPr txBox="1"/>
           <p:nvPr/>
@@ -10100,14 +10133,7 @@
                 <a:latin typeface="Arial" panose="020B0604020202020204" pitchFamily="34" charset="0"/>
                 <a:cs typeface="Arial" panose="020B0604020202020204" pitchFamily="34" charset="0"/>
               </a:rPr>
-              <a:t>Issues </a:t>
-            </a:r>
-            <a:r>
-              <a:rPr lang="en-US" sz="1400" dirty="0" smtClean="0">
-                <a:latin typeface="Arial" panose="020B0604020202020204" pitchFamily="34" charset="0"/>
-                <a:cs typeface="Arial" panose="020B0604020202020204" pitchFamily="34" charset="0"/>
-              </a:rPr>
-              <a:t>Credentials</a:t>
+              <a:t>Issues Credentials</a:t>
             </a:r>
             <a:endParaRPr lang="en-US" sz="1400" dirty="0">
               <a:latin typeface="Arial" panose="020B0604020202020204" pitchFamily="34" charset="0"/>
@@ -10211,6 +10237,50 @@
               </a:rPr>
               <a:t>Objects</a:t>
             </a:r>
+          </a:p>
+        </p:txBody>
+      </p:sp>
+      <p:sp>
+        <p:nvSpPr>
+          <p:cNvPr id="152" name="TextBox 151"/>
+          <p:cNvSpPr txBox="1"/>
+          <p:nvPr/>
+        </p:nvSpPr>
+        <p:spPr>
+          <a:xfrm>
+            <a:off x="7290905" y="3150724"/>
+            <a:ext cx="1241535" cy="252948"/>
+          </a:xfrm>
+          <a:prstGeom prst="roundRect">
+            <a:avLst>
+              <a:gd name="adj" fmla="val 26503"/>
+            </a:avLst>
+          </a:prstGeom>
+          <a:solidFill>
+            <a:schemeClr val="bg1"/>
+          </a:solidFill>
+          <a:ln w="3175">
+            <a:solidFill>
+              <a:schemeClr val="bg1">
+                <a:lumMod val="50000"/>
+              </a:schemeClr>
+            </a:solidFill>
+          </a:ln>
+        </p:spPr>
+        <p:txBody>
+          <a:bodyPr wrap="none" lIns="72000" tIns="0" rIns="72000" bIns="0" rtlCol="0" anchor="ctr" anchorCtr="0">
+            <a:spAutoFit/>
+          </a:bodyPr>
+          <a:lstStyle/>
+          <a:p>
+            <a:pPr algn="ctr"/>
+            <a:r>
+              <a:rPr lang="en-US" sz="1400" dirty="0" smtClean="0">
+                <a:latin typeface="Arial" panose="020B0604020202020204" pitchFamily="34" charset="0"/>
+                <a:cs typeface="Arial" panose="020B0604020202020204" pitchFamily="34" charset="0"/>
+              </a:rPr>
+              <a:t>“Virtual” Card</a:t>
+            </a:r>
             <a:endParaRPr lang="en-US" sz="1400" dirty="0">
               <a:latin typeface="Arial" panose="020B0604020202020204" pitchFamily="34" charset="0"/>
               <a:cs typeface="Arial" panose="020B0604020202020204" pitchFamily="34" charset="0"/>
@@ -10218,6 +10288,563 @@
           </a:p>
         </p:txBody>
       </p:sp>
+      <p:sp>
+        <p:nvSpPr>
+          <p:cNvPr id="16" name="Rectangle 15"/>
+          <p:cNvSpPr/>
+          <p:nvPr/>
+        </p:nvSpPr>
+        <p:spPr>
+          <a:xfrm>
+            <a:off x="8028384" y="3627540"/>
+            <a:ext cx="418172" cy="353918"/>
+          </a:xfrm>
+          <a:prstGeom prst="rect">
+            <a:avLst/>
+          </a:prstGeom>
+          <a:solidFill>
+            <a:srgbClr val="FEFED2"/>
+          </a:solidFill>
+          <a:ln w="9525"/>
+        </p:spPr>
+        <p:style>
+          <a:lnRef idx="2">
+            <a:schemeClr val="accent1">
+              <a:shade val="50000"/>
+            </a:schemeClr>
+          </a:lnRef>
+          <a:fillRef idx="1">
+            <a:schemeClr val="accent1"/>
+          </a:fillRef>
+          <a:effectRef idx="0">
+            <a:schemeClr val="accent1"/>
+          </a:effectRef>
+          <a:fontRef idx="minor">
+            <a:schemeClr val="lt1"/>
+          </a:fontRef>
+        </p:style>
+        <p:txBody>
+          <a:bodyPr rtlCol="0" anchor="ctr"/>
+          <a:lstStyle/>
+          <a:p>
+            <a:pPr algn="ctr"/>
+            <a:endParaRPr lang="en-US"/>
+          </a:p>
+        </p:txBody>
+      </p:sp>
+      <p:grpSp>
+        <p:nvGrpSpPr>
+          <p:cNvPr id="153" name="Group 152"/>
+          <p:cNvGrpSpPr/>
+          <p:nvPr/>
+        </p:nvGrpSpPr>
+        <p:grpSpPr>
+          <a:xfrm>
+            <a:off x="8100392" y="3695898"/>
+            <a:ext cx="284364" cy="212521"/>
+            <a:chOff x="2089401" y="630040"/>
+            <a:chExt cx="504468" cy="363739"/>
+          </a:xfrm>
+          <a:effectLst/>
+        </p:grpSpPr>
+        <p:sp>
+          <p:nvSpPr>
+            <p:cNvPr id="154" name="Rectangle 153"/>
+            <p:cNvSpPr>
+              <a:spLocks noChangeArrowheads="1"/>
+            </p:cNvSpPr>
+            <p:nvPr/>
+          </p:nvSpPr>
+          <p:spPr bwMode="auto">
+            <a:xfrm>
+              <a:off x="2470474" y="737128"/>
+              <a:ext cx="60698" cy="203641"/>
+            </a:xfrm>
+            <a:prstGeom prst="rect">
+              <a:avLst/>
+            </a:prstGeom>
+            <a:gradFill>
+              <a:gsLst>
+                <a:gs pos="0">
+                  <a:schemeClr val="bg1">
+                    <a:lumMod val="50000"/>
+                  </a:schemeClr>
+                </a:gs>
+                <a:gs pos="47000">
+                  <a:schemeClr val="bg1">
+                    <a:lumMod val="95000"/>
+                  </a:schemeClr>
+                </a:gs>
+                <a:gs pos="100000">
+                  <a:schemeClr val="bg1">
+                    <a:lumMod val="50000"/>
+                  </a:schemeClr>
+                </a:gs>
+              </a:gsLst>
+              <a:lin ang="10800000" scaled="0"/>
+            </a:gradFill>
+            <a:ln w="3175" cap="flat">
+              <a:solidFill>
+                <a:schemeClr val="tx1"/>
+              </a:solidFill>
+              <a:prstDash val="solid"/>
+              <a:miter lim="800000"/>
+              <a:headEnd/>
+              <a:tailEnd/>
+            </a:ln>
+          </p:spPr>
+          <p:txBody>
+            <a:bodyPr vert="horz" wrap="square" lIns="91440" tIns="45720" rIns="91440" bIns="45720" numCol="1" anchor="t" anchorCtr="0" compatLnSpc="1">
+              <a:prstTxWarp prst="textNoShape">
+                <a:avLst/>
+              </a:prstTxWarp>
+            </a:bodyPr>
+            <a:lstStyle/>
+            <a:p>
+              <a:endParaRPr lang="en-US"/>
+            </a:p>
+          </p:txBody>
+        </p:sp>
+        <p:sp>
+          <p:nvSpPr>
+            <p:cNvPr id="155" name="Rectangle 154"/>
+            <p:cNvSpPr>
+              <a:spLocks noChangeArrowheads="1"/>
+            </p:cNvSpPr>
+            <p:nvPr/>
+          </p:nvSpPr>
+          <p:spPr bwMode="auto">
+            <a:xfrm>
+              <a:off x="2308857" y="737128"/>
+              <a:ext cx="60698" cy="203641"/>
+            </a:xfrm>
+            <a:prstGeom prst="rect">
+              <a:avLst/>
+            </a:prstGeom>
+            <a:gradFill>
+              <a:gsLst>
+                <a:gs pos="0">
+                  <a:schemeClr val="bg1">
+                    <a:lumMod val="50000"/>
+                  </a:schemeClr>
+                </a:gs>
+                <a:gs pos="47000">
+                  <a:schemeClr val="bg1">
+                    <a:lumMod val="95000"/>
+                  </a:schemeClr>
+                </a:gs>
+                <a:gs pos="100000">
+                  <a:schemeClr val="bg1">
+                    <a:lumMod val="50000"/>
+                  </a:schemeClr>
+                </a:gs>
+              </a:gsLst>
+              <a:lin ang="10800000" scaled="0"/>
+            </a:gradFill>
+            <a:ln w="3175" cap="flat">
+              <a:solidFill>
+                <a:schemeClr val="tx1"/>
+              </a:solidFill>
+              <a:prstDash val="solid"/>
+              <a:miter lim="800000"/>
+              <a:headEnd/>
+              <a:tailEnd/>
+            </a:ln>
+          </p:spPr>
+          <p:txBody>
+            <a:bodyPr vert="horz" wrap="square" lIns="91440" tIns="45720" rIns="91440" bIns="45720" numCol="1" anchor="t" anchorCtr="0" compatLnSpc="1">
+              <a:prstTxWarp prst="textNoShape">
+                <a:avLst/>
+              </a:prstTxWarp>
+            </a:bodyPr>
+            <a:lstStyle/>
+            <a:p>
+              <a:endParaRPr lang="en-US"/>
+            </a:p>
+          </p:txBody>
+        </p:sp>
+        <p:sp>
+          <p:nvSpPr>
+            <p:cNvPr id="157" name="Rectangle 156"/>
+            <p:cNvSpPr>
+              <a:spLocks noChangeArrowheads="1"/>
+            </p:cNvSpPr>
+            <p:nvPr/>
+          </p:nvSpPr>
+          <p:spPr bwMode="auto">
+            <a:xfrm>
+              <a:off x="2147398" y="737128"/>
+              <a:ext cx="60698" cy="203641"/>
+            </a:xfrm>
+            <a:prstGeom prst="rect">
+              <a:avLst/>
+            </a:prstGeom>
+            <a:gradFill>
+              <a:gsLst>
+                <a:gs pos="0">
+                  <a:schemeClr val="bg1">
+                    <a:lumMod val="50000"/>
+                  </a:schemeClr>
+                </a:gs>
+                <a:gs pos="47000">
+                  <a:schemeClr val="bg1">
+                    <a:lumMod val="95000"/>
+                  </a:schemeClr>
+                </a:gs>
+                <a:gs pos="100000">
+                  <a:schemeClr val="bg1">
+                    <a:lumMod val="65000"/>
+                  </a:schemeClr>
+                </a:gs>
+              </a:gsLst>
+              <a:lin ang="10800000" scaled="0"/>
+            </a:gradFill>
+            <a:ln w="3175" cap="flat">
+              <a:solidFill>
+                <a:schemeClr val="tx1"/>
+              </a:solidFill>
+              <a:prstDash val="solid"/>
+              <a:miter lim="800000"/>
+              <a:headEnd/>
+              <a:tailEnd/>
+            </a:ln>
+          </p:spPr>
+          <p:txBody>
+            <a:bodyPr vert="horz" wrap="square" lIns="91440" tIns="45720" rIns="91440" bIns="45720" numCol="1" anchor="t" anchorCtr="0" compatLnSpc="1">
+              <a:prstTxWarp prst="textNoShape">
+                <a:avLst/>
+              </a:prstTxWarp>
+            </a:bodyPr>
+            <a:lstStyle/>
+            <a:p>
+              <a:endParaRPr lang="en-US"/>
+            </a:p>
+          </p:txBody>
+        </p:sp>
+        <p:sp>
+          <p:nvSpPr>
+            <p:cNvPr id="159" name="Freeform 16"/>
+            <p:cNvSpPr>
+              <a:spLocks/>
+            </p:cNvSpPr>
+            <p:nvPr/>
+          </p:nvSpPr>
+          <p:spPr bwMode="auto">
+            <a:xfrm>
+              <a:off x="2101635" y="630040"/>
+              <a:ext cx="472098" cy="120781"/>
+            </a:xfrm>
+            <a:custGeom>
+              <a:avLst/>
+              <a:gdLst>
+                <a:gd name="T0" fmla="*/ 6 w 3093"/>
+                <a:gd name="T1" fmla="*/ 451 h 764"/>
+                <a:gd name="T2" fmla="*/ 1523 w 3093"/>
+                <a:gd name="T3" fmla="*/ 0 h 764"/>
+                <a:gd name="T4" fmla="*/ 3093 w 3093"/>
+                <a:gd name="T5" fmla="*/ 468 h 764"/>
+                <a:gd name="T6" fmla="*/ 3089 w 3093"/>
+                <a:gd name="T7" fmla="*/ 764 h 764"/>
+                <a:gd name="T8" fmla="*/ 0 w 3093"/>
+                <a:gd name="T9" fmla="*/ 754 h 764"/>
+                <a:gd name="T10" fmla="*/ 6 w 3093"/>
+                <a:gd name="T11" fmla="*/ 451 h 764"/>
+              </a:gdLst>
+              <a:ahLst/>
+              <a:cxnLst>
+                <a:cxn ang="0">
+                  <a:pos x="T0" y="T1"/>
+                </a:cxn>
+                <a:cxn ang="0">
+                  <a:pos x="T2" y="T3"/>
+                </a:cxn>
+                <a:cxn ang="0">
+                  <a:pos x="T4" y="T5"/>
+                </a:cxn>
+                <a:cxn ang="0">
+                  <a:pos x="T6" y="T7"/>
+                </a:cxn>
+                <a:cxn ang="0">
+                  <a:pos x="T8" y="T9"/>
+                </a:cxn>
+                <a:cxn ang="0">
+                  <a:pos x="T10" y="T11"/>
+                </a:cxn>
+              </a:cxnLst>
+              <a:rect l="0" t="0" r="r" b="b"/>
+              <a:pathLst>
+                <a:path w="3093" h="764">
+                  <a:moveTo>
+                    <a:pt x="6" y="451"/>
+                  </a:moveTo>
+                  <a:cubicBezTo>
+                    <a:pt x="86" y="441"/>
+                    <a:pt x="1523" y="0"/>
+                    <a:pt x="1523" y="0"/>
+                  </a:cubicBezTo>
+                  <a:lnTo>
+                    <a:pt x="3093" y="468"/>
+                  </a:lnTo>
+                  <a:lnTo>
+                    <a:pt x="3089" y="764"/>
+                  </a:lnTo>
+                  <a:lnTo>
+                    <a:pt x="0" y="754"/>
+                  </a:lnTo>
+                  <a:lnTo>
+                    <a:pt x="6" y="451"/>
+                  </a:lnTo>
+                  <a:close/>
+                </a:path>
+              </a:pathLst>
+            </a:custGeom>
+            <a:solidFill>
+              <a:srgbClr val="E6E6E6"/>
+            </a:solidFill>
+            <a:ln w="3175" cap="flat">
+              <a:solidFill>
+                <a:srgbClr val="7B7B79"/>
+              </a:solidFill>
+              <a:prstDash val="solid"/>
+              <a:miter lim="800000"/>
+              <a:headEnd/>
+              <a:tailEnd/>
+            </a:ln>
+          </p:spPr>
+          <p:txBody>
+            <a:bodyPr vert="horz" wrap="square" lIns="91440" tIns="45720" rIns="91440" bIns="45720" numCol="1" anchor="t" anchorCtr="0" compatLnSpc="1">
+              <a:prstTxWarp prst="textNoShape">
+                <a:avLst/>
+              </a:prstTxWarp>
+            </a:bodyPr>
+            <a:lstStyle/>
+            <a:p>
+              <a:endParaRPr lang="en-US"/>
+            </a:p>
+          </p:txBody>
+        </p:sp>
+        <p:sp>
+          <p:nvSpPr>
+            <p:cNvPr id="160" name="Freeform 18"/>
+            <p:cNvSpPr>
+              <a:spLocks/>
+            </p:cNvSpPr>
+            <p:nvPr/>
+          </p:nvSpPr>
+          <p:spPr bwMode="auto">
+            <a:xfrm>
+              <a:off x="2120425" y="929176"/>
+              <a:ext cx="437027" cy="33707"/>
+            </a:xfrm>
+            <a:custGeom>
+              <a:avLst/>
+              <a:gdLst>
+                <a:gd name="T0" fmla="*/ 0 w 2853"/>
+                <a:gd name="T1" fmla="*/ 213 h 213"/>
+                <a:gd name="T2" fmla="*/ 4 w 2853"/>
+                <a:gd name="T3" fmla="*/ 1 h 213"/>
+                <a:gd name="T4" fmla="*/ 2849 w 2853"/>
+                <a:gd name="T5" fmla="*/ 0 h 213"/>
+                <a:gd name="T6" fmla="*/ 2853 w 2853"/>
+                <a:gd name="T7" fmla="*/ 213 h 213"/>
+              </a:gdLst>
+              <a:ahLst/>
+              <a:cxnLst>
+                <a:cxn ang="0">
+                  <a:pos x="T0" y="T1"/>
+                </a:cxn>
+                <a:cxn ang="0">
+                  <a:pos x="T2" y="T3"/>
+                </a:cxn>
+                <a:cxn ang="0">
+                  <a:pos x="T4" y="T5"/>
+                </a:cxn>
+                <a:cxn ang="0">
+                  <a:pos x="T6" y="T7"/>
+                </a:cxn>
+              </a:cxnLst>
+              <a:rect l="0" t="0" r="r" b="b"/>
+              <a:pathLst>
+                <a:path w="2853" h="213">
+                  <a:moveTo>
+                    <a:pt x="0" y="213"/>
+                  </a:moveTo>
+                  <a:lnTo>
+                    <a:pt x="4" y="1"/>
+                  </a:lnTo>
+                  <a:lnTo>
+                    <a:pt x="2849" y="0"/>
+                  </a:lnTo>
+                  <a:lnTo>
+                    <a:pt x="2853" y="213"/>
+                  </a:lnTo>
+                </a:path>
+              </a:pathLst>
+            </a:custGeom>
+            <a:solidFill>
+              <a:srgbClr val="E6E6E6"/>
+            </a:solidFill>
+            <a:ln w="3175" cap="flat">
+              <a:solidFill>
+                <a:srgbClr val="7B7B79"/>
+              </a:solidFill>
+              <a:prstDash val="solid"/>
+              <a:miter lim="800000"/>
+              <a:headEnd/>
+              <a:tailEnd/>
+            </a:ln>
+          </p:spPr>
+          <p:txBody>
+            <a:bodyPr vert="horz" wrap="square" lIns="91440" tIns="45720" rIns="91440" bIns="45720" numCol="1" anchor="t" anchorCtr="0" compatLnSpc="1">
+              <a:prstTxWarp prst="textNoShape">
+                <a:avLst/>
+              </a:prstTxWarp>
+            </a:bodyPr>
+            <a:lstStyle/>
+            <a:p>
+              <a:endParaRPr lang="en-US"/>
+            </a:p>
+          </p:txBody>
+        </p:sp>
+        <p:sp>
+          <p:nvSpPr>
+            <p:cNvPr id="161" name="Freeform 19"/>
+            <p:cNvSpPr>
+              <a:spLocks/>
+            </p:cNvSpPr>
+            <p:nvPr/>
+          </p:nvSpPr>
+          <p:spPr bwMode="auto">
+            <a:xfrm>
+              <a:off x="2089401" y="962879"/>
+              <a:ext cx="504468" cy="30900"/>
+            </a:xfrm>
+            <a:custGeom>
+              <a:avLst/>
+              <a:gdLst>
+                <a:gd name="T0" fmla="*/ 3290 w 3295"/>
+                <a:gd name="T1" fmla="*/ 0 h 197"/>
+                <a:gd name="T2" fmla="*/ 3295 w 3295"/>
+                <a:gd name="T3" fmla="*/ 197 h 197"/>
+                <a:gd name="T4" fmla="*/ 0 w 3295"/>
+                <a:gd name="T5" fmla="*/ 196 h 197"/>
+                <a:gd name="T6" fmla="*/ 4 w 3295"/>
+                <a:gd name="T7" fmla="*/ 1 h 197"/>
+                <a:gd name="T8" fmla="*/ 3290 w 3295"/>
+                <a:gd name="T9" fmla="*/ 0 h 197"/>
+              </a:gdLst>
+              <a:ahLst/>
+              <a:cxnLst>
+                <a:cxn ang="0">
+                  <a:pos x="T0" y="T1"/>
+                </a:cxn>
+                <a:cxn ang="0">
+                  <a:pos x="T2" y="T3"/>
+                </a:cxn>
+                <a:cxn ang="0">
+                  <a:pos x="T4" y="T5"/>
+                </a:cxn>
+                <a:cxn ang="0">
+                  <a:pos x="T6" y="T7"/>
+                </a:cxn>
+                <a:cxn ang="0">
+                  <a:pos x="T8" y="T9"/>
+                </a:cxn>
+              </a:cxnLst>
+              <a:rect l="0" t="0" r="r" b="b"/>
+              <a:pathLst>
+                <a:path w="3295" h="197">
+                  <a:moveTo>
+                    <a:pt x="3290" y="0"/>
+                  </a:moveTo>
+                  <a:lnTo>
+                    <a:pt x="3295" y="197"/>
+                  </a:lnTo>
+                  <a:lnTo>
+                    <a:pt x="0" y="196"/>
+                  </a:lnTo>
+                  <a:lnTo>
+                    <a:pt x="4" y="1"/>
+                  </a:lnTo>
+                  <a:lnTo>
+                    <a:pt x="3290" y="0"/>
+                  </a:lnTo>
+                  <a:close/>
+                </a:path>
+              </a:pathLst>
+            </a:custGeom>
+            <a:solidFill>
+              <a:srgbClr val="E6E6E6"/>
+            </a:solidFill>
+            <a:ln w="3175" cap="flat">
+              <a:solidFill>
+                <a:srgbClr val="7B7B79"/>
+              </a:solidFill>
+              <a:prstDash val="solid"/>
+              <a:miter lim="800000"/>
+              <a:headEnd/>
+              <a:tailEnd/>
+            </a:ln>
+          </p:spPr>
+          <p:txBody>
+            <a:bodyPr vert="horz" wrap="square" lIns="91440" tIns="45720" rIns="91440" bIns="45720" numCol="1" anchor="t" anchorCtr="0" compatLnSpc="1">
+              <a:prstTxWarp prst="textNoShape">
+                <a:avLst/>
+              </a:prstTxWarp>
+            </a:bodyPr>
+            <a:lstStyle/>
+            <a:p>
+              <a:endParaRPr lang="en-US"/>
+            </a:p>
+          </p:txBody>
+        </p:sp>
+        <p:sp>
+          <p:nvSpPr>
+            <p:cNvPr id="162" name="Line 20"/>
+            <p:cNvSpPr>
+              <a:spLocks noChangeShapeType="1"/>
+            </p:cNvSpPr>
+            <p:nvPr/>
+          </p:nvSpPr>
+          <p:spPr bwMode="auto">
+            <a:xfrm>
+              <a:off x="2105677" y="711495"/>
+              <a:ext cx="465350" cy="0"/>
+            </a:xfrm>
+            <a:prstGeom prst="line">
+              <a:avLst/>
+            </a:prstGeom>
+            <a:noFill/>
+            <a:ln w="3175" cap="flat">
+              <a:solidFill>
+                <a:srgbClr val="7B7B79"/>
+              </a:solidFill>
+              <a:prstDash val="solid"/>
+              <a:miter lim="800000"/>
+              <a:headEnd/>
+              <a:tailEnd/>
+            </a:ln>
+            <a:extLst>
+              <a:ext uri="{909E8E84-426E-40DD-AFC4-6F175D3DCCD1}">
+                <a14:hiddenFill xmlns:a14="http://schemas.microsoft.com/office/drawing/2010/main">
+                  <a:noFill/>
+                </a14:hiddenFill>
+              </a:ext>
+            </a:extLst>
+          </p:spPr>
+          <p:txBody>
+            <a:bodyPr vert="horz" wrap="square" lIns="91440" tIns="45720" rIns="91440" bIns="45720" numCol="1" anchor="t" anchorCtr="0" compatLnSpc="1">
+              <a:prstTxWarp prst="textNoShape">
+                <a:avLst/>
+              </a:prstTxWarp>
+            </a:bodyPr>
+            <a:lstStyle/>
+            <a:p>
+              <a:endParaRPr lang="en-US"/>
+            </a:p>
+          </p:txBody>
+        </p:sp>
+      </p:grpSp>
     </p:spTree>
     <p:extLst>
       <p:ext uri="{BB962C8B-B14F-4D97-AF65-F5344CB8AC3E}">

--- a/saturn/enhanced-four-corner-model.pptx
+++ b/saturn/enhanced-four-corner-model.pptx
@@ -3548,17 +3548,45 @@
         <p:spPr>
           <a:xfrm>
             <a:off x="6895678" y="3561292"/>
-            <a:ext cx="1636762" cy="1141175"/>
+            <a:ext cx="1659386" cy="1141175"/>
           </a:xfrm>
           <a:prstGeom prst="roundRect">
             <a:avLst>
               <a:gd name="adj" fmla="val 8066"/>
             </a:avLst>
           </a:prstGeom>
-          <a:solidFill>
-            <a:schemeClr val="bg1"/>
-          </a:solidFill>
-          <a:ln w="12700"/>
+          <a:gradFill>
+            <a:gsLst>
+              <a:gs pos="85000">
+                <a:schemeClr val="accent3">
+                  <a:lumMod val="20000"/>
+                  <a:lumOff val="80000"/>
+                </a:schemeClr>
+              </a:gs>
+              <a:gs pos="1000">
+                <a:schemeClr val="accent3">
+                  <a:lumMod val="20000"/>
+                  <a:lumOff val="80000"/>
+                </a:schemeClr>
+              </a:gs>
+              <a:gs pos="100000">
+                <a:schemeClr val="bg1"/>
+              </a:gs>
+              <a:gs pos="100000">
+                <a:schemeClr val="bg1"/>
+              </a:gs>
+            </a:gsLst>
+            <a:path path="rect">
+              <a:fillToRect l="50000" t="50000" r="50000" b="50000"/>
+            </a:path>
+          </a:gradFill>
+          <a:ln w="12700">
+            <a:solidFill>
+              <a:schemeClr val="accent3">
+                <a:lumMod val="75000"/>
+              </a:schemeClr>
+            </a:solidFill>
+          </a:ln>
           <a:effectLst>
             <a:outerShdw blurRad="50800" dist="38100" dir="2700000" algn="tl" rotWithShape="0">
               <a:prstClr val="black">
@@ -7265,7 +7293,7 @@
         </p:blipFill>
         <p:spPr bwMode="auto">
           <a:xfrm>
-            <a:off x="7016017" y="3941724"/>
+            <a:off x="7016017" y="3946890"/>
             <a:ext cx="360040" cy="356341"/>
           </a:xfrm>
           <a:prstGeom prst="rect">
@@ -9598,7 +9626,7 @@
         </p:nvSpPr>
         <p:spPr>
           <a:xfrm>
-            <a:off x="7376057" y="4024799"/>
+            <a:off x="7376057" y="4029965"/>
             <a:ext cx="855166" cy="238363"/>
           </a:xfrm>
           <a:prstGeom prst="roundRect">
@@ -10157,12 +10185,9 @@
             <a:avLst/>
           </a:prstGeom>
           <a:solidFill>
-            <a:schemeClr val="accent5">
-              <a:lumMod val="20000"/>
-              <a:lumOff val="80000"/>
-            </a:schemeClr>
+            <a:schemeClr val="bg1"/>
           </a:solidFill>
-          <a:ln w="6350">
+          <a:ln w="6350" cmpd="sng">
             <a:solidFill>
               <a:schemeClr val="tx1"/>
             </a:solidFill>
@@ -10290,22 +10315,29 @@
       </p:sp>
       <p:sp>
         <p:nvSpPr>
-          <p:cNvPr id="16" name="Rectangle 15"/>
+          <p:cNvPr id="16" name="Rounded Rectangle 15"/>
           <p:cNvSpPr/>
           <p:nvPr/>
         </p:nvSpPr>
         <p:spPr>
           <a:xfrm>
-            <a:off x="8028384" y="3627540"/>
-            <a:ext cx="418172" cy="353918"/>
+            <a:off x="8028384" y="3682142"/>
+            <a:ext cx="418172" cy="324000"/>
           </a:xfrm>
-          <a:prstGeom prst="rect">
+          <a:prstGeom prst="roundRect">
             <a:avLst/>
           </a:prstGeom>
           <a:solidFill>
             <a:srgbClr val="FEFED2"/>
           </a:solidFill>
           <a:ln w="9525"/>
+          <a:effectLst>
+            <a:outerShdw blurRad="50800" dist="38100" dir="2700000" algn="tl" rotWithShape="0">
+              <a:prstClr val="black">
+                <a:alpha val="40000"/>
+              </a:prstClr>
+            </a:outerShdw>
+          </a:effectLst>
         </p:spPr>
         <p:style>
           <a:lnRef idx="2">
@@ -10332,519 +10364,169 @@
           </a:p>
         </p:txBody>
       </p:sp>
-      <p:grpSp>
-        <p:nvGrpSpPr>
-          <p:cNvPr id="153" name="Group 152"/>
-          <p:cNvGrpSpPr/>
+      <p:sp>
+        <p:nvSpPr>
+          <p:cNvPr id="20" name="Oval 19"/>
+          <p:cNvSpPr/>
           <p:nvPr/>
-        </p:nvGrpSpPr>
-        <p:grpSpPr>
+        </p:nvSpPr>
+        <p:spPr>
           <a:xfrm>
-            <a:off x="8100392" y="3695898"/>
-            <a:ext cx="284364" cy="212521"/>
-            <a:chOff x="2089401" y="630040"/>
-            <a:chExt cx="504468" cy="363739"/>
+            <a:off x="8069712" y="3722198"/>
+            <a:ext cx="130831" cy="130831"/>
           </a:xfrm>
-          <a:effectLst/>
-        </p:grpSpPr>
-        <p:sp>
-          <p:nvSpPr>
-            <p:cNvPr id="154" name="Rectangle 153"/>
-            <p:cNvSpPr>
-              <a:spLocks noChangeArrowheads="1"/>
-            </p:cNvSpPr>
-            <p:nvPr/>
-          </p:nvSpPr>
-          <p:spPr bwMode="auto">
-            <a:xfrm>
-              <a:off x="2470474" y="737128"/>
-              <a:ext cx="60698" cy="203641"/>
-            </a:xfrm>
-            <a:prstGeom prst="rect">
-              <a:avLst/>
-            </a:prstGeom>
-            <a:gradFill>
-              <a:gsLst>
-                <a:gs pos="0">
-                  <a:schemeClr val="bg1">
-                    <a:lumMod val="50000"/>
-                  </a:schemeClr>
-                </a:gs>
-                <a:gs pos="47000">
-                  <a:schemeClr val="bg1">
-                    <a:lumMod val="95000"/>
-                  </a:schemeClr>
-                </a:gs>
-                <a:gs pos="100000">
-                  <a:schemeClr val="bg1">
-                    <a:lumMod val="50000"/>
-                  </a:schemeClr>
-                </a:gs>
-              </a:gsLst>
-              <a:lin ang="10800000" scaled="0"/>
-            </a:gradFill>
-            <a:ln w="3175" cap="flat">
-              <a:solidFill>
-                <a:schemeClr val="tx1"/>
-              </a:solidFill>
-              <a:prstDash val="solid"/>
-              <a:miter lim="800000"/>
-              <a:headEnd/>
-              <a:tailEnd/>
-            </a:ln>
-          </p:spPr>
-          <p:txBody>
-            <a:bodyPr vert="horz" wrap="square" lIns="91440" tIns="45720" rIns="91440" bIns="45720" numCol="1" anchor="t" anchorCtr="0" compatLnSpc="1">
-              <a:prstTxWarp prst="textNoShape">
-                <a:avLst/>
-              </a:prstTxWarp>
-            </a:bodyPr>
-            <a:lstStyle/>
-            <a:p>
-              <a:endParaRPr lang="en-US"/>
-            </a:p>
-          </p:txBody>
-        </p:sp>
-        <p:sp>
-          <p:nvSpPr>
-            <p:cNvPr id="155" name="Rectangle 154"/>
-            <p:cNvSpPr>
-              <a:spLocks noChangeArrowheads="1"/>
-            </p:cNvSpPr>
-            <p:nvPr/>
-          </p:nvSpPr>
-          <p:spPr bwMode="auto">
-            <a:xfrm>
-              <a:off x="2308857" y="737128"/>
-              <a:ext cx="60698" cy="203641"/>
-            </a:xfrm>
-            <a:prstGeom prst="rect">
-              <a:avLst/>
-            </a:prstGeom>
-            <a:gradFill>
-              <a:gsLst>
-                <a:gs pos="0">
-                  <a:schemeClr val="bg1">
-                    <a:lumMod val="50000"/>
-                  </a:schemeClr>
-                </a:gs>
-                <a:gs pos="47000">
-                  <a:schemeClr val="bg1">
-                    <a:lumMod val="95000"/>
-                  </a:schemeClr>
-                </a:gs>
-                <a:gs pos="100000">
-                  <a:schemeClr val="bg1">
-                    <a:lumMod val="50000"/>
-                  </a:schemeClr>
-                </a:gs>
-              </a:gsLst>
-              <a:lin ang="10800000" scaled="0"/>
-            </a:gradFill>
-            <a:ln w="3175" cap="flat">
-              <a:solidFill>
-                <a:schemeClr val="tx1"/>
-              </a:solidFill>
-              <a:prstDash val="solid"/>
-              <a:miter lim="800000"/>
-              <a:headEnd/>
-              <a:tailEnd/>
-            </a:ln>
-          </p:spPr>
-          <p:txBody>
-            <a:bodyPr vert="horz" wrap="square" lIns="91440" tIns="45720" rIns="91440" bIns="45720" numCol="1" anchor="t" anchorCtr="0" compatLnSpc="1">
-              <a:prstTxWarp prst="textNoShape">
-                <a:avLst/>
-              </a:prstTxWarp>
-            </a:bodyPr>
-            <a:lstStyle/>
-            <a:p>
-              <a:endParaRPr lang="en-US"/>
-            </a:p>
-          </p:txBody>
-        </p:sp>
-        <p:sp>
-          <p:nvSpPr>
-            <p:cNvPr id="157" name="Rectangle 156"/>
-            <p:cNvSpPr>
-              <a:spLocks noChangeArrowheads="1"/>
-            </p:cNvSpPr>
-            <p:nvPr/>
-          </p:nvSpPr>
-          <p:spPr bwMode="auto">
-            <a:xfrm>
-              <a:off x="2147398" y="737128"/>
-              <a:ext cx="60698" cy="203641"/>
-            </a:xfrm>
-            <a:prstGeom prst="rect">
-              <a:avLst/>
-            </a:prstGeom>
-            <a:gradFill>
-              <a:gsLst>
-                <a:gs pos="0">
-                  <a:schemeClr val="bg1">
-                    <a:lumMod val="50000"/>
-                  </a:schemeClr>
-                </a:gs>
-                <a:gs pos="47000">
-                  <a:schemeClr val="bg1">
-                    <a:lumMod val="95000"/>
-                  </a:schemeClr>
-                </a:gs>
-                <a:gs pos="100000">
-                  <a:schemeClr val="bg1">
-                    <a:lumMod val="65000"/>
-                  </a:schemeClr>
-                </a:gs>
-              </a:gsLst>
-              <a:lin ang="10800000" scaled="0"/>
-            </a:gradFill>
-            <a:ln w="3175" cap="flat">
-              <a:solidFill>
-                <a:schemeClr val="tx1"/>
-              </a:solidFill>
-              <a:prstDash val="solid"/>
-              <a:miter lim="800000"/>
-              <a:headEnd/>
-              <a:tailEnd/>
-            </a:ln>
-          </p:spPr>
-          <p:txBody>
-            <a:bodyPr vert="horz" wrap="square" lIns="91440" tIns="45720" rIns="91440" bIns="45720" numCol="1" anchor="t" anchorCtr="0" compatLnSpc="1">
-              <a:prstTxWarp prst="textNoShape">
-                <a:avLst/>
-              </a:prstTxWarp>
-            </a:bodyPr>
-            <a:lstStyle/>
-            <a:p>
-              <a:endParaRPr lang="en-US"/>
-            </a:p>
-          </p:txBody>
-        </p:sp>
-        <p:sp>
-          <p:nvSpPr>
-            <p:cNvPr id="159" name="Freeform 16"/>
-            <p:cNvSpPr>
-              <a:spLocks/>
-            </p:cNvSpPr>
-            <p:nvPr/>
-          </p:nvSpPr>
-          <p:spPr bwMode="auto">
-            <a:xfrm>
-              <a:off x="2101635" y="630040"/>
-              <a:ext cx="472098" cy="120781"/>
-            </a:xfrm>
-            <a:custGeom>
-              <a:avLst/>
-              <a:gdLst>
-                <a:gd name="T0" fmla="*/ 6 w 3093"/>
-                <a:gd name="T1" fmla="*/ 451 h 764"/>
-                <a:gd name="T2" fmla="*/ 1523 w 3093"/>
-                <a:gd name="T3" fmla="*/ 0 h 764"/>
-                <a:gd name="T4" fmla="*/ 3093 w 3093"/>
-                <a:gd name="T5" fmla="*/ 468 h 764"/>
-                <a:gd name="T6" fmla="*/ 3089 w 3093"/>
-                <a:gd name="T7" fmla="*/ 764 h 764"/>
-                <a:gd name="T8" fmla="*/ 0 w 3093"/>
-                <a:gd name="T9" fmla="*/ 754 h 764"/>
-                <a:gd name="T10" fmla="*/ 6 w 3093"/>
-                <a:gd name="T11" fmla="*/ 451 h 764"/>
-              </a:gdLst>
-              <a:ahLst/>
-              <a:cxnLst>
-                <a:cxn ang="0">
-                  <a:pos x="T0" y="T1"/>
-                </a:cxn>
-                <a:cxn ang="0">
-                  <a:pos x="T2" y="T3"/>
-                </a:cxn>
-                <a:cxn ang="0">
-                  <a:pos x="T4" y="T5"/>
-                </a:cxn>
-                <a:cxn ang="0">
-                  <a:pos x="T6" y="T7"/>
-                </a:cxn>
-                <a:cxn ang="0">
-                  <a:pos x="T8" y="T9"/>
-                </a:cxn>
-                <a:cxn ang="0">
-                  <a:pos x="T10" y="T11"/>
-                </a:cxn>
-              </a:cxnLst>
-              <a:rect l="0" t="0" r="r" b="b"/>
-              <a:pathLst>
-                <a:path w="3093" h="764">
-                  <a:moveTo>
-                    <a:pt x="6" y="451"/>
-                  </a:moveTo>
-                  <a:cubicBezTo>
-                    <a:pt x="86" y="441"/>
-                    <a:pt x="1523" y="0"/>
-                    <a:pt x="1523" y="0"/>
-                  </a:cubicBezTo>
-                  <a:lnTo>
-                    <a:pt x="3093" y="468"/>
-                  </a:lnTo>
-                  <a:lnTo>
-                    <a:pt x="3089" y="764"/>
-                  </a:lnTo>
-                  <a:lnTo>
-                    <a:pt x="0" y="754"/>
-                  </a:lnTo>
-                  <a:lnTo>
-                    <a:pt x="6" y="451"/>
-                  </a:lnTo>
-                  <a:close/>
-                </a:path>
-              </a:pathLst>
-            </a:custGeom>
+          <a:prstGeom prst="ellipse">
+            <a:avLst/>
+          </a:prstGeom>
+          <a:solidFill>
+            <a:schemeClr val="tx2">
+              <a:lumMod val="40000"/>
+              <a:lumOff val="60000"/>
+            </a:schemeClr>
+          </a:solidFill>
+          <a:ln>
+            <a:noFill/>
+          </a:ln>
+        </p:spPr>
+        <p:style>
+          <a:lnRef idx="2">
+            <a:schemeClr val="accent1">
+              <a:shade val="50000"/>
+            </a:schemeClr>
+          </a:lnRef>
+          <a:fillRef idx="1">
+            <a:schemeClr val="accent1"/>
+          </a:fillRef>
+          <a:effectRef idx="0">
+            <a:schemeClr val="accent1"/>
+          </a:effectRef>
+          <a:fontRef idx="minor">
+            <a:schemeClr val="lt1"/>
+          </a:fontRef>
+        </p:style>
+        <p:txBody>
+          <a:bodyPr rtlCol="0" anchor="ctr"/>
+          <a:lstStyle/>
+          <a:p>
+            <a:pPr algn="ctr"/>
+            <a:endParaRPr lang="en-US"/>
+          </a:p>
+        </p:txBody>
+      </p:sp>
+      <p:cxnSp>
+        <p:nvCxnSpPr>
+          <p:cNvPr id="165" name="Straight Connector 164"/>
+          <p:cNvCxnSpPr/>
+          <p:nvPr/>
+        </p:nvCxnSpPr>
+        <p:spPr>
+          <a:xfrm>
+            <a:off x="8244238" y="3783874"/>
+            <a:ext cx="144000" cy="0"/>
+          </a:xfrm>
+          <a:prstGeom prst="line">
+            <a:avLst/>
+          </a:prstGeom>
+          <a:ln w="9525">
             <a:solidFill>
-              <a:srgbClr val="E6E6E6"/>
+              <a:schemeClr val="bg1">
+                <a:lumMod val="75000"/>
+              </a:schemeClr>
             </a:solidFill>
-            <a:ln w="3175" cap="flat">
-              <a:solidFill>
-                <a:srgbClr val="7B7B79"/>
-              </a:solidFill>
-              <a:prstDash val="solid"/>
-              <a:miter lim="800000"/>
-              <a:headEnd/>
-              <a:tailEnd/>
-            </a:ln>
-          </p:spPr>
-          <p:txBody>
-            <a:bodyPr vert="horz" wrap="square" lIns="91440" tIns="45720" rIns="91440" bIns="45720" numCol="1" anchor="t" anchorCtr="0" compatLnSpc="1">
-              <a:prstTxWarp prst="textNoShape">
-                <a:avLst/>
-              </a:prstTxWarp>
-            </a:bodyPr>
-            <a:lstStyle/>
-            <a:p>
-              <a:endParaRPr lang="en-US"/>
-            </a:p>
-          </p:txBody>
-        </p:sp>
-        <p:sp>
-          <p:nvSpPr>
-            <p:cNvPr id="160" name="Freeform 18"/>
-            <p:cNvSpPr>
-              <a:spLocks/>
-            </p:cNvSpPr>
-            <p:nvPr/>
-          </p:nvSpPr>
-          <p:spPr bwMode="auto">
-            <a:xfrm>
-              <a:off x="2120425" y="929176"/>
-              <a:ext cx="437027" cy="33707"/>
-            </a:xfrm>
-            <a:custGeom>
-              <a:avLst/>
-              <a:gdLst>
-                <a:gd name="T0" fmla="*/ 0 w 2853"/>
-                <a:gd name="T1" fmla="*/ 213 h 213"/>
-                <a:gd name="T2" fmla="*/ 4 w 2853"/>
-                <a:gd name="T3" fmla="*/ 1 h 213"/>
-                <a:gd name="T4" fmla="*/ 2849 w 2853"/>
-                <a:gd name="T5" fmla="*/ 0 h 213"/>
-                <a:gd name="T6" fmla="*/ 2853 w 2853"/>
-                <a:gd name="T7" fmla="*/ 213 h 213"/>
-              </a:gdLst>
-              <a:ahLst/>
-              <a:cxnLst>
-                <a:cxn ang="0">
-                  <a:pos x="T0" y="T1"/>
-                </a:cxn>
-                <a:cxn ang="0">
-                  <a:pos x="T2" y="T3"/>
-                </a:cxn>
-                <a:cxn ang="0">
-                  <a:pos x="T4" y="T5"/>
-                </a:cxn>
-                <a:cxn ang="0">
-                  <a:pos x="T6" y="T7"/>
-                </a:cxn>
-              </a:cxnLst>
-              <a:rect l="0" t="0" r="r" b="b"/>
-              <a:pathLst>
-                <a:path w="2853" h="213">
-                  <a:moveTo>
-                    <a:pt x="0" y="213"/>
-                  </a:moveTo>
-                  <a:lnTo>
-                    <a:pt x="4" y="1"/>
-                  </a:lnTo>
-                  <a:lnTo>
-                    <a:pt x="2849" y="0"/>
-                  </a:lnTo>
-                  <a:lnTo>
-                    <a:pt x="2853" y="213"/>
-                  </a:lnTo>
-                </a:path>
-              </a:pathLst>
-            </a:custGeom>
+            <a:tailEnd type="none" w="sm" len="sm"/>
+          </a:ln>
+        </p:spPr>
+        <p:style>
+          <a:lnRef idx="1">
+            <a:schemeClr val="accent1"/>
+          </a:lnRef>
+          <a:fillRef idx="0">
+            <a:schemeClr val="accent1"/>
+          </a:fillRef>
+          <a:effectRef idx="0">
+            <a:schemeClr val="accent1"/>
+          </a:effectRef>
+          <a:fontRef idx="minor">
+            <a:schemeClr val="tx1"/>
+          </a:fontRef>
+        </p:style>
+      </p:cxnSp>
+      <p:cxnSp>
+        <p:nvCxnSpPr>
+          <p:cNvPr id="169" name="Straight Connector 168"/>
+          <p:cNvCxnSpPr/>
+          <p:nvPr/>
+        </p:nvCxnSpPr>
+        <p:spPr>
+          <a:xfrm>
+            <a:off x="8244238" y="3855882"/>
+            <a:ext cx="144000" cy="0"/>
+          </a:xfrm>
+          <a:prstGeom prst="line">
+            <a:avLst/>
+          </a:prstGeom>
+          <a:ln w="9525">
             <a:solidFill>
-              <a:srgbClr val="E6E6E6"/>
+              <a:schemeClr val="bg1">
+                <a:lumMod val="75000"/>
+              </a:schemeClr>
             </a:solidFill>
-            <a:ln w="3175" cap="flat">
-              <a:solidFill>
-                <a:srgbClr val="7B7B79"/>
-              </a:solidFill>
-              <a:prstDash val="solid"/>
-              <a:miter lim="800000"/>
-              <a:headEnd/>
-              <a:tailEnd/>
-            </a:ln>
-          </p:spPr>
-          <p:txBody>
-            <a:bodyPr vert="horz" wrap="square" lIns="91440" tIns="45720" rIns="91440" bIns="45720" numCol="1" anchor="t" anchorCtr="0" compatLnSpc="1">
-              <a:prstTxWarp prst="textNoShape">
-                <a:avLst/>
-              </a:prstTxWarp>
-            </a:bodyPr>
-            <a:lstStyle/>
-            <a:p>
-              <a:endParaRPr lang="en-US"/>
-            </a:p>
-          </p:txBody>
-        </p:sp>
-        <p:sp>
-          <p:nvSpPr>
-            <p:cNvPr id="161" name="Freeform 19"/>
-            <p:cNvSpPr>
-              <a:spLocks/>
-            </p:cNvSpPr>
-            <p:nvPr/>
-          </p:nvSpPr>
-          <p:spPr bwMode="auto">
-            <a:xfrm>
-              <a:off x="2089401" y="962879"/>
-              <a:ext cx="504468" cy="30900"/>
-            </a:xfrm>
-            <a:custGeom>
-              <a:avLst/>
-              <a:gdLst>
-                <a:gd name="T0" fmla="*/ 3290 w 3295"/>
-                <a:gd name="T1" fmla="*/ 0 h 197"/>
-                <a:gd name="T2" fmla="*/ 3295 w 3295"/>
-                <a:gd name="T3" fmla="*/ 197 h 197"/>
-                <a:gd name="T4" fmla="*/ 0 w 3295"/>
-                <a:gd name="T5" fmla="*/ 196 h 197"/>
-                <a:gd name="T6" fmla="*/ 4 w 3295"/>
-                <a:gd name="T7" fmla="*/ 1 h 197"/>
-                <a:gd name="T8" fmla="*/ 3290 w 3295"/>
-                <a:gd name="T9" fmla="*/ 0 h 197"/>
-              </a:gdLst>
-              <a:ahLst/>
-              <a:cxnLst>
-                <a:cxn ang="0">
-                  <a:pos x="T0" y="T1"/>
-                </a:cxn>
-                <a:cxn ang="0">
-                  <a:pos x="T2" y="T3"/>
-                </a:cxn>
-                <a:cxn ang="0">
-                  <a:pos x="T4" y="T5"/>
-                </a:cxn>
-                <a:cxn ang="0">
-                  <a:pos x="T6" y="T7"/>
-                </a:cxn>
-                <a:cxn ang="0">
-                  <a:pos x="T8" y="T9"/>
-                </a:cxn>
-              </a:cxnLst>
-              <a:rect l="0" t="0" r="r" b="b"/>
-              <a:pathLst>
-                <a:path w="3295" h="197">
-                  <a:moveTo>
-                    <a:pt x="3290" y="0"/>
-                  </a:moveTo>
-                  <a:lnTo>
-                    <a:pt x="3295" y="197"/>
-                  </a:lnTo>
-                  <a:lnTo>
-                    <a:pt x="0" y="196"/>
-                  </a:lnTo>
-                  <a:lnTo>
-                    <a:pt x="4" y="1"/>
-                  </a:lnTo>
-                  <a:lnTo>
-                    <a:pt x="3290" y="0"/>
-                  </a:lnTo>
-                  <a:close/>
-                </a:path>
-              </a:pathLst>
-            </a:custGeom>
+            <a:tailEnd type="none" w="sm" len="sm"/>
+          </a:ln>
+        </p:spPr>
+        <p:style>
+          <a:lnRef idx="1">
+            <a:schemeClr val="accent1"/>
+          </a:lnRef>
+          <a:fillRef idx="0">
+            <a:schemeClr val="accent1"/>
+          </a:fillRef>
+          <a:effectRef idx="0">
+            <a:schemeClr val="accent1"/>
+          </a:effectRef>
+          <a:fontRef idx="minor">
+            <a:schemeClr val="tx1"/>
+          </a:fontRef>
+        </p:style>
+      </p:cxnSp>
+      <p:cxnSp>
+        <p:nvCxnSpPr>
+          <p:cNvPr id="170" name="Straight Connector 169"/>
+          <p:cNvCxnSpPr/>
+          <p:nvPr/>
+        </p:nvCxnSpPr>
+        <p:spPr>
+          <a:xfrm>
+            <a:off x="8136238" y="3927890"/>
+            <a:ext cx="252000" cy="0"/>
+          </a:xfrm>
+          <a:prstGeom prst="line">
+            <a:avLst/>
+          </a:prstGeom>
+          <a:ln w="9525">
             <a:solidFill>
-              <a:srgbClr val="E6E6E6"/>
+              <a:schemeClr val="bg1">
+                <a:lumMod val="75000"/>
+              </a:schemeClr>
             </a:solidFill>
-            <a:ln w="3175" cap="flat">
-              <a:solidFill>
-                <a:srgbClr val="7B7B79"/>
-              </a:solidFill>
-              <a:prstDash val="solid"/>
-              <a:miter lim="800000"/>
-              <a:headEnd/>
-              <a:tailEnd/>
-            </a:ln>
-          </p:spPr>
-          <p:txBody>
-            <a:bodyPr vert="horz" wrap="square" lIns="91440" tIns="45720" rIns="91440" bIns="45720" numCol="1" anchor="t" anchorCtr="0" compatLnSpc="1">
-              <a:prstTxWarp prst="textNoShape">
-                <a:avLst/>
-              </a:prstTxWarp>
-            </a:bodyPr>
-            <a:lstStyle/>
-            <a:p>
-              <a:endParaRPr lang="en-US"/>
-            </a:p>
-          </p:txBody>
-        </p:sp>
-        <p:sp>
-          <p:nvSpPr>
-            <p:cNvPr id="162" name="Line 20"/>
-            <p:cNvSpPr>
-              <a:spLocks noChangeShapeType="1"/>
-            </p:cNvSpPr>
-            <p:nvPr/>
-          </p:nvSpPr>
-          <p:spPr bwMode="auto">
-            <a:xfrm>
-              <a:off x="2105677" y="711495"/>
-              <a:ext cx="465350" cy="0"/>
-            </a:xfrm>
-            <a:prstGeom prst="line">
-              <a:avLst/>
-            </a:prstGeom>
-            <a:noFill/>
-            <a:ln w="3175" cap="flat">
-              <a:solidFill>
-                <a:srgbClr val="7B7B79"/>
-              </a:solidFill>
-              <a:prstDash val="solid"/>
-              <a:miter lim="800000"/>
-              <a:headEnd/>
-              <a:tailEnd/>
-            </a:ln>
-            <a:extLst>
-              <a:ext uri="{909E8E84-426E-40DD-AFC4-6F175D3DCCD1}">
-                <a14:hiddenFill xmlns:a14="http://schemas.microsoft.com/office/drawing/2010/main">
-                  <a:noFill/>
-                </a14:hiddenFill>
-              </a:ext>
-            </a:extLst>
-          </p:spPr>
-          <p:txBody>
-            <a:bodyPr vert="horz" wrap="square" lIns="91440" tIns="45720" rIns="91440" bIns="45720" numCol="1" anchor="t" anchorCtr="0" compatLnSpc="1">
-              <a:prstTxWarp prst="textNoShape">
-                <a:avLst/>
-              </a:prstTxWarp>
-            </a:bodyPr>
-            <a:lstStyle/>
-            <a:p>
-              <a:endParaRPr lang="en-US"/>
-            </a:p>
-          </p:txBody>
-        </p:sp>
-      </p:grpSp>
+            <a:tailEnd type="none" w="sm" len="sm"/>
+          </a:ln>
+        </p:spPr>
+        <p:style>
+          <a:lnRef idx="1">
+            <a:schemeClr val="accent1"/>
+          </a:lnRef>
+          <a:fillRef idx="0">
+            <a:schemeClr val="accent1"/>
+          </a:fillRef>
+          <a:effectRef idx="0">
+            <a:schemeClr val="accent1"/>
+          </a:effectRef>
+          <a:fontRef idx="minor">
+            <a:schemeClr val="tx1"/>
+          </a:fontRef>
+        </p:style>
+      </p:cxnSp>
     </p:spTree>
     <p:extLst>
       <p:ext uri="{BB962C8B-B14F-4D97-AF65-F5344CB8AC3E}">

--- a/saturn/enhanced-four-corner-model.pptx
+++ b/saturn/enhanced-four-corner-model.pptx
@@ -288,7 +288,7 @@
           <a:p>
             <a:fld id="{FC080E38-6FF2-48B3-BDAB-4FA23B840E92}" type="datetimeFigureOut">
               <a:rPr lang="en-US" smtClean="0"/>
-              <a:t>2019-09-07</a:t>
+              <a:t>2019-09-08</a:t>
             </a:fld>
             <a:endParaRPr lang="en-US"/>
           </a:p>
@@ -458,7 +458,7 @@
           <a:p>
             <a:fld id="{FC080E38-6FF2-48B3-BDAB-4FA23B840E92}" type="datetimeFigureOut">
               <a:rPr lang="en-US" smtClean="0"/>
-              <a:t>2019-09-07</a:t>
+              <a:t>2019-09-08</a:t>
             </a:fld>
             <a:endParaRPr lang="en-US"/>
           </a:p>
@@ -638,7 +638,7 @@
           <a:p>
             <a:fld id="{FC080E38-6FF2-48B3-BDAB-4FA23B840E92}" type="datetimeFigureOut">
               <a:rPr lang="en-US" smtClean="0"/>
-              <a:t>2019-09-07</a:t>
+              <a:t>2019-09-08</a:t>
             </a:fld>
             <a:endParaRPr lang="en-US"/>
           </a:p>
@@ -808,7 +808,7 @@
           <a:p>
             <a:fld id="{FC080E38-6FF2-48B3-BDAB-4FA23B840E92}" type="datetimeFigureOut">
               <a:rPr lang="en-US" smtClean="0"/>
-              <a:t>2019-09-07</a:t>
+              <a:t>2019-09-08</a:t>
             </a:fld>
             <a:endParaRPr lang="en-US"/>
           </a:p>
@@ -1054,7 +1054,7 @@
           <a:p>
             <a:fld id="{FC080E38-6FF2-48B3-BDAB-4FA23B840E92}" type="datetimeFigureOut">
               <a:rPr lang="en-US" smtClean="0"/>
-              <a:t>2019-09-07</a:t>
+              <a:t>2019-09-08</a:t>
             </a:fld>
             <a:endParaRPr lang="en-US"/>
           </a:p>
@@ -1342,7 +1342,7 @@
           <a:p>
             <a:fld id="{FC080E38-6FF2-48B3-BDAB-4FA23B840E92}" type="datetimeFigureOut">
               <a:rPr lang="en-US" smtClean="0"/>
-              <a:t>2019-09-07</a:t>
+              <a:t>2019-09-08</a:t>
             </a:fld>
             <a:endParaRPr lang="en-US"/>
           </a:p>
@@ -1764,7 +1764,7 @@
           <a:p>
             <a:fld id="{FC080E38-6FF2-48B3-BDAB-4FA23B840E92}" type="datetimeFigureOut">
               <a:rPr lang="en-US" smtClean="0"/>
-              <a:t>2019-09-07</a:t>
+              <a:t>2019-09-08</a:t>
             </a:fld>
             <a:endParaRPr lang="en-US"/>
           </a:p>
@@ -1882,7 +1882,7 @@
           <a:p>
             <a:fld id="{FC080E38-6FF2-48B3-BDAB-4FA23B840E92}" type="datetimeFigureOut">
               <a:rPr lang="en-US" smtClean="0"/>
-              <a:t>2019-09-07</a:t>
+              <a:t>2019-09-08</a:t>
             </a:fld>
             <a:endParaRPr lang="en-US"/>
           </a:p>
@@ -1977,7 +1977,7 @@
           <a:p>
             <a:fld id="{FC080E38-6FF2-48B3-BDAB-4FA23B840E92}" type="datetimeFigureOut">
               <a:rPr lang="en-US" smtClean="0"/>
-              <a:t>2019-09-07</a:t>
+              <a:t>2019-09-08</a:t>
             </a:fld>
             <a:endParaRPr lang="en-US"/>
           </a:p>
@@ -2254,7 +2254,7 @@
           <a:p>
             <a:fld id="{FC080E38-6FF2-48B3-BDAB-4FA23B840E92}" type="datetimeFigureOut">
               <a:rPr lang="en-US" smtClean="0"/>
-              <a:t>2019-09-07</a:t>
+              <a:t>2019-09-08</a:t>
             </a:fld>
             <a:endParaRPr lang="en-US"/>
           </a:p>
@@ -2507,7 +2507,7 @@
           <a:p>
             <a:fld id="{FC080E38-6FF2-48B3-BDAB-4FA23B840E92}" type="datetimeFigureOut">
               <a:rPr lang="en-US" smtClean="0"/>
-              <a:t>2019-09-07</a:t>
+              <a:t>2019-09-08</a:t>
             </a:fld>
             <a:endParaRPr lang="en-US"/>
           </a:p>
@@ -2720,7 +2720,7 @@
           <a:p>
             <a:fld id="{FC080E38-6FF2-48B3-BDAB-4FA23B840E92}" type="datetimeFigureOut">
               <a:rPr lang="en-US" smtClean="0"/>
-              <a:t>2019-09-07</a:t>
+              <a:t>2019-09-08</a:t>
             </a:fld>
             <a:endParaRPr lang="en-US"/>
           </a:p>
@@ -3097,6 +3097,602 @@
       </p:grpSpPr>
       <p:cxnSp>
         <p:nvCxnSpPr>
+          <p:cNvPr id="182" name="Straight Arrow Connector 181"/>
+          <p:cNvCxnSpPr/>
+          <p:nvPr/>
+        </p:nvCxnSpPr>
+        <p:spPr>
+          <a:xfrm>
+            <a:off x="3078557" y="3808049"/>
+            <a:ext cx="3149626" cy="1627872"/>
+          </a:xfrm>
+          <a:prstGeom prst="straightConnector1">
+            <a:avLst/>
+          </a:prstGeom>
+          <a:ln w="31750">
+            <a:solidFill>
+              <a:schemeClr val="accent1"/>
+            </a:solidFill>
+            <a:tailEnd type="triangle"/>
+          </a:ln>
+        </p:spPr>
+        <p:style>
+          <a:lnRef idx="1">
+            <a:schemeClr val="accent1"/>
+          </a:lnRef>
+          <a:fillRef idx="0">
+            <a:schemeClr val="accent1"/>
+          </a:fillRef>
+          <a:effectRef idx="0">
+            <a:schemeClr val="accent1"/>
+          </a:effectRef>
+          <a:fontRef idx="minor">
+            <a:schemeClr val="tx1"/>
+          </a:fontRef>
+        </p:style>
+      </p:cxnSp>
+      <p:grpSp>
+        <p:nvGrpSpPr>
+          <p:cNvPr id="253" name="Group 252"/>
+          <p:cNvGrpSpPr/>
+          <p:nvPr/>
+        </p:nvGrpSpPr>
+        <p:grpSpPr>
+          <a:xfrm>
+            <a:off x="3347863" y="3789040"/>
+            <a:ext cx="759020" cy="680656"/>
+            <a:chOff x="3779912" y="4116496"/>
+            <a:chExt cx="759020" cy="680656"/>
+          </a:xfrm>
+        </p:grpSpPr>
+        <p:sp>
+          <p:nvSpPr>
+            <p:cNvPr id="184" name="Parallelogram 183"/>
+            <p:cNvSpPr>
+              <a:spLocks noChangeAspect="1"/>
+            </p:cNvSpPr>
+            <p:nvPr/>
+          </p:nvSpPr>
+          <p:spPr>
+            <a:xfrm>
+              <a:off x="3779912" y="4116496"/>
+              <a:ext cx="759020" cy="680656"/>
+            </a:xfrm>
+            <a:prstGeom prst="parallelogram">
+              <a:avLst>
+                <a:gd name="adj" fmla="val 24082"/>
+              </a:avLst>
+            </a:prstGeom>
+            <a:solidFill>
+              <a:schemeClr val="accent1">
+                <a:lumMod val="20000"/>
+                <a:lumOff val="80000"/>
+              </a:schemeClr>
+            </a:solidFill>
+            <a:ln w="6350">
+              <a:solidFill>
+                <a:schemeClr val="bg1">
+                  <a:lumMod val="50000"/>
+                </a:schemeClr>
+              </a:solidFill>
+            </a:ln>
+            <a:effectLst>
+              <a:outerShdw blurRad="50800" dist="38100" dir="2700000" algn="tl" rotWithShape="0">
+                <a:prstClr val="black">
+                  <a:alpha val="40000"/>
+                </a:prstClr>
+              </a:outerShdw>
+            </a:effectLst>
+          </p:spPr>
+          <p:style>
+            <a:lnRef idx="2">
+              <a:schemeClr val="accent1">
+                <a:shade val="50000"/>
+              </a:schemeClr>
+            </a:lnRef>
+            <a:fillRef idx="1">
+              <a:schemeClr val="accent1"/>
+            </a:fillRef>
+            <a:effectRef idx="0">
+              <a:schemeClr val="accent1"/>
+            </a:effectRef>
+            <a:fontRef idx="minor">
+              <a:schemeClr val="lt1"/>
+            </a:fontRef>
+          </p:style>
+          <p:txBody>
+            <a:bodyPr rtlCol="0" anchor="ctr"/>
+            <a:lstStyle/>
+            <a:p>
+              <a:pPr algn="ctr"/>
+              <a:endParaRPr lang="en-US"/>
+            </a:p>
+          </p:txBody>
+        </p:sp>
+        <p:sp>
+          <p:nvSpPr>
+            <p:cNvPr id="185" name="Parallelogram 184"/>
+            <p:cNvSpPr/>
+            <p:nvPr/>
+          </p:nvSpPr>
+          <p:spPr>
+            <a:xfrm>
+              <a:off x="3987317" y="4190114"/>
+              <a:ext cx="414109" cy="237600"/>
+            </a:xfrm>
+            <a:prstGeom prst="parallelogram">
+              <a:avLst/>
+            </a:prstGeom>
+            <a:solidFill>
+              <a:schemeClr val="accent6">
+                <a:lumMod val="20000"/>
+                <a:lumOff val="80000"/>
+              </a:schemeClr>
+            </a:solidFill>
+            <a:ln w="6350">
+              <a:solidFill>
+                <a:schemeClr val="bg1">
+                  <a:lumMod val="50000"/>
+                </a:schemeClr>
+              </a:solidFill>
+            </a:ln>
+            <a:effectLst>
+              <a:outerShdw blurRad="50800" dist="38100" dir="2700000" algn="tl" rotWithShape="0">
+                <a:prstClr val="black">
+                  <a:alpha val="40000"/>
+                </a:prstClr>
+              </a:outerShdw>
+            </a:effectLst>
+          </p:spPr>
+          <p:style>
+            <a:lnRef idx="2">
+              <a:schemeClr val="accent1">
+                <a:shade val="50000"/>
+              </a:schemeClr>
+            </a:lnRef>
+            <a:fillRef idx="1">
+              <a:schemeClr val="accent1"/>
+            </a:fillRef>
+            <a:effectRef idx="0">
+              <a:schemeClr val="accent1"/>
+            </a:effectRef>
+            <a:fontRef idx="minor">
+              <a:schemeClr val="lt1"/>
+            </a:fontRef>
+          </p:style>
+          <p:txBody>
+            <a:bodyPr rtlCol="0" anchor="ctr"/>
+            <a:lstStyle/>
+            <a:p>
+              <a:pPr algn="ctr"/>
+              <a:endParaRPr lang="en-US"/>
+            </a:p>
+          </p:txBody>
+        </p:sp>
+        <p:sp>
+          <p:nvSpPr>
+            <p:cNvPr id="186" name="Parallelogram 185"/>
+            <p:cNvSpPr/>
+            <p:nvPr/>
+          </p:nvSpPr>
+          <p:spPr>
+            <a:xfrm>
+              <a:off x="3910437" y="4469840"/>
+              <a:ext cx="414109" cy="237600"/>
+            </a:xfrm>
+            <a:prstGeom prst="parallelogram">
+              <a:avLst/>
+            </a:prstGeom>
+            <a:blipFill>
+              <a:blip r:embed="rId2"/>
+              <a:tile tx="0" ty="0" sx="50000" sy="50000" flip="none" algn="tl"/>
+            </a:blipFill>
+            <a:ln w="6350">
+              <a:solidFill>
+                <a:schemeClr val="bg1">
+                  <a:lumMod val="50000"/>
+                </a:schemeClr>
+              </a:solidFill>
+            </a:ln>
+            <a:effectLst>
+              <a:outerShdw blurRad="50800" dist="38100" dir="2700000" algn="tl" rotWithShape="0">
+                <a:prstClr val="black">
+                  <a:alpha val="40000"/>
+                </a:prstClr>
+              </a:outerShdw>
+            </a:effectLst>
+          </p:spPr>
+          <p:style>
+            <a:lnRef idx="2">
+              <a:schemeClr val="accent1">
+                <a:shade val="50000"/>
+              </a:schemeClr>
+            </a:lnRef>
+            <a:fillRef idx="1">
+              <a:schemeClr val="accent1"/>
+            </a:fillRef>
+            <a:effectRef idx="0">
+              <a:schemeClr val="accent1"/>
+            </a:effectRef>
+            <a:fontRef idx="minor">
+              <a:schemeClr val="lt1"/>
+            </a:fontRef>
+          </p:style>
+          <p:txBody>
+            <a:bodyPr rtlCol="0" anchor="ctr"/>
+            <a:lstStyle/>
+            <a:p>
+              <a:pPr algn="ctr"/>
+              <a:endParaRPr lang="en-US"/>
+            </a:p>
+          </p:txBody>
+        </p:sp>
+      </p:grpSp>
+      <p:sp>
+        <p:nvSpPr>
+          <p:cNvPr id="19" name="Arc 18"/>
+          <p:cNvSpPr/>
+          <p:nvPr/>
+        </p:nvSpPr>
+        <p:spPr>
+          <a:xfrm>
+            <a:off x="2395347" y="2078135"/>
+            <a:ext cx="1024524" cy="2624332"/>
+          </a:xfrm>
+          <a:custGeom>
+            <a:avLst/>
+            <a:gdLst>
+              <a:gd name="connsiteX0" fmla="*/ 366671 w 386599"/>
+              <a:gd name="connsiteY0" fmla="*/ 983984 h 3528212"/>
+              <a:gd name="connsiteX1" fmla="*/ 386599 w 386599"/>
+              <a:gd name="connsiteY1" fmla="*/ 1764107 h 3528212"/>
+              <a:gd name="connsiteX2" fmla="*/ 193300 w 386599"/>
+              <a:gd name="connsiteY2" fmla="*/ 1764106 h 3528212"/>
+              <a:gd name="connsiteX3" fmla="*/ 366671 w 386599"/>
+              <a:gd name="connsiteY3" fmla="*/ 983984 h 3528212"/>
+              <a:gd name="connsiteX0" fmla="*/ 366671 w 386599"/>
+              <a:gd name="connsiteY0" fmla="*/ 983984 h 3528212"/>
+              <a:gd name="connsiteX1" fmla="*/ 386599 w 386599"/>
+              <a:gd name="connsiteY1" fmla="*/ 1764107 h 3528212"/>
+              <a:gd name="connsiteX0" fmla="*/ 464949 w 484877"/>
+              <a:gd name="connsiteY0" fmla="*/ 1043553 h 1823676"/>
+              <a:gd name="connsiteX1" fmla="*/ 484877 w 484877"/>
+              <a:gd name="connsiteY1" fmla="*/ 1823676 h 1823676"/>
+              <a:gd name="connsiteX2" fmla="*/ 291578 w 484877"/>
+              <a:gd name="connsiteY2" fmla="*/ 1823675 h 1823676"/>
+              <a:gd name="connsiteX3" fmla="*/ 464949 w 484877"/>
+              <a:gd name="connsiteY3" fmla="*/ 1043553 h 1823676"/>
+              <a:gd name="connsiteX0" fmla="*/ 0 w 484877"/>
+              <a:gd name="connsiteY0" fmla="*/ 0 h 1823676"/>
+              <a:gd name="connsiteX1" fmla="*/ 484877 w 484877"/>
+              <a:gd name="connsiteY1" fmla="*/ 1823676 h 1823676"/>
+              <a:gd name="connsiteX0" fmla="*/ 485613 w 505541"/>
+              <a:gd name="connsiteY0" fmla="*/ 1110712 h 1890835"/>
+              <a:gd name="connsiteX1" fmla="*/ 505541 w 505541"/>
+              <a:gd name="connsiteY1" fmla="*/ 1890835 h 1890835"/>
+              <a:gd name="connsiteX2" fmla="*/ 312242 w 505541"/>
+              <a:gd name="connsiteY2" fmla="*/ 1890834 h 1890835"/>
+              <a:gd name="connsiteX3" fmla="*/ 485613 w 505541"/>
+              <a:gd name="connsiteY3" fmla="*/ 1110712 h 1890835"/>
+              <a:gd name="connsiteX0" fmla="*/ 0 w 505541"/>
+              <a:gd name="connsiteY0" fmla="*/ 0 h 1890835"/>
+              <a:gd name="connsiteX1" fmla="*/ 505541 w 505541"/>
+              <a:gd name="connsiteY1" fmla="*/ 1890835 h 1890835"/>
+              <a:gd name="connsiteX0" fmla="*/ 485613 w 505541"/>
+              <a:gd name="connsiteY0" fmla="*/ 1110712 h 1890835"/>
+              <a:gd name="connsiteX1" fmla="*/ 505541 w 505541"/>
+              <a:gd name="connsiteY1" fmla="*/ 1890835 h 1890835"/>
+              <a:gd name="connsiteX2" fmla="*/ 312242 w 505541"/>
+              <a:gd name="connsiteY2" fmla="*/ 1890834 h 1890835"/>
+              <a:gd name="connsiteX3" fmla="*/ 485613 w 505541"/>
+              <a:gd name="connsiteY3" fmla="*/ 1110712 h 1890835"/>
+              <a:gd name="connsiteX0" fmla="*/ 0 w 505541"/>
+              <a:gd name="connsiteY0" fmla="*/ 0 h 1890835"/>
+              <a:gd name="connsiteX1" fmla="*/ 505541 w 505541"/>
+              <a:gd name="connsiteY1" fmla="*/ 1890835 h 1890835"/>
+              <a:gd name="connsiteX0" fmla="*/ 485613 w 703076"/>
+              <a:gd name="connsiteY0" fmla="*/ 1110712 h 1890835"/>
+              <a:gd name="connsiteX1" fmla="*/ 505541 w 703076"/>
+              <a:gd name="connsiteY1" fmla="*/ 1890835 h 1890835"/>
+              <a:gd name="connsiteX2" fmla="*/ 312242 w 703076"/>
+              <a:gd name="connsiteY2" fmla="*/ 1890834 h 1890835"/>
+              <a:gd name="connsiteX3" fmla="*/ 485613 w 703076"/>
+              <a:gd name="connsiteY3" fmla="*/ 1110712 h 1890835"/>
+              <a:gd name="connsiteX0" fmla="*/ 0 w 703076"/>
+              <a:gd name="connsiteY0" fmla="*/ 0 h 1890835"/>
+              <a:gd name="connsiteX1" fmla="*/ 505541 w 703076"/>
+              <a:gd name="connsiteY1" fmla="*/ 1890835 h 1890835"/>
+              <a:gd name="connsiteX0" fmla="*/ 312242 w 505541"/>
+              <a:gd name="connsiteY0" fmla="*/ 1890834 h 1890835"/>
+              <a:gd name="connsiteX1" fmla="*/ 505541 w 505541"/>
+              <a:gd name="connsiteY1" fmla="*/ 1890835 h 1890835"/>
+              <a:gd name="connsiteX2" fmla="*/ 312242 w 505541"/>
+              <a:gd name="connsiteY2" fmla="*/ 1890834 h 1890835"/>
+              <a:gd name="connsiteX0" fmla="*/ 0 w 505541"/>
+              <a:gd name="connsiteY0" fmla="*/ 0 h 1890835"/>
+              <a:gd name="connsiteX1" fmla="*/ 505541 w 505541"/>
+              <a:gd name="connsiteY1" fmla="*/ 1890835 h 1890835"/>
+              <a:gd name="connsiteX0" fmla="*/ 575714 w 575714"/>
+              <a:gd name="connsiteY0" fmla="*/ 2149139 h 2149139"/>
+              <a:gd name="connsiteX1" fmla="*/ 505541 w 575714"/>
+              <a:gd name="connsiteY1" fmla="*/ 1890835 h 2149139"/>
+              <a:gd name="connsiteX2" fmla="*/ 575714 w 575714"/>
+              <a:gd name="connsiteY2" fmla="*/ 2149139 h 2149139"/>
+              <a:gd name="connsiteX0" fmla="*/ 0 w 575714"/>
+              <a:gd name="connsiteY0" fmla="*/ 0 h 2149139"/>
+              <a:gd name="connsiteX1" fmla="*/ 505541 w 575714"/>
+              <a:gd name="connsiteY1" fmla="*/ 1890835 h 2149139"/>
+              <a:gd name="connsiteX0" fmla="*/ 575714 w 614029"/>
+              <a:gd name="connsiteY0" fmla="*/ 2149139 h 2149139"/>
+              <a:gd name="connsiteX1" fmla="*/ 505541 w 614029"/>
+              <a:gd name="connsiteY1" fmla="*/ 1890835 h 2149139"/>
+              <a:gd name="connsiteX2" fmla="*/ 575714 w 614029"/>
+              <a:gd name="connsiteY2" fmla="*/ 2149139 h 2149139"/>
+              <a:gd name="connsiteX0" fmla="*/ 0 w 614029"/>
+              <a:gd name="connsiteY0" fmla="*/ 0 h 2149139"/>
+              <a:gd name="connsiteX1" fmla="*/ 614029 w 614029"/>
+              <a:gd name="connsiteY1" fmla="*/ 2123310 h 2149139"/>
+              <a:gd name="connsiteX0" fmla="*/ 575714 w 658522"/>
+              <a:gd name="connsiteY0" fmla="*/ 2149139 h 2330955"/>
+              <a:gd name="connsiteX1" fmla="*/ 505541 w 658522"/>
+              <a:gd name="connsiteY1" fmla="*/ 1890835 h 2330955"/>
+              <a:gd name="connsiteX2" fmla="*/ 575714 w 658522"/>
+              <a:gd name="connsiteY2" fmla="*/ 2149139 h 2330955"/>
+              <a:gd name="connsiteX0" fmla="*/ 0 w 658522"/>
+              <a:gd name="connsiteY0" fmla="*/ 0 h 2330955"/>
+              <a:gd name="connsiteX1" fmla="*/ 614029 w 658522"/>
+              <a:gd name="connsiteY1" fmla="*/ 2123310 h 2330955"/>
+              <a:gd name="connsiteX2" fmla="*/ 612557 w 658522"/>
+              <a:gd name="connsiteY2" fmla="*/ 2271724 h 2330955"/>
+              <a:gd name="connsiteX0" fmla="*/ 575714 w 614029"/>
+              <a:gd name="connsiteY0" fmla="*/ 2149139 h 2149139"/>
+              <a:gd name="connsiteX1" fmla="*/ 505541 w 614029"/>
+              <a:gd name="connsiteY1" fmla="*/ 1890835 h 2149139"/>
+              <a:gd name="connsiteX2" fmla="*/ 575714 w 614029"/>
+              <a:gd name="connsiteY2" fmla="*/ 2149139 h 2149139"/>
+              <a:gd name="connsiteX0" fmla="*/ 0 w 614029"/>
+              <a:gd name="connsiteY0" fmla="*/ 0 h 2149139"/>
+              <a:gd name="connsiteX1" fmla="*/ 614029 w 614029"/>
+              <a:gd name="connsiteY1" fmla="*/ 2123310 h 2149139"/>
+              <a:gd name="connsiteX0" fmla="*/ 575714 w 614029"/>
+              <a:gd name="connsiteY0" fmla="*/ 2149139 h 2541764"/>
+              <a:gd name="connsiteX1" fmla="*/ 495208 w 614029"/>
+              <a:gd name="connsiteY1" fmla="*/ 2541764 h 2541764"/>
+              <a:gd name="connsiteX2" fmla="*/ 575714 w 614029"/>
+              <a:gd name="connsiteY2" fmla="*/ 2149139 h 2541764"/>
+              <a:gd name="connsiteX0" fmla="*/ 0 w 614029"/>
+              <a:gd name="connsiteY0" fmla="*/ 0 h 2541764"/>
+              <a:gd name="connsiteX1" fmla="*/ 614029 w 614029"/>
+              <a:gd name="connsiteY1" fmla="*/ 2123310 h 2541764"/>
+              <a:gd name="connsiteX0" fmla="*/ 575714 w 667154"/>
+              <a:gd name="connsiteY0" fmla="*/ 2149139 h 2541764"/>
+              <a:gd name="connsiteX1" fmla="*/ 495208 w 667154"/>
+              <a:gd name="connsiteY1" fmla="*/ 2541764 h 2541764"/>
+              <a:gd name="connsiteX2" fmla="*/ 667154 w 667154"/>
+              <a:gd name="connsiteY2" fmla="*/ 2240579 h 2541764"/>
+              <a:gd name="connsiteX0" fmla="*/ 0 w 667154"/>
+              <a:gd name="connsiteY0" fmla="*/ 0 h 2541764"/>
+              <a:gd name="connsiteX1" fmla="*/ 614029 w 667154"/>
+              <a:gd name="connsiteY1" fmla="*/ 2123310 h 2541764"/>
+              <a:gd name="connsiteX0" fmla="*/ 495208 w 667154"/>
+              <a:gd name="connsiteY0" fmla="*/ 2541764 h 2541764"/>
+              <a:gd name="connsiteX1" fmla="*/ 667154 w 667154"/>
+              <a:gd name="connsiteY1" fmla="*/ 2240579 h 2541764"/>
+              <a:gd name="connsiteX0" fmla="*/ 0 w 667154"/>
+              <a:gd name="connsiteY0" fmla="*/ 0 h 2541764"/>
+              <a:gd name="connsiteX1" fmla="*/ 614029 w 667154"/>
+              <a:gd name="connsiteY1" fmla="*/ 2123310 h 2541764"/>
+              <a:gd name="connsiteX0" fmla="*/ 495208 w 667154"/>
+              <a:gd name="connsiteY0" fmla="*/ 2541764 h 2541764"/>
+              <a:gd name="connsiteX1" fmla="*/ 667154 w 667154"/>
+              <a:gd name="connsiteY1" fmla="*/ 2240579 h 2541764"/>
+              <a:gd name="connsiteX0" fmla="*/ 0 w 667154"/>
+              <a:gd name="connsiteY0" fmla="*/ 0 h 2541764"/>
+              <a:gd name="connsiteX1" fmla="*/ 614029 w 667154"/>
+              <a:gd name="connsiteY1" fmla="*/ 2123310 h 2541764"/>
+              <a:gd name="connsiteX0" fmla="*/ 495208 w 667154"/>
+              <a:gd name="connsiteY0" fmla="*/ 2541764 h 2541764"/>
+              <a:gd name="connsiteX1" fmla="*/ 667154 w 667154"/>
+              <a:gd name="connsiteY1" fmla="*/ 2240579 h 2541764"/>
+              <a:gd name="connsiteX0" fmla="*/ 0 w 667154"/>
+              <a:gd name="connsiteY0" fmla="*/ 0 h 2541764"/>
+              <a:gd name="connsiteX1" fmla="*/ 614029 w 667154"/>
+              <a:gd name="connsiteY1" fmla="*/ 2123310 h 2541764"/>
+              <a:gd name="connsiteX0" fmla="*/ 495208 w 985988"/>
+              <a:gd name="connsiteY0" fmla="*/ 2541764 h 2541764"/>
+              <a:gd name="connsiteX1" fmla="*/ 667154 w 985988"/>
+              <a:gd name="connsiteY1" fmla="*/ 2240579 h 2541764"/>
+              <a:gd name="connsiteX0" fmla="*/ 0 w 985988"/>
+              <a:gd name="connsiteY0" fmla="*/ 0 h 2541764"/>
+              <a:gd name="connsiteX1" fmla="*/ 985988 w 985988"/>
+              <a:gd name="connsiteY1" fmla="*/ 2205967 h 2541764"/>
+              <a:gd name="connsiteX0" fmla="*/ 495208 w 1006471"/>
+              <a:gd name="connsiteY0" fmla="*/ 2541764 h 2541764"/>
+              <a:gd name="connsiteX1" fmla="*/ 667154 w 1006471"/>
+              <a:gd name="connsiteY1" fmla="*/ 2240579 h 2541764"/>
+              <a:gd name="connsiteX0" fmla="*/ 0 w 1006471"/>
+              <a:gd name="connsiteY0" fmla="*/ 0 h 2541764"/>
+              <a:gd name="connsiteX1" fmla="*/ 1006471 w 1006471"/>
+              <a:gd name="connsiteY1" fmla="*/ 2226632 h 2541764"/>
+              <a:gd name="connsiteX0" fmla="*/ 495208 w 1011591"/>
+              <a:gd name="connsiteY0" fmla="*/ 2541764 h 2541764"/>
+              <a:gd name="connsiteX1" fmla="*/ 667154 w 1011591"/>
+              <a:gd name="connsiteY1" fmla="*/ 2240579 h 2541764"/>
+              <a:gd name="connsiteX0" fmla="*/ 0 w 1011591"/>
+              <a:gd name="connsiteY0" fmla="*/ 0 h 2541764"/>
+              <a:gd name="connsiteX1" fmla="*/ 1011591 w 1011591"/>
+              <a:gd name="connsiteY1" fmla="*/ 2242130 h 2541764"/>
+              <a:gd name="connsiteX0" fmla="*/ 495208 w 1021832"/>
+              <a:gd name="connsiteY0" fmla="*/ 2541764 h 2541764"/>
+              <a:gd name="connsiteX1" fmla="*/ 667154 w 1021832"/>
+              <a:gd name="connsiteY1" fmla="*/ 2240579 h 2541764"/>
+              <a:gd name="connsiteX0" fmla="*/ 0 w 1021832"/>
+              <a:gd name="connsiteY0" fmla="*/ 0 h 2541764"/>
+              <a:gd name="connsiteX1" fmla="*/ 1021832 w 1021832"/>
+              <a:gd name="connsiteY1" fmla="*/ 2267960 h 2541764"/>
+              <a:gd name="connsiteX0" fmla="*/ 495208 w 1021832"/>
+              <a:gd name="connsiteY0" fmla="*/ 2541764 h 2541764"/>
+              <a:gd name="connsiteX1" fmla="*/ 667154 w 1021832"/>
+              <a:gd name="connsiteY1" fmla="*/ 2240579 h 2541764"/>
+              <a:gd name="connsiteX0" fmla="*/ 0 w 1021832"/>
+              <a:gd name="connsiteY0" fmla="*/ 0 h 2541764"/>
+              <a:gd name="connsiteX1" fmla="*/ 1021832 w 1021832"/>
+              <a:gd name="connsiteY1" fmla="*/ 2267960 h 2541764"/>
+              <a:gd name="connsiteX0" fmla="*/ 495208 w 1021832"/>
+              <a:gd name="connsiteY0" fmla="*/ 2541764 h 2541764"/>
+              <a:gd name="connsiteX1" fmla="*/ 667154 w 1021832"/>
+              <a:gd name="connsiteY1" fmla="*/ 2240579 h 2541764"/>
+              <a:gd name="connsiteX0" fmla="*/ 0 w 1021832"/>
+              <a:gd name="connsiteY0" fmla="*/ 0 h 2541764"/>
+              <a:gd name="connsiteX1" fmla="*/ 1021832 w 1021832"/>
+              <a:gd name="connsiteY1" fmla="*/ 2267960 h 2541764"/>
+              <a:gd name="connsiteX0" fmla="*/ 495208 w 1021832"/>
+              <a:gd name="connsiteY0" fmla="*/ 2541764 h 2541764"/>
+              <a:gd name="connsiteX1" fmla="*/ 667154 w 1021832"/>
+              <a:gd name="connsiteY1" fmla="*/ 2240579 h 2541764"/>
+              <a:gd name="connsiteX0" fmla="*/ 0 w 1021832"/>
+              <a:gd name="connsiteY0" fmla="*/ 0 h 2541764"/>
+              <a:gd name="connsiteX1" fmla="*/ 1021832 w 1021832"/>
+              <a:gd name="connsiteY1" fmla="*/ 2267960 h 2541764"/>
+              <a:gd name="connsiteX0" fmla="*/ 495208 w 1021832"/>
+              <a:gd name="connsiteY0" fmla="*/ 2541764 h 2541764"/>
+              <a:gd name="connsiteX1" fmla="*/ 667154 w 1021832"/>
+              <a:gd name="connsiteY1" fmla="*/ 2240579 h 2541764"/>
+              <a:gd name="connsiteX0" fmla="*/ 0 w 1021832"/>
+              <a:gd name="connsiteY0" fmla="*/ 0 h 2541764"/>
+              <a:gd name="connsiteX1" fmla="*/ 459532 w 1021832"/>
+              <a:gd name="connsiteY1" fmla="*/ 1811940 h 2541764"/>
+              <a:gd name="connsiteX2" fmla="*/ 1021832 w 1021832"/>
+              <a:gd name="connsiteY2" fmla="*/ 2267960 h 2541764"/>
+              <a:gd name="connsiteX0" fmla="*/ 495208 w 1021832"/>
+              <a:gd name="connsiteY0" fmla="*/ 2541764 h 2541764"/>
+              <a:gd name="connsiteX1" fmla="*/ 667154 w 1021832"/>
+              <a:gd name="connsiteY1" fmla="*/ 2240579 h 2541764"/>
+              <a:gd name="connsiteX0" fmla="*/ 0 w 1021832"/>
+              <a:gd name="connsiteY0" fmla="*/ 0 h 2541764"/>
+              <a:gd name="connsiteX1" fmla="*/ 534184 w 1021832"/>
+              <a:gd name="connsiteY1" fmla="*/ 1894597 h 2541764"/>
+              <a:gd name="connsiteX2" fmla="*/ 1021832 w 1021832"/>
+              <a:gd name="connsiteY2" fmla="*/ 2267960 h 2541764"/>
+              <a:gd name="connsiteX0" fmla="*/ 495208 w 1021832"/>
+              <a:gd name="connsiteY0" fmla="*/ 2541764 h 2541764"/>
+              <a:gd name="connsiteX1" fmla="*/ 667154 w 1021832"/>
+              <a:gd name="connsiteY1" fmla="*/ 2240579 h 2541764"/>
+              <a:gd name="connsiteX0" fmla="*/ 0 w 1021832"/>
+              <a:gd name="connsiteY0" fmla="*/ 0 h 2541764"/>
+              <a:gd name="connsiteX1" fmla="*/ 534184 w 1021832"/>
+              <a:gd name="connsiteY1" fmla="*/ 1894597 h 2541764"/>
+              <a:gd name="connsiteX2" fmla="*/ 1021832 w 1021832"/>
+              <a:gd name="connsiteY2" fmla="*/ 2267960 h 2541764"/>
+              <a:gd name="connsiteX0" fmla="*/ 495208 w 1021832"/>
+              <a:gd name="connsiteY0" fmla="*/ 2541764 h 2541764"/>
+              <a:gd name="connsiteX1" fmla="*/ 667154 w 1021832"/>
+              <a:gd name="connsiteY1" fmla="*/ 2240579 h 2541764"/>
+              <a:gd name="connsiteX0" fmla="*/ 0 w 1021832"/>
+              <a:gd name="connsiteY0" fmla="*/ 0 h 2541764"/>
+              <a:gd name="connsiteX1" fmla="*/ 534184 w 1021832"/>
+              <a:gd name="connsiteY1" fmla="*/ 1894597 h 2541764"/>
+              <a:gd name="connsiteX2" fmla="*/ 1021832 w 1021832"/>
+              <a:gd name="connsiteY2" fmla="*/ 2267960 h 2541764"/>
+              <a:gd name="connsiteX0" fmla="*/ 495208 w 1021832"/>
+              <a:gd name="connsiteY0" fmla="*/ 2541764 h 2541764"/>
+              <a:gd name="connsiteX1" fmla="*/ 667154 w 1021832"/>
+              <a:gd name="connsiteY1" fmla="*/ 2240579 h 2541764"/>
+              <a:gd name="connsiteX0" fmla="*/ 0 w 1021832"/>
+              <a:gd name="connsiteY0" fmla="*/ 0 h 2541764"/>
+              <a:gd name="connsiteX1" fmla="*/ 1021832 w 1021832"/>
+              <a:gd name="connsiteY1" fmla="*/ 2267960 h 2541764"/>
+              <a:gd name="connsiteX0" fmla="*/ 495208 w 1021832"/>
+              <a:gd name="connsiteY0" fmla="*/ 2541764 h 2541764"/>
+              <a:gd name="connsiteX1" fmla="*/ 667154 w 1021832"/>
+              <a:gd name="connsiteY1" fmla="*/ 2240579 h 2541764"/>
+              <a:gd name="connsiteX0" fmla="*/ 0 w 1021832"/>
+              <a:gd name="connsiteY0" fmla="*/ 0 h 2541764"/>
+              <a:gd name="connsiteX1" fmla="*/ 1021832 w 1021832"/>
+              <a:gd name="connsiteY1" fmla="*/ 2267960 h 2541764"/>
+              <a:gd name="connsiteX0" fmla="*/ 495208 w 1021832"/>
+              <a:gd name="connsiteY0" fmla="*/ 2541764 h 2541764"/>
+              <a:gd name="connsiteX1" fmla="*/ 667154 w 1021832"/>
+              <a:gd name="connsiteY1" fmla="*/ 2240579 h 2541764"/>
+              <a:gd name="connsiteX0" fmla="*/ 0 w 1021832"/>
+              <a:gd name="connsiteY0" fmla="*/ 0 h 2541764"/>
+              <a:gd name="connsiteX1" fmla="*/ 1021832 w 1021832"/>
+              <a:gd name="connsiteY1" fmla="*/ 2267960 h 2541764"/>
+              <a:gd name="connsiteX0" fmla="*/ 495208 w 1021832"/>
+              <a:gd name="connsiteY0" fmla="*/ 2541764 h 2541764"/>
+              <a:gd name="connsiteX1" fmla="*/ 667154 w 1021832"/>
+              <a:gd name="connsiteY1" fmla="*/ 2240579 h 2541764"/>
+              <a:gd name="connsiteX0" fmla="*/ 0 w 1021832"/>
+              <a:gd name="connsiteY0" fmla="*/ 0 h 2541764"/>
+              <a:gd name="connsiteX1" fmla="*/ 1021832 w 1021832"/>
+              <a:gd name="connsiteY1" fmla="*/ 2267960 h 2541764"/>
+            </a:gdLst>
+            <a:ahLst/>
+            <a:cxnLst>
+              <a:cxn ang="0">
+                <a:pos x="connsiteX0" y="connsiteY0"/>
+              </a:cxn>
+              <a:cxn ang="0">
+                <a:pos x="connsiteX1" y="connsiteY1"/>
+              </a:cxn>
+            </a:cxnLst>
+            <a:rect l="l" t="t" r="r" b="b"/>
+            <a:pathLst>
+              <a:path w="1021832" h="2541764" stroke="0" extrusionOk="0">
+                <a:moveTo>
+                  <a:pt x="495208" y="2541764"/>
+                </a:moveTo>
+                <a:cubicBezTo>
+                  <a:pt x="522043" y="2410889"/>
+                  <a:pt x="667154" y="2240579"/>
+                  <a:pt x="667154" y="2240579"/>
+                </a:cubicBezTo>
+              </a:path>
+              <a:path w="1021832" h="2541764" fill="none">
+                <a:moveTo>
+                  <a:pt x="0" y="0"/>
+                </a:moveTo>
+                <a:cubicBezTo>
+                  <a:pt x="300796" y="1567065"/>
+                  <a:pt x="726891" y="2118520"/>
+                  <a:pt x="1021832" y="2267960"/>
+                </a:cubicBezTo>
+              </a:path>
+            </a:pathLst>
+          </a:custGeom>
+          <a:ln w="12700">
+            <a:solidFill>
+              <a:schemeClr val="tx1"/>
+            </a:solidFill>
+            <a:prstDash val="sysDot"/>
+            <a:tailEnd type="oval" w="sm" len="sm"/>
+          </a:ln>
+        </p:spPr>
+        <p:style>
+          <a:lnRef idx="1">
+            <a:schemeClr val="accent1"/>
+          </a:lnRef>
+          <a:fillRef idx="0">
+            <a:schemeClr val="accent1"/>
+          </a:fillRef>
+          <a:effectRef idx="0">
+            <a:schemeClr val="accent1"/>
+          </a:effectRef>
+          <a:fontRef idx="minor">
+            <a:schemeClr val="tx1"/>
+          </a:fontRef>
+        </p:style>
+        <p:txBody>
+          <a:bodyPr rtlCol="0" anchor="ctr"/>
+          <a:lstStyle/>
+          <a:p>
+            <a:pPr algn="ctr"/>
+            <a:endParaRPr lang="en-US"/>
+          </a:p>
+        </p:txBody>
+      </p:sp>
+      <p:cxnSp>
+        <p:nvCxnSpPr>
           <p:cNvPr id="163" name="Straight Connector 162"/>
           <p:cNvCxnSpPr>
             <a:endCxn id="152" idx="2"/>
@@ -3511,7 +4107,7 @@
           </a:custGeom>
           <a:noFill/>
           <a:ln w="9525">
-            <a:tailEnd type="triangle"/>
+            <a:tailEnd type="triangle" w="sm" len="med"/>
           </a:ln>
         </p:spPr>
         <p:style>
@@ -3731,7 +4327,7 @@
             <p:nvPr/>
           </p:nvPicPr>
           <p:blipFill>
-            <a:blip r:embed="rId2">
+            <a:blip r:embed="rId3">
               <a:duotone>
                 <a:prstClr val="black"/>
                 <a:schemeClr val="accent3">
@@ -3742,7 +4338,7 @@
               <a:extLst>
                 <a:ext uri="{BEBA8EAE-BF5A-486C-A8C5-ECC9F3942E4B}">
                   <a14:imgProps xmlns:a14="http://schemas.microsoft.com/office/drawing/2010/main">
-                    <a14:imgLayer r:embed="rId3">
+                    <a14:imgLayer r:embed="rId4">
                       <a14:imgEffect>
                         <a14:colorTemperature colorTemp="5246"/>
                       </a14:imgEffect>
@@ -3899,7 +4495,7 @@
         </p:nvCxnSpPr>
         <p:spPr>
           <a:xfrm flipV="1">
-            <a:off x="5179179" y="3756194"/>
+            <a:off x="5179179" y="3761360"/>
             <a:ext cx="0" cy="479722"/>
           </a:xfrm>
           <a:prstGeom prst="line">
@@ -4376,7 +4972,7 @@
           <p:nvPr/>
         </p:nvPicPr>
         <p:blipFill>
-          <a:blip r:embed="rId4" cstate="print">
+          <a:blip r:embed="rId5" cstate="print">
             <a:extLst>
               <a:ext uri="{28A0092B-C50C-407E-A947-70E740481C1C}">
                 <a14:useLocalDpi xmlns:a14="http://schemas.microsoft.com/office/drawing/2010/main" val="0"/>
@@ -5658,7 +6254,7 @@
           <p:nvPr/>
         </p:nvPicPr>
         <p:blipFill>
-          <a:blip r:embed="rId5" cstate="print">
+          <a:blip r:embed="rId6" cstate="print">
             <a:extLst>
               <a:ext uri="{28A0092B-C50C-407E-A947-70E740481C1C}">
                 <a14:useLocalDpi xmlns:a14="http://schemas.microsoft.com/office/drawing/2010/main" val="0"/>
@@ -6307,11 +6903,11 @@
           <p:nvPr/>
         </p:nvPicPr>
         <p:blipFill>
-          <a:blip r:embed="rId6">
+          <a:blip r:embed="rId7">
             <a:extLst>
               <a:ext uri="{BEBA8EAE-BF5A-486C-A8C5-ECC9F3942E4B}">
                 <a14:imgProps xmlns:a14="http://schemas.microsoft.com/office/drawing/2010/main">
-                  <a14:imgLayer r:embed="rId3">
+                  <a14:imgLayer r:embed="rId4">
                     <a14:imgEffect>
                       <a14:saturation sat="182000"/>
                     </a14:imgEffect>
@@ -6369,8 +6965,8 @@
         </p:nvSpPr>
         <p:spPr>
           <a:xfrm>
-            <a:off x="1413521" y="2420887"/>
-            <a:ext cx="1303117" cy="3088505"/>
+            <a:off x="1421853" y="2420887"/>
+            <a:ext cx="1294785" cy="3088505"/>
           </a:xfrm>
           <a:custGeom>
             <a:avLst/>
@@ -6503,6 +7099,10 @@
               <a:gd name="connsiteY0" fmla="*/ 200508 h 200508"/>
               <a:gd name="connsiteX1" fmla="*/ 1038 w 126684"/>
               <a:gd name="connsiteY1" fmla="*/ 0 h 200508"/>
+              <a:gd name="connsiteX0" fmla="*/ 125874 w 125874"/>
+              <a:gd name="connsiteY0" fmla="*/ 200508 h 200508"/>
+              <a:gd name="connsiteX1" fmla="*/ 228 w 125874"/>
+              <a:gd name="connsiteY1" fmla="*/ 0 h 200508"/>
             </a:gdLst>
             <a:ahLst/>
             <a:cxnLst>
@@ -6515,21 +7115,21 @@
             </a:cxnLst>
             <a:rect l="l" t="t" r="r" b="b"/>
             <a:pathLst>
-              <a:path w="126684" h="200508">
+              <a:path w="125874" h="200508">
                 <a:moveTo>
-                  <a:pt x="126684" y="200508"/>
+                  <a:pt x="125874" y="200508"/>
                 </a:moveTo>
                 <a:cubicBezTo>
-                  <a:pt x="-26169" y="134940"/>
-                  <a:pt x="2999" y="182920"/>
-                  <a:pt x="1038" y="0"/>
+                  <a:pt x="-20450" y="167473"/>
+                  <a:pt x="2189" y="182920"/>
+                  <a:pt x="228" y="0"/>
                 </a:cubicBezTo>
               </a:path>
             </a:pathLst>
           </a:custGeom>
           <a:noFill/>
           <a:ln w="9525">
-            <a:tailEnd type="triangle"/>
+            <a:tailEnd type="triangle" w="sm" len="med"/>
           </a:ln>
         </p:spPr>
         <p:style>
@@ -6580,7 +7180,7 @@
             <p:nvPr/>
           </p:nvPicPr>
           <p:blipFill>
-            <a:blip r:embed="rId7" cstate="print">
+            <a:blip r:embed="rId8" cstate="print">
               <a:extLst>
                 <a:ext uri="{28A0092B-C50C-407E-A947-70E740481C1C}">
                   <a14:useLocalDpi xmlns:a14="http://schemas.microsoft.com/office/drawing/2010/main" val="0"/>
@@ -6621,7 +7221,7 @@
             <p:nvPr/>
           </p:nvPicPr>
           <p:blipFill>
-            <a:blip r:embed="rId8">
+            <a:blip r:embed="rId9">
               <a:extLst>
                 <a:ext uri="{28A0092B-C50C-407E-A947-70E740481C1C}">
                   <a14:useLocalDpi xmlns:a14="http://schemas.microsoft.com/office/drawing/2010/main" val="0"/>
@@ -6667,48 +7267,6 @@
           </p:spPr>
         </p:pic>
       </p:grpSp>
-      <p:cxnSp>
-        <p:nvCxnSpPr>
-          <p:cNvPr id="11" name="Straight Connector 10"/>
-          <p:cNvCxnSpPr>
-            <a:stCxn id="213" idx="4"/>
-            <a:endCxn id="50" idx="0"/>
-          </p:cNvCxnSpPr>
-          <p:nvPr/>
-        </p:nvCxnSpPr>
-        <p:spPr>
-          <a:xfrm>
-            <a:off x="2328676" y="2103049"/>
-            <a:ext cx="380567" cy="1105571"/>
-          </a:xfrm>
-          <a:prstGeom prst="line">
-            <a:avLst/>
-          </a:prstGeom>
-          <a:ln w="12700">
-            <a:solidFill>
-              <a:schemeClr val="bg1">
-                <a:lumMod val="50000"/>
-              </a:schemeClr>
-            </a:solidFill>
-            <a:prstDash val="sysDot"/>
-            <a:tailEnd type="none" w="sm" len="sm"/>
-          </a:ln>
-        </p:spPr>
-        <p:style>
-          <a:lnRef idx="1">
-            <a:schemeClr val="accent1"/>
-          </a:lnRef>
-          <a:fillRef idx="0">
-            <a:schemeClr val="accent1"/>
-          </a:fillRef>
-          <a:effectRef idx="0">
-            <a:schemeClr val="accent1"/>
-          </a:effectRef>
-          <a:fontRef idx="minor">
-            <a:schemeClr val="tx1"/>
-          </a:fontRef>
-        </p:style>
-      </p:cxnSp>
       <p:grpSp>
         <p:nvGrpSpPr>
           <p:cNvPr id="66" name="Group 65"/>
@@ -7279,7 +7837,7 @@
           <p:nvPr/>
         </p:nvPicPr>
         <p:blipFill>
-          <a:blip r:embed="rId8">
+          <a:blip r:embed="rId9">
             <a:extLst>
               <a:ext uri="{28A0092B-C50C-407E-A947-70E740481C1C}">
                 <a14:useLocalDpi xmlns:a14="http://schemas.microsoft.com/office/drawing/2010/main" val="0"/>
@@ -7332,7 +7890,7 @@
         </p:nvCxnSpPr>
         <p:spPr>
           <a:xfrm flipH="1" flipV="1">
-            <a:off x="3085239" y="3249590"/>
+            <a:off x="3085239" y="3239258"/>
             <a:ext cx="2304000" cy="2654"/>
           </a:xfrm>
           <a:prstGeom prst="straightConnector1">
@@ -7372,7 +7930,7 @@
           <p:nvPr/>
         </p:nvPicPr>
         <p:blipFill>
-          <a:blip r:embed="rId2">
+          <a:blip r:embed="rId3">
             <a:duotone>
               <a:prstClr val="black"/>
               <a:schemeClr val="accent3">
@@ -7383,7 +7941,7 @@
             <a:extLst>
               <a:ext uri="{BEBA8EAE-BF5A-486C-A8C5-ECC9F3942E4B}">
                 <a14:imgProps xmlns:a14="http://schemas.microsoft.com/office/drawing/2010/main">
-                  <a14:imgLayer r:embed="rId3">
+                  <a14:imgLayer r:embed="rId4">
                     <a14:imgEffect>
                       <a14:colorTemperature colorTemp="5246"/>
                     </a14:imgEffect>
@@ -7441,7 +7999,7 @@
         </p:nvSpPr>
         <p:spPr>
           <a:xfrm>
-            <a:off x="3485938" y="3320093"/>
+            <a:off x="3485938" y="3314927"/>
             <a:ext cx="414109" cy="241199"/>
           </a:xfrm>
           <a:prstGeom prst="parallelogram">
@@ -7538,14 +8096,14 @@
         </p:nvSpPr>
         <p:spPr>
           <a:xfrm>
-            <a:off x="4972124" y="3518594"/>
+            <a:off x="4972124" y="3523760"/>
             <a:ext cx="414109" cy="237600"/>
           </a:xfrm>
           <a:prstGeom prst="parallelogram">
             <a:avLst/>
           </a:prstGeom>
           <a:blipFill>
-            <a:blip r:embed="rId9"/>
+            <a:blip r:embed="rId2"/>
             <a:tile tx="0" ty="0" sx="50000" sy="50000" flip="none" algn="tl"/>
           </a:blipFill>
           <a:ln w="6350">
@@ -7588,239 +8146,6 @@
           </a:p>
         </p:txBody>
       </p:sp>
-      <p:cxnSp>
-        <p:nvCxnSpPr>
-          <p:cNvPr id="182" name="Straight Arrow Connector 181"/>
-          <p:cNvCxnSpPr/>
-          <p:nvPr/>
-        </p:nvCxnSpPr>
-        <p:spPr>
-          <a:xfrm>
-            <a:off x="3078557" y="3808049"/>
-            <a:ext cx="3149626" cy="1627872"/>
-          </a:xfrm>
-          <a:prstGeom prst="straightConnector1">
-            <a:avLst/>
-          </a:prstGeom>
-          <a:ln w="31750">
-            <a:solidFill>
-              <a:schemeClr val="accent1"/>
-            </a:solidFill>
-            <a:tailEnd type="triangle"/>
-          </a:ln>
-        </p:spPr>
-        <p:style>
-          <a:lnRef idx="1">
-            <a:schemeClr val="accent1"/>
-          </a:lnRef>
-          <a:fillRef idx="0">
-            <a:schemeClr val="accent1"/>
-          </a:fillRef>
-          <a:effectRef idx="0">
-            <a:schemeClr val="accent1"/>
-          </a:effectRef>
-          <a:fontRef idx="minor">
-            <a:schemeClr val="tx1"/>
-          </a:fontRef>
-        </p:style>
-      </p:cxnSp>
-      <p:grpSp>
-        <p:nvGrpSpPr>
-          <p:cNvPr id="253" name="Group 252"/>
-          <p:cNvGrpSpPr/>
-          <p:nvPr/>
-        </p:nvGrpSpPr>
-        <p:grpSpPr>
-          <a:xfrm>
-            <a:off x="3347863" y="3789040"/>
-            <a:ext cx="759020" cy="680656"/>
-            <a:chOff x="3779912" y="4116496"/>
-            <a:chExt cx="759020" cy="680656"/>
-          </a:xfrm>
-        </p:grpSpPr>
-        <p:sp>
-          <p:nvSpPr>
-            <p:cNvPr id="184" name="Parallelogram 183"/>
-            <p:cNvSpPr>
-              <a:spLocks noChangeAspect="1"/>
-            </p:cNvSpPr>
-            <p:nvPr/>
-          </p:nvSpPr>
-          <p:spPr>
-            <a:xfrm>
-              <a:off x="3779912" y="4116496"/>
-              <a:ext cx="759020" cy="680656"/>
-            </a:xfrm>
-            <a:prstGeom prst="parallelogram">
-              <a:avLst>
-                <a:gd name="adj" fmla="val 24082"/>
-              </a:avLst>
-            </a:prstGeom>
-            <a:solidFill>
-              <a:schemeClr val="accent1">
-                <a:lumMod val="20000"/>
-                <a:lumOff val="80000"/>
-              </a:schemeClr>
-            </a:solidFill>
-            <a:ln w="6350">
-              <a:solidFill>
-                <a:schemeClr val="bg1">
-                  <a:lumMod val="50000"/>
-                </a:schemeClr>
-              </a:solidFill>
-            </a:ln>
-            <a:effectLst>
-              <a:outerShdw blurRad="50800" dist="38100" dir="2700000" algn="tl" rotWithShape="0">
-                <a:prstClr val="black">
-                  <a:alpha val="40000"/>
-                </a:prstClr>
-              </a:outerShdw>
-            </a:effectLst>
-          </p:spPr>
-          <p:style>
-            <a:lnRef idx="2">
-              <a:schemeClr val="accent1">
-                <a:shade val="50000"/>
-              </a:schemeClr>
-            </a:lnRef>
-            <a:fillRef idx="1">
-              <a:schemeClr val="accent1"/>
-            </a:fillRef>
-            <a:effectRef idx="0">
-              <a:schemeClr val="accent1"/>
-            </a:effectRef>
-            <a:fontRef idx="minor">
-              <a:schemeClr val="lt1"/>
-            </a:fontRef>
-          </p:style>
-          <p:txBody>
-            <a:bodyPr rtlCol="0" anchor="ctr"/>
-            <a:lstStyle/>
-            <a:p>
-              <a:pPr algn="ctr"/>
-              <a:endParaRPr lang="en-US"/>
-            </a:p>
-          </p:txBody>
-        </p:sp>
-        <p:sp>
-          <p:nvSpPr>
-            <p:cNvPr id="185" name="Parallelogram 184"/>
-            <p:cNvSpPr/>
-            <p:nvPr/>
-          </p:nvSpPr>
-          <p:spPr>
-            <a:xfrm>
-              <a:off x="3987317" y="4190114"/>
-              <a:ext cx="414109" cy="237600"/>
-            </a:xfrm>
-            <a:prstGeom prst="parallelogram">
-              <a:avLst/>
-            </a:prstGeom>
-            <a:solidFill>
-              <a:schemeClr val="accent6">
-                <a:lumMod val="20000"/>
-                <a:lumOff val="80000"/>
-              </a:schemeClr>
-            </a:solidFill>
-            <a:ln w="6350">
-              <a:solidFill>
-                <a:schemeClr val="bg1">
-                  <a:lumMod val="50000"/>
-                </a:schemeClr>
-              </a:solidFill>
-            </a:ln>
-            <a:effectLst>
-              <a:outerShdw blurRad="50800" dist="38100" dir="2700000" algn="tl" rotWithShape="0">
-                <a:prstClr val="black">
-                  <a:alpha val="40000"/>
-                </a:prstClr>
-              </a:outerShdw>
-            </a:effectLst>
-          </p:spPr>
-          <p:style>
-            <a:lnRef idx="2">
-              <a:schemeClr val="accent1">
-                <a:shade val="50000"/>
-              </a:schemeClr>
-            </a:lnRef>
-            <a:fillRef idx="1">
-              <a:schemeClr val="accent1"/>
-            </a:fillRef>
-            <a:effectRef idx="0">
-              <a:schemeClr val="accent1"/>
-            </a:effectRef>
-            <a:fontRef idx="minor">
-              <a:schemeClr val="lt1"/>
-            </a:fontRef>
-          </p:style>
-          <p:txBody>
-            <a:bodyPr rtlCol="0" anchor="ctr"/>
-            <a:lstStyle/>
-            <a:p>
-              <a:pPr algn="ctr"/>
-              <a:endParaRPr lang="en-US"/>
-            </a:p>
-          </p:txBody>
-        </p:sp>
-        <p:sp>
-          <p:nvSpPr>
-            <p:cNvPr id="186" name="Parallelogram 185"/>
-            <p:cNvSpPr/>
-            <p:nvPr/>
-          </p:nvSpPr>
-          <p:spPr>
-            <a:xfrm>
-              <a:off x="3910437" y="4469840"/>
-              <a:ext cx="414109" cy="237600"/>
-            </a:xfrm>
-            <a:prstGeom prst="parallelogram">
-              <a:avLst/>
-            </a:prstGeom>
-            <a:blipFill>
-              <a:blip r:embed="rId9"/>
-              <a:tile tx="0" ty="0" sx="50000" sy="50000" flip="none" algn="tl"/>
-            </a:blipFill>
-            <a:ln w="6350">
-              <a:solidFill>
-                <a:schemeClr val="bg1">
-                  <a:lumMod val="50000"/>
-                </a:schemeClr>
-              </a:solidFill>
-            </a:ln>
-            <a:effectLst>
-              <a:outerShdw blurRad="50800" dist="38100" dir="2700000" algn="tl" rotWithShape="0">
-                <a:prstClr val="black">
-                  <a:alpha val="40000"/>
-                </a:prstClr>
-              </a:outerShdw>
-            </a:effectLst>
-          </p:spPr>
-          <p:style>
-            <a:lnRef idx="2">
-              <a:schemeClr val="accent1">
-                <a:shade val="50000"/>
-              </a:schemeClr>
-            </a:lnRef>
-            <a:fillRef idx="1">
-              <a:schemeClr val="accent1"/>
-            </a:fillRef>
-            <a:effectRef idx="0">
-              <a:schemeClr val="accent1"/>
-            </a:effectRef>
-            <a:fontRef idx="minor">
-              <a:schemeClr val="lt1"/>
-            </a:fontRef>
-          </p:style>
-          <p:txBody>
-            <a:bodyPr rtlCol="0" anchor="ctr"/>
-            <a:lstStyle/>
-            <a:p>
-              <a:pPr algn="ctr"/>
-              <a:endParaRPr lang="en-US"/>
-            </a:p>
-          </p:txBody>
-        </p:sp>
-      </p:grpSp>
       <p:sp>
         <p:nvSpPr>
           <p:cNvPr id="188" name="TextBox 187"/>
@@ -8129,7 +8454,7 @@
         </p:nvSpPr>
         <p:spPr>
           <a:xfrm>
-            <a:off x="5436095" y="3111928"/>
+            <a:off x="5436095" y="3101596"/>
             <a:ext cx="452655" cy="258473"/>
           </a:xfrm>
           <a:prstGeom prst="roundRect">
@@ -8137,7 +8462,7 @@
           </a:prstGeom>
           <a:solidFill>
             <a:schemeClr val="bg1">
-              <a:lumMod val="95000"/>
+              <a:lumMod val="85000"/>
             </a:schemeClr>
           </a:solidFill>
           <a:ln w="9525">
@@ -8147,6 +8472,18 @@
               </a:schemeClr>
             </a:solidFill>
           </a:ln>
+          <a:scene3d>
+            <a:camera prst="orthographicFront"/>
+            <a:lightRig rig="threePt" dir="t"/>
+          </a:scene3d>
+          <a:sp3d extrusionH="76200">
+            <a:bevelT w="50800" h="50800"/>
+            <a:extrusionClr>
+              <a:schemeClr val="bg1">
+                <a:lumMod val="95000"/>
+              </a:schemeClr>
+            </a:extrusionClr>
+          </a:sp3d>
         </p:spPr>
         <p:txBody>
           <a:bodyPr wrap="none" lIns="36000" tIns="0" rIns="36000" bIns="18000" rtlCol="0" anchor="ctr" anchorCtr="1">
@@ -8177,7 +8514,7 @@
         </p:nvSpPr>
         <p:spPr>
           <a:xfrm>
-            <a:off x="2950604" y="2671996"/>
+            <a:off x="3022612" y="2660983"/>
             <a:ext cx="2197460" cy="252948"/>
           </a:xfrm>
           <a:prstGeom prst="roundRect">
@@ -8619,7 +8956,7 @@
             <p:nvPr/>
           </p:nvPicPr>
           <p:blipFill>
-            <a:blip r:embed="rId2">
+            <a:blip r:embed="rId3">
               <a:duotone>
                 <a:prstClr val="black"/>
                 <a:schemeClr val="accent3">
@@ -8630,7 +8967,7 @@
               <a:extLst>
                 <a:ext uri="{BEBA8EAE-BF5A-486C-A8C5-ECC9F3942E4B}">
                   <a14:imgProps xmlns:a14="http://schemas.microsoft.com/office/drawing/2010/main">
-                    <a14:imgLayer r:embed="rId3">
+                    <a14:imgLayer r:embed="rId4">
                       <a14:imgEffect>
                         <a14:colorTemperature colorTemp="5246"/>
                       </a14:imgEffect>
@@ -8848,7 +9185,7 @@
             <p:nvPr/>
           </p:nvPicPr>
           <p:blipFill>
-            <a:blip r:embed="rId2">
+            <a:blip r:embed="rId3">
               <a:duotone>
                 <a:prstClr val="black"/>
                 <a:schemeClr val="accent3">
@@ -8859,7 +9196,7 @@
               <a:extLst>
                 <a:ext uri="{BEBA8EAE-BF5A-486C-A8C5-ECC9F3942E4B}">
                   <a14:imgProps xmlns:a14="http://schemas.microsoft.com/office/drawing/2010/main">
-                    <a14:imgLayer r:embed="rId3">
+                    <a14:imgLayer r:embed="rId4">
                       <a14:imgEffect>
                         <a14:colorTemperature colorTemp="5246"/>
                       </a14:imgEffect>
@@ -9159,7 +9496,7 @@
                 <a:latin typeface="Arial" panose="020B0604020202020204" pitchFamily="34" charset="0"/>
                 <a:cs typeface="Arial" panose="020B0604020202020204" pitchFamily="34" charset="0"/>
               </a:rPr>
-              <a:t>V0.94, </a:t>
+              <a:t>V0.95, </a:t>
             </a:r>
             <a:r>
               <a:rPr lang="en-US" sz="800" dirty="0" err="1" smtClean="0">
@@ -9173,7 +9510,14 @@
                 <a:latin typeface="Arial" panose="020B0604020202020204" pitchFamily="34" charset="0"/>
                 <a:cs typeface="Arial" panose="020B0604020202020204" pitchFamily="34" charset="0"/>
               </a:rPr>
-              <a:t>, 2019-09-07</a:t>
+              <a:t>, </a:t>
+            </a:r>
+            <a:r>
+              <a:rPr lang="en-US" sz="800" dirty="0" smtClean="0">
+                <a:latin typeface="Arial" panose="020B0604020202020204" pitchFamily="34" charset="0"/>
+                <a:cs typeface="Arial" panose="020B0604020202020204" pitchFamily="34" charset="0"/>
+              </a:rPr>
+              <a:t>2019-09-08</a:t>
             </a:r>
             <a:endParaRPr lang="en-US" sz="800" dirty="0">
               <a:latin typeface="Arial" panose="020B0604020202020204" pitchFamily="34" charset="0"/>
@@ -9942,7 +10286,7 @@
           <p:nvPr/>
         </p:nvPicPr>
         <p:blipFill>
-          <a:blip r:embed="rId8">
+          <a:blip r:embed="rId9">
             <a:extLst>
               <a:ext uri="{28A0092B-C50C-407E-A947-70E740481C1C}">
                 <a14:useLocalDpi xmlns:a14="http://schemas.microsoft.com/office/drawing/2010/main" val="0"/>
@@ -10527,6 +10871,54 @@
           </a:fontRef>
         </p:style>
       </p:cxnSp>
+      <p:sp>
+        <p:nvSpPr>
+          <p:cNvPr id="153" name="TextBox 152"/>
+          <p:cNvSpPr txBox="1"/>
+          <p:nvPr/>
+        </p:nvSpPr>
+        <p:spPr>
+          <a:xfrm>
+            <a:off x="2300298" y="2660983"/>
+            <a:ext cx="543510" cy="252948"/>
+          </a:xfrm>
+          <a:prstGeom prst="roundRect">
+            <a:avLst>
+              <a:gd name="adj" fmla="val 26503"/>
+            </a:avLst>
+          </a:prstGeom>
+          <a:solidFill>
+            <a:schemeClr val="bg1"/>
+          </a:solidFill>
+          <a:ln w="3175">
+            <a:solidFill>
+              <a:schemeClr val="bg1">
+                <a:lumMod val="50000"/>
+              </a:schemeClr>
+            </a:solidFill>
+          </a:ln>
+        </p:spPr>
+        <p:txBody>
+          <a:bodyPr wrap="none" lIns="72000" tIns="0" rIns="72000" bIns="0" rtlCol="0" anchor="ctr" anchorCtr="0">
+            <a:spAutoFit/>
+          </a:bodyPr>
+          <a:lstStyle/>
+          <a:p>
+            <a:pPr algn="ctr"/>
+            <a:r>
+              <a:rPr lang="en-US" sz="1400" dirty="0" smtClean="0">
+                <a:latin typeface="Arial" panose="020B0604020202020204" pitchFamily="34" charset="0"/>
+                <a:cs typeface="Arial" panose="020B0604020202020204" pitchFamily="34" charset="0"/>
+              </a:rPr>
+              <a:t>URL</a:t>
+            </a:r>
+            <a:endParaRPr lang="en-US" sz="1400" dirty="0">
+              <a:latin typeface="Arial" panose="020B0604020202020204" pitchFamily="34" charset="0"/>
+              <a:cs typeface="Arial" panose="020B0604020202020204" pitchFamily="34" charset="0"/>
+            </a:endParaRPr>
+          </a:p>
+        </p:txBody>
+      </p:sp>
     </p:spTree>
     <p:extLst>
       <p:ext uri="{BB962C8B-B14F-4D97-AF65-F5344CB8AC3E}">

--- a/saturn/enhanced-four-corner-model.pptx
+++ b/saturn/enhanced-four-corner-model.pptx
@@ -3103,8 +3103,8 @@
         </p:nvCxnSpPr>
         <p:spPr>
           <a:xfrm>
-            <a:off x="3078557" y="3808049"/>
-            <a:ext cx="3149626" cy="1627872"/>
+            <a:off x="3088644" y="3674872"/>
+            <a:ext cx="3139539" cy="1761049"/>
           </a:xfrm>
           <a:prstGeom prst="straightConnector1">
             <a:avLst/>
@@ -3139,7 +3139,7 @@
         </p:nvGrpSpPr>
         <p:grpSpPr>
           <a:xfrm>
-            <a:off x="3347863" y="3789040"/>
+            <a:off x="3360268" y="3684448"/>
             <a:ext cx="759020" cy="680656"/>
             <a:chOff x="3779912" y="4116496"/>
             <a:chExt cx="759020" cy="680656"/>
@@ -3336,8 +3336,8 @@
         </p:nvSpPr>
         <p:spPr>
           <a:xfrm>
-            <a:off x="2395347" y="2078135"/>
-            <a:ext cx="1024524" cy="2624332"/>
+            <a:off x="2395347" y="1951173"/>
+            <a:ext cx="1024524" cy="2656990"/>
           </a:xfrm>
           <a:custGeom>
             <a:avLst/>
@@ -3701,7 +3701,7 @@
         </p:nvCxnSpPr>
         <p:spPr>
           <a:xfrm flipV="1">
-            <a:off x="7911672" y="3403672"/>
+            <a:off x="7911672" y="3249900"/>
             <a:ext cx="1" cy="476849"/>
           </a:xfrm>
           <a:prstGeom prst="line">
@@ -3739,8 +3739,8 @@
         </p:nvSpPr>
         <p:spPr>
           <a:xfrm flipV="1">
-            <a:off x="8244408" y="4504841"/>
-            <a:ext cx="432048" cy="1274974"/>
+            <a:off x="8244408" y="4308528"/>
+            <a:ext cx="432048" cy="1471286"/>
           </a:xfrm>
           <a:custGeom>
             <a:avLst/>
@@ -3919,8 +3919,8 @@
         </p:nvSpPr>
         <p:spPr>
           <a:xfrm flipH="1">
-            <a:off x="6612715" y="3425351"/>
-            <a:ext cx="566099" cy="2083506"/>
+            <a:off x="6612714" y="3277198"/>
+            <a:ext cx="566099" cy="2231659"/>
           </a:xfrm>
           <a:custGeom>
             <a:avLst/>
@@ -4143,8 +4143,8 @@
         </p:nvSpPr>
         <p:spPr>
           <a:xfrm>
-            <a:off x="6895678" y="3561292"/>
-            <a:ext cx="1659386" cy="1141175"/>
+            <a:off x="6895678" y="3407520"/>
+            <a:ext cx="1659386" cy="1389632"/>
           </a:xfrm>
           <a:prstGeom prst="roundRect">
             <a:avLst>
@@ -4224,7 +4224,7 @@
         </p:nvGrpSpPr>
         <p:grpSpPr>
           <a:xfrm>
-            <a:off x="899592" y="1666918"/>
+            <a:off x="899592" y="1594910"/>
             <a:ext cx="1273991" cy="825978"/>
             <a:chOff x="1065761" y="1512050"/>
             <a:chExt cx="1273991" cy="825978"/>
@@ -4455,7 +4455,7 @@
         </p:nvCxnSpPr>
         <p:spPr>
           <a:xfrm flipV="1">
-            <a:off x="3645415" y="4469696"/>
+            <a:off x="3657820" y="4365104"/>
             <a:ext cx="0" cy="399464"/>
           </a:xfrm>
           <a:prstGeom prst="line">
@@ -4495,7 +4495,7 @@
         </p:nvCxnSpPr>
         <p:spPr>
           <a:xfrm flipV="1">
-            <a:off x="5179179" y="3761360"/>
+            <a:off x="5179179" y="3617344"/>
             <a:ext cx="0" cy="479722"/>
           </a:xfrm>
           <a:prstGeom prst="line">
@@ -4533,7 +4533,7 @@
         </p:nvCxnSpPr>
         <p:spPr>
           <a:xfrm flipH="1" flipV="1">
-            <a:off x="3707903" y="2826514"/>
+            <a:off x="3707903" y="2682498"/>
             <a:ext cx="1" cy="493579"/>
           </a:xfrm>
           <a:prstGeom prst="line">
@@ -4571,7 +4571,7 @@
         </p:nvCxnSpPr>
         <p:spPr>
           <a:xfrm>
-            <a:off x="3085239" y="3441742"/>
+            <a:off x="3085239" y="3297726"/>
             <a:ext cx="2700000" cy="1030"/>
           </a:xfrm>
           <a:prstGeom prst="straightConnector1">
@@ -4645,7 +4645,7 @@
         </p:nvSpPr>
         <p:spPr>
           <a:xfrm>
-            <a:off x="2031349" y="6001543"/>
+            <a:off x="2036515" y="6001543"/>
             <a:ext cx="1388522" cy="307777"/>
           </a:xfrm>
           <a:prstGeom prst="rect">
@@ -4719,7 +4719,7 @@
         </p:nvSpPr>
         <p:spPr>
           <a:xfrm>
-            <a:off x="5834441" y="2564904"/>
+            <a:off x="5834441" y="2420888"/>
             <a:ext cx="1372234" cy="523220"/>
           </a:xfrm>
           <a:prstGeom prst="rect">
@@ -4766,8 +4766,8 @@
         </p:nvCxnSpPr>
         <p:spPr>
           <a:xfrm flipV="1">
-            <a:off x="2716880" y="3706710"/>
-            <a:ext cx="5680" cy="1670400"/>
+            <a:off x="2716880" y="3600000"/>
+            <a:ext cx="5680" cy="1764000"/>
           </a:xfrm>
           <a:prstGeom prst="straightConnector1">
             <a:avLst/>
@@ -4804,8 +4804,8 @@
         </p:nvCxnSpPr>
         <p:spPr>
           <a:xfrm flipV="1">
-            <a:off x="6516216" y="3708004"/>
-            <a:ext cx="5151" cy="1669248"/>
+            <a:off x="6516216" y="3600000"/>
+            <a:ext cx="5151" cy="1764000"/>
           </a:xfrm>
           <a:prstGeom prst="straightConnector1">
             <a:avLst/>
@@ -4885,7 +4885,7 @@
         </p:nvSpPr>
         <p:spPr>
           <a:xfrm rot="5400000">
-            <a:off x="6267797" y="4416141"/>
+            <a:off x="6267797" y="4294322"/>
             <a:ext cx="841898" cy="307777"/>
           </a:xfrm>
           <a:prstGeom prst="rect">
@@ -4928,7 +4928,7 @@
         </p:nvSpPr>
         <p:spPr>
           <a:xfrm rot="16200000">
-            <a:off x="2150561" y="4416141"/>
+            <a:off x="2150561" y="4294322"/>
             <a:ext cx="841898" cy="307777"/>
           </a:xfrm>
           <a:prstGeom prst="rect">
@@ -4986,7 +4986,7 @@
         </p:blipFill>
         <p:spPr bwMode="auto">
           <a:xfrm rot="10800000">
-            <a:off x="6348681" y="3175761"/>
+            <a:off x="6348681" y="3031745"/>
             <a:ext cx="355673" cy="502719"/>
           </a:xfrm>
           <a:prstGeom prst="rect">
@@ -5019,7 +5019,7 @@
         </p:nvGrpSpPr>
         <p:grpSpPr>
           <a:xfrm>
-            <a:off x="2430661" y="3208620"/>
+            <a:off x="2430661" y="3064604"/>
             <a:ext cx="557162" cy="447881"/>
             <a:chOff x="3321759" y="524071"/>
             <a:chExt cx="557162" cy="447881"/>
@@ -6268,7 +6268,7 @@
         </p:blipFill>
         <p:spPr bwMode="auto">
           <a:xfrm>
-            <a:off x="5859592" y="3169672"/>
+            <a:off x="5859592" y="3025656"/>
             <a:ext cx="468000" cy="468000"/>
           </a:xfrm>
           <a:prstGeom prst="rect">
@@ -6925,8 +6925,8 @@
           </a:stretch>
         </p:blipFill>
         <p:spPr bwMode="auto">
-          <a:xfrm rot="19980000">
-            <a:off x="1820899" y="3217189"/>
+          <a:xfrm>
+            <a:off x="1820899" y="3073173"/>
             <a:ext cx="360040" cy="356341"/>
           </a:xfrm>
           <a:prstGeom prst="rect">
@@ -6965,8 +6965,8 @@
         </p:nvSpPr>
         <p:spPr>
           <a:xfrm>
-            <a:off x="1421853" y="2420887"/>
-            <a:ext cx="1294785" cy="3088505"/>
+            <a:off x="1423715" y="2348880"/>
+            <a:ext cx="1153440" cy="3145017"/>
           </a:xfrm>
           <a:custGeom>
             <a:avLst/>
@@ -7103,6 +7103,22 @@
               <a:gd name="connsiteY0" fmla="*/ 200508 h 200508"/>
               <a:gd name="connsiteX1" fmla="*/ 228 w 125874"/>
               <a:gd name="connsiteY1" fmla="*/ 0 h 200508"/>
+              <a:gd name="connsiteX0" fmla="*/ 125646 w 125646"/>
+              <a:gd name="connsiteY0" fmla="*/ 200508 h 200508"/>
+              <a:gd name="connsiteX1" fmla="*/ 0 w 125646"/>
+              <a:gd name="connsiteY1" fmla="*/ 0 h 200508"/>
+              <a:gd name="connsiteX0" fmla="*/ 112086 w 112086"/>
+              <a:gd name="connsiteY0" fmla="*/ 199525 h 199525"/>
+              <a:gd name="connsiteX1" fmla="*/ 0 w 112086"/>
+              <a:gd name="connsiteY1" fmla="*/ 0 h 199525"/>
+              <a:gd name="connsiteX0" fmla="*/ 112086 w 112086"/>
+              <a:gd name="connsiteY0" fmla="*/ 199525 h 199525"/>
+              <a:gd name="connsiteX1" fmla="*/ 0 w 112086"/>
+              <a:gd name="connsiteY1" fmla="*/ 0 h 199525"/>
+              <a:gd name="connsiteX0" fmla="*/ 112133 w 112133"/>
+              <a:gd name="connsiteY0" fmla="*/ 199525 h 199525"/>
+              <a:gd name="connsiteX1" fmla="*/ 47 w 112133"/>
+              <a:gd name="connsiteY1" fmla="*/ 0 h 199525"/>
             </a:gdLst>
             <a:ahLst/>
             <a:cxnLst>
@@ -7115,14 +7131,14 @@
             </a:cxnLst>
             <a:rect l="l" t="t" r="r" b="b"/>
             <a:pathLst>
-              <a:path w="125874" h="200508">
+              <a:path w="112133" h="199525">
                 <a:moveTo>
-                  <a:pt x="125874" y="200508"/>
+                  <a:pt x="112133" y="199525"/>
                 </a:moveTo>
                 <a:cubicBezTo>
-                  <a:pt x="-20450" y="167473"/>
-                  <a:pt x="2189" y="182920"/>
-                  <a:pt x="228" y="0"/>
+                  <a:pt x="-17618" y="152725"/>
+                  <a:pt x="2008" y="182920"/>
+                  <a:pt x="47" y="0"/>
                 </a:cubicBezTo>
               </a:path>
             </a:pathLst>
@@ -7164,11 +7180,11 @@
           <p:nvPr/>
         </p:nvGrpSpPr>
         <p:grpSpPr>
-          <a:xfrm flipH="1">
-            <a:off x="1835695" y="5373216"/>
-            <a:ext cx="445844" cy="603379"/>
-            <a:chOff x="8232155" y="587661"/>
-            <a:chExt cx="445844" cy="603379"/>
+          <a:xfrm>
+            <a:off x="1918351" y="5407577"/>
+            <a:ext cx="416551" cy="613711"/>
+            <a:chOff x="8232155" y="577329"/>
+            <a:chExt cx="416551" cy="613711"/>
           </a:xfrm>
         </p:grpSpPr>
         <p:pic>
@@ -7235,7 +7251,7 @@
           </p:blipFill>
           <p:spPr bwMode="auto">
             <a:xfrm>
-              <a:off x="8317959" y="587661"/>
+              <a:off x="8288666" y="577329"/>
               <a:ext cx="360040" cy="356341"/>
             </a:xfrm>
             <a:prstGeom prst="rect">
@@ -7794,7 +7810,7 @@
         </p:nvSpPr>
         <p:spPr>
           <a:xfrm>
-            <a:off x="1555518" y="2920473"/>
+            <a:off x="1555518" y="2776457"/>
             <a:ext cx="890802" cy="288147"/>
           </a:xfrm>
           <a:prstGeom prst="rect">
@@ -7851,7 +7867,7 @@
         </p:blipFill>
         <p:spPr bwMode="auto">
           <a:xfrm>
-            <a:off x="7016017" y="3946890"/>
+            <a:off x="7016017" y="3777620"/>
             <a:ext cx="360040" cy="356341"/>
           </a:xfrm>
           <a:prstGeom prst="rect">
@@ -7890,7 +7906,7 @@
         </p:nvCxnSpPr>
         <p:spPr>
           <a:xfrm flipH="1" flipV="1">
-            <a:off x="3085239" y="3239258"/>
+            <a:off x="3085239" y="3095242"/>
             <a:ext cx="2304000" cy="2654"/>
           </a:xfrm>
           <a:prstGeom prst="straightConnector1">
@@ -7960,7 +7976,7 @@
         </p:blipFill>
         <p:spPr bwMode="auto">
           <a:xfrm>
-            <a:off x="7016017" y="4276131"/>
+            <a:off x="7016017" y="4077072"/>
             <a:ext cx="360040" cy="356341"/>
           </a:xfrm>
           <a:prstGeom prst="rect">
@@ -7999,7 +8015,7 @@
         </p:nvSpPr>
         <p:spPr>
           <a:xfrm>
-            <a:off x="3485938" y="3314927"/>
+            <a:off x="3485938" y="3170911"/>
             <a:ext cx="414109" cy="241199"/>
           </a:xfrm>
           <a:prstGeom prst="parallelogram">
@@ -8059,7 +8075,7 @@
         </p:nvCxnSpPr>
         <p:spPr>
           <a:xfrm>
-            <a:off x="3085239" y="3645025"/>
+            <a:off x="3085239" y="3501009"/>
             <a:ext cx="2700000" cy="3813"/>
           </a:xfrm>
           <a:prstGeom prst="straightConnector1">
@@ -8096,7 +8112,7 @@
         </p:nvSpPr>
         <p:spPr>
           <a:xfrm>
-            <a:off x="4972124" y="3523760"/>
+            <a:off x="4972124" y="3379744"/>
             <a:ext cx="414109" cy="237600"/>
           </a:xfrm>
           <a:prstGeom prst="parallelogram">
@@ -8154,7 +8170,7 @@
         </p:nvSpPr>
         <p:spPr>
           <a:xfrm>
-            <a:off x="4519772" y="3997553"/>
+            <a:off x="4519772" y="3861048"/>
             <a:ext cx="1869886" cy="476726"/>
           </a:xfrm>
           <a:prstGeom prst="roundRect">
@@ -8244,7 +8260,7 @@
         </p:nvSpPr>
         <p:spPr>
           <a:xfrm>
-            <a:off x="2973749" y="4702467"/>
+            <a:off x="2973749" y="4653136"/>
             <a:ext cx="1560940" cy="526733"/>
           </a:xfrm>
           <a:prstGeom prst="roundRect">
@@ -8314,7 +8330,7 @@
         </p:nvSpPr>
         <p:spPr>
           <a:xfrm>
-            <a:off x="3993414" y="1297586"/>
+            <a:off x="3993414" y="1225578"/>
             <a:ext cx="4491055" cy="954107"/>
           </a:xfrm>
           <a:prstGeom prst="rect">
@@ -8454,7 +8470,7 @@
         </p:nvSpPr>
         <p:spPr>
           <a:xfrm>
-            <a:off x="5436095" y="3101596"/>
+            <a:off x="5436095" y="2957580"/>
             <a:ext cx="452655" cy="258473"/>
           </a:xfrm>
           <a:prstGeom prst="roundRect">
@@ -8514,7 +8530,7 @@
         </p:nvSpPr>
         <p:spPr>
           <a:xfrm>
-            <a:off x="3022612" y="2660983"/>
+            <a:off x="3022612" y="2516967"/>
             <a:ext cx="2197460" cy="252948"/>
           </a:xfrm>
           <a:prstGeom prst="roundRect">
@@ -8574,7 +8590,7 @@
         </p:nvGrpSpPr>
         <p:grpSpPr>
           <a:xfrm>
-            <a:off x="5016935" y="3068960"/>
+            <a:off x="5016935" y="2924944"/>
             <a:ext cx="389850" cy="369332"/>
             <a:chOff x="6653446" y="2335884"/>
             <a:chExt cx="389850" cy="369332"/>
@@ -8667,7 +8683,7 @@
         </p:nvGrpSpPr>
         <p:grpSpPr>
           <a:xfrm>
-            <a:off x="3102029" y="3258208"/>
+            <a:off x="3102029" y="3114192"/>
             <a:ext cx="389850" cy="369332"/>
             <a:chOff x="7617435" y="3266164"/>
             <a:chExt cx="389850" cy="369332"/>
@@ -8760,7 +8776,7 @@
         </p:nvGrpSpPr>
         <p:grpSpPr>
           <a:xfrm>
-            <a:off x="5382837" y="3462508"/>
+            <a:off x="5382837" y="3318492"/>
             <a:ext cx="389850" cy="369332"/>
             <a:chOff x="7769835" y="3418564"/>
             <a:chExt cx="389850" cy="369332"/>
@@ -8853,7 +8869,7 @@
         </p:nvGrpSpPr>
         <p:grpSpPr>
           <a:xfrm>
-            <a:off x="1691680" y="1450894"/>
+            <a:off x="1691680" y="1378886"/>
             <a:ext cx="1273991" cy="825978"/>
             <a:chOff x="1065761" y="1512050"/>
             <a:chExt cx="1273991" cy="825978"/>
@@ -9082,7 +9098,7 @@
         </p:nvGrpSpPr>
         <p:grpSpPr>
           <a:xfrm>
-            <a:off x="2533623" y="1268760"/>
+            <a:off x="2533623" y="1196752"/>
             <a:ext cx="1273991" cy="825978"/>
             <a:chOff x="1065761" y="1512050"/>
             <a:chExt cx="1273991" cy="825978"/>
@@ -9510,14 +9526,7 @@
                 <a:latin typeface="Arial" panose="020B0604020202020204" pitchFamily="34" charset="0"/>
                 <a:cs typeface="Arial" panose="020B0604020202020204" pitchFamily="34" charset="0"/>
               </a:rPr>
-              <a:t>, </a:t>
-            </a:r>
-            <a:r>
-              <a:rPr lang="en-US" sz="800" dirty="0" smtClean="0">
-                <a:latin typeface="Arial" panose="020B0604020202020204" pitchFamily="34" charset="0"/>
-                <a:cs typeface="Arial" panose="020B0604020202020204" pitchFamily="34" charset="0"/>
-              </a:rPr>
-              <a:t>2019-09-08</a:t>
+              <a:t>, 2019-09-08</a:t>
             </a:r>
             <a:endParaRPr lang="en-US" sz="800" dirty="0">
               <a:latin typeface="Arial" panose="020B0604020202020204" pitchFamily="34" charset="0"/>
@@ -9633,7 +9642,7 @@
         </p:nvGrpSpPr>
         <p:grpSpPr>
           <a:xfrm>
-            <a:off x="3100865" y="3748774"/>
+            <a:off x="3100865" y="3604126"/>
             <a:ext cx="389850" cy="369332"/>
             <a:chOff x="7769835" y="3418564"/>
             <a:chExt cx="389850" cy="369332"/>
@@ -9819,7 +9828,7 @@
         </p:nvSpPr>
         <p:spPr>
           <a:xfrm>
-            <a:off x="6346718" y="3257393"/>
+            <a:off x="6346718" y="3113377"/>
             <a:ext cx="357790" cy="184666"/>
           </a:xfrm>
           <a:prstGeom prst="rect">
@@ -9855,7 +9864,7 @@
         </p:nvGrpSpPr>
         <p:grpSpPr>
           <a:xfrm>
-            <a:off x="6481128" y="3464095"/>
+            <a:off x="6481128" y="3320079"/>
             <a:ext cx="72000" cy="72000"/>
             <a:chOff x="7812360" y="2253119"/>
             <a:chExt cx="144016" cy="144016"/>
@@ -9970,7 +9979,7 @@
         </p:nvSpPr>
         <p:spPr>
           <a:xfrm>
-            <a:off x="7376057" y="4029965"/>
+            <a:off x="7376057" y="3860695"/>
             <a:ext cx="855166" cy="238363"/>
           </a:xfrm>
           <a:prstGeom prst="roundRect">
@@ -10015,7 +10024,7 @@
         </p:nvSpPr>
         <p:spPr>
           <a:xfrm>
-            <a:off x="7376057" y="4382948"/>
+            <a:off x="7376057" y="4183889"/>
             <a:ext cx="936866" cy="238363"/>
           </a:xfrm>
           <a:prstGeom prst="roundRect">
@@ -10108,7 +10117,7 @@
         </p:nvSpPr>
         <p:spPr>
           <a:xfrm>
-            <a:off x="5400128" y="4916924"/>
+            <a:off x="5400128" y="4896260"/>
             <a:ext cx="324000" cy="324000"/>
           </a:xfrm>
           <a:prstGeom prst="star7">
@@ -10384,7 +10393,7 @@
         </p:nvSpPr>
         <p:spPr>
           <a:xfrm>
-            <a:off x="986402" y="5633047"/>
+            <a:off x="1012232" y="5602051"/>
             <a:ext cx="855166" cy="238363"/>
           </a:xfrm>
           <a:prstGeom prst="roundRect">
@@ -10429,7 +10438,7 @@
         </p:nvSpPr>
         <p:spPr>
           <a:xfrm>
-            <a:off x="1573336" y="3519681"/>
+            <a:off x="1573336" y="3375665"/>
             <a:ext cx="855166" cy="238363"/>
           </a:xfrm>
           <a:prstGeom prst="roundRect">
@@ -10522,7 +10531,7 @@
         </p:nvSpPr>
         <p:spPr>
           <a:xfrm>
-            <a:off x="7016018" y="3689271"/>
+            <a:off x="7016018" y="3520001"/>
             <a:ext cx="949546" cy="215444"/>
           </a:xfrm>
           <a:prstGeom prst="rect">
@@ -10617,7 +10626,7 @@
         </p:nvSpPr>
         <p:spPr>
           <a:xfrm>
-            <a:off x="7290905" y="3150724"/>
+            <a:off x="7290905" y="2996952"/>
             <a:ext cx="1241535" cy="252948"/>
           </a:xfrm>
           <a:prstGeom prst="roundRect">
@@ -10665,7 +10674,7 @@
         </p:nvSpPr>
         <p:spPr>
           <a:xfrm>
-            <a:off x="8028384" y="3682142"/>
+            <a:off x="8028384" y="3512872"/>
             <a:ext cx="418172" cy="324000"/>
           </a:xfrm>
           <a:prstGeom prst="roundRect">
@@ -10716,7 +10725,7 @@
         </p:nvSpPr>
         <p:spPr>
           <a:xfrm>
-            <a:off x="8069712" y="3722198"/>
+            <a:off x="8069712" y="3552928"/>
             <a:ext cx="130831" cy="130831"/>
           </a:xfrm>
           <a:prstGeom prst="ellipse">
@@ -10731,6 +10740,13 @@
           <a:ln>
             <a:noFill/>
           </a:ln>
+          <a:scene3d>
+            <a:camera prst="orthographicFront"/>
+            <a:lightRig rig="threePt" dir="t"/>
+          </a:scene3d>
+          <a:sp3d>
+            <a:bevelT/>
+          </a:sp3d>
         </p:spPr>
         <p:style>
           <a:lnRef idx="2">
@@ -10765,7 +10781,7 @@
         </p:nvCxnSpPr>
         <p:spPr>
           <a:xfrm>
-            <a:off x="8244238" y="3783874"/>
+            <a:off x="8244238" y="3614604"/>
             <a:ext cx="144000" cy="0"/>
           </a:xfrm>
           <a:prstGeom prst="line">
@@ -10803,7 +10819,7 @@
         </p:nvCxnSpPr>
         <p:spPr>
           <a:xfrm>
-            <a:off x="8244238" y="3855882"/>
+            <a:off x="8244238" y="3686612"/>
             <a:ext cx="144000" cy="0"/>
           </a:xfrm>
           <a:prstGeom prst="line">
@@ -10841,7 +10857,7 @@
         </p:nvCxnSpPr>
         <p:spPr>
           <a:xfrm>
-            <a:off x="8136238" y="3927890"/>
+            <a:off x="8136238" y="3758620"/>
             <a:ext cx="252000" cy="0"/>
           </a:xfrm>
           <a:prstGeom prst="line">
@@ -10879,7 +10895,7 @@
         </p:nvSpPr>
         <p:spPr>
           <a:xfrm>
-            <a:off x="2300298" y="2660983"/>
+            <a:off x="2300298" y="2516967"/>
             <a:ext cx="543510" cy="252948"/>
           </a:xfrm>
           <a:prstGeom prst="roundRect">
@@ -10906,13 +10922,84 @@
           <a:p>
             <a:pPr algn="ctr"/>
             <a:r>
+              <a:rPr lang="en-US" sz="1400" i="1" dirty="0" smtClean="0">
+                <a:solidFill>
+                  <a:schemeClr val="accent1">
+                    <a:lumMod val="75000"/>
+                  </a:schemeClr>
+                </a:solidFill>
+                <a:latin typeface="Arial" panose="020B0604020202020204" pitchFamily="34" charset="0"/>
+                <a:cs typeface="Arial" panose="020B0604020202020204" pitchFamily="34" charset="0"/>
+              </a:rPr>
+              <a:t>URL</a:t>
+            </a:r>
+            <a:endParaRPr lang="en-US" sz="1400" i="1" dirty="0">
+              <a:solidFill>
+                <a:schemeClr val="accent1">
+                  <a:lumMod val="75000"/>
+                </a:schemeClr>
+              </a:solidFill>
+              <a:latin typeface="Arial" panose="020B0604020202020204" pitchFamily="34" charset="0"/>
+              <a:cs typeface="Arial" panose="020B0604020202020204" pitchFamily="34" charset="0"/>
+            </a:endParaRPr>
+          </a:p>
+        </p:txBody>
+      </p:sp>
+      <p:sp>
+        <p:nvSpPr>
+          <p:cNvPr id="154" name="TextBox 153"/>
+          <p:cNvSpPr txBox="1"/>
+          <p:nvPr/>
+        </p:nvSpPr>
+        <p:spPr>
+          <a:xfrm>
+            <a:off x="7016018" y="4494202"/>
+            <a:ext cx="1318237" cy="215444"/>
+          </a:xfrm>
+          <a:prstGeom prst="rect">
+            <a:avLst/>
+          </a:prstGeom>
+          <a:solidFill>
+            <a:schemeClr val="bg1"/>
+          </a:solidFill>
+          <a:ln w="6350" cmpd="sng">
+            <a:solidFill>
+              <a:schemeClr val="tx1"/>
+            </a:solidFill>
+          </a:ln>
+          <a:effectLst/>
+        </p:spPr>
+        <p:txBody>
+          <a:bodyPr wrap="none" lIns="36000" tIns="0" rIns="36000" bIns="0" rtlCol="0" anchor="ctr" anchorCtr="1">
+            <a:spAutoFit/>
+          </a:bodyPr>
+          <a:lstStyle/>
+          <a:p>
+            <a:r>
               <a:rPr lang="en-US" sz="1400" dirty="0" smtClean="0">
                 <a:latin typeface="Arial" panose="020B0604020202020204" pitchFamily="34" charset="0"/>
                 <a:cs typeface="Arial" panose="020B0604020202020204" pitchFamily="34" charset="0"/>
               </a:rPr>
+              <a:t>User Bank </a:t>
+            </a:r>
+            <a:r>
+              <a:rPr lang="en-US" sz="1400" i="1" dirty="0" smtClean="0">
+                <a:solidFill>
+                  <a:schemeClr val="accent1">
+                    <a:lumMod val="75000"/>
+                  </a:schemeClr>
+                </a:solidFill>
+                <a:latin typeface="Arial" panose="020B0604020202020204" pitchFamily="34" charset="0"/>
+                <a:cs typeface="Arial" panose="020B0604020202020204" pitchFamily="34" charset="0"/>
+              </a:rPr>
               <a:t>URL</a:t>
             </a:r>
-            <a:endParaRPr lang="en-US" sz="1400" dirty="0">
+            <a:endParaRPr lang="en-US" sz="1400" i="1" dirty="0">
+              <a:solidFill>
+                <a:schemeClr val="accent1">
+                  <a:lumMod val="75000"/>
+                </a:schemeClr>
+              </a:solidFill>
               <a:latin typeface="Arial" panose="020B0604020202020204" pitchFamily="34" charset="0"/>
               <a:cs typeface="Arial" panose="020B0604020202020204" pitchFamily="34" charset="0"/>
             </a:endParaRPr>

--- a/saturn/enhanced-four-corner-model.pptx
+++ b/saturn/enhanced-four-corner-model.pptx
@@ -7907,7 +7907,7 @@
         <p:spPr>
           <a:xfrm flipH="1" flipV="1">
             <a:off x="3085239" y="3095242"/>
-            <a:ext cx="2304000" cy="2654"/>
+            <a:ext cx="2268000" cy="2654"/>
           </a:xfrm>
           <a:prstGeom prst="straightConnector1">
             <a:avLst/>
@@ -8470,8 +8470,8 @@
         </p:nvSpPr>
         <p:spPr>
           <a:xfrm>
-            <a:off x="5436095" y="2957580"/>
-            <a:ext cx="452655" cy="258473"/>
+            <a:off x="5405157" y="2975376"/>
+            <a:ext cx="452655" cy="237600"/>
           </a:xfrm>
           <a:prstGeom prst="roundRect">
             <a:avLst/>
@@ -8481,13 +8481,20 @@
               <a:lumMod val="85000"/>
             </a:schemeClr>
           </a:solidFill>
-          <a:ln w="9525">
+          <a:ln w="3175">
             <a:solidFill>
               <a:schemeClr val="bg1">
                 <a:lumMod val="50000"/>
               </a:schemeClr>
             </a:solidFill>
           </a:ln>
+          <a:effectLst>
+            <a:outerShdw blurRad="50800" dist="38100" dir="2700000" algn="tl" rotWithShape="0">
+              <a:prstClr val="black">
+                <a:alpha val="40000"/>
+              </a:prstClr>
+            </a:outerShdw>
+          </a:effectLst>
           <a:scene3d>
             <a:camera prst="orthographicFront"/>
             <a:lightRig rig="threePt" dir="t"/>
@@ -8590,7 +8597,7 @@
         </p:nvGrpSpPr>
         <p:grpSpPr>
           <a:xfrm>
-            <a:off x="5016935" y="2924944"/>
+            <a:off x="4963906" y="2914612"/>
             <a:ext cx="389850" cy="369332"/>
             <a:chOff x="6653446" y="2335884"/>
             <a:chExt cx="389850" cy="369332"/>

--- a/saturn/enhanced-four-corner-model.pptx
+++ b/saturn/enhanced-four-corner-model.pptx
@@ -7906,7 +7906,7 @@
         </p:nvCxnSpPr>
         <p:spPr>
           <a:xfrm flipH="1" flipV="1">
-            <a:off x="3085239" y="3095242"/>
+            <a:off x="3085239" y="3090076"/>
             <a:ext cx="2268000" cy="2654"/>
           </a:xfrm>
           <a:prstGeom prst="straightConnector1">
@@ -8470,8 +8470,8 @@
         </p:nvSpPr>
         <p:spPr>
           <a:xfrm>
-            <a:off x="5405157" y="2975376"/>
-            <a:ext cx="452655" cy="237600"/>
+            <a:off x="5299196" y="2960918"/>
+            <a:ext cx="456830" cy="244800"/>
           </a:xfrm>
           <a:prstGeom prst="roundRect">
             <a:avLst/>
@@ -8482,14 +8482,10 @@
             </a:schemeClr>
           </a:solidFill>
           <a:ln w="3175">
-            <a:solidFill>
-              <a:schemeClr val="bg1">
-                <a:lumMod val="50000"/>
-              </a:schemeClr>
-            </a:solidFill>
+            <a:noFill/>
           </a:ln>
           <a:effectLst>
-            <a:outerShdw blurRad="50800" dist="38100" dir="2700000" algn="tl" rotWithShape="0">
+            <a:outerShdw blurRad="38100" dist="25400" dir="2700000" algn="tl" rotWithShape="0">
               <a:prstClr val="black">
                 <a:alpha val="40000"/>
               </a:prstClr>
@@ -8499,17 +8495,22 @@
             <a:camera prst="orthographicFront"/>
             <a:lightRig rig="threePt" dir="t"/>
           </a:scene3d>
-          <a:sp3d extrusionH="76200">
+          <a:sp3d extrusionH="76200" contourW="12700">
             <a:bevelT w="50800" h="50800"/>
             <a:extrusionClr>
               <a:schemeClr val="bg1">
                 <a:lumMod val="95000"/>
               </a:schemeClr>
             </a:extrusionClr>
+            <a:contourClr>
+              <a:schemeClr val="bg1">
+                <a:lumMod val="65000"/>
+              </a:schemeClr>
+            </a:contourClr>
           </a:sp3d>
         </p:spPr>
         <p:txBody>
-          <a:bodyPr wrap="none" lIns="36000" tIns="0" rIns="36000" bIns="18000" rtlCol="0" anchor="ctr" anchorCtr="1">
+          <a:bodyPr wrap="none" lIns="36000" tIns="0" rIns="36000" bIns="25200" rtlCol="0" anchor="ctr" anchorCtr="1">
             <a:spAutoFit/>
           </a:bodyPr>
           <a:lstStyle/>
@@ -8597,7 +8598,7 @@
         </p:nvGrpSpPr>
         <p:grpSpPr>
           <a:xfrm>
-            <a:off x="4963906" y="2914612"/>
+            <a:off x="4896194" y="2909446"/>
             <a:ext cx="389850" cy="369332"/>
             <a:chOff x="6653446" y="2335884"/>
             <a:chExt cx="389850" cy="369332"/>

--- a/saturn/enhanced-four-corner-model.pptx
+++ b/saturn/enhanced-four-corner-model.pptx
@@ -4137,7 +4137,7 @@
       </p:sp>
       <p:sp>
         <p:nvSpPr>
-          <p:cNvPr id="14" name="Rounded Rectangle 13"/>
+          <p:cNvPr id="14" name="Rectangle 13"/>
           <p:cNvSpPr/>
           <p:nvPr/>
         </p:nvSpPr>
@@ -4146,42 +4146,19 @@
             <a:off x="6895678" y="3407520"/>
             <a:ext cx="1659386" cy="1389632"/>
           </a:xfrm>
-          <a:prstGeom prst="roundRect">
-            <a:avLst>
-              <a:gd name="adj" fmla="val 8066"/>
-            </a:avLst>
+          <a:prstGeom prst="rect">
+            <a:avLst/>
           </a:prstGeom>
-          <a:gradFill>
-            <a:gsLst>
-              <a:gs pos="85000">
-                <a:schemeClr val="accent3">
-                  <a:lumMod val="20000"/>
-                  <a:lumOff val="80000"/>
-                </a:schemeClr>
-              </a:gs>
-              <a:gs pos="1000">
-                <a:schemeClr val="accent3">
-                  <a:lumMod val="20000"/>
-                  <a:lumOff val="80000"/>
-                </a:schemeClr>
-              </a:gs>
-              <a:gs pos="100000">
-                <a:schemeClr val="bg1"/>
-              </a:gs>
-              <a:gs pos="100000">
-                <a:schemeClr val="bg1"/>
-              </a:gs>
-            </a:gsLst>
-            <a:path path="rect">
-              <a:fillToRect l="50000" t="50000" r="50000" b="50000"/>
-            </a:path>
-          </a:gradFill>
-          <a:ln w="12700">
+          <a:solidFill>
+            <a:srgbClr val="F4F7ED"/>
+          </a:solidFill>
+          <a:ln w="6350" cmpd="sng">
             <a:solidFill>
-              <a:schemeClr val="accent3">
-                <a:lumMod val="75000"/>
+              <a:schemeClr val="bg1">
+                <a:lumMod val="50000"/>
               </a:schemeClr>
             </a:solidFill>
+            <a:prstDash val="solid"/>
           </a:ln>
           <a:effectLst>
             <a:outerShdw blurRad="50800" dist="38100" dir="2700000" algn="tl" rotWithShape="0">
@@ -8470,7 +8447,7 @@
         </p:nvSpPr>
         <p:spPr>
           <a:xfrm>
-            <a:off x="5299196" y="2960918"/>
+            <a:off x="5304362" y="2960918"/>
             <a:ext cx="456830" cy="244800"/>
           </a:xfrm>
           <a:prstGeom prst="roundRect">
@@ -9520,7 +9497,7 @@
                 <a:latin typeface="Arial" panose="020B0604020202020204" pitchFamily="34" charset="0"/>
                 <a:cs typeface="Arial" panose="020B0604020202020204" pitchFamily="34" charset="0"/>
               </a:rPr>
-              <a:t>V0.95, </a:t>
+              <a:t>V0.96, </a:t>
             </a:r>
             <a:r>
               <a:rPr lang="en-US" sz="800" dirty="0" err="1" smtClean="0">
@@ -10446,7 +10423,7 @@
         </p:nvSpPr>
         <p:spPr>
           <a:xfrm>
-            <a:off x="1573336" y="3375665"/>
+            <a:off x="1573336" y="3406661"/>
             <a:ext cx="855166" cy="238363"/>
           </a:xfrm>
           <a:prstGeom prst="roundRect">
@@ -10683,7 +10660,7 @@
         <p:spPr>
           <a:xfrm>
             <a:off x="8028384" y="3512872"/>
-            <a:ext cx="418172" cy="324000"/>
+            <a:ext cx="418172" cy="288000"/>
           </a:xfrm>
           <a:prstGeom prst="roundRect">
             <a:avLst/>
@@ -10789,7 +10766,7 @@
         </p:nvCxnSpPr>
         <p:spPr>
           <a:xfrm>
-            <a:off x="8244238" y="3614604"/>
+            <a:off x="8244238" y="3583608"/>
             <a:ext cx="144000" cy="0"/>
           </a:xfrm>
           <a:prstGeom prst="line">
@@ -10827,7 +10804,7 @@
         </p:nvCxnSpPr>
         <p:spPr>
           <a:xfrm>
-            <a:off x="8244238" y="3686612"/>
+            <a:off x="8244238" y="3655616"/>
             <a:ext cx="144000" cy="0"/>
           </a:xfrm>
           <a:prstGeom prst="line">
@@ -10865,7 +10842,7 @@
         </p:nvCxnSpPr>
         <p:spPr>
           <a:xfrm>
-            <a:off x="8136238" y="3758620"/>
+            <a:off x="8136238" y="3727624"/>
             <a:ext cx="252000" cy="0"/>
           </a:xfrm>
           <a:prstGeom prst="line">

--- a/saturn/enhanced-four-corner-model.pptx
+++ b/saturn/enhanced-four-corner-model.pptx
@@ -3701,8 +3701,8 @@
         </p:nvCxnSpPr>
         <p:spPr>
           <a:xfrm flipV="1">
-            <a:off x="7911672" y="3249900"/>
-            <a:ext cx="1" cy="476849"/>
+            <a:off x="7876803" y="3214817"/>
+            <a:ext cx="5" cy="350376"/>
           </a:xfrm>
           <a:prstGeom prst="line">
             <a:avLst/>
@@ -4696,7 +4696,7 @@
         </p:nvSpPr>
         <p:spPr>
           <a:xfrm>
-            <a:off x="5834441" y="2420888"/>
+            <a:off x="5580112" y="2420888"/>
             <a:ext cx="1372234" cy="523220"/>
           </a:xfrm>
           <a:prstGeom prst="rect">
@@ -8147,7 +8147,7 @@
         </p:nvSpPr>
         <p:spPr>
           <a:xfrm>
-            <a:off x="4519772" y="3861048"/>
+            <a:off x="4468112" y="3809704"/>
             <a:ext cx="1869886" cy="476726"/>
           </a:xfrm>
           <a:prstGeom prst="roundRect">
@@ -8237,7 +8237,7 @@
         </p:nvSpPr>
         <p:spPr>
           <a:xfrm>
-            <a:off x="2973749" y="4653136"/>
+            <a:off x="2874804" y="4570796"/>
             <a:ext cx="1560940" cy="526733"/>
           </a:xfrm>
           <a:prstGeom prst="roundRect">
@@ -10294,7 +10294,7 @@
         </p:blipFill>
         <p:spPr bwMode="auto">
           <a:xfrm>
-            <a:off x="6946628" y="5589240"/>
+            <a:off x="6936296" y="5589240"/>
             <a:ext cx="360040" cy="356341"/>
           </a:xfrm>
           <a:prstGeom prst="rect">
@@ -10333,7 +10333,7 @@
         </p:nvSpPr>
         <p:spPr>
           <a:xfrm>
-            <a:off x="7297738" y="5637143"/>
+            <a:off x="7287406" y="5637143"/>
             <a:ext cx="946670" cy="238363"/>
           </a:xfrm>
           <a:prstGeom prst="roundRect">
@@ -10611,8 +10611,8 @@
         </p:nvSpPr>
         <p:spPr>
           <a:xfrm>
-            <a:off x="7290905" y="2996952"/>
-            <a:ext cx="1241535" cy="252948"/>
+            <a:off x="7077159" y="2708920"/>
+            <a:ext cx="1599297" cy="505897"/>
           </a:xfrm>
           <a:prstGeom prst="roundRect">
             <a:avLst>
@@ -10642,7 +10642,27 @@
                 <a:latin typeface="Arial" panose="020B0604020202020204" pitchFamily="34" charset="0"/>
                 <a:cs typeface="Arial" panose="020B0604020202020204" pitchFamily="34" charset="0"/>
               </a:rPr>
-              <a:t>“Virtual” Card</a:t>
+              <a:t>“</a:t>
+            </a:r>
+            <a:r>
+              <a:rPr lang="en-US" sz="1400" dirty="0" smtClean="0">
+                <a:latin typeface="Arial" panose="020B0604020202020204" pitchFamily="34" charset="0"/>
+                <a:cs typeface="Arial" panose="020B0604020202020204" pitchFamily="34" charset="0"/>
+              </a:rPr>
+              <a:t>Virtual” Payment</a:t>
+            </a:r>
+            <a:br>
+              <a:rPr lang="en-US" sz="1400" dirty="0" smtClean="0">
+                <a:latin typeface="Arial" panose="020B0604020202020204" pitchFamily="34" charset="0"/>
+                <a:cs typeface="Arial" panose="020B0604020202020204" pitchFamily="34" charset="0"/>
+              </a:rPr>
+            </a:br>
+            <a:r>
+              <a:rPr lang="en-US" sz="1400" dirty="0" smtClean="0">
+                <a:latin typeface="Arial" panose="020B0604020202020204" pitchFamily="34" charset="0"/>
+                <a:cs typeface="Arial" panose="020B0604020202020204" pitchFamily="34" charset="0"/>
+              </a:rPr>
+              <a:t>Card Contents</a:t>
             </a:r>
             <a:endParaRPr lang="en-US" sz="1400" dirty="0">
               <a:latin typeface="Arial" panose="020B0604020202020204" pitchFamily="34" charset="0"/>
@@ -10660,7 +10680,7 @@
         <p:spPr>
           <a:xfrm>
             <a:off x="8028384" y="3512872"/>
-            <a:ext cx="418172" cy="288000"/>
+            <a:ext cx="418172" cy="252000"/>
           </a:xfrm>
           <a:prstGeom prst="roundRect">
             <a:avLst/>
@@ -10766,7 +10786,7 @@
         </p:nvCxnSpPr>
         <p:spPr>
           <a:xfrm>
-            <a:off x="8244238" y="3583608"/>
+            <a:off x="8244238" y="3573276"/>
             <a:ext cx="144000" cy="0"/>
           </a:xfrm>
           <a:prstGeom prst="line">
@@ -10804,46 +10824,8 @@
         </p:nvCxnSpPr>
         <p:spPr>
           <a:xfrm>
-            <a:off x="8244238" y="3655616"/>
+            <a:off x="8244238" y="3645284"/>
             <a:ext cx="144000" cy="0"/>
-          </a:xfrm>
-          <a:prstGeom prst="line">
-            <a:avLst/>
-          </a:prstGeom>
-          <a:ln w="9525">
-            <a:solidFill>
-              <a:schemeClr val="bg1">
-                <a:lumMod val="75000"/>
-              </a:schemeClr>
-            </a:solidFill>
-            <a:tailEnd type="none" w="sm" len="sm"/>
-          </a:ln>
-        </p:spPr>
-        <p:style>
-          <a:lnRef idx="1">
-            <a:schemeClr val="accent1"/>
-          </a:lnRef>
-          <a:fillRef idx="0">
-            <a:schemeClr val="accent1"/>
-          </a:fillRef>
-          <a:effectRef idx="0">
-            <a:schemeClr val="accent1"/>
-          </a:effectRef>
-          <a:fontRef idx="minor">
-            <a:schemeClr val="tx1"/>
-          </a:fontRef>
-        </p:style>
-      </p:cxnSp>
-      <p:cxnSp>
-        <p:nvCxnSpPr>
-          <p:cNvPr id="170" name="Straight Connector 169"/>
-          <p:cNvCxnSpPr/>
-          <p:nvPr/>
-        </p:nvCxnSpPr>
-        <p:spPr>
-          <a:xfrm>
-            <a:off x="8136238" y="3727624"/>
-            <a:ext cx="252000" cy="0"/>
           </a:xfrm>
           <a:prstGeom prst="line">
             <a:avLst/>
@@ -10991,6 +10973,44 @@
           </a:p>
         </p:txBody>
       </p:sp>
+      <p:cxnSp>
+        <p:nvCxnSpPr>
+          <p:cNvPr id="155" name="Straight Connector 154"/>
+          <p:cNvCxnSpPr/>
+          <p:nvPr/>
+        </p:nvCxnSpPr>
+        <p:spPr>
+          <a:xfrm>
+            <a:off x="8244408" y="3706700"/>
+            <a:ext cx="144000" cy="0"/>
+          </a:xfrm>
+          <a:prstGeom prst="line">
+            <a:avLst/>
+          </a:prstGeom>
+          <a:ln w="9525">
+            <a:solidFill>
+              <a:schemeClr val="bg1">
+                <a:lumMod val="75000"/>
+              </a:schemeClr>
+            </a:solidFill>
+            <a:tailEnd type="none" w="sm" len="sm"/>
+          </a:ln>
+        </p:spPr>
+        <p:style>
+          <a:lnRef idx="1">
+            <a:schemeClr val="accent1"/>
+          </a:lnRef>
+          <a:fillRef idx="0">
+            <a:schemeClr val="accent1"/>
+          </a:fillRef>
+          <a:effectRef idx="0">
+            <a:schemeClr val="accent1"/>
+          </a:effectRef>
+          <a:fontRef idx="minor">
+            <a:schemeClr val="tx1"/>
+          </a:fontRef>
+        </p:style>
+      </p:cxnSp>
     </p:spTree>
     <p:extLst>
       <p:ext uri="{BB962C8B-B14F-4D97-AF65-F5344CB8AC3E}">

--- a/saturn/enhanced-four-corner-model.pptx
+++ b/saturn/enhanced-four-corner-model.pptx
@@ -3103,7 +3103,7 @@
         </p:nvCxnSpPr>
         <p:spPr>
           <a:xfrm>
-            <a:off x="3088644" y="3674872"/>
+            <a:off x="3018718" y="3674872"/>
             <a:ext cx="3139539" cy="1761049"/>
           </a:xfrm>
           <a:prstGeom prst="straightConnector1">
@@ -3139,7 +3139,7 @@
         </p:nvGrpSpPr>
         <p:grpSpPr>
           <a:xfrm>
-            <a:off x="3360268" y="3684448"/>
+            <a:off x="3290342" y="3684448"/>
             <a:ext cx="759020" cy="680656"/>
             <a:chOff x="3779912" y="4116496"/>
             <a:chExt cx="759020" cy="680656"/>
@@ -3336,7 +3336,7 @@
         </p:nvSpPr>
         <p:spPr>
           <a:xfrm>
-            <a:off x="2395347" y="1951173"/>
+            <a:off x="2325421" y="1951173"/>
             <a:ext cx="1024524" cy="2656990"/>
           </a:xfrm>
           <a:custGeom>
@@ -3701,7 +3701,7 @@
         </p:nvCxnSpPr>
         <p:spPr>
           <a:xfrm flipV="1">
-            <a:off x="7876803" y="3214817"/>
+            <a:off x="7806877" y="3214817"/>
             <a:ext cx="5" cy="350376"/>
           </a:xfrm>
           <a:prstGeom prst="line">
@@ -3739,7 +3739,7 @@
         </p:nvSpPr>
         <p:spPr>
           <a:xfrm flipV="1">
-            <a:off x="8244408" y="4308528"/>
+            <a:off x="8174482" y="4308528"/>
             <a:ext cx="432048" cy="1471286"/>
           </a:xfrm>
           <a:custGeom>
@@ -3919,7 +3919,7 @@
         </p:nvSpPr>
         <p:spPr>
           <a:xfrm flipH="1">
-            <a:off x="6612714" y="3277198"/>
+            <a:off x="6542788" y="3277198"/>
             <a:ext cx="566099" cy="2231659"/>
           </a:xfrm>
           <a:custGeom>
@@ -4143,7 +4143,7 @@
         </p:nvSpPr>
         <p:spPr>
           <a:xfrm>
-            <a:off x="6895678" y="3407520"/>
+            <a:off x="6825752" y="3407520"/>
             <a:ext cx="1659386" cy="1389632"/>
           </a:xfrm>
           <a:prstGeom prst="rect">
@@ -4201,7 +4201,7 @@
         </p:nvGrpSpPr>
         <p:grpSpPr>
           <a:xfrm>
-            <a:off x="899592" y="1594910"/>
+            <a:off x="829666" y="1594910"/>
             <a:ext cx="1273991" cy="825978"/>
             <a:chOff x="1065761" y="1512050"/>
             <a:chExt cx="1273991" cy="825978"/>
@@ -4432,7 +4432,7 @@
         </p:nvCxnSpPr>
         <p:spPr>
           <a:xfrm flipV="1">
-            <a:off x="3657820" y="4365104"/>
+            <a:off x="3587894" y="4365104"/>
             <a:ext cx="0" cy="399464"/>
           </a:xfrm>
           <a:prstGeom prst="line">
@@ -4472,7 +4472,7 @@
         </p:nvCxnSpPr>
         <p:spPr>
           <a:xfrm flipV="1">
-            <a:off x="5179179" y="3617344"/>
+            <a:off x="5109253" y="3617344"/>
             <a:ext cx="0" cy="479722"/>
           </a:xfrm>
           <a:prstGeom prst="line">
@@ -4510,7 +4510,7 @@
         </p:nvCxnSpPr>
         <p:spPr>
           <a:xfrm flipH="1" flipV="1">
-            <a:off x="3707903" y="2682498"/>
+            <a:off x="3637977" y="2682498"/>
             <a:ext cx="1" cy="493579"/>
           </a:xfrm>
           <a:prstGeom prst="line">
@@ -4548,7 +4548,7 @@
         </p:nvCxnSpPr>
         <p:spPr>
           <a:xfrm>
-            <a:off x="3085239" y="3297726"/>
+            <a:off x="3015313" y="3297726"/>
             <a:ext cx="2700000" cy="1030"/>
           </a:xfrm>
           <a:prstGeom prst="straightConnector1">
@@ -4584,7 +4584,7 @@
         </p:nvCxnSpPr>
         <p:spPr>
           <a:xfrm flipH="1">
-            <a:off x="3102162" y="5662847"/>
+            <a:off x="3032236" y="5662847"/>
             <a:ext cx="3060000" cy="0"/>
           </a:xfrm>
           <a:prstGeom prst="straightConnector1">
@@ -4622,7 +4622,7 @@
         </p:nvSpPr>
         <p:spPr>
           <a:xfrm>
-            <a:off x="2036515" y="6001543"/>
+            <a:off x="1966589" y="6001543"/>
             <a:ext cx="1388522" cy="307777"/>
           </a:xfrm>
           <a:prstGeom prst="rect">
@@ -4659,7 +4659,7 @@
         </p:nvSpPr>
         <p:spPr>
           <a:xfrm>
-            <a:off x="6018452" y="6001543"/>
+            <a:off x="5948526" y="6001543"/>
             <a:ext cx="1021434" cy="307777"/>
           </a:xfrm>
           <a:prstGeom prst="rect">
@@ -4696,7 +4696,7 @@
         </p:nvSpPr>
         <p:spPr>
           <a:xfrm>
-            <a:off x="5580112" y="2420888"/>
+            <a:off x="5525684" y="2420888"/>
             <a:ext cx="1372234" cy="523220"/>
           </a:xfrm>
           <a:prstGeom prst="rect">
@@ -4743,7 +4743,7 @@
         </p:nvCxnSpPr>
         <p:spPr>
           <a:xfrm flipV="1">
-            <a:off x="2716880" y="3600000"/>
+            <a:off x="2646954" y="3600000"/>
             <a:ext cx="5680" cy="1764000"/>
           </a:xfrm>
           <a:prstGeom prst="straightConnector1">
@@ -4781,7 +4781,7 @@
         </p:nvCxnSpPr>
         <p:spPr>
           <a:xfrm flipV="1">
-            <a:off x="6516216" y="3600000"/>
+            <a:off x="6446290" y="3600000"/>
             <a:ext cx="5151" cy="1764000"/>
           </a:xfrm>
           <a:prstGeom prst="straightConnector1">
@@ -4819,7 +4819,7 @@
         </p:nvSpPr>
         <p:spPr>
           <a:xfrm>
-            <a:off x="4211959" y="5373216"/>
+            <a:off x="4142033" y="5373216"/>
             <a:ext cx="841898" cy="307777"/>
           </a:xfrm>
           <a:prstGeom prst="rect">
@@ -4862,7 +4862,7 @@
         </p:nvSpPr>
         <p:spPr>
           <a:xfrm rot="5400000">
-            <a:off x="6267797" y="4294322"/>
+            <a:off x="6197871" y="4294322"/>
             <a:ext cx="841898" cy="307777"/>
           </a:xfrm>
           <a:prstGeom prst="rect">
@@ -4905,7 +4905,7 @@
         </p:nvSpPr>
         <p:spPr>
           <a:xfrm rot="16200000">
-            <a:off x="2150561" y="4294322"/>
+            <a:off x="2080635" y="4294322"/>
             <a:ext cx="841898" cy="307777"/>
           </a:xfrm>
           <a:prstGeom prst="rect">
@@ -4963,7 +4963,7 @@
         </p:blipFill>
         <p:spPr bwMode="auto">
           <a:xfrm rot="10800000">
-            <a:off x="6348681" y="3031745"/>
+            <a:off x="6278755" y="3031745"/>
             <a:ext cx="355673" cy="502719"/>
           </a:xfrm>
           <a:prstGeom prst="rect">
@@ -4996,7 +4996,7 @@
         </p:nvGrpSpPr>
         <p:grpSpPr>
           <a:xfrm>
-            <a:off x="2430661" y="3064604"/>
+            <a:off x="2360735" y="3064604"/>
             <a:ext cx="557162" cy="447881"/>
             <a:chOff x="3321759" y="524071"/>
             <a:chExt cx="557162" cy="447881"/>
@@ -6245,7 +6245,7 @@
         </p:blipFill>
         <p:spPr bwMode="auto">
           <a:xfrm>
-            <a:off x="5859592" y="3025656"/>
+            <a:off x="5789666" y="3025656"/>
             <a:ext cx="468000" cy="468000"/>
           </a:xfrm>
           <a:prstGeom prst="rect">
@@ -6278,7 +6278,7 @@
         </p:nvGrpSpPr>
         <p:grpSpPr>
           <a:xfrm>
-            <a:off x="6162468" y="5429255"/>
+            <a:off x="6092542" y="5429255"/>
             <a:ext cx="716412" cy="535414"/>
             <a:chOff x="2089401" y="630040"/>
             <a:chExt cx="504468" cy="363739"/>
@@ -6903,7 +6903,7 @@
         </p:blipFill>
         <p:spPr bwMode="auto">
           <a:xfrm>
-            <a:off x="1820899" y="3073173"/>
+            <a:off x="1750973" y="3073173"/>
             <a:ext cx="360040" cy="356341"/>
           </a:xfrm>
           <a:prstGeom prst="rect">
@@ -6942,7 +6942,7 @@
         </p:nvSpPr>
         <p:spPr>
           <a:xfrm>
-            <a:off x="1423715" y="2348880"/>
+            <a:off x="1353789" y="2348880"/>
             <a:ext cx="1153440" cy="3145017"/>
           </a:xfrm>
           <a:custGeom>
@@ -7158,7 +7158,7 @@
         </p:nvGrpSpPr>
         <p:grpSpPr>
           <a:xfrm>
-            <a:off x="1918351" y="5407577"/>
+            <a:off x="1848425" y="5407577"/>
             <a:ext cx="416551" cy="613711"/>
             <a:chOff x="8232155" y="577329"/>
             <a:chExt cx="416551" cy="613711"/>
@@ -7268,7 +7268,7 @@
         </p:nvGrpSpPr>
         <p:grpSpPr>
           <a:xfrm>
-            <a:off x="2372232" y="5419963"/>
+            <a:off x="2302306" y="5419963"/>
             <a:ext cx="716412" cy="535414"/>
             <a:chOff x="2089401" y="630040"/>
             <a:chExt cx="504468" cy="363739"/>
@@ -7787,7 +7787,7 @@
         </p:nvSpPr>
         <p:spPr>
           <a:xfrm>
-            <a:off x="1555518" y="2776457"/>
+            <a:off x="1485592" y="2776457"/>
             <a:ext cx="890802" cy="288147"/>
           </a:xfrm>
           <a:prstGeom prst="rect">
@@ -7844,7 +7844,7 @@
         </p:blipFill>
         <p:spPr bwMode="auto">
           <a:xfrm>
-            <a:off x="7016017" y="3777620"/>
+            <a:off x="6946091" y="3777620"/>
             <a:ext cx="360040" cy="356341"/>
           </a:xfrm>
           <a:prstGeom prst="rect">
@@ -7883,7 +7883,7 @@
         </p:nvCxnSpPr>
         <p:spPr>
           <a:xfrm flipH="1" flipV="1">
-            <a:off x="3085239" y="3090076"/>
+            <a:off x="3015313" y="3090076"/>
             <a:ext cx="2268000" cy="2654"/>
           </a:xfrm>
           <a:prstGeom prst="straightConnector1">
@@ -7953,7 +7953,7 @@
         </p:blipFill>
         <p:spPr bwMode="auto">
           <a:xfrm>
-            <a:off x="7016017" y="4077072"/>
+            <a:off x="6946091" y="4077072"/>
             <a:ext cx="360040" cy="356341"/>
           </a:xfrm>
           <a:prstGeom prst="rect">
@@ -7992,7 +7992,7 @@
         </p:nvSpPr>
         <p:spPr>
           <a:xfrm>
-            <a:off x="3485938" y="3170911"/>
+            <a:off x="3416012" y="3170911"/>
             <a:ext cx="414109" cy="241199"/>
           </a:xfrm>
           <a:prstGeom prst="parallelogram">
@@ -8052,7 +8052,7 @@
         </p:nvCxnSpPr>
         <p:spPr>
           <a:xfrm>
-            <a:off x="3085239" y="3501009"/>
+            <a:off x="3015313" y="3501009"/>
             <a:ext cx="2700000" cy="3813"/>
           </a:xfrm>
           <a:prstGeom prst="straightConnector1">
@@ -8089,7 +8089,7 @@
         </p:nvSpPr>
         <p:spPr>
           <a:xfrm>
-            <a:off x="4972124" y="3379744"/>
+            <a:off x="4902198" y="3379744"/>
             <a:ext cx="414109" cy="237600"/>
           </a:xfrm>
           <a:prstGeom prst="parallelogram">
@@ -8147,7 +8147,7 @@
         </p:nvSpPr>
         <p:spPr>
           <a:xfrm>
-            <a:off x="4468112" y="3809704"/>
+            <a:off x="4398186" y="3809704"/>
             <a:ext cx="1869886" cy="476726"/>
           </a:xfrm>
           <a:prstGeom prst="roundRect">
@@ -8237,12 +8237,12 @@
         </p:nvSpPr>
         <p:spPr>
           <a:xfrm>
-            <a:off x="2874804" y="4570796"/>
+            <a:off x="2804878" y="4570796"/>
             <a:ext cx="1560940" cy="526733"/>
           </a:xfrm>
           <a:prstGeom prst="roundRect">
             <a:avLst>
-              <a:gd name="adj" fmla="val 19811"/>
+              <a:gd name="adj" fmla="val 14754"/>
             </a:avLst>
           </a:prstGeom>
           <a:solidFill>
@@ -8307,7 +8307,7 @@
         </p:nvSpPr>
         <p:spPr>
           <a:xfrm>
-            <a:off x="3993414" y="1225578"/>
+            <a:off x="3923488" y="1225578"/>
             <a:ext cx="4491055" cy="954107"/>
           </a:xfrm>
           <a:prstGeom prst="rect">
@@ -8447,7 +8447,7 @@
         </p:nvSpPr>
         <p:spPr>
           <a:xfrm>
-            <a:off x="5304362" y="2960918"/>
+            <a:off x="5234436" y="2960918"/>
             <a:ext cx="456830" cy="244800"/>
           </a:xfrm>
           <a:prstGeom prst="roundRect">
@@ -8515,7 +8515,7 @@
         </p:nvSpPr>
         <p:spPr>
           <a:xfrm>
-            <a:off x="3022612" y="2516967"/>
+            <a:off x="2952686" y="2516967"/>
             <a:ext cx="2197460" cy="252948"/>
           </a:xfrm>
           <a:prstGeom prst="roundRect">
@@ -8575,7 +8575,7 @@
         </p:nvGrpSpPr>
         <p:grpSpPr>
           <a:xfrm>
-            <a:off x="4896194" y="2909446"/>
+            <a:off x="4826268" y="2909446"/>
             <a:ext cx="389850" cy="369332"/>
             <a:chOff x="6653446" y="2335884"/>
             <a:chExt cx="389850" cy="369332"/>
@@ -8668,7 +8668,7 @@
         </p:nvGrpSpPr>
         <p:grpSpPr>
           <a:xfrm>
-            <a:off x="3102029" y="3114192"/>
+            <a:off x="3032103" y="3114192"/>
             <a:ext cx="389850" cy="369332"/>
             <a:chOff x="7617435" y="3266164"/>
             <a:chExt cx="389850" cy="369332"/>
@@ -8761,7 +8761,7 @@
         </p:nvGrpSpPr>
         <p:grpSpPr>
           <a:xfrm>
-            <a:off x="5382837" y="3318492"/>
+            <a:off x="5312911" y="3318492"/>
             <a:ext cx="389850" cy="369332"/>
             <a:chOff x="7769835" y="3418564"/>
             <a:chExt cx="389850" cy="369332"/>
@@ -8854,7 +8854,7 @@
         </p:nvGrpSpPr>
         <p:grpSpPr>
           <a:xfrm>
-            <a:off x="1691680" y="1378886"/>
+            <a:off x="1621754" y="1378886"/>
             <a:ext cx="1273991" cy="825978"/>
             <a:chOff x="1065761" y="1512050"/>
             <a:chExt cx="1273991" cy="825978"/>
@@ -9083,7 +9083,7 @@
         </p:nvGrpSpPr>
         <p:grpSpPr>
           <a:xfrm>
-            <a:off x="2533623" y="1196752"/>
+            <a:off x="2463697" y="1196752"/>
             <a:ext cx="1273991" cy="825978"/>
             <a:chOff x="1065761" y="1512050"/>
             <a:chExt cx="1273991" cy="825978"/>
@@ -9528,7 +9528,7 @@
         </p:nvSpPr>
         <p:spPr>
           <a:xfrm>
-            <a:off x="1763688" y="6453336"/>
+            <a:off x="1691680" y="6453336"/>
             <a:ext cx="5704646" cy="246221"/>
           </a:xfrm>
           <a:prstGeom prst="rect">
@@ -9627,7 +9627,7 @@
         </p:nvGrpSpPr>
         <p:grpSpPr>
           <a:xfrm>
-            <a:off x="3100865" y="3604126"/>
+            <a:off x="3030939" y="3604126"/>
             <a:ext cx="389850" cy="369332"/>
             <a:chOff x="7769835" y="3418564"/>
             <a:chExt cx="389850" cy="369332"/>
@@ -9813,7 +9813,7 @@
         </p:nvSpPr>
         <p:spPr>
           <a:xfrm>
-            <a:off x="6346718" y="3113377"/>
+            <a:off x="6276792" y="3113377"/>
             <a:ext cx="357790" cy="184666"/>
           </a:xfrm>
           <a:prstGeom prst="rect">
@@ -9849,7 +9849,7 @@
         </p:nvGrpSpPr>
         <p:grpSpPr>
           <a:xfrm>
-            <a:off x="6481128" y="3320079"/>
+            <a:off x="6411202" y="3320079"/>
             <a:ext cx="72000" cy="72000"/>
             <a:chOff x="7812360" y="2253119"/>
             <a:chExt cx="144016" cy="144016"/>
@@ -9964,7 +9964,7 @@
         </p:nvSpPr>
         <p:spPr>
           <a:xfrm>
-            <a:off x="7376057" y="3860695"/>
+            <a:off x="7306131" y="3860695"/>
             <a:ext cx="855166" cy="238363"/>
           </a:xfrm>
           <a:prstGeom prst="roundRect">
@@ -10009,7 +10009,7 @@
         </p:nvSpPr>
         <p:spPr>
           <a:xfrm>
-            <a:off x="7376057" y="4183889"/>
+            <a:off x="7306131" y="4183889"/>
             <a:ext cx="936866" cy="238363"/>
           </a:xfrm>
           <a:prstGeom prst="roundRect">
@@ -10102,7 +10102,7 @@
         </p:nvSpPr>
         <p:spPr>
           <a:xfrm>
-            <a:off x="5400128" y="4896260"/>
+            <a:off x="5330202" y="4896260"/>
             <a:ext cx="324000" cy="324000"/>
           </a:xfrm>
           <a:prstGeom prst="star7">
@@ -10171,7 +10171,7 @@
         </p:nvSpPr>
         <p:spPr>
           <a:xfrm>
-            <a:off x="3102162" y="5733076"/>
+            <a:off x="3032236" y="5733076"/>
             <a:ext cx="3060000" cy="175030"/>
           </a:xfrm>
           <a:prstGeom prst="leftRightArrow">
@@ -10242,7 +10242,7 @@
         </p:nvSpPr>
         <p:spPr>
           <a:xfrm>
-            <a:off x="3635896" y="5876777"/>
+            <a:off x="3565970" y="5876777"/>
             <a:ext cx="2137124" cy="307777"/>
           </a:xfrm>
           <a:prstGeom prst="rect">
@@ -10294,7 +10294,7 @@
         </p:blipFill>
         <p:spPr bwMode="auto">
           <a:xfrm>
-            <a:off x="6936296" y="5589240"/>
+            <a:off x="6866370" y="5589240"/>
             <a:ext cx="360040" cy="356341"/>
           </a:xfrm>
           <a:prstGeom prst="rect">
@@ -10333,7 +10333,7 @@
         </p:nvSpPr>
         <p:spPr>
           <a:xfrm>
-            <a:off x="7287406" y="5637143"/>
+            <a:off x="7217480" y="5637143"/>
             <a:ext cx="946670" cy="238363"/>
           </a:xfrm>
           <a:prstGeom prst="roundRect">
@@ -10378,7 +10378,7 @@
         </p:nvSpPr>
         <p:spPr>
           <a:xfrm>
-            <a:off x="1012232" y="5602051"/>
+            <a:off x="942306" y="5602051"/>
             <a:ext cx="855166" cy="238363"/>
           </a:xfrm>
           <a:prstGeom prst="roundRect">
@@ -10423,7 +10423,7 @@
         </p:nvSpPr>
         <p:spPr>
           <a:xfrm>
-            <a:off x="1573336" y="3406661"/>
+            <a:off x="1503410" y="3406661"/>
             <a:ext cx="855166" cy="238363"/>
           </a:xfrm>
           <a:prstGeom prst="roundRect">
@@ -10468,7 +10468,7 @@
         </p:nvSpPr>
         <p:spPr>
           <a:xfrm>
-            <a:off x="6665134" y="5013176"/>
+            <a:off x="6595208" y="5013176"/>
             <a:ext cx="1649873" cy="252948"/>
           </a:xfrm>
           <a:prstGeom prst="roundRect">
@@ -10516,7 +10516,7 @@
         </p:nvSpPr>
         <p:spPr>
           <a:xfrm>
-            <a:off x="7016018" y="3520001"/>
+            <a:off x="6946092" y="3520001"/>
             <a:ext cx="949546" cy="215444"/>
           </a:xfrm>
           <a:prstGeom prst="rect">
@@ -10560,7 +10560,7 @@
         </p:nvSpPr>
         <p:spPr>
           <a:xfrm>
-            <a:off x="609478" y="4005064"/>
+            <a:off x="539552" y="4005064"/>
             <a:ext cx="1610657" cy="252948"/>
           </a:xfrm>
           <a:prstGeom prst="roundRect">
@@ -10611,12 +10611,12 @@
         </p:nvSpPr>
         <p:spPr>
           <a:xfrm>
-            <a:off x="7077159" y="2708920"/>
+            <a:off x="7007233" y="2708920"/>
             <a:ext cx="1599297" cy="505897"/>
           </a:xfrm>
           <a:prstGeom prst="roundRect">
             <a:avLst>
-              <a:gd name="adj" fmla="val 26503"/>
+              <a:gd name="adj" fmla="val 15270"/>
             </a:avLst>
           </a:prstGeom>
           <a:solidFill>
@@ -10642,14 +10642,7 @@
                 <a:latin typeface="Arial" panose="020B0604020202020204" pitchFamily="34" charset="0"/>
                 <a:cs typeface="Arial" panose="020B0604020202020204" pitchFamily="34" charset="0"/>
               </a:rPr>
-              <a:t>“</a:t>
-            </a:r>
-            <a:r>
-              <a:rPr lang="en-US" sz="1400" dirty="0" smtClean="0">
-                <a:latin typeface="Arial" panose="020B0604020202020204" pitchFamily="34" charset="0"/>
-                <a:cs typeface="Arial" panose="020B0604020202020204" pitchFamily="34" charset="0"/>
-              </a:rPr>
-              <a:t>Virtual” Payment</a:t>
+              <a:t>“Virtual” Payment</a:t>
             </a:r>
             <a:br>
               <a:rPr lang="en-US" sz="1400" dirty="0" smtClean="0">
@@ -10679,7 +10672,7 @@
         </p:nvSpPr>
         <p:spPr>
           <a:xfrm>
-            <a:off x="8028384" y="3512872"/>
+            <a:off x="7958458" y="3512872"/>
             <a:ext cx="418172" cy="252000"/>
           </a:xfrm>
           <a:prstGeom prst="roundRect">
@@ -10730,7 +10723,7 @@
         </p:nvSpPr>
         <p:spPr>
           <a:xfrm>
-            <a:off x="8069712" y="3552928"/>
+            <a:off x="7999786" y="3552928"/>
             <a:ext cx="130831" cy="130831"/>
           </a:xfrm>
           <a:prstGeom prst="ellipse">
@@ -10786,7 +10779,7 @@
         </p:nvCxnSpPr>
         <p:spPr>
           <a:xfrm>
-            <a:off x="8244238" y="3573276"/>
+            <a:off x="8174312" y="3573276"/>
             <a:ext cx="144000" cy="0"/>
           </a:xfrm>
           <a:prstGeom prst="line">
@@ -10824,7 +10817,7 @@
         </p:nvCxnSpPr>
         <p:spPr>
           <a:xfrm>
-            <a:off x="8244238" y="3645284"/>
+            <a:off x="8174312" y="3645284"/>
             <a:ext cx="144000" cy="0"/>
           </a:xfrm>
           <a:prstGeom prst="line">
@@ -10862,7 +10855,7 @@
         </p:nvSpPr>
         <p:spPr>
           <a:xfrm>
-            <a:off x="2300298" y="2516967"/>
+            <a:off x="2230372" y="2516967"/>
             <a:ext cx="543510" cy="252948"/>
           </a:xfrm>
           <a:prstGeom prst="roundRect">
@@ -10920,7 +10913,7 @@
         </p:nvSpPr>
         <p:spPr>
           <a:xfrm>
-            <a:off x="7016018" y="4494202"/>
+            <a:off x="6946092" y="4494202"/>
             <a:ext cx="1318237" cy="215444"/>
           </a:xfrm>
           <a:prstGeom prst="rect">
@@ -10981,7 +10974,7 @@
         </p:nvCxnSpPr>
         <p:spPr>
           <a:xfrm>
-            <a:off x="8244408" y="3706700"/>
+            <a:off x="8174482" y="3706700"/>
             <a:ext cx="144000" cy="0"/>
           </a:xfrm>
           <a:prstGeom prst="line">

--- a/saturn/enhanced-four-corner-model.pptx
+++ b/saturn/enhanced-four-corner-model.pptx
@@ -288,7 +288,7 @@
           <a:p>
             <a:fld id="{FC080E38-6FF2-48B3-BDAB-4FA23B840E92}" type="datetimeFigureOut">
               <a:rPr lang="en-US" smtClean="0"/>
-              <a:t>2019-09-08</a:t>
+              <a:t>2019-09-09</a:t>
             </a:fld>
             <a:endParaRPr lang="en-US"/>
           </a:p>
@@ -458,7 +458,7 @@
           <a:p>
             <a:fld id="{FC080E38-6FF2-48B3-BDAB-4FA23B840E92}" type="datetimeFigureOut">
               <a:rPr lang="en-US" smtClean="0"/>
-              <a:t>2019-09-08</a:t>
+              <a:t>2019-09-09</a:t>
             </a:fld>
             <a:endParaRPr lang="en-US"/>
           </a:p>
@@ -638,7 +638,7 @@
           <a:p>
             <a:fld id="{FC080E38-6FF2-48B3-BDAB-4FA23B840E92}" type="datetimeFigureOut">
               <a:rPr lang="en-US" smtClean="0"/>
-              <a:t>2019-09-08</a:t>
+              <a:t>2019-09-09</a:t>
             </a:fld>
             <a:endParaRPr lang="en-US"/>
           </a:p>
@@ -808,7 +808,7 @@
           <a:p>
             <a:fld id="{FC080E38-6FF2-48B3-BDAB-4FA23B840E92}" type="datetimeFigureOut">
               <a:rPr lang="en-US" smtClean="0"/>
-              <a:t>2019-09-08</a:t>
+              <a:t>2019-09-09</a:t>
             </a:fld>
             <a:endParaRPr lang="en-US"/>
           </a:p>
@@ -1054,7 +1054,7 @@
           <a:p>
             <a:fld id="{FC080E38-6FF2-48B3-BDAB-4FA23B840E92}" type="datetimeFigureOut">
               <a:rPr lang="en-US" smtClean="0"/>
-              <a:t>2019-09-08</a:t>
+              <a:t>2019-09-09</a:t>
             </a:fld>
             <a:endParaRPr lang="en-US"/>
           </a:p>
@@ -1342,7 +1342,7 @@
           <a:p>
             <a:fld id="{FC080E38-6FF2-48B3-BDAB-4FA23B840E92}" type="datetimeFigureOut">
               <a:rPr lang="en-US" smtClean="0"/>
-              <a:t>2019-09-08</a:t>
+              <a:t>2019-09-09</a:t>
             </a:fld>
             <a:endParaRPr lang="en-US"/>
           </a:p>
@@ -1764,7 +1764,7 @@
           <a:p>
             <a:fld id="{FC080E38-6FF2-48B3-BDAB-4FA23B840E92}" type="datetimeFigureOut">
               <a:rPr lang="en-US" smtClean="0"/>
-              <a:t>2019-09-08</a:t>
+              <a:t>2019-09-09</a:t>
             </a:fld>
             <a:endParaRPr lang="en-US"/>
           </a:p>
@@ -1882,7 +1882,7 @@
           <a:p>
             <a:fld id="{FC080E38-6FF2-48B3-BDAB-4FA23B840E92}" type="datetimeFigureOut">
               <a:rPr lang="en-US" smtClean="0"/>
-              <a:t>2019-09-08</a:t>
+              <a:t>2019-09-09</a:t>
             </a:fld>
             <a:endParaRPr lang="en-US"/>
           </a:p>
@@ -1977,7 +1977,7 @@
           <a:p>
             <a:fld id="{FC080E38-6FF2-48B3-BDAB-4FA23B840E92}" type="datetimeFigureOut">
               <a:rPr lang="en-US" smtClean="0"/>
-              <a:t>2019-09-08</a:t>
+              <a:t>2019-09-09</a:t>
             </a:fld>
             <a:endParaRPr lang="en-US"/>
           </a:p>
@@ -2254,7 +2254,7 @@
           <a:p>
             <a:fld id="{FC080E38-6FF2-48B3-BDAB-4FA23B840E92}" type="datetimeFigureOut">
               <a:rPr lang="en-US" smtClean="0"/>
-              <a:t>2019-09-08</a:t>
+              <a:t>2019-09-09</a:t>
             </a:fld>
             <a:endParaRPr lang="en-US"/>
           </a:p>
@@ -2507,7 +2507,7 @@
           <a:p>
             <a:fld id="{FC080E38-6FF2-48B3-BDAB-4FA23B840E92}" type="datetimeFigureOut">
               <a:rPr lang="en-US" smtClean="0"/>
-              <a:t>2019-09-08</a:t>
+              <a:t>2019-09-09</a:t>
             </a:fld>
             <a:endParaRPr lang="en-US"/>
           </a:p>
@@ -2720,7 +2720,7 @@
           <a:p>
             <a:fld id="{FC080E38-6FF2-48B3-BDAB-4FA23B840E92}" type="datetimeFigureOut">
               <a:rPr lang="en-US" smtClean="0"/>
-              <a:t>2019-09-08</a:t>
+              <a:t>2019-09-09</a:t>
             </a:fld>
             <a:endParaRPr lang="en-US"/>
           </a:p>
@@ -3103,7 +3103,7 @@
         </p:nvCxnSpPr>
         <p:spPr>
           <a:xfrm>
-            <a:off x="3018718" y="3674872"/>
+            <a:off x="2829175" y="3674872"/>
             <a:ext cx="3139539" cy="1761049"/>
           </a:xfrm>
           <a:prstGeom prst="straightConnector1">
@@ -3111,7 +3111,7 @@
           </a:prstGeom>
           <a:ln w="31750">
             <a:solidFill>
-              <a:schemeClr val="accent1"/>
+              <a:schemeClr val="accent2"/>
             </a:solidFill>
             <a:tailEnd type="triangle"/>
           </a:ln>
@@ -3139,7 +3139,7 @@
         </p:nvGrpSpPr>
         <p:grpSpPr>
           <a:xfrm>
-            <a:off x="3290342" y="3684448"/>
+            <a:off x="3100799" y="3684448"/>
             <a:ext cx="759020" cy="680656"/>
             <a:chOff x="3779912" y="4116496"/>
             <a:chExt cx="759020" cy="680656"/>
@@ -3336,7 +3336,7 @@
         </p:nvSpPr>
         <p:spPr>
           <a:xfrm>
-            <a:off x="2325421" y="1951173"/>
+            <a:off x="2135878" y="1951173"/>
             <a:ext cx="1024524" cy="2656990"/>
           </a:xfrm>
           <a:custGeom>
@@ -3701,7 +3701,7 @@
         </p:nvCxnSpPr>
         <p:spPr>
           <a:xfrm flipV="1">
-            <a:off x="7806877" y="3214817"/>
+            <a:off x="7687260" y="3214817"/>
             <a:ext cx="5" cy="350376"/>
           </a:xfrm>
           <a:prstGeom prst="line">
@@ -3739,8 +3739,8 @@
         </p:nvSpPr>
         <p:spPr>
           <a:xfrm flipV="1">
-            <a:off x="8174482" y="4308528"/>
-            <a:ext cx="432048" cy="1471286"/>
+            <a:off x="7984939" y="4308528"/>
+            <a:ext cx="501974" cy="1471286"/>
           </a:xfrm>
           <a:custGeom>
             <a:avLst/>
@@ -3919,8 +3919,8 @@
         </p:nvSpPr>
         <p:spPr>
           <a:xfrm flipH="1">
-            <a:off x="6542788" y="3277198"/>
-            <a:ext cx="566099" cy="2231659"/>
+            <a:off x="6353245" y="3277198"/>
+            <a:ext cx="709161" cy="2231659"/>
           </a:xfrm>
           <a:custGeom>
             <a:avLst/>
@@ -4081,6 +4081,10 @@
               <a:gd name="connsiteY0" fmla="*/ 194246 h 194246"/>
               <a:gd name="connsiteX1" fmla="*/ 76065 w 93429"/>
               <a:gd name="connsiteY1" fmla="*/ 0 h 194246"/>
+              <a:gd name="connsiteX0" fmla="*/ 117040 w 117040"/>
+              <a:gd name="connsiteY0" fmla="*/ 194246 h 194246"/>
+              <a:gd name="connsiteX1" fmla="*/ 99676 w 117040"/>
+              <a:gd name="connsiteY1" fmla="*/ 0 h 194246"/>
             </a:gdLst>
             <a:ahLst/>
             <a:cxnLst>
@@ -4093,14 +4097,14 @@
             </a:cxnLst>
             <a:rect l="l" t="t" r="r" b="b"/>
             <a:pathLst>
-              <a:path w="93429" h="194246">
+              <a:path w="117040" h="194246">
                 <a:moveTo>
-                  <a:pt x="93429" y="194246"/>
+                  <a:pt x="117040" y="194246"/>
                 </a:moveTo>
                 <a:cubicBezTo>
-                  <a:pt x="30953" y="170099"/>
-                  <a:pt x="-72034" y="380"/>
-                  <a:pt x="76065" y="0"/>
+                  <a:pt x="-22171" y="179542"/>
+                  <a:pt x="-48423" y="380"/>
+                  <a:pt x="99676" y="0"/>
                 </a:cubicBezTo>
               </a:path>
             </a:pathLst>
@@ -4143,7 +4147,7 @@
         </p:nvSpPr>
         <p:spPr>
           <a:xfrm>
-            <a:off x="6825752" y="3407520"/>
+            <a:off x="6706135" y="3407520"/>
             <a:ext cx="1659386" cy="1389632"/>
           </a:xfrm>
           <a:prstGeom prst="rect">
@@ -4201,7 +4205,7 @@
         </p:nvGrpSpPr>
         <p:grpSpPr>
           <a:xfrm>
-            <a:off x="829666" y="1594910"/>
+            <a:off x="640123" y="1594910"/>
             <a:ext cx="1273991" cy="825978"/>
             <a:chOff x="1065761" y="1512050"/>
             <a:chExt cx="1273991" cy="825978"/>
@@ -4432,7 +4436,7 @@
         </p:nvCxnSpPr>
         <p:spPr>
           <a:xfrm flipV="1">
-            <a:off x="3587894" y="4365104"/>
+            <a:off x="3398351" y="4365104"/>
             <a:ext cx="0" cy="399464"/>
           </a:xfrm>
           <a:prstGeom prst="line">
@@ -4472,7 +4476,7 @@
         </p:nvCxnSpPr>
         <p:spPr>
           <a:xfrm flipV="1">
-            <a:off x="5109253" y="3617344"/>
+            <a:off x="4919710" y="3617344"/>
             <a:ext cx="0" cy="479722"/>
           </a:xfrm>
           <a:prstGeom prst="line">
@@ -4510,7 +4514,7 @@
         </p:nvCxnSpPr>
         <p:spPr>
           <a:xfrm flipH="1" flipV="1">
-            <a:off x="3637977" y="2682498"/>
+            <a:off x="3448434" y="2682498"/>
             <a:ext cx="1" cy="493579"/>
           </a:xfrm>
           <a:prstGeom prst="line">
@@ -4548,7 +4552,7 @@
         </p:nvCxnSpPr>
         <p:spPr>
           <a:xfrm>
-            <a:off x="3015313" y="3297726"/>
+            <a:off x="2825770" y="3297726"/>
             <a:ext cx="2700000" cy="1030"/>
           </a:xfrm>
           <a:prstGeom prst="straightConnector1">
@@ -4584,7 +4588,7 @@
         </p:nvCxnSpPr>
         <p:spPr>
           <a:xfrm flipH="1">
-            <a:off x="3032236" y="5662847"/>
+            <a:off x="2842693" y="5662847"/>
             <a:ext cx="3060000" cy="0"/>
           </a:xfrm>
           <a:prstGeom prst="straightConnector1">
@@ -4622,7 +4626,7 @@
         </p:nvSpPr>
         <p:spPr>
           <a:xfrm>
-            <a:off x="1966589" y="6001543"/>
+            <a:off x="1777046" y="6001543"/>
             <a:ext cx="1388522" cy="307777"/>
           </a:xfrm>
           <a:prstGeom prst="rect">
@@ -4659,7 +4663,7 @@
         </p:nvSpPr>
         <p:spPr>
           <a:xfrm>
-            <a:off x="5948526" y="6001543"/>
+            <a:off x="5758983" y="6001543"/>
             <a:ext cx="1021434" cy="307777"/>
           </a:xfrm>
           <a:prstGeom prst="rect">
@@ -4696,7 +4700,7 @@
         </p:nvSpPr>
         <p:spPr>
           <a:xfrm>
-            <a:off x="5525684" y="2420888"/>
+            <a:off x="5336141" y="2420888"/>
             <a:ext cx="1372234" cy="523220"/>
           </a:xfrm>
           <a:prstGeom prst="rect">
@@ -4743,7 +4747,7 @@
         </p:nvCxnSpPr>
         <p:spPr>
           <a:xfrm flipV="1">
-            <a:off x="2646954" y="3600000"/>
+            <a:off x="2457411" y="3600000"/>
             <a:ext cx="5680" cy="1764000"/>
           </a:xfrm>
           <a:prstGeom prst="straightConnector1">
@@ -4781,7 +4785,7 @@
         </p:nvCxnSpPr>
         <p:spPr>
           <a:xfrm flipV="1">
-            <a:off x="6446290" y="3600000"/>
+            <a:off x="6256747" y="3600000"/>
             <a:ext cx="5151" cy="1764000"/>
           </a:xfrm>
           <a:prstGeom prst="straightConnector1">
@@ -4819,120 +4823,39 @@
         </p:nvSpPr>
         <p:spPr>
           <a:xfrm>
-            <a:off x="4142033" y="5373216"/>
-            <a:ext cx="841898" cy="307777"/>
+            <a:off x="3957227" y="5383548"/>
+            <a:ext cx="729934" cy="215444"/>
           </a:xfrm>
           <a:prstGeom prst="rect">
             <a:avLst/>
           </a:prstGeom>
-          <a:noFill/>
+          <a:solidFill>
+            <a:schemeClr val="tx2">
+              <a:lumMod val="60000"/>
+              <a:lumOff val="40000"/>
+            </a:schemeClr>
+          </a:solidFill>
         </p:spPr>
         <p:txBody>
-          <a:bodyPr wrap="none" rtlCol="0">
+          <a:bodyPr wrap="none" lIns="36000" tIns="0" rIns="36000" bIns="0" rtlCol="0">
             <a:spAutoFit/>
           </a:bodyPr>
           <a:lstStyle/>
           <a:p>
             <a:pPr algn="ctr"/>
             <a:r>
-              <a:rPr lang="en-US" sz="1400" i="1" dirty="0" smtClean="0">
+              <a:rPr lang="en-US" sz="1400" dirty="0" smtClean="0">
                 <a:solidFill>
-                  <a:schemeClr val="accent1"/>
+                  <a:schemeClr val="bg1"/>
                 </a:solidFill>
                 <a:latin typeface="Arial" panose="020B0604020202020204" pitchFamily="34" charset="0"/>
                 <a:cs typeface="Arial" panose="020B0604020202020204" pitchFamily="34" charset="0"/>
               </a:rPr>
               <a:t>Relation</a:t>
             </a:r>
-            <a:endParaRPr lang="en-US" sz="1400" i="1" dirty="0">
+            <a:endParaRPr lang="en-US" sz="1400" dirty="0">
               <a:solidFill>
-                <a:schemeClr val="accent1"/>
-              </a:solidFill>
-              <a:latin typeface="Arial" panose="020B0604020202020204" pitchFamily="34" charset="0"/>
-              <a:cs typeface="Arial" panose="020B0604020202020204" pitchFamily="34" charset="0"/>
-            </a:endParaRPr>
-          </a:p>
-        </p:txBody>
-      </p:sp>
-      <p:sp>
-        <p:nvSpPr>
-          <p:cNvPr id="85" name="TextBox 84"/>
-          <p:cNvSpPr txBox="1"/>
-          <p:nvPr/>
-        </p:nvSpPr>
-        <p:spPr>
-          <a:xfrm rot="5400000">
-            <a:off x="6197871" y="4294322"/>
-            <a:ext cx="841898" cy="307777"/>
-          </a:xfrm>
-          <a:prstGeom prst="rect">
-            <a:avLst/>
-          </a:prstGeom>
-          <a:noFill/>
-        </p:spPr>
-        <p:txBody>
-          <a:bodyPr wrap="none" rtlCol="0">
-            <a:spAutoFit/>
-          </a:bodyPr>
-          <a:lstStyle/>
-          <a:p>
-            <a:pPr algn="ctr"/>
-            <a:r>
-              <a:rPr lang="en-US" sz="1400" i="1" dirty="0" smtClean="0">
-                <a:solidFill>
-                  <a:schemeClr val="accent1"/>
-                </a:solidFill>
-                <a:latin typeface="Arial" panose="020B0604020202020204" pitchFamily="34" charset="0"/>
-                <a:cs typeface="Arial" panose="020B0604020202020204" pitchFamily="34" charset="0"/>
-              </a:rPr>
-              <a:t>Relation</a:t>
-            </a:r>
-            <a:endParaRPr lang="en-US" sz="1400" i="1" dirty="0">
-              <a:solidFill>
-                <a:schemeClr val="accent1"/>
-              </a:solidFill>
-              <a:latin typeface="Arial" panose="020B0604020202020204" pitchFamily="34" charset="0"/>
-              <a:cs typeface="Arial" panose="020B0604020202020204" pitchFamily="34" charset="0"/>
-            </a:endParaRPr>
-          </a:p>
-        </p:txBody>
-      </p:sp>
-      <p:sp>
-        <p:nvSpPr>
-          <p:cNvPr id="86" name="TextBox 85"/>
-          <p:cNvSpPr txBox="1"/>
-          <p:nvPr/>
-        </p:nvSpPr>
-        <p:spPr>
-          <a:xfrm rot="16200000">
-            <a:off x="2080635" y="4294322"/>
-            <a:ext cx="841898" cy="307777"/>
-          </a:xfrm>
-          <a:prstGeom prst="rect">
-            <a:avLst/>
-          </a:prstGeom>
-          <a:noFill/>
-        </p:spPr>
-        <p:txBody>
-          <a:bodyPr wrap="none" rtlCol="0">
-            <a:spAutoFit/>
-          </a:bodyPr>
-          <a:lstStyle/>
-          <a:p>
-            <a:pPr algn="ctr"/>
-            <a:r>
-              <a:rPr lang="en-US" sz="1400" i="1" dirty="0" smtClean="0">
-                <a:solidFill>
-                  <a:schemeClr val="accent1"/>
-                </a:solidFill>
-                <a:latin typeface="Arial" panose="020B0604020202020204" pitchFamily="34" charset="0"/>
-                <a:cs typeface="Arial" panose="020B0604020202020204" pitchFamily="34" charset="0"/>
-              </a:rPr>
-              <a:t>Relation</a:t>
-            </a:r>
-            <a:endParaRPr lang="en-US" sz="1400" i="1" dirty="0">
-              <a:solidFill>
-                <a:schemeClr val="accent1"/>
+                <a:schemeClr val="bg1"/>
               </a:solidFill>
               <a:latin typeface="Arial" panose="020B0604020202020204" pitchFamily="34" charset="0"/>
               <a:cs typeface="Arial" panose="020B0604020202020204" pitchFamily="34" charset="0"/>
@@ -4963,7 +4886,7 @@
         </p:blipFill>
         <p:spPr bwMode="auto">
           <a:xfrm rot="10800000">
-            <a:off x="6278755" y="3031745"/>
+            <a:off x="6089212" y="3031745"/>
             <a:ext cx="355673" cy="502719"/>
           </a:xfrm>
           <a:prstGeom prst="rect">
@@ -4996,7 +4919,7 @@
         </p:nvGrpSpPr>
         <p:grpSpPr>
           <a:xfrm>
-            <a:off x="2360735" y="3064604"/>
+            <a:off x="2171192" y="3064604"/>
             <a:ext cx="557162" cy="447881"/>
             <a:chOff x="3321759" y="524071"/>
             <a:chExt cx="557162" cy="447881"/>
@@ -6245,7 +6168,7 @@
         </p:blipFill>
         <p:spPr bwMode="auto">
           <a:xfrm>
-            <a:off x="5789666" y="3025656"/>
+            <a:off x="5600123" y="3025656"/>
             <a:ext cx="468000" cy="468000"/>
           </a:xfrm>
           <a:prstGeom prst="rect">
@@ -6278,7 +6201,7 @@
         </p:nvGrpSpPr>
         <p:grpSpPr>
           <a:xfrm>
-            <a:off x="6092542" y="5429255"/>
+            <a:off x="5902999" y="5429255"/>
             <a:ext cx="716412" cy="535414"/>
             <a:chOff x="2089401" y="630040"/>
             <a:chExt cx="504468" cy="363739"/>
@@ -6903,7 +6826,7 @@
         </p:blipFill>
         <p:spPr bwMode="auto">
           <a:xfrm>
-            <a:off x="1750973" y="3073173"/>
+            <a:off x="1561430" y="3073173"/>
             <a:ext cx="360040" cy="356341"/>
           </a:xfrm>
           <a:prstGeom prst="rect">
@@ -6942,7 +6865,7 @@
         </p:nvSpPr>
         <p:spPr>
           <a:xfrm>
-            <a:off x="1353789" y="2348880"/>
+            <a:off x="1164246" y="2348880"/>
             <a:ext cx="1153440" cy="3145017"/>
           </a:xfrm>
           <a:custGeom>
@@ -7158,7 +7081,7 @@
         </p:nvGrpSpPr>
         <p:grpSpPr>
           <a:xfrm>
-            <a:off x="1848425" y="5407577"/>
+            <a:off x="1658882" y="5407577"/>
             <a:ext cx="416551" cy="613711"/>
             <a:chOff x="8232155" y="577329"/>
             <a:chExt cx="416551" cy="613711"/>
@@ -7268,7 +7191,7 @@
         </p:nvGrpSpPr>
         <p:grpSpPr>
           <a:xfrm>
-            <a:off x="2302306" y="5419963"/>
+            <a:off x="2112763" y="5419963"/>
             <a:ext cx="716412" cy="535414"/>
             <a:chOff x="2089401" y="630040"/>
             <a:chExt cx="504468" cy="363739"/>
@@ -7787,7 +7710,7 @@
         </p:nvSpPr>
         <p:spPr>
           <a:xfrm>
-            <a:off x="1485592" y="2776457"/>
+            <a:off x="1296049" y="2776457"/>
             <a:ext cx="890802" cy="288147"/>
           </a:xfrm>
           <a:prstGeom prst="rect">
@@ -7844,7 +7767,7 @@
         </p:blipFill>
         <p:spPr bwMode="auto">
           <a:xfrm>
-            <a:off x="6946091" y="3777620"/>
+            <a:off x="6826474" y="3777620"/>
             <a:ext cx="360040" cy="356341"/>
           </a:xfrm>
           <a:prstGeom prst="rect">
@@ -7883,7 +7806,7 @@
         </p:nvCxnSpPr>
         <p:spPr>
           <a:xfrm flipH="1" flipV="1">
-            <a:off x="3015313" y="3090076"/>
+            <a:off x="2825770" y="3090076"/>
             <a:ext cx="2268000" cy="2654"/>
           </a:xfrm>
           <a:prstGeom prst="straightConnector1">
@@ -7953,7 +7876,7 @@
         </p:blipFill>
         <p:spPr bwMode="auto">
           <a:xfrm>
-            <a:off x="6946091" y="4077072"/>
+            <a:off x="6826474" y="4077072"/>
             <a:ext cx="360040" cy="356341"/>
           </a:xfrm>
           <a:prstGeom prst="rect">
@@ -7992,7 +7915,7 @@
         </p:nvSpPr>
         <p:spPr>
           <a:xfrm>
-            <a:off x="3416012" y="3170911"/>
+            <a:off x="3226469" y="3170911"/>
             <a:ext cx="414109" cy="241199"/>
           </a:xfrm>
           <a:prstGeom prst="parallelogram">
@@ -8052,7 +7975,7 @@
         </p:nvCxnSpPr>
         <p:spPr>
           <a:xfrm>
-            <a:off x="3015313" y="3501009"/>
+            <a:off x="2825770" y="3501009"/>
             <a:ext cx="2700000" cy="3813"/>
           </a:xfrm>
           <a:prstGeom prst="straightConnector1">
@@ -8089,7 +8012,7 @@
         </p:nvSpPr>
         <p:spPr>
           <a:xfrm>
-            <a:off x="4902198" y="3379744"/>
+            <a:off x="4712655" y="3379744"/>
             <a:ext cx="414109" cy="237600"/>
           </a:xfrm>
           <a:prstGeom prst="parallelogram">
@@ -8147,7 +8070,7 @@
         </p:nvSpPr>
         <p:spPr>
           <a:xfrm>
-            <a:off x="4398186" y="3809704"/>
+            <a:off x="4208643" y="3809704"/>
             <a:ext cx="1869886" cy="476726"/>
           </a:xfrm>
           <a:prstGeom prst="roundRect">
@@ -8237,7 +8160,7 @@
         </p:nvSpPr>
         <p:spPr>
           <a:xfrm>
-            <a:off x="2804878" y="4570796"/>
+            <a:off x="2615335" y="4570796"/>
             <a:ext cx="1560940" cy="526733"/>
           </a:xfrm>
           <a:prstGeom prst="roundRect">
@@ -8307,7 +8230,7 @@
         </p:nvSpPr>
         <p:spPr>
           <a:xfrm>
-            <a:off x="3923488" y="1225578"/>
+            <a:off x="3733945" y="1225578"/>
             <a:ext cx="4491055" cy="954107"/>
           </a:xfrm>
           <a:prstGeom prst="rect">
@@ -8447,7 +8370,7 @@
         </p:nvSpPr>
         <p:spPr>
           <a:xfrm>
-            <a:off x="5234436" y="2960918"/>
+            <a:off x="5044893" y="2960918"/>
             <a:ext cx="456830" cy="244800"/>
           </a:xfrm>
           <a:prstGeom prst="roundRect">
@@ -8515,7 +8438,7 @@
         </p:nvSpPr>
         <p:spPr>
           <a:xfrm>
-            <a:off x="2952686" y="2516967"/>
+            <a:off x="2763143" y="2516967"/>
             <a:ext cx="2197460" cy="252948"/>
           </a:xfrm>
           <a:prstGeom prst="roundRect">
@@ -8575,7 +8498,7 @@
         </p:nvGrpSpPr>
         <p:grpSpPr>
           <a:xfrm>
-            <a:off x="4826268" y="2909446"/>
+            <a:off x="4636725" y="2909446"/>
             <a:ext cx="389850" cy="369332"/>
             <a:chOff x="6653446" y="2335884"/>
             <a:chExt cx="389850" cy="369332"/>
@@ -8668,7 +8591,7 @@
         </p:nvGrpSpPr>
         <p:grpSpPr>
           <a:xfrm>
-            <a:off x="3032103" y="3114192"/>
+            <a:off x="2842560" y="3114192"/>
             <a:ext cx="389850" cy="369332"/>
             <a:chOff x="7617435" y="3266164"/>
             <a:chExt cx="389850" cy="369332"/>
@@ -8761,7 +8684,7 @@
         </p:nvGrpSpPr>
         <p:grpSpPr>
           <a:xfrm>
-            <a:off x="5312911" y="3318492"/>
+            <a:off x="5123368" y="3318492"/>
             <a:ext cx="389850" cy="369332"/>
             <a:chOff x="7769835" y="3418564"/>
             <a:chExt cx="389850" cy="369332"/>
@@ -8854,7 +8777,7 @@
         </p:nvGrpSpPr>
         <p:grpSpPr>
           <a:xfrm>
-            <a:off x="1621754" y="1378886"/>
+            <a:off x="1432211" y="1378886"/>
             <a:ext cx="1273991" cy="825978"/>
             <a:chOff x="1065761" y="1512050"/>
             <a:chExt cx="1273991" cy="825978"/>
@@ -9083,7 +9006,7 @@
         </p:nvGrpSpPr>
         <p:grpSpPr>
           <a:xfrm>
-            <a:off x="2463697" y="1196752"/>
+            <a:off x="2274154" y="1196752"/>
             <a:ext cx="1273991" cy="825978"/>
             <a:chOff x="1065761" y="1512050"/>
             <a:chExt cx="1273991" cy="825978"/>
@@ -9475,7 +9398,7 @@
         </p:nvSpPr>
         <p:spPr>
           <a:xfrm>
-            <a:off x="-6432" y="6646492"/>
+            <a:off x="7529098" y="6646492"/>
             <a:ext cx="1651414" cy="215444"/>
           </a:xfrm>
           <a:prstGeom prst="rect">
@@ -9492,12 +9415,13 @@
           </a:bodyPr>
           <a:lstStyle/>
           <a:p>
+            <a:pPr algn="r"/>
             <a:r>
               <a:rPr lang="en-US" sz="800" dirty="0" smtClean="0">
                 <a:latin typeface="Arial" panose="020B0604020202020204" pitchFamily="34" charset="0"/>
                 <a:cs typeface="Arial" panose="020B0604020202020204" pitchFamily="34" charset="0"/>
               </a:rPr>
-              <a:t>V0.96, </a:t>
+              <a:t>V0.97, </a:t>
             </a:r>
             <a:r>
               <a:rPr lang="en-US" sz="800" dirty="0" err="1" smtClean="0">
@@ -9511,7 +9435,14 @@
                 <a:latin typeface="Arial" panose="020B0604020202020204" pitchFamily="34" charset="0"/>
                 <a:cs typeface="Arial" panose="020B0604020202020204" pitchFamily="34" charset="0"/>
               </a:rPr>
-              <a:t>, 2019-09-08</a:t>
+              <a:t>, </a:t>
+            </a:r>
+            <a:r>
+              <a:rPr lang="en-US" sz="800" dirty="0" smtClean="0">
+                <a:latin typeface="Arial" panose="020B0604020202020204" pitchFamily="34" charset="0"/>
+                <a:cs typeface="Arial" panose="020B0604020202020204" pitchFamily="34" charset="0"/>
+              </a:rPr>
+              <a:t>2019-09-09</a:t>
             </a:r>
             <a:endParaRPr lang="en-US" sz="800" dirty="0">
               <a:latin typeface="Arial" panose="020B0604020202020204" pitchFamily="34" charset="0"/>
@@ -9528,7 +9459,7 @@
         </p:nvSpPr>
         <p:spPr>
           <a:xfrm>
-            <a:off x="1691680" y="6453336"/>
+            <a:off x="1475656" y="6453336"/>
             <a:ext cx="5704646" cy="246221"/>
           </a:xfrm>
           <a:prstGeom prst="rect">
@@ -9627,7 +9558,7 @@
         </p:nvGrpSpPr>
         <p:grpSpPr>
           <a:xfrm>
-            <a:off x="3030939" y="3604126"/>
+            <a:off x="2841396" y="3604126"/>
             <a:ext cx="389850" cy="369332"/>
             <a:chOff x="7769835" y="3418564"/>
             <a:chExt cx="389850" cy="369332"/>
@@ -9813,7 +9744,7 @@
         </p:nvSpPr>
         <p:spPr>
           <a:xfrm>
-            <a:off x="6276792" y="3113377"/>
+            <a:off x="6087249" y="3113377"/>
             <a:ext cx="357790" cy="184666"/>
           </a:xfrm>
           <a:prstGeom prst="rect">
@@ -9849,7 +9780,7 @@
         </p:nvGrpSpPr>
         <p:grpSpPr>
           <a:xfrm>
-            <a:off x="6411202" y="3320079"/>
+            <a:off x="6221659" y="3320079"/>
             <a:ext cx="72000" cy="72000"/>
             <a:chOff x="7812360" y="2253119"/>
             <a:chExt cx="144016" cy="144016"/>
@@ -9964,7 +9895,7 @@
         </p:nvSpPr>
         <p:spPr>
           <a:xfrm>
-            <a:off x="7306131" y="3860695"/>
+            <a:off x="7186514" y="3860695"/>
             <a:ext cx="855166" cy="238363"/>
           </a:xfrm>
           <a:prstGeom prst="roundRect">
@@ -10009,7 +9940,7 @@
         </p:nvSpPr>
         <p:spPr>
           <a:xfrm>
-            <a:off x="7306131" y="4183889"/>
+            <a:off x="7186514" y="4183889"/>
             <a:ext cx="936866" cy="238363"/>
           </a:xfrm>
           <a:prstGeom prst="roundRect">
@@ -10096,82 +10027,13 @@
       </p:sp>
       <p:sp>
         <p:nvSpPr>
-          <p:cNvPr id="12" name="7-Point Star 11"/>
-          <p:cNvSpPr/>
-          <p:nvPr/>
-        </p:nvSpPr>
-        <p:spPr>
-          <a:xfrm>
-            <a:off x="5330202" y="4896260"/>
-            <a:ext cx="324000" cy="324000"/>
-          </a:xfrm>
-          <a:prstGeom prst="star7">
-            <a:avLst>
-              <a:gd name="adj" fmla="val 22564"/>
-              <a:gd name="hf" fmla="val 102572"/>
-              <a:gd name="vf" fmla="val 105210"/>
-            </a:avLst>
-          </a:prstGeom>
-          <a:solidFill>
-            <a:srgbClr val="FFFF00"/>
-          </a:solidFill>
-          <a:ln w="12700">
-            <a:solidFill>
-              <a:schemeClr val="accent6">
-                <a:lumMod val="75000"/>
-              </a:schemeClr>
-            </a:solidFill>
-          </a:ln>
-          <a:effectLst>
-            <a:outerShdw blurRad="50800" dist="38100" dir="2700000" algn="tl" rotWithShape="0">
-              <a:prstClr val="black">
-                <a:alpha val="40000"/>
-              </a:prstClr>
-            </a:outerShdw>
-          </a:effectLst>
-        </p:spPr>
-        <p:style>
-          <a:lnRef idx="2">
-            <a:schemeClr val="accent1">
-              <a:shade val="50000"/>
-            </a:schemeClr>
-          </a:lnRef>
-          <a:fillRef idx="1">
-            <a:schemeClr val="accent1"/>
-          </a:fillRef>
-          <a:effectRef idx="0">
-            <a:schemeClr val="accent1"/>
-          </a:effectRef>
-          <a:fontRef idx="minor">
-            <a:schemeClr val="lt1"/>
-          </a:fontRef>
-        </p:style>
-        <p:txBody>
-          <a:bodyPr wrap="none" lIns="0" tIns="0" rIns="0" bIns="0" rtlCol="0" anchor="ctr">
-            <a:spAutoFit/>
-          </a:bodyPr>
-          <a:lstStyle/>
-          <a:p>
-            <a:pPr algn="ctr"/>
-            <a:endParaRPr lang="en-US" sz="1400" dirty="0">
-              <a:solidFill>
-                <a:schemeClr val="tx1"/>
-              </a:solidFill>
-              <a:latin typeface="Arial" panose="020B0604020202020204" pitchFamily="34" charset="0"/>
-              <a:cs typeface="Arial" panose="020B0604020202020204" pitchFamily="34" charset="0"/>
-            </a:endParaRPr>
-          </a:p>
-        </p:txBody>
-      </p:sp>
-      <p:sp>
-        <p:nvSpPr>
           <p:cNvPr id="9" name="Left-Right Arrow 8"/>
           <p:cNvSpPr/>
           <p:nvPr/>
         </p:nvSpPr>
         <p:spPr>
           <a:xfrm>
-            <a:off x="3032236" y="5733076"/>
+            <a:off x="2842693" y="5733076"/>
             <a:ext cx="3060000" cy="175030"/>
           </a:xfrm>
           <a:prstGeom prst="leftRightArrow">
@@ -10242,7 +10104,7 @@
         </p:nvSpPr>
         <p:spPr>
           <a:xfrm>
-            <a:off x="3565970" y="5876777"/>
+            <a:off x="3376427" y="5876777"/>
             <a:ext cx="2137124" cy="307777"/>
           </a:xfrm>
           <a:prstGeom prst="rect">
@@ -10294,7 +10156,7 @@
         </p:blipFill>
         <p:spPr bwMode="auto">
           <a:xfrm>
-            <a:off x="6866370" y="5589240"/>
+            <a:off x="6676827" y="5589240"/>
             <a:ext cx="360040" cy="356341"/>
           </a:xfrm>
           <a:prstGeom prst="rect">
@@ -10333,7 +10195,7 @@
         </p:nvSpPr>
         <p:spPr>
           <a:xfrm>
-            <a:off x="7217480" y="5637143"/>
+            <a:off x="7027937" y="5637143"/>
             <a:ext cx="946670" cy="238363"/>
           </a:xfrm>
           <a:prstGeom prst="roundRect">
@@ -10378,7 +10240,7 @@
         </p:nvSpPr>
         <p:spPr>
           <a:xfrm>
-            <a:off x="942306" y="5602051"/>
+            <a:off x="752763" y="5602051"/>
             <a:ext cx="855166" cy="238363"/>
           </a:xfrm>
           <a:prstGeom prst="roundRect">
@@ -10423,7 +10285,7 @@
         </p:nvSpPr>
         <p:spPr>
           <a:xfrm>
-            <a:off x="1503410" y="3406661"/>
+            <a:off x="1313867" y="3406661"/>
             <a:ext cx="855166" cy="238363"/>
           </a:xfrm>
           <a:prstGeom prst="roundRect">
@@ -10468,7 +10330,7 @@
         </p:nvSpPr>
         <p:spPr>
           <a:xfrm>
-            <a:off x="6595208" y="5013176"/>
+            <a:off x="6477000" y="4994714"/>
             <a:ext cx="1649873" cy="252948"/>
           </a:xfrm>
           <a:prstGeom prst="roundRect">
@@ -10516,7 +10378,7 @@
         </p:nvSpPr>
         <p:spPr>
           <a:xfrm>
-            <a:off x="6946092" y="3520001"/>
+            <a:off x="6826475" y="3520001"/>
             <a:ext cx="949546" cy="215444"/>
           </a:xfrm>
           <a:prstGeom prst="rect">
@@ -10560,7 +10422,7 @@
         </p:nvSpPr>
         <p:spPr>
           <a:xfrm>
-            <a:off x="539552" y="4005064"/>
+            <a:off x="611560" y="4994714"/>
             <a:ext cx="1610657" cy="252948"/>
           </a:xfrm>
           <a:prstGeom prst="roundRect">
@@ -10611,7 +10473,7 @@
         </p:nvSpPr>
         <p:spPr>
           <a:xfrm>
-            <a:off x="7007233" y="2708920"/>
+            <a:off x="6887616" y="2708920"/>
             <a:ext cx="1599297" cy="505897"/>
           </a:xfrm>
           <a:prstGeom prst="roundRect">
@@ -10672,7 +10534,7 @@
         </p:nvSpPr>
         <p:spPr>
           <a:xfrm>
-            <a:off x="7958458" y="3512872"/>
+            <a:off x="7838841" y="3512872"/>
             <a:ext cx="418172" cy="252000"/>
           </a:xfrm>
           <a:prstGeom prst="roundRect">
@@ -10723,7 +10585,7 @@
         </p:nvSpPr>
         <p:spPr>
           <a:xfrm>
-            <a:off x="7999786" y="3552928"/>
+            <a:off x="7880169" y="3552928"/>
             <a:ext cx="130831" cy="130831"/>
           </a:xfrm>
           <a:prstGeom prst="ellipse">
@@ -10779,7 +10641,7 @@
         </p:nvCxnSpPr>
         <p:spPr>
           <a:xfrm>
-            <a:off x="8174312" y="3573276"/>
+            <a:off x="8054695" y="3573276"/>
             <a:ext cx="144000" cy="0"/>
           </a:xfrm>
           <a:prstGeom prst="line">
@@ -10817,7 +10679,7 @@
         </p:nvCxnSpPr>
         <p:spPr>
           <a:xfrm>
-            <a:off x="8174312" y="3645284"/>
+            <a:off x="8054695" y="3645284"/>
             <a:ext cx="144000" cy="0"/>
           </a:xfrm>
           <a:prstGeom prst="line">
@@ -10855,7 +10717,7 @@
         </p:nvSpPr>
         <p:spPr>
           <a:xfrm>
-            <a:off x="2230372" y="2516967"/>
+            <a:off x="2040829" y="2516967"/>
             <a:ext cx="543510" cy="252948"/>
           </a:xfrm>
           <a:prstGeom prst="roundRect">
@@ -10913,7 +10775,7 @@
         </p:nvSpPr>
         <p:spPr>
           <a:xfrm>
-            <a:off x="6946092" y="4494202"/>
+            <a:off x="6826475" y="4494202"/>
             <a:ext cx="1318237" cy="215444"/>
           </a:xfrm>
           <a:prstGeom prst="rect">
@@ -10974,7 +10836,7 @@
         </p:nvCxnSpPr>
         <p:spPr>
           <a:xfrm>
-            <a:off x="8174482" y="3706700"/>
+            <a:off x="8054865" y="3706700"/>
             <a:ext cx="144000" cy="0"/>
           </a:xfrm>
           <a:prstGeom prst="line">
@@ -11004,6 +10866,157 @@
           </a:fontRef>
         </p:style>
       </p:cxnSp>
+      <p:sp>
+        <p:nvSpPr>
+          <p:cNvPr id="157" name="TextBox 156"/>
+          <p:cNvSpPr txBox="1"/>
+          <p:nvPr/>
+        </p:nvSpPr>
+        <p:spPr>
+          <a:xfrm rot="5400000">
+            <a:off x="6075174" y="4347232"/>
+            <a:ext cx="729934" cy="215444"/>
+          </a:xfrm>
+          <a:prstGeom prst="rect">
+            <a:avLst/>
+          </a:prstGeom>
+          <a:solidFill>
+            <a:schemeClr val="tx2">
+              <a:lumMod val="60000"/>
+              <a:lumOff val="40000"/>
+            </a:schemeClr>
+          </a:solidFill>
+        </p:spPr>
+        <p:txBody>
+          <a:bodyPr wrap="none" lIns="36000" tIns="0" rIns="36000" bIns="0" rtlCol="0">
+            <a:spAutoFit/>
+          </a:bodyPr>
+          <a:lstStyle/>
+          <a:p>
+            <a:pPr algn="ctr"/>
+            <a:r>
+              <a:rPr lang="en-US" sz="1400" dirty="0" smtClean="0">
+                <a:solidFill>
+                  <a:schemeClr val="bg1"/>
+                </a:solidFill>
+                <a:latin typeface="Arial" panose="020B0604020202020204" pitchFamily="34" charset="0"/>
+                <a:cs typeface="Arial" panose="020B0604020202020204" pitchFamily="34" charset="0"/>
+              </a:rPr>
+              <a:t>Relation</a:t>
+            </a:r>
+            <a:endParaRPr lang="en-US" sz="1400" dirty="0">
+              <a:solidFill>
+                <a:schemeClr val="bg1"/>
+              </a:solidFill>
+              <a:latin typeface="Arial" panose="020B0604020202020204" pitchFamily="34" charset="0"/>
+              <a:cs typeface="Arial" panose="020B0604020202020204" pitchFamily="34" charset="0"/>
+            </a:endParaRPr>
+          </a:p>
+        </p:txBody>
+      </p:sp>
+      <p:sp>
+        <p:nvSpPr>
+          <p:cNvPr id="159" name="TextBox 158"/>
+          <p:cNvSpPr txBox="1"/>
+          <p:nvPr/>
+        </p:nvSpPr>
+        <p:spPr>
+          <a:xfrm rot="16200000">
+            <a:off x="1918795" y="4347232"/>
+            <a:ext cx="729934" cy="215444"/>
+          </a:xfrm>
+          <a:prstGeom prst="rect">
+            <a:avLst/>
+          </a:prstGeom>
+          <a:solidFill>
+            <a:schemeClr val="tx2">
+              <a:lumMod val="60000"/>
+              <a:lumOff val="40000"/>
+            </a:schemeClr>
+          </a:solidFill>
+        </p:spPr>
+        <p:txBody>
+          <a:bodyPr wrap="none" lIns="36000" tIns="0" rIns="36000" bIns="0" rtlCol="0">
+            <a:spAutoFit/>
+          </a:bodyPr>
+          <a:lstStyle/>
+          <a:p>
+            <a:pPr algn="ctr"/>
+            <a:r>
+              <a:rPr lang="en-US" sz="1400" dirty="0" smtClean="0">
+                <a:solidFill>
+                  <a:schemeClr val="bg1"/>
+                </a:solidFill>
+                <a:latin typeface="Arial" panose="020B0604020202020204" pitchFamily="34" charset="0"/>
+                <a:cs typeface="Arial" panose="020B0604020202020204" pitchFamily="34" charset="0"/>
+              </a:rPr>
+              <a:t>Relation</a:t>
+            </a:r>
+            <a:endParaRPr lang="en-US" sz="1400" dirty="0">
+              <a:solidFill>
+                <a:schemeClr val="bg1"/>
+              </a:solidFill>
+              <a:latin typeface="Arial" panose="020B0604020202020204" pitchFamily="34" charset="0"/>
+              <a:cs typeface="Arial" panose="020B0604020202020204" pitchFamily="34" charset="0"/>
+            </a:endParaRPr>
+          </a:p>
+        </p:txBody>
+      </p:sp>
+      <p:sp>
+        <p:nvSpPr>
+          <p:cNvPr id="160" name="TextBox 159"/>
+          <p:cNvSpPr txBox="1"/>
+          <p:nvPr/>
+        </p:nvSpPr>
+        <p:spPr>
+          <a:xfrm rot="1740000">
+            <a:off x="4274997" y="4755664"/>
+            <a:ext cx="1396785" cy="215444"/>
+          </a:xfrm>
+          <a:prstGeom prst="rect">
+            <a:avLst/>
+          </a:prstGeom>
+          <a:solidFill>
+            <a:schemeClr val="accent2"/>
+          </a:solidFill>
+        </p:spPr>
+        <p:txBody>
+          <a:bodyPr wrap="none" lIns="36000" tIns="0" rIns="36000" bIns="0" rtlCol="0">
+            <a:spAutoFit/>
+          </a:bodyPr>
+          <a:lstStyle/>
+          <a:p>
+            <a:pPr algn="ctr"/>
+            <a:r>
+              <a:rPr lang="en-US" sz="1400" dirty="0" smtClean="0">
+                <a:solidFill>
+                  <a:schemeClr val="bg1"/>
+                </a:solidFill>
+                <a:latin typeface="Arial" panose="020B0604020202020204" pitchFamily="34" charset="0"/>
+                <a:cs typeface="Arial" panose="020B0604020202020204" pitchFamily="34" charset="0"/>
+              </a:rPr>
+              <a:t>Derived</a:t>
+            </a:r>
+            <a:r>
+              <a:rPr lang="en-US" sz="1400" dirty="0" smtClean="0">
+                <a:solidFill>
+                  <a:schemeClr val="bg1"/>
+                </a:solidFill>
+                <a:latin typeface="Arial" panose="020B0604020202020204" pitchFamily="34" charset="0"/>
+                <a:cs typeface="Arial" panose="020B0604020202020204" pitchFamily="34" charset="0"/>
+              </a:rPr>
+              <a:t> Relation</a:t>
+            </a:r>
+            <a:endParaRPr lang="en-US" sz="1400" dirty="0">
+              <a:solidFill>
+                <a:schemeClr val="bg1"/>
+              </a:solidFill>
+              <a:latin typeface="Arial" panose="020B0604020202020204" pitchFamily="34" charset="0"/>
+              <a:cs typeface="Arial" panose="020B0604020202020204" pitchFamily="34" charset="0"/>
+            </a:endParaRPr>
+          </a:p>
+        </p:txBody>
+      </p:sp>
     </p:spTree>
     <p:extLst>
       <p:ext uri="{BB962C8B-B14F-4D97-AF65-F5344CB8AC3E}">

--- a/saturn/enhanced-four-corner-model.pptx
+++ b/saturn/enhanced-four-corner-model.pptx
@@ -4823,10 +4823,10 @@
         </p:nvSpPr>
         <p:spPr>
           <a:xfrm>
-            <a:off x="3957227" y="5383548"/>
-            <a:ext cx="729934" cy="215444"/>
+            <a:off x="4051901" y="5383548"/>
+            <a:ext cx="540589" cy="238363"/>
           </a:xfrm>
-          <a:prstGeom prst="rect">
+          <a:prstGeom prst="roundRect">
             <a:avLst/>
           </a:prstGeom>
           <a:solidFill>
@@ -4837,7 +4837,7 @@
           </a:solidFill>
         </p:spPr>
         <p:txBody>
-          <a:bodyPr wrap="none" lIns="36000" tIns="0" rIns="36000" bIns="0" rtlCol="0">
+          <a:bodyPr wrap="none" lIns="54000" tIns="0" rIns="64800" bIns="0" rtlCol="0" anchor="ctr" anchorCtr="1">
             <a:spAutoFit/>
           </a:bodyPr>
           <a:lstStyle/>
@@ -4851,7 +4851,7 @@
                 <a:latin typeface="Arial" panose="020B0604020202020204" pitchFamily="34" charset="0"/>
                 <a:cs typeface="Arial" panose="020B0604020202020204" pitchFamily="34" charset="0"/>
               </a:rPr>
-              <a:t>Relation</a:t>
+              <a:t>Trust</a:t>
             </a:r>
             <a:endParaRPr lang="en-US" sz="1400" dirty="0">
               <a:solidFill>
@@ -9435,14 +9435,7 @@
                 <a:latin typeface="Arial" panose="020B0604020202020204" pitchFamily="34" charset="0"/>
                 <a:cs typeface="Arial" panose="020B0604020202020204" pitchFamily="34" charset="0"/>
               </a:rPr>
-              <a:t>, </a:t>
-            </a:r>
-            <a:r>
-              <a:rPr lang="en-US" sz="800" dirty="0" smtClean="0">
-                <a:latin typeface="Arial" panose="020B0604020202020204" pitchFamily="34" charset="0"/>
-                <a:cs typeface="Arial" panose="020B0604020202020204" pitchFamily="34" charset="0"/>
-              </a:rPr>
-              <a:t>2019-09-09</a:t>
+              <a:t>, 2019-09-09</a:t>
             </a:r>
             <a:endParaRPr lang="en-US" sz="800" dirty="0">
               <a:latin typeface="Arial" panose="020B0604020202020204" pitchFamily="34" charset="0"/>
@@ -10039,7 +10032,7 @@
           <a:prstGeom prst="leftRightArrow">
             <a:avLst/>
           </a:prstGeom>
-          <a:gradFill>
+          <a:gradFill flip="none" rotWithShape="1">
             <a:gsLst>
               <a:gs pos="0">
                 <a:srgbClr val="FBEAC7"/>
@@ -10047,11 +10040,8 @@
               <a:gs pos="17999">
                 <a:srgbClr val="FEE7F2"/>
               </a:gs>
-              <a:gs pos="36000">
+              <a:gs pos="48000">
                 <a:srgbClr val="FAC77D"/>
-              </a:gs>
-              <a:gs pos="61000">
-                <a:srgbClr val="FBA97D"/>
               </a:gs>
               <a:gs pos="82001">
                 <a:srgbClr val="FBD49C"/>
@@ -10060,7 +10050,8 @@
                 <a:srgbClr val="FEE7F2"/>
               </a:gs>
             </a:gsLst>
-            <a:lin ang="5400000" scaled="0"/>
+            <a:lin ang="5400000" scaled="1"/>
+            <a:tileRect/>
           </a:gradFill>
           <a:ln w="6350"/>
           <a:effectLst>
@@ -10874,10 +10865,10 @@
         </p:nvSpPr>
         <p:spPr>
           <a:xfrm rot="5400000">
-            <a:off x="6075174" y="4347232"/>
-            <a:ext cx="729934" cy="215444"/>
+            <a:off x="6169850" y="4335773"/>
+            <a:ext cx="540589" cy="238363"/>
           </a:xfrm>
-          <a:prstGeom prst="rect">
+          <a:prstGeom prst="roundRect">
             <a:avLst/>
           </a:prstGeom>
           <a:solidFill>
@@ -10888,7 +10879,7 @@
           </a:solidFill>
         </p:spPr>
         <p:txBody>
-          <a:bodyPr wrap="none" lIns="36000" tIns="0" rIns="36000" bIns="0" rtlCol="0">
+          <a:bodyPr wrap="none" lIns="54000" tIns="0" rIns="64800" bIns="0" rtlCol="0" anchor="ctr" anchorCtr="1">
             <a:spAutoFit/>
           </a:bodyPr>
           <a:lstStyle/>
@@ -10902,7 +10893,7 @@
                 <a:latin typeface="Arial" panose="020B0604020202020204" pitchFamily="34" charset="0"/>
                 <a:cs typeface="Arial" panose="020B0604020202020204" pitchFamily="34" charset="0"/>
               </a:rPr>
-              <a:t>Relation</a:t>
+              <a:t>Trust</a:t>
             </a:r>
             <a:endParaRPr lang="en-US" sz="1400" dirty="0">
               <a:solidFill>
@@ -10922,10 +10913,10 @@
         </p:nvSpPr>
         <p:spPr>
           <a:xfrm rot="16200000">
-            <a:off x="1918795" y="4347232"/>
-            <a:ext cx="729934" cy="215444"/>
+            <a:off x="2013469" y="4335773"/>
+            <a:ext cx="540589" cy="238363"/>
           </a:xfrm>
-          <a:prstGeom prst="rect">
+          <a:prstGeom prst="roundRect">
             <a:avLst/>
           </a:prstGeom>
           <a:solidFill>
@@ -10936,7 +10927,7 @@
           </a:solidFill>
         </p:spPr>
         <p:txBody>
-          <a:bodyPr wrap="none" lIns="36000" tIns="0" rIns="36000" bIns="0" rtlCol="0">
+          <a:bodyPr wrap="none" lIns="54000" tIns="0" rIns="64800" bIns="0" rtlCol="0" anchor="ctr" anchorCtr="1">
             <a:spAutoFit/>
           </a:bodyPr>
           <a:lstStyle/>
@@ -10950,7 +10941,7 @@
                 <a:latin typeface="Arial" panose="020B0604020202020204" pitchFamily="34" charset="0"/>
                 <a:cs typeface="Arial" panose="020B0604020202020204" pitchFamily="34" charset="0"/>
               </a:rPr>
-              <a:t>Relation</a:t>
+              <a:t>Trust</a:t>
             </a:r>
             <a:endParaRPr lang="en-US" sz="1400" dirty="0">
               <a:solidFill>
@@ -10970,10 +10961,10 @@
         </p:nvSpPr>
         <p:spPr>
           <a:xfrm rot="1740000">
-            <a:off x="4274997" y="4755664"/>
-            <a:ext cx="1396785" cy="215444"/>
+            <a:off x="4362804" y="4744205"/>
+            <a:ext cx="1221177" cy="238363"/>
           </a:xfrm>
-          <a:prstGeom prst="rect">
+          <a:prstGeom prst="roundRect">
             <a:avLst/>
           </a:prstGeom>
           <a:solidFill>
@@ -10981,7 +10972,7 @@
           </a:solidFill>
         </p:spPr>
         <p:txBody>
-          <a:bodyPr wrap="none" lIns="36000" tIns="0" rIns="36000" bIns="0" rtlCol="0">
+          <a:bodyPr wrap="none" lIns="72000" tIns="0" rIns="72000" bIns="0" rtlCol="0" anchor="ctr" anchorCtr="1">
             <a:spAutoFit/>
           </a:bodyPr>
           <a:lstStyle/>
@@ -10995,7 +10986,7 @@
                 <a:latin typeface="Arial" panose="020B0604020202020204" pitchFamily="34" charset="0"/>
                 <a:cs typeface="Arial" panose="020B0604020202020204" pitchFamily="34" charset="0"/>
               </a:rPr>
-              <a:t>Derived</a:t>
+              <a:t>Derived </a:t>
             </a:r>
             <a:r>
               <a:rPr lang="en-US" sz="1400" dirty="0" smtClean="0">
@@ -11005,7 +10996,7 @@
                 <a:latin typeface="Arial" panose="020B0604020202020204" pitchFamily="34" charset="0"/>
                 <a:cs typeface="Arial" panose="020B0604020202020204" pitchFamily="34" charset="0"/>
               </a:rPr>
-              <a:t> Relation</a:t>
+              <a:t>Trust</a:t>
             </a:r>
             <a:endParaRPr lang="en-US" sz="1400" dirty="0">
               <a:solidFill>

--- a/saturn/enhanced-four-corner-model.pptx
+++ b/saturn/enhanced-four-corner-model.pptx
@@ -4823,7 +4823,7 @@
         </p:nvSpPr>
         <p:spPr>
           <a:xfrm>
-            <a:off x="4051901" y="5383548"/>
+            <a:off x="4051901" y="5368050"/>
             <a:ext cx="540589" cy="238363"/>
           </a:xfrm>
           <a:prstGeom prst="roundRect">
@@ -10986,17 +10986,7 @@
                 <a:latin typeface="Arial" panose="020B0604020202020204" pitchFamily="34" charset="0"/>
                 <a:cs typeface="Arial" panose="020B0604020202020204" pitchFamily="34" charset="0"/>
               </a:rPr>
-              <a:t>Derived </a:t>
-            </a:r>
-            <a:r>
-              <a:rPr lang="en-US" sz="1400" dirty="0" smtClean="0">
-                <a:solidFill>
-                  <a:schemeClr val="bg1"/>
-                </a:solidFill>
-                <a:latin typeface="Arial" panose="020B0604020202020204" pitchFamily="34" charset="0"/>
-                <a:cs typeface="Arial" panose="020B0604020202020204" pitchFamily="34" charset="0"/>
-              </a:rPr>
-              <a:t>Trust</a:t>
+              <a:t>Derived Trust</a:t>
             </a:r>
             <a:endParaRPr lang="en-US" sz="1400" dirty="0">
               <a:solidFill>

--- a/saturn/enhanced-four-corner-model.pptx
+++ b/saturn/enhanced-four-corner-model.pptx
@@ -288,7 +288,7 @@
           <a:p>
             <a:fld id="{FC080E38-6FF2-48B3-BDAB-4FA23B840E92}" type="datetimeFigureOut">
               <a:rPr lang="en-US" smtClean="0"/>
-              <a:t>2019-09-09</a:t>
+              <a:t>2019-09-14</a:t>
             </a:fld>
             <a:endParaRPr lang="en-US"/>
           </a:p>
@@ -458,7 +458,7 @@
           <a:p>
             <a:fld id="{FC080E38-6FF2-48B3-BDAB-4FA23B840E92}" type="datetimeFigureOut">
               <a:rPr lang="en-US" smtClean="0"/>
-              <a:t>2019-09-09</a:t>
+              <a:t>2019-09-14</a:t>
             </a:fld>
             <a:endParaRPr lang="en-US"/>
           </a:p>
@@ -638,7 +638,7 @@
           <a:p>
             <a:fld id="{FC080E38-6FF2-48B3-BDAB-4FA23B840E92}" type="datetimeFigureOut">
               <a:rPr lang="en-US" smtClean="0"/>
-              <a:t>2019-09-09</a:t>
+              <a:t>2019-09-14</a:t>
             </a:fld>
             <a:endParaRPr lang="en-US"/>
           </a:p>
@@ -808,7 +808,7 @@
           <a:p>
             <a:fld id="{FC080E38-6FF2-48B3-BDAB-4FA23B840E92}" type="datetimeFigureOut">
               <a:rPr lang="en-US" smtClean="0"/>
-              <a:t>2019-09-09</a:t>
+              <a:t>2019-09-14</a:t>
             </a:fld>
             <a:endParaRPr lang="en-US"/>
           </a:p>
@@ -1054,7 +1054,7 @@
           <a:p>
             <a:fld id="{FC080E38-6FF2-48B3-BDAB-4FA23B840E92}" type="datetimeFigureOut">
               <a:rPr lang="en-US" smtClean="0"/>
-              <a:t>2019-09-09</a:t>
+              <a:t>2019-09-14</a:t>
             </a:fld>
             <a:endParaRPr lang="en-US"/>
           </a:p>
@@ -1342,7 +1342,7 @@
           <a:p>
             <a:fld id="{FC080E38-6FF2-48B3-BDAB-4FA23B840E92}" type="datetimeFigureOut">
               <a:rPr lang="en-US" smtClean="0"/>
-              <a:t>2019-09-09</a:t>
+              <a:t>2019-09-14</a:t>
             </a:fld>
             <a:endParaRPr lang="en-US"/>
           </a:p>
@@ -1764,7 +1764,7 @@
           <a:p>
             <a:fld id="{FC080E38-6FF2-48B3-BDAB-4FA23B840E92}" type="datetimeFigureOut">
               <a:rPr lang="en-US" smtClean="0"/>
-              <a:t>2019-09-09</a:t>
+              <a:t>2019-09-14</a:t>
             </a:fld>
             <a:endParaRPr lang="en-US"/>
           </a:p>
@@ -1882,7 +1882,7 @@
           <a:p>
             <a:fld id="{FC080E38-6FF2-48B3-BDAB-4FA23B840E92}" type="datetimeFigureOut">
               <a:rPr lang="en-US" smtClean="0"/>
-              <a:t>2019-09-09</a:t>
+              <a:t>2019-09-14</a:t>
             </a:fld>
             <a:endParaRPr lang="en-US"/>
           </a:p>
@@ -1977,7 +1977,7 @@
           <a:p>
             <a:fld id="{FC080E38-6FF2-48B3-BDAB-4FA23B840E92}" type="datetimeFigureOut">
               <a:rPr lang="en-US" smtClean="0"/>
-              <a:t>2019-09-09</a:t>
+              <a:t>2019-09-14</a:t>
             </a:fld>
             <a:endParaRPr lang="en-US"/>
           </a:p>
@@ -2254,7 +2254,7 @@
           <a:p>
             <a:fld id="{FC080E38-6FF2-48B3-BDAB-4FA23B840E92}" type="datetimeFigureOut">
               <a:rPr lang="en-US" smtClean="0"/>
-              <a:t>2019-09-09</a:t>
+              <a:t>2019-09-14</a:t>
             </a:fld>
             <a:endParaRPr lang="en-US"/>
           </a:p>
@@ -2507,7 +2507,7 @@
           <a:p>
             <a:fld id="{FC080E38-6FF2-48B3-BDAB-4FA23B840E92}" type="datetimeFigureOut">
               <a:rPr lang="en-US" smtClean="0"/>
-              <a:t>2019-09-09</a:t>
+              <a:t>2019-09-14</a:t>
             </a:fld>
             <a:endParaRPr lang="en-US"/>
           </a:p>
@@ -2720,7 +2720,7 @@
           <a:p>
             <a:fld id="{FC080E38-6FF2-48B3-BDAB-4FA23B840E92}" type="datetimeFigureOut">
               <a:rPr lang="en-US" smtClean="0"/>
-              <a:t>2019-09-09</a:t>
+              <a:t>2019-09-14</a:t>
             </a:fld>
             <a:endParaRPr lang="en-US"/>
           </a:p>
@@ -8438,8 +8438,8 @@
         </p:nvSpPr>
         <p:spPr>
           <a:xfrm>
-            <a:off x="2763143" y="2516967"/>
-            <a:ext cx="2197460" cy="252948"/>
+            <a:off x="3062262" y="2564904"/>
+            <a:ext cx="1599219" cy="252948"/>
           </a:xfrm>
           <a:prstGeom prst="roundRect">
             <a:avLst>
@@ -8465,23 +8465,18 @@
           <a:p>
             <a:pPr algn="ctr"/>
             <a:r>
-              <a:rPr lang="en-US" sz="1400" i="1" dirty="0" smtClean="0">
-                <a:solidFill>
-                  <a:schemeClr val="accent6">
-                    <a:lumMod val="50000"/>
-                  </a:schemeClr>
-                </a:solidFill>
-                <a:latin typeface="Arial" panose="020B0604020202020204" pitchFamily="34" charset="0"/>
-                <a:cs typeface="Arial" panose="020B0604020202020204" pitchFamily="34" charset="0"/>
-              </a:rPr>
-              <a:t>Signed </a:t>
-            </a:r>
-            <a:r>
               <a:rPr lang="en-US" sz="1400" dirty="0" smtClean="0">
                 <a:latin typeface="Arial" panose="020B0604020202020204" pitchFamily="34" charset="0"/>
                 <a:cs typeface="Arial" panose="020B0604020202020204" pitchFamily="34" charset="0"/>
               </a:rPr>
-              <a:t>Payment Request</a:t>
+              <a:t>Payment </a:t>
+            </a:r>
+            <a:r>
+              <a:rPr lang="en-US" sz="1400" dirty="0" smtClean="0">
+                <a:latin typeface="Arial" panose="020B0604020202020204" pitchFamily="34" charset="0"/>
+                <a:cs typeface="Arial" panose="020B0604020202020204" pitchFamily="34" charset="0"/>
+              </a:rPr>
+              <a:t>Request</a:t>
             </a:r>
             <a:endParaRPr lang="en-US" sz="1400" dirty="0">
               <a:latin typeface="Arial" panose="020B0604020202020204" pitchFamily="34" charset="0"/>
@@ -9421,7 +9416,7 @@
                 <a:latin typeface="Arial" panose="020B0604020202020204" pitchFamily="34" charset="0"/>
                 <a:cs typeface="Arial" panose="020B0604020202020204" pitchFamily="34" charset="0"/>
               </a:rPr>
-              <a:t>V0.97, </a:t>
+              <a:t>V0.98, </a:t>
             </a:r>
             <a:r>
               <a:rPr lang="en-US" sz="800" dirty="0" err="1" smtClean="0">
@@ -9431,11 +9426,18 @@
               <a:t>A.Rundgren</a:t>
             </a:r>
             <a:r>
-              <a:rPr lang="en-US" sz="800" dirty="0" smtClean="0">
+              <a:rPr lang="en-US" sz="800" smtClean="0">
                 <a:latin typeface="Arial" panose="020B0604020202020204" pitchFamily="34" charset="0"/>
                 <a:cs typeface="Arial" panose="020B0604020202020204" pitchFamily="34" charset="0"/>
               </a:rPr>
-              <a:t>, 2019-09-09</a:t>
+              <a:t>, </a:t>
+            </a:r>
+            <a:r>
+              <a:rPr lang="en-US" sz="800" smtClean="0">
+                <a:latin typeface="Arial" panose="020B0604020202020204" pitchFamily="34" charset="0"/>
+                <a:cs typeface="Arial" panose="020B0604020202020204" pitchFamily="34" charset="0"/>
+              </a:rPr>
+              <a:t>2019-09-14</a:t>
             </a:r>
             <a:endParaRPr lang="en-US" sz="800" dirty="0">
               <a:latin typeface="Arial" panose="020B0604020202020204" pitchFamily="34" charset="0"/>

--- a/saturn/enhanced-four-corner-model.pptx
+++ b/saturn/enhanced-four-corner-model.pptx
@@ -288,7 +288,7 @@
           <a:p>
             <a:fld id="{FC080E38-6FF2-48B3-BDAB-4FA23B840E92}" type="datetimeFigureOut">
               <a:rPr lang="en-US" smtClean="0"/>
-              <a:t>2019-09-14</a:t>
+              <a:t>2019-09-16</a:t>
             </a:fld>
             <a:endParaRPr lang="en-US"/>
           </a:p>
@@ -458,7 +458,7 @@
           <a:p>
             <a:fld id="{FC080E38-6FF2-48B3-BDAB-4FA23B840E92}" type="datetimeFigureOut">
               <a:rPr lang="en-US" smtClean="0"/>
-              <a:t>2019-09-14</a:t>
+              <a:t>2019-09-16</a:t>
             </a:fld>
             <a:endParaRPr lang="en-US"/>
           </a:p>
@@ -638,7 +638,7 @@
           <a:p>
             <a:fld id="{FC080E38-6FF2-48B3-BDAB-4FA23B840E92}" type="datetimeFigureOut">
               <a:rPr lang="en-US" smtClean="0"/>
-              <a:t>2019-09-14</a:t>
+              <a:t>2019-09-16</a:t>
             </a:fld>
             <a:endParaRPr lang="en-US"/>
           </a:p>
@@ -808,7 +808,7 @@
           <a:p>
             <a:fld id="{FC080E38-6FF2-48B3-BDAB-4FA23B840E92}" type="datetimeFigureOut">
               <a:rPr lang="en-US" smtClean="0"/>
-              <a:t>2019-09-14</a:t>
+              <a:t>2019-09-16</a:t>
             </a:fld>
             <a:endParaRPr lang="en-US"/>
           </a:p>
@@ -1054,7 +1054,7 @@
           <a:p>
             <a:fld id="{FC080E38-6FF2-48B3-BDAB-4FA23B840E92}" type="datetimeFigureOut">
               <a:rPr lang="en-US" smtClean="0"/>
-              <a:t>2019-09-14</a:t>
+              <a:t>2019-09-16</a:t>
             </a:fld>
             <a:endParaRPr lang="en-US"/>
           </a:p>
@@ -1342,7 +1342,7 @@
           <a:p>
             <a:fld id="{FC080E38-6FF2-48B3-BDAB-4FA23B840E92}" type="datetimeFigureOut">
               <a:rPr lang="en-US" smtClean="0"/>
-              <a:t>2019-09-14</a:t>
+              <a:t>2019-09-16</a:t>
             </a:fld>
             <a:endParaRPr lang="en-US"/>
           </a:p>
@@ -1764,7 +1764,7 @@
           <a:p>
             <a:fld id="{FC080E38-6FF2-48B3-BDAB-4FA23B840E92}" type="datetimeFigureOut">
               <a:rPr lang="en-US" smtClean="0"/>
-              <a:t>2019-09-14</a:t>
+              <a:t>2019-09-16</a:t>
             </a:fld>
             <a:endParaRPr lang="en-US"/>
           </a:p>
@@ -1882,7 +1882,7 @@
           <a:p>
             <a:fld id="{FC080E38-6FF2-48B3-BDAB-4FA23B840E92}" type="datetimeFigureOut">
               <a:rPr lang="en-US" smtClean="0"/>
-              <a:t>2019-09-14</a:t>
+              <a:t>2019-09-16</a:t>
             </a:fld>
             <a:endParaRPr lang="en-US"/>
           </a:p>
@@ -1977,7 +1977,7 @@
           <a:p>
             <a:fld id="{FC080E38-6FF2-48B3-BDAB-4FA23B840E92}" type="datetimeFigureOut">
               <a:rPr lang="en-US" smtClean="0"/>
-              <a:t>2019-09-14</a:t>
+              <a:t>2019-09-16</a:t>
             </a:fld>
             <a:endParaRPr lang="en-US"/>
           </a:p>
@@ -2254,7 +2254,7 @@
           <a:p>
             <a:fld id="{FC080E38-6FF2-48B3-BDAB-4FA23B840E92}" type="datetimeFigureOut">
               <a:rPr lang="en-US" smtClean="0"/>
-              <a:t>2019-09-14</a:t>
+              <a:t>2019-09-16</a:t>
             </a:fld>
             <a:endParaRPr lang="en-US"/>
           </a:p>
@@ -2507,7 +2507,7 @@
           <a:p>
             <a:fld id="{FC080E38-6FF2-48B3-BDAB-4FA23B840E92}" type="datetimeFigureOut">
               <a:rPr lang="en-US" smtClean="0"/>
-              <a:t>2019-09-14</a:t>
+              <a:t>2019-09-16</a:t>
             </a:fld>
             <a:endParaRPr lang="en-US"/>
           </a:p>
@@ -2720,7 +2720,7 @@
           <a:p>
             <a:fld id="{FC080E38-6FF2-48B3-BDAB-4FA23B840E92}" type="datetimeFigureOut">
               <a:rPr lang="en-US" smtClean="0"/>
-              <a:t>2019-09-14</a:t>
+              <a:t>2019-09-16</a:t>
             </a:fld>
             <a:endParaRPr lang="en-US"/>
           </a:p>
@@ -3701,8 +3701,8 @@
         </p:nvCxnSpPr>
         <p:spPr>
           <a:xfrm flipV="1">
-            <a:off x="7687260" y="3214817"/>
-            <a:ext cx="5" cy="350376"/>
+            <a:off x="7687260" y="3113971"/>
+            <a:ext cx="4" cy="400799"/>
           </a:xfrm>
           <a:prstGeom prst="line">
             <a:avLst/>
@@ -3739,8 +3739,8 @@
         </p:nvSpPr>
         <p:spPr>
           <a:xfrm flipV="1">
-            <a:off x="7984939" y="4308528"/>
-            <a:ext cx="501974" cy="1471286"/>
+            <a:off x="7862807" y="4184660"/>
+            <a:ext cx="624105" cy="1595154"/>
           </a:xfrm>
           <a:custGeom>
             <a:avLst/>
@@ -4147,8 +4147,8 @@
         </p:nvSpPr>
         <p:spPr>
           <a:xfrm>
-            <a:off x="6706135" y="3407520"/>
-            <a:ext cx="1659386" cy="1389632"/>
+            <a:off x="6706135" y="3325853"/>
+            <a:ext cx="1610281" cy="1543307"/>
           </a:xfrm>
           <a:prstGeom prst="rect">
             <a:avLst/>
@@ -7767,7 +7767,7 @@
         </p:blipFill>
         <p:spPr bwMode="auto">
           <a:xfrm>
-            <a:off x="6826474" y="3777620"/>
+            <a:off x="6826474" y="3637303"/>
             <a:ext cx="360040" cy="356341"/>
           </a:xfrm>
           <a:prstGeom prst="rect">
@@ -7876,7 +7876,7 @@
         </p:blipFill>
         <p:spPr bwMode="auto">
           <a:xfrm>
-            <a:off x="6826474" y="4077072"/>
+            <a:off x="6826474" y="3936755"/>
             <a:ext cx="360040" cy="356341"/>
           </a:xfrm>
           <a:prstGeom prst="rect">
@@ -8070,8 +8070,8 @@
         </p:nvSpPr>
         <p:spPr>
           <a:xfrm>
-            <a:off x="4208643" y="3809704"/>
-            <a:ext cx="1869886" cy="476726"/>
+            <a:off x="4337730" y="3843756"/>
+            <a:ext cx="1611711" cy="408623"/>
           </a:xfrm>
           <a:prstGeom prst="roundRect">
             <a:avLst/>
@@ -8095,7 +8095,7 @@
           <a:p>
             <a:pPr algn="ctr"/>
             <a:r>
-              <a:rPr lang="en-US" sz="1400" i="1" dirty="0" smtClean="0">
+              <a:rPr lang="en-US" sz="1200" i="1" dirty="0" smtClean="0">
                 <a:solidFill>
                   <a:schemeClr val="accent6">
                     <a:lumMod val="50000"/>
@@ -8107,14 +8107,14 @@
               <a:t>Signed</a:t>
             </a:r>
             <a:r>
-              <a:rPr lang="en-US" sz="1400" dirty="0" smtClean="0">
+              <a:rPr lang="en-US" sz="1200" dirty="0" smtClean="0">
                 <a:latin typeface="Arial" panose="020B0604020202020204" pitchFamily="34" charset="0"/>
                 <a:cs typeface="Arial" panose="020B0604020202020204" pitchFamily="34" charset="0"/>
               </a:rPr>
               <a:t> and </a:t>
             </a:r>
             <a:r>
-              <a:rPr lang="en-US" sz="1400" i="1" dirty="0" smtClean="0">
+              <a:rPr lang="en-US" sz="1200" i="1" dirty="0" smtClean="0">
                 <a:solidFill>
                   <a:schemeClr val="accent6">
                     <a:lumMod val="50000"/>
@@ -8126,26 +8126,26 @@
               <a:t>Encrypted</a:t>
             </a:r>
             <a:r>
-              <a:rPr lang="en-US" sz="1400" i="1" dirty="0" smtClean="0">
+              <a:rPr lang="en-US" sz="1200" i="1" dirty="0" smtClean="0">
                 <a:latin typeface="Arial" panose="020B0604020202020204" pitchFamily="34" charset="0"/>
                 <a:cs typeface="Arial" panose="020B0604020202020204" pitchFamily="34" charset="0"/>
               </a:rPr>
               <a:t/>
             </a:r>
             <a:br>
-              <a:rPr lang="en-US" sz="1400" i="1" dirty="0" smtClean="0">
+              <a:rPr lang="en-US" sz="1200" i="1" dirty="0" smtClean="0">
                 <a:latin typeface="Arial" panose="020B0604020202020204" pitchFamily="34" charset="0"/>
                 <a:cs typeface="Arial" panose="020B0604020202020204" pitchFamily="34" charset="0"/>
               </a:rPr>
             </a:br>
             <a:r>
-              <a:rPr lang="en-US" sz="1400" dirty="0" smtClean="0">
+              <a:rPr lang="en-US" sz="1200" dirty="0" smtClean="0">
                 <a:latin typeface="Arial" panose="020B0604020202020204" pitchFamily="34" charset="0"/>
                 <a:cs typeface="Arial" panose="020B0604020202020204" pitchFamily="34" charset="0"/>
               </a:rPr>
               <a:t>User Authorization</a:t>
             </a:r>
-            <a:endParaRPr lang="en-US" sz="1400" dirty="0">
+            <a:endParaRPr lang="en-US" sz="1200" dirty="0">
               <a:latin typeface="Arial" panose="020B0604020202020204" pitchFamily="34" charset="0"/>
               <a:cs typeface="Arial" panose="020B0604020202020204" pitchFamily="34" charset="0"/>
             </a:endParaRPr>
@@ -8160,8 +8160,8 @@
         </p:nvSpPr>
         <p:spPr>
           <a:xfrm>
-            <a:off x="2615335" y="4570796"/>
-            <a:ext cx="1560940" cy="526733"/>
+            <a:off x="2772141" y="4633423"/>
+            <a:ext cx="1247328" cy="401479"/>
           </a:xfrm>
           <a:prstGeom prst="roundRect">
             <a:avLst>
@@ -8187,7 +8187,7 @@
           <a:p>
             <a:pPr algn="ctr"/>
             <a:r>
-              <a:rPr lang="en-US" sz="1400" i="1" dirty="0" smtClean="0">
+              <a:rPr lang="en-US" sz="1200" i="1" dirty="0" smtClean="0">
                 <a:solidFill>
                   <a:schemeClr val="accent6">
                     <a:lumMod val="50000"/>
@@ -8199,7 +8199,7 @@
               <a:t>Signed</a:t>
             </a:r>
             <a:r>
-              <a:rPr lang="en-US" sz="1400" dirty="0" smtClean="0">
+              <a:rPr lang="en-US" sz="1200" dirty="0" smtClean="0">
                 <a:latin typeface="Arial" panose="020B0604020202020204" pitchFamily="34" charset="0"/>
                 <a:cs typeface="Arial" panose="020B0604020202020204" pitchFamily="34" charset="0"/>
               </a:rPr>
@@ -8209,13 +8209,13 @@
           <a:p>
             <a:pPr algn="ctr"/>
             <a:r>
-              <a:rPr lang="en-US" sz="1400" dirty="0" smtClean="0">
+              <a:rPr lang="en-US" sz="1200" dirty="0" smtClean="0">
                 <a:latin typeface="Arial" panose="020B0604020202020204" pitchFamily="34" charset="0"/>
                 <a:cs typeface="Arial" panose="020B0604020202020204" pitchFamily="34" charset="0"/>
               </a:rPr>
               <a:t>(Payment Order)</a:t>
             </a:r>
-            <a:endParaRPr lang="en-US" sz="1400" dirty="0">
+            <a:endParaRPr lang="en-US" sz="1200" dirty="0">
               <a:latin typeface="Arial" panose="020B0604020202020204" pitchFamily="34" charset="0"/>
               <a:cs typeface="Arial" panose="020B0604020202020204" pitchFamily="34" charset="0"/>
             </a:endParaRPr>
@@ -8230,8 +8230,8 @@
         </p:nvSpPr>
         <p:spPr>
           <a:xfrm>
-            <a:off x="3733945" y="1225578"/>
-            <a:ext cx="4491055" cy="954107"/>
+            <a:off x="3733944" y="1225578"/>
+            <a:ext cx="4870503" cy="646331"/>
           </a:xfrm>
           <a:prstGeom prst="rect">
             <a:avLst/>
@@ -8245,14 +8245,14 @@
           <a:lstStyle/>
           <a:p>
             <a:r>
-              <a:rPr lang="en-US" sz="1400" i="1" dirty="0" smtClean="0">
+              <a:rPr lang="en-US" sz="1200" i="1" dirty="0" smtClean="0">
                 <a:latin typeface="Arial" panose="020B0604020202020204" pitchFamily="34" charset="0"/>
                 <a:cs typeface="Arial" panose="020B0604020202020204" pitchFamily="34" charset="0"/>
               </a:rPr>
               <a:t>Public, Bank </a:t>
             </a:r>
             <a:r>
-              <a:rPr lang="en-US" sz="1400" i="1" dirty="0" smtClean="0">
+              <a:rPr lang="en-US" sz="1200" i="1" dirty="0" smtClean="0">
                 <a:solidFill>
                   <a:schemeClr val="accent6">
                     <a:lumMod val="50000"/>
@@ -8264,49 +8264,82 @@
               <a:t>Signed</a:t>
             </a:r>
             <a:r>
-              <a:rPr lang="en-US" sz="1400" i="1" dirty="0" smtClean="0">
+              <a:rPr lang="en-US" sz="1200" i="1" dirty="0" smtClean="0">
                 <a:latin typeface="Arial" panose="020B0604020202020204" pitchFamily="34" charset="0"/>
                 <a:cs typeface="Arial" panose="020B0604020202020204" pitchFamily="34" charset="0"/>
               </a:rPr>
               <a:t>, Periodically </a:t>
             </a:r>
             <a:r>
-              <a:rPr lang="en-US" sz="1400" i="1" dirty="0">
+              <a:rPr lang="en-US" sz="1200" i="1" dirty="0">
                 <a:latin typeface="Arial" panose="020B0604020202020204" pitchFamily="34" charset="0"/>
                 <a:cs typeface="Arial" panose="020B0604020202020204" pitchFamily="34" charset="0"/>
               </a:rPr>
               <a:t>U</a:t>
             </a:r>
             <a:r>
-              <a:rPr lang="en-US" sz="1400" i="1" dirty="0" smtClean="0">
+              <a:rPr lang="en-US" sz="1200" i="1" dirty="0" smtClean="0">
                 <a:latin typeface="Arial" panose="020B0604020202020204" pitchFamily="34" charset="0"/>
                 <a:cs typeface="Arial" panose="020B0604020202020204" pitchFamily="34" charset="0"/>
               </a:rPr>
-              <a:t>pdated JSON Authority Objects </a:t>
-            </a:r>
-            <a:r>
-              <a:rPr lang="en-US" sz="1400" dirty="0" smtClean="0">
+              <a:t>pdated JSON Authority </a:t>
+            </a:r>
+            <a:r>
+              <a:rPr lang="en-US" sz="1200" i="1" dirty="0" smtClean="0">
                 <a:latin typeface="Arial" panose="020B0604020202020204" pitchFamily="34" charset="0"/>
                 <a:cs typeface="Arial" panose="020B0604020202020204" pitchFamily="34" charset="0"/>
               </a:rPr>
-              <a:t>bind each Merchant to </a:t>
-            </a:r>
-            <a:r>
-              <a:rPr lang="en-US" sz="1400" i="1" dirty="0" smtClean="0">
+              <a:t>Objects</a:t>
+            </a:r>
+            <a:br>
+              <a:rPr lang="en-US" sz="1200" i="1" dirty="0" smtClean="0">
+                <a:latin typeface="Arial" panose="020B0604020202020204" pitchFamily="34" charset="0"/>
+                <a:cs typeface="Arial" panose="020B0604020202020204" pitchFamily="34" charset="0"/>
+              </a:rPr>
+            </a:br>
+            <a:r>
+              <a:rPr lang="en-US" sz="1200" dirty="0" smtClean="0">
+                <a:latin typeface="Arial" panose="020B0604020202020204" pitchFamily="34" charset="0"/>
+                <a:cs typeface="Arial" panose="020B0604020202020204" pitchFamily="34" charset="0"/>
+              </a:rPr>
+              <a:t>bind </a:t>
+            </a:r>
+            <a:r>
+              <a:rPr lang="en-US" sz="1200" dirty="0" smtClean="0">
+                <a:latin typeface="Arial" panose="020B0604020202020204" pitchFamily="34" charset="0"/>
+                <a:cs typeface="Arial" panose="020B0604020202020204" pitchFamily="34" charset="0"/>
+              </a:rPr>
+              <a:t>each Merchant to </a:t>
+            </a:r>
+            <a:r>
+              <a:rPr lang="en-US" sz="1200" i="1" dirty="0" smtClean="0">
                 <a:latin typeface="Arial" panose="020B0604020202020204" pitchFamily="34" charset="0"/>
                 <a:cs typeface="Arial" panose="020B0604020202020204" pitchFamily="34" charset="0"/>
               </a:rPr>
               <a:t>their</a:t>
             </a:r>
             <a:r>
-              <a:rPr lang="en-US" sz="1400" dirty="0" smtClean="0">
+              <a:rPr lang="en-US" sz="1200" dirty="0" smtClean="0">
                 <a:latin typeface="Arial" panose="020B0604020202020204" pitchFamily="34" charset="0"/>
                 <a:cs typeface="Arial" panose="020B0604020202020204" pitchFamily="34" charset="0"/>
               </a:rPr>
-              <a:t> Bank and an for each Merchant specific </a:t>
-            </a:r>
-            <a:r>
-              <a:rPr lang="en-US" sz="1400" i="1" dirty="0" smtClean="0">
+              <a:t> Bank and an for each Merchant </a:t>
+            </a:r>
+            <a:r>
+              <a:rPr lang="en-US" sz="1200" dirty="0" smtClean="0">
+                <a:latin typeface="Arial" panose="020B0604020202020204" pitchFamily="34" charset="0"/>
+                <a:cs typeface="Arial" panose="020B0604020202020204" pitchFamily="34" charset="0"/>
+              </a:rPr>
+              <a:t>specific</a:t>
+            </a:r>
+            <a:br>
+              <a:rPr lang="en-US" sz="1200" dirty="0" smtClean="0">
+                <a:latin typeface="Arial" panose="020B0604020202020204" pitchFamily="34" charset="0"/>
+                <a:cs typeface="Arial" panose="020B0604020202020204" pitchFamily="34" charset="0"/>
+              </a:rPr>
+            </a:br>
+            <a:r>
+              <a:rPr lang="en-US" sz="1200" i="1" dirty="0" smtClean="0">
                 <a:solidFill>
                   <a:schemeClr val="accent6">
                     <a:lumMod val="50000"/>
@@ -8315,31 +8348,43 @@
                 <a:latin typeface="Arial" panose="020B0604020202020204" pitchFamily="34" charset="0"/>
                 <a:cs typeface="Arial" panose="020B0604020202020204" pitchFamily="34" charset="0"/>
               </a:rPr>
-              <a:t>Public Key</a:t>
-            </a:r>
-            <a:r>
-              <a:rPr lang="en-US" sz="1400" i="1" dirty="0" smtClean="0">
+              <a:t>Public </a:t>
+            </a:r>
+            <a:r>
+              <a:rPr lang="en-US" sz="1200" i="1" dirty="0" smtClean="0">
+                <a:solidFill>
+                  <a:schemeClr val="accent6">
+                    <a:lumMod val="50000"/>
+                  </a:schemeClr>
+                </a:solidFill>
+                <a:latin typeface="Arial" panose="020B0604020202020204" pitchFamily="34" charset="0"/>
+                <a:cs typeface="Arial" panose="020B0604020202020204" pitchFamily="34" charset="0"/>
+              </a:rPr>
+              <a:t>Key</a:t>
+            </a:r>
+            <a:r>
+              <a:rPr lang="en-US" sz="1200" i="1" dirty="0" smtClean="0">
                 <a:latin typeface="Arial" panose="020B0604020202020204" pitchFamily="34" charset="0"/>
                 <a:cs typeface="Arial" panose="020B0604020202020204" pitchFamily="34" charset="0"/>
               </a:rPr>
               <a:t> </a:t>
             </a:r>
             <a:r>
-              <a:rPr lang="en-US" sz="1400" dirty="0" smtClean="0">
+              <a:rPr lang="en-US" sz="1200" dirty="0" smtClean="0">
                 <a:latin typeface="Arial" panose="020B0604020202020204" pitchFamily="34" charset="0"/>
                 <a:cs typeface="Arial" panose="020B0604020202020204" pitchFamily="34" charset="0"/>
               </a:rPr>
               <a:t>and unique</a:t>
             </a:r>
             <a:r>
-              <a:rPr lang="en-US" sz="1400" i="1" dirty="0" smtClean="0">
+              <a:rPr lang="en-US" sz="1200" i="1" dirty="0" smtClean="0">
                 <a:latin typeface="Arial" panose="020B0604020202020204" pitchFamily="34" charset="0"/>
                 <a:cs typeface="Arial" panose="020B0604020202020204" pitchFamily="34" charset="0"/>
               </a:rPr>
               <a:t> </a:t>
             </a:r>
             <a:r>
-              <a:rPr lang="en-US" sz="1400" i="1" dirty="0" smtClean="0">
+              <a:rPr lang="en-US" sz="1200" i="1" dirty="0" smtClean="0">
                 <a:solidFill>
                   <a:schemeClr val="accent6">
                     <a:lumMod val="50000"/>
@@ -8350,7 +8395,7 @@
               </a:rPr>
               <a:t>Identifier</a:t>
             </a:r>
-            <a:endParaRPr lang="en-US" sz="1400" i="1" dirty="0">
+            <a:endParaRPr lang="en-US" sz="1200" i="1" dirty="0">
               <a:solidFill>
                 <a:schemeClr val="accent6">
                   <a:lumMod val="50000"/>
@@ -8370,8 +8415,8 @@
         </p:nvSpPr>
         <p:spPr>
           <a:xfrm>
-            <a:off x="5044893" y="2960918"/>
-            <a:ext cx="456830" cy="244800"/>
+            <a:off x="5072029" y="2967086"/>
+            <a:ext cx="402558" cy="232464"/>
           </a:xfrm>
           <a:prstGeom prst="roundRect">
             <a:avLst/>
@@ -8417,13 +8462,13 @@
           <a:p>
             <a:pPr algn="ctr"/>
             <a:r>
-              <a:rPr lang="en-US" sz="1400" dirty="0" smtClean="0">
+              <a:rPr lang="en-US" sz="1200" dirty="0" smtClean="0">
                 <a:latin typeface="Arial" panose="020B0604020202020204" pitchFamily="34" charset="0"/>
                 <a:cs typeface="Arial" panose="020B0604020202020204" pitchFamily="34" charset="0"/>
               </a:rPr>
               <a:t>Buy!</a:t>
             </a:r>
-            <a:endParaRPr lang="en-US" sz="1400" dirty="0">
+            <a:endParaRPr lang="en-US" sz="1200" dirty="0">
               <a:latin typeface="Arial" panose="020B0604020202020204" pitchFamily="34" charset="0"/>
               <a:cs typeface="Arial" panose="020B0604020202020204" pitchFamily="34" charset="0"/>
             </a:endParaRPr>
@@ -8438,8 +8483,8 @@
         </p:nvSpPr>
         <p:spPr>
           <a:xfrm>
-            <a:off x="3062262" y="2564904"/>
-            <a:ext cx="1599219" cy="252948"/>
+            <a:off x="3166022" y="2582971"/>
+            <a:ext cx="1391699" cy="216813"/>
           </a:xfrm>
           <a:prstGeom prst="roundRect">
             <a:avLst>
@@ -8465,20 +8510,13 @@
           <a:p>
             <a:pPr algn="ctr"/>
             <a:r>
-              <a:rPr lang="en-US" sz="1400" dirty="0" smtClean="0">
+              <a:rPr lang="en-US" sz="1200" dirty="0" smtClean="0">
                 <a:latin typeface="Arial" panose="020B0604020202020204" pitchFamily="34" charset="0"/>
                 <a:cs typeface="Arial" panose="020B0604020202020204" pitchFamily="34" charset="0"/>
               </a:rPr>
-              <a:t>Payment </a:t>
-            </a:r>
-            <a:r>
-              <a:rPr lang="en-US" sz="1400" dirty="0" smtClean="0">
-                <a:latin typeface="Arial" panose="020B0604020202020204" pitchFamily="34" charset="0"/>
-                <a:cs typeface="Arial" panose="020B0604020202020204" pitchFamily="34" charset="0"/>
-              </a:rPr>
-              <a:t>Request</a:t>
-            </a:r>
-            <a:endParaRPr lang="en-US" sz="1400" dirty="0">
+              <a:t>Payment Request</a:t>
+            </a:r>
+            <a:endParaRPr lang="en-US" sz="1200" dirty="0">
               <a:latin typeface="Arial" panose="020B0604020202020204" pitchFamily="34" charset="0"/>
               <a:cs typeface="Arial" panose="020B0604020202020204" pitchFamily="34" charset="0"/>
             </a:endParaRPr>
@@ -9416,7 +9454,7 @@
                 <a:latin typeface="Arial" panose="020B0604020202020204" pitchFamily="34" charset="0"/>
                 <a:cs typeface="Arial" panose="020B0604020202020204" pitchFamily="34" charset="0"/>
               </a:rPr>
-              <a:t>V0.98, </a:t>
+              <a:t>V0.99, </a:t>
             </a:r>
             <a:r>
               <a:rPr lang="en-US" sz="800" dirty="0" err="1" smtClean="0">
@@ -9426,18 +9464,18 @@
               <a:t>A.Rundgren</a:t>
             </a:r>
             <a:r>
-              <a:rPr lang="en-US" sz="800" smtClean="0">
+              <a:rPr lang="en-US" sz="800" dirty="0" smtClean="0">
                 <a:latin typeface="Arial" panose="020B0604020202020204" pitchFamily="34" charset="0"/>
                 <a:cs typeface="Arial" panose="020B0604020202020204" pitchFamily="34" charset="0"/>
               </a:rPr>
               <a:t>, </a:t>
             </a:r>
             <a:r>
-              <a:rPr lang="en-US" sz="800" smtClean="0">
+              <a:rPr lang="en-US" sz="800" dirty="0" smtClean="0">
                 <a:latin typeface="Arial" panose="020B0604020202020204" pitchFamily="34" charset="0"/>
                 <a:cs typeface="Arial" panose="020B0604020202020204" pitchFamily="34" charset="0"/>
               </a:rPr>
-              <a:t>2019-09-14</a:t>
+              <a:t>2019-09-16</a:t>
             </a:r>
             <a:endParaRPr lang="en-US" sz="800" dirty="0">
               <a:latin typeface="Arial" panose="020B0604020202020204" pitchFamily="34" charset="0"/>
@@ -9890,8 +9928,8 @@
         </p:nvSpPr>
         <p:spPr>
           <a:xfrm>
-            <a:off x="7186514" y="3860695"/>
-            <a:ext cx="855166" cy="238363"/>
+            <a:off x="7179786" y="3737404"/>
+            <a:ext cx="742419" cy="204311"/>
           </a:xfrm>
           <a:prstGeom prst="roundRect">
             <a:avLst/>
@@ -9909,7 +9947,7 @@
           <a:p>
             <a:pPr algn="ctr"/>
             <a:r>
-              <a:rPr lang="en-US" sz="1400" i="1" dirty="0" smtClean="0">
+              <a:rPr lang="en-US" sz="1200" i="1" dirty="0" smtClean="0">
                 <a:solidFill>
                   <a:schemeClr val="accent6">
                     <a:lumMod val="50000"/>
@@ -9920,7 +9958,7 @@
               </a:rPr>
               <a:t>Signature</a:t>
             </a:r>
-            <a:endParaRPr lang="en-US" sz="1400" dirty="0">
+            <a:endParaRPr lang="en-US" sz="1200" dirty="0">
               <a:latin typeface="Arial" panose="020B0604020202020204" pitchFamily="34" charset="0"/>
               <a:cs typeface="Arial" panose="020B0604020202020204" pitchFamily="34" charset="0"/>
             </a:endParaRPr>
@@ -9935,8 +9973,8 @@
         </p:nvSpPr>
         <p:spPr>
           <a:xfrm>
-            <a:off x="7186514" y="4183889"/>
-            <a:ext cx="936866" cy="238363"/>
+            <a:off x="7185505" y="4060598"/>
+            <a:ext cx="812681" cy="204311"/>
           </a:xfrm>
           <a:prstGeom prst="roundRect">
             <a:avLst/>
@@ -9954,7 +9992,7 @@
           <a:p>
             <a:pPr algn="ctr"/>
             <a:r>
-              <a:rPr lang="en-US" sz="1400" i="1" dirty="0" smtClean="0">
+              <a:rPr lang="en-US" sz="1200" i="1" dirty="0" smtClean="0">
                 <a:solidFill>
                   <a:schemeClr val="accent6">
                     <a:lumMod val="50000"/>
@@ -9965,7 +10003,7 @@
               </a:rPr>
               <a:t>Encryption</a:t>
             </a:r>
-            <a:endParaRPr lang="en-US" sz="1400" dirty="0">
+            <a:endParaRPr lang="en-US" sz="1200" dirty="0">
               <a:latin typeface="Arial" panose="020B0604020202020204" pitchFamily="34" charset="0"/>
               <a:cs typeface="Arial" panose="020B0604020202020204" pitchFamily="34" charset="0"/>
             </a:endParaRPr>
@@ -10097,8 +10135,8 @@
         </p:nvSpPr>
         <p:spPr>
           <a:xfrm>
-            <a:off x="3376427" y="5876777"/>
-            <a:ext cx="2137124" cy="307777"/>
+            <a:off x="3516690" y="5876777"/>
+            <a:ext cx="1856598" cy="276999"/>
           </a:xfrm>
           <a:prstGeom prst="rect">
             <a:avLst/>
@@ -10113,13 +10151,13 @@
           <a:p>
             <a:pPr algn="ctr"/>
             <a:r>
-              <a:rPr lang="en-US" sz="1400" dirty="0" smtClean="0">
+              <a:rPr lang="en-US" sz="1200" dirty="0" smtClean="0">
                 <a:latin typeface="Arial" panose="020B0604020202020204" pitchFamily="34" charset="0"/>
                 <a:cs typeface="Arial" panose="020B0604020202020204" pitchFamily="34" charset="0"/>
               </a:rPr>
               <a:t>Existing “Payment Rails”</a:t>
             </a:r>
-            <a:endParaRPr lang="en-US" sz="1400" dirty="0">
+            <a:endParaRPr lang="en-US" sz="1200" dirty="0">
               <a:latin typeface="Arial" panose="020B0604020202020204" pitchFamily="34" charset="0"/>
               <a:cs typeface="Arial" panose="020B0604020202020204" pitchFamily="34" charset="0"/>
             </a:endParaRPr>
@@ -10188,8 +10226,8 @@
         </p:nvSpPr>
         <p:spPr>
           <a:xfrm>
-            <a:off x="7027937" y="5637143"/>
-            <a:ext cx="946670" cy="238363"/>
+            <a:off x="7020272" y="5654169"/>
+            <a:ext cx="820851" cy="204311"/>
           </a:xfrm>
           <a:prstGeom prst="roundRect">
             <a:avLst/>
@@ -10207,7 +10245,7 @@
           <a:p>
             <a:pPr algn="ctr"/>
             <a:r>
-              <a:rPr lang="en-US" sz="1400" i="1" dirty="0" smtClean="0">
+              <a:rPr lang="en-US" sz="1200" i="1" dirty="0" smtClean="0">
                 <a:solidFill>
                   <a:schemeClr val="accent6">
                     <a:lumMod val="50000"/>
@@ -10218,7 +10256,7 @@
               </a:rPr>
               <a:t>Decryption</a:t>
             </a:r>
-            <a:endParaRPr lang="en-US" sz="1400" dirty="0">
+            <a:endParaRPr lang="en-US" sz="1200" dirty="0">
               <a:latin typeface="Arial" panose="020B0604020202020204" pitchFamily="34" charset="0"/>
               <a:cs typeface="Arial" panose="020B0604020202020204" pitchFamily="34" charset="0"/>
             </a:endParaRPr>
@@ -10233,8 +10271,8 @@
         </p:nvSpPr>
         <p:spPr>
           <a:xfrm>
-            <a:off x="752763" y="5602051"/>
-            <a:ext cx="855166" cy="238363"/>
+            <a:off x="877253" y="5619077"/>
+            <a:ext cx="742419" cy="204311"/>
           </a:xfrm>
           <a:prstGeom prst="roundRect">
             <a:avLst/>
@@ -10252,7 +10290,7 @@
           <a:p>
             <a:pPr algn="ctr"/>
             <a:r>
-              <a:rPr lang="en-US" sz="1400" i="1" dirty="0" smtClean="0">
+              <a:rPr lang="en-US" sz="1200" i="1" dirty="0" smtClean="0">
                 <a:solidFill>
                   <a:schemeClr val="accent6">
                     <a:lumMod val="50000"/>
@@ -10263,7 +10301,7 @@
               </a:rPr>
               <a:t>Signature</a:t>
             </a:r>
-            <a:endParaRPr lang="en-US" sz="1400" dirty="0">
+            <a:endParaRPr lang="en-US" sz="1200" dirty="0">
               <a:latin typeface="Arial" panose="020B0604020202020204" pitchFamily="34" charset="0"/>
               <a:cs typeface="Arial" panose="020B0604020202020204" pitchFamily="34" charset="0"/>
             </a:endParaRPr>
@@ -10278,8 +10316,8 @@
         </p:nvSpPr>
         <p:spPr>
           <a:xfrm>
-            <a:off x="1313867" y="3406661"/>
-            <a:ext cx="855166" cy="238363"/>
+            <a:off x="1370240" y="3423687"/>
+            <a:ext cx="742419" cy="204311"/>
           </a:xfrm>
           <a:prstGeom prst="roundRect">
             <a:avLst/>
@@ -10297,7 +10335,7 @@
           <a:p>
             <a:pPr algn="ctr"/>
             <a:r>
-              <a:rPr lang="en-US" sz="1400" i="1" dirty="0" smtClean="0">
+              <a:rPr lang="en-US" sz="1200" i="1" dirty="0" smtClean="0">
                 <a:solidFill>
                   <a:schemeClr val="accent6">
                     <a:lumMod val="50000"/>
@@ -10308,7 +10346,7 @@
               </a:rPr>
               <a:t>Signature</a:t>
             </a:r>
-            <a:endParaRPr lang="en-US" sz="1400" dirty="0">
+            <a:endParaRPr lang="en-US" sz="1200" dirty="0">
               <a:latin typeface="Arial" panose="020B0604020202020204" pitchFamily="34" charset="0"/>
               <a:cs typeface="Arial" panose="020B0604020202020204" pitchFamily="34" charset="0"/>
             </a:endParaRPr>
@@ -10323,8 +10361,8 @@
         </p:nvSpPr>
         <p:spPr>
           <a:xfrm>
-            <a:off x="6477000" y="4994714"/>
-            <a:ext cx="1649873" cy="252948"/>
+            <a:off x="6516216" y="5084395"/>
+            <a:ext cx="1434184" cy="216813"/>
           </a:xfrm>
           <a:prstGeom prst="roundRect">
             <a:avLst>
@@ -10350,13 +10388,13 @@
           <a:p>
             <a:pPr algn="ctr"/>
             <a:r>
-              <a:rPr lang="en-US" sz="1400" dirty="0" smtClean="0">
+              <a:rPr lang="en-US" sz="1200" dirty="0" smtClean="0">
                 <a:latin typeface="Arial" panose="020B0604020202020204" pitchFamily="34" charset="0"/>
                 <a:cs typeface="Arial" panose="020B0604020202020204" pitchFamily="34" charset="0"/>
               </a:rPr>
               <a:t>Issues Credentials</a:t>
             </a:r>
-            <a:endParaRPr lang="en-US" sz="1400" dirty="0">
+            <a:endParaRPr lang="en-US" sz="1200" dirty="0">
               <a:latin typeface="Arial" panose="020B0604020202020204" pitchFamily="34" charset="0"/>
               <a:cs typeface="Arial" panose="020B0604020202020204" pitchFamily="34" charset="0"/>
             </a:endParaRPr>
@@ -10371,8 +10409,8 @@
         </p:nvSpPr>
         <p:spPr>
           <a:xfrm>
-            <a:off x="6826475" y="3520001"/>
-            <a:ext cx="949546" cy="215444"/>
+            <a:off x="6799082" y="3415542"/>
+            <a:ext cx="824512" cy="184666"/>
           </a:xfrm>
           <a:prstGeom prst="rect">
             <a:avLst/>
@@ -10394,13 +10432,13 @@
           <a:lstStyle/>
           <a:p>
             <a:r>
-              <a:rPr lang="en-US" sz="1400" dirty="0" smtClean="0">
+              <a:rPr lang="en-US" sz="1200" dirty="0" smtClean="0">
                 <a:latin typeface="Arial" panose="020B0604020202020204" pitchFamily="34" charset="0"/>
                 <a:cs typeface="Arial" panose="020B0604020202020204" pitchFamily="34" charset="0"/>
               </a:rPr>
               <a:t>Account ID</a:t>
             </a:r>
-            <a:endParaRPr lang="en-US" sz="1400" dirty="0">
+            <a:endParaRPr lang="en-US" sz="1200" dirty="0">
               <a:latin typeface="Arial" panose="020B0604020202020204" pitchFamily="34" charset="0"/>
               <a:cs typeface="Arial" panose="020B0604020202020204" pitchFamily="34" charset="0"/>
             </a:endParaRPr>
@@ -10415,8 +10453,8 @@
         </p:nvSpPr>
         <p:spPr>
           <a:xfrm>
-            <a:off x="611560" y="4994714"/>
-            <a:ext cx="1610657" cy="252948"/>
+            <a:off x="795867" y="5084395"/>
+            <a:ext cx="1399869" cy="216813"/>
           </a:xfrm>
           <a:prstGeom prst="roundRect">
             <a:avLst>
@@ -10442,14 +10480,14 @@
           <a:p>
             <a:pPr algn="ctr"/>
             <a:r>
-              <a:rPr lang="en-US" sz="1400" dirty="0" smtClean="0">
+              <a:rPr lang="en-US" sz="1200" dirty="0" smtClean="0">
                 <a:latin typeface="Arial" panose="020B0604020202020204" pitchFamily="34" charset="0"/>
                 <a:cs typeface="Arial" panose="020B0604020202020204" pitchFamily="34" charset="0"/>
               </a:rPr>
               <a:t>Publishes </a:t>
             </a:r>
             <a:r>
-              <a:rPr lang="en-US" sz="1400" dirty="0">
+              <a:rPr lang="en-US" sz="1200" dirty="0">
                 <a:latin typeface="Arial" panose="020B0604020202020204" pitchFamily="34" charset="0"/>
                 <a:cs typeface="Arial" panose="020B0604020202020204" pitchFamily="34" charset="0"/>
               </a:rPr>
@@ -10466,8 +10504,8 @@
         </p:nvSpPr>
         <p:spPr>
           <a:xfrm>
-            <a:off x="6887616" y="2708920"/>
-            <a:ext cx="1599297" cy="505897"/>
+            <a:off x="7009977" y="2708920"/>
+            <a:ext cx="1354574" cy="405051"/>
           </a:xfrm>
           <a:prstGeom prst="roundRect">
             <a:avLst>
@@ -10493,26 +10531,26 @@
           <a:p>
             <a:pPr algn="ctr"/>
             <a:r>
-              <a:rPr lang="en-US" sz="1400" dirty="0" smtClean="0">
+              <a:rPr lang="en-US" sz="1200" dirty="0" smtClean="0">
                 <a:latin typeface="Arial" panose="020B0604020202020204" pitchFamily="34" charset="0"/>
                 <a:cs typeface="Arial" panose="020B0604020202020204" pitchFamily="34" charset="0"/>
               </a:rPr>
               <a:t>“Virtual” Payment</a:t>
             </a:r>
             <a:br>
-              <a:rPr lang="en-US" sz="1400" dirty="0" smtClean="0">
+              <a:rPr lang="en-US" sz="1200" dirty="0" smtClean="0">
                 <a:latin typeface="Arial" panose="020B0604020202020204" pitchFamily="34" charset="0"/>
                 <a:cs typeface="Arial" panose="020B0604020202020204" pitchFamily="34" charset="0"/>
               </a:rPr>
             </a:br>
             <a:r>
-              <a:rPr lang="en-US" sz="1400" dirty="0" smtClean="0">
+              <a:rPr lang="en-US" sz="1200" dirty="0" smtClean="0">
                 <a:latin typeface="Arial" panose="020B0604020202020204" pitchFamily="34" charset="0"/>
                 <a:cs typeface="Arial" panose="020B0604020202020204" pitchFamily="34" charset="0"/>
               </a:rPr>
               <a:t>Card Contents</a:t>
             </a:r>
-            <a:endParaRPr lang="en-US" sz="1400" dirty="0">
+            <a:endParaRPr lang="en-US" sz="1200" dirty="0">
               <a:latin typeface="Arial" panose="020B0604020202020204" pitchFamily="34" charset="0"/>
               <a:cs typeface="Arial" panose="020B0604020202020204" pitchFamily="34" charset="0"/>
             </a:endParaRPr>
@@ -10527,7 +10565,7 @@
         </p:nvSpPr>
         <p:spPr>
           <a:xfrm>
-            <a:off x="7838841" y="3512872"/>
+            <a:off x="7754228" y="3393024"/>
             <a:ext cx="418172" cy="252000"/>
           </a:xfrm>
           <a:prstGeom prst="roundRect">
@@ -10578,7 +10616,7 @@
         </p:nvSpPr>
         <p:spPr>
           <a:xfrm>
-            <a:off x="7880169" y="3552928"/>
+            <a:off x="7795556" y="3433080"/>
             <a:ext cx="130831" cy="130831"/>
           </a:xfrm>
           <a:prstGeom prst="ellipse">
@@ -10634,7 +10672,7 @@
         </p:nvCxnSpPr>
         <p:spPr>
           <a:xfrm>
-            <a:off x="8054695" y="3573276"/>
+            <a:off x="7970082" y="3453428"/>
             <a:ext cx="144000" cy="0"/>
           </a:xfrm>
           <a:prstGeom prst="line">
@@ -10672,7 +10710,7 @@
         </p:nvCxnSpPr>
         <p:spPr>
           <a:xfrm>
-            <a:off x="8054695" y="3645284"/>
+            <a:off x="7970082" y="3525436"/>
             <a:ext cx="144000" cy="0"/>
           </a:xfrm>
           <a:prstGeom prst="line">
@@ -10710,8 +10748,8 @@
         </p:nvSpPr>
         <p:spPr>
           <a:xfrm>
-            <a:off x="2040829" y="2516967"/>
-            <a:ext cx="543510" cy="252948"/>
+            <a:off x="2069325" y="2535034"/>
+            <a:ext cx="486518" cy="216813"/>
           </a:xfrm>
           <a:prstGeom prst="roundRect">
             <a:avLst>
@@ -10737,7 +10775,7 @@
           <a:p>
             <a:pPr algn="ctr"/>
             <a:r>
-              <a:rPr lang="en-US" sz="1400" i="1" dirty="0" smtClean="0">
+              <a:rPr lang="en-US" sz="1200" i="1" dirty="0" smtClean="0">
                 <a:solidFill>
                   <a:schemeClr val="accent1">
                     <a:lumMod val="75000"/>
@@ -10748,7 +10786,7 @@
               </a:rPr>
               <a:t>URL</a:t>
             </a:r>
-            <a:endParaRPr lang="en-US" sz="1400" i="1" dirty="0">
+            <a:endParaRPr lang="en-US" sz="1200" i="1" dirty="0">
               <a:solidFill>
                 <a:schemeClr val="accent1">
                   <a:lumMod val="75000"/>
@@ -10768,8 +10806,8 @@
         </p:nvSpPr>
         <p:spPr>
           <a:xfrm>
-            <a:off x="6826475" y="4494202"/>
-            <a:ext cx="1318237" cy="215444"/>
+            <a:off x="6799082" y="4612486"/>
+            <a:ext cx="1138701" cy="184666"/>
           </a:xfrm>
           <a:prstGeom prst="rect">
             <a:avLst/>
@@ -10791,14 +10829,14 @@
           <a:lstStyle/>
           <a:p>
             <a:r>
-              <a:rPr lang="en-US" sz="1400" dirty="0" smtClean="0">
+              <a:rPr lang="en-US" sz="1200" dirty="0" smtClean="0">
                 <a:latin typeface="Arial" panose="020B0604020202020204" pitchFamily="34" charset="0"/>
                 <a:cs typeface="Arial" panose="020B0604020202020204" pitchFamily="34" charset="0"/>
               </a:rPr>
               <a:t>User Bank </a:t>
             </a:r>
             <a:r>
-              <a:rPr lang="en-US" sz="1400" i="1" dirty="0" smtClean="0">
+              <a:rPr lang="en-US" sz="1200" i="1" dirty="0" smtClean="0">
                 <a:solidFill>
                   <a:schemeClr val="accent1">
                     <a:lumMod val="75000"/>
@@ -10809,7 +10847,7 @@
               </a:rPr>
               <a:t>URL</a:t>
             </a:r>
-            <a:endParaRPr lang="en-US" sz="1400" i="1" dirty="0">
+            <a:endParaRPr lang="en-US" sz="1200" i="1" dirty="0">
               <a:solidFill>
                 <a:schemeClr val="accent1">
                   <a:lumMod val="75000"/>
@@ -10829,7 +10867,7 @@
         </p:nvCxnSpPr>
         <p:spPr>
           <a:xfrm>
-            <a:off x="8054865" y="3706700"/>
+            <a:off x="7970252" y="3586852"/>
             <a:ext cx="144000" cy="0"/>
           </a:xfrm>
           <a:prstGeom prst="line">
@@ -10994,6 +11032,50 @@
               <a:solidFill>
                 <a:schemeClr val="bg1"/>
               </a:solidFill>
+              <a:latin typeface="Arial" panose="020B0604020202020204" pitchFamily="34" charset="0"/>
+              <a:cs typeface="Arial" panose="020B0604020202020204" pitchFamily="34" charset="0"/>
+            </a:endParaRPr>
+          </a:p>
+        </p:txBody>
+      </p:sp>
+      <p:sp>
+        <p:nvSpPr>
+          <p:cNvPr id="161" name="TextBox 160"/>
+          <p:cNvSpPr txBox="1"/>
+          <p:nvPr/>
+        </p:nvSpPr>
+        <p:spPr>
+          <a:xfrm>
+            <a:off x="6799082" y="4341080"/>
+            <a:ext cx="1233277" cy="184666"/>
+          </a:xfrm>
+          <a:prstGeom prst="rect">
+            <a:avLst/>
+          </a:prstGeom>
+          <a:solidFill>
+            <a:schemeClr val="bg1"/>
+          </a:solidFill>
+          <a:ln w="6350" cmpd="sng">
+            <a:solidFill>
+              <a:schemeClr val="tx1"/>
+            </a:solidFill>
+          </a:ln>
+          <a:effectLst/>
+        </p:spPr>
+        <p:txBody>
+          <a:bodyPr wrap="none" lIns="36000" tIns="0" rIns="36000" bIns="0" rtlCol="0" anchor="ctr" anchorCtr="1">
+            <a:spAutoFit/>
+          </a:bodyPr>
+          <a:lstStyle/>
+          <a:p>
+            <a:r>
+              <a:rPr lang="en-US" sz="1200" dirty="0" smtClean="0">
+                <a:latin typeface="Arial" panose="020B0604020202020204" pitchFamily="34" charset="0"/>
+                <a:cs typeface="Arial" panose="020B0604020202020204" pitchFamily="34" charset="0"/>
+              </a:rPr>
+              <a:t>Payment Method</a:t>
+            </a:r>
+            <a:endParaRPr lang="en-US" sz="1200" dirty="0">
               <a:latin typeface="Arial" panose="020B0604020202020204" pitchFamily="34" charset="0"/>
               <a:cs typeface="Arial" panose="020B0604020202020204" pitchFamily="34" charset="0"/>
             </a:endParaRPr>

--- a/saturn/enhanced-four-corner-model.pptx
+++ b/saturn/enhanced-four-corner-model.pptx
@@ -288,7 +288,7 @@
           <a:p>
             <a:fld id="{FC080E38-6FF2-48B3-BDAB-4FA23B840E92}" type="datetimeFigureOut">
               <a:rPr lang="en-US" smtClean="0"/>
-              <a:t>2019-09-16</a:t>
+              <a:t>2019-09-18</a:t>
             </a:fld>
             <a:endParaRPr lang="en-US"/>
           </a:p>
@@ -458,7 +458,7 @@
           <a:p>
             <a:fld id="{FC080E38-6FF2-48B3-BDAB-4FA23B840E92}" type="datetimeFigureOut">
               <a:rPr lang="en-US" smtClean="0"/>
-              <a:t>2019-09-16</a:t>
+              <a:t>2019-09-18</a:t>
             </a:fld>
             <a:endParaRPr lang="en-US"/>
           </a:p>
@@ -638,7 +638,7 @@
           <a:p>
             <a:fld id="{FC080E38-6FF2-48B3-BDAB-4FA23B840E92}" type="datetimeFigureOut">
               <a:rPr lang="en-US" smtClean="0"/>
-              <a:t>2019-09-16</a:t>
+              <a:t>2019-09-18</a:t>
             </a:fld>
             <a:endParaRPr lang="en-US"/>
           </a:p>
@@ -808,7 +808,7 @@
           <a:p>
             <a:fld id="{FC080E38-6FF2-48B3-BDAB-4FA23B840E92}" type="datetimeFigureOut">
               <a:rPr lang="en-US" smtClean="0"/>
-              <a:t>2019-09-16</a:t>
+              <a:t>2019-09-18</a:t>
             </a:fld>
             <a:endParaRPr lang="en-US"/>
           </a:p>
@@ -1054,7 +1054,7 @@
           <a:p>
             <a:fld id="{FC080E38-6FF2-48B3-BDAB-4FA23B840E92}" type="datetimeFigureOut">
               <a:rPr lang="en-US" smtClean="0"/>
-              <a:t>2019-09-16</a:t>
+              <a:t>2019-09-18</a:t>
             </a:fld>
             <a:endParaRPr lang="en-US"/>
           </a:p>
@@ -1342,7 +1342,7 @@
           <a:p>
             <a:fld id="{FC080E38-6FF2-48B3-BDAB-4FA23B840E92}" type="datetimeFigureOut">
               <a:rPr lang="en-US" smtClean="0"/>
-              <a:t>2019-09-16</a:t>
+              <a:t>2019-09-18</a:t>
             </a:fld>
             <a:endParaRPr lang="en-US"/>
           </a:p>
@@ -1764,7 +1764,7 @@
           <a:p>
             <a:fld id="{FC080E38-6FF2-48B3-BDAB-4FA23B840E92}" type="datetimeFigureOut">
               <a:rPr lang="en-US" smtClean="0"/>
-              <a:t>2019-09-16</a:t>
+              <a:t>2019-09-18</a:t>
             </a:fld>
             <a:endParaRPr lang="en-US"/>
           </a:p>
@@ -1882,7 +1882,7 @@
           <a:p>
             <a:fld id="{FC080E38-6FF2-48B3-BDAB-4FA23B840E92}" type="datetimeFigureOut">
               <a:rPr lang="en-US" smtClean="0"/>
-              <a:t>2019-09-16</a:t>
+              <a:t>2019-09-18</a:t>
             </a:fld>
             <a:endParaRPr lang="en-US"/>
           </a:p>
@@ -1977,7 +1977,7 @@
           <a:p>
             <a:fld id="{FC080E38-6FF2-48B3-BDAB-4FA23B840E92}" type="datetimeFigureOut">
               <a:rPr lang="en-US" smtClean="0"/>
-              <a:t>2019-09-16</a:t>
+              <a:t>2019-09-18</a:t>
             </a:fld>
             <a:endParaRPr lang="en-US"/>
           </a:p>
@@ -2254,7 +2254,7 @@
           <a:p>
             <a:fld id="{FC080E38-6FF2-48B3-BDAB-4FA23B840E92}" type="datetimeFigureOut">
               <a:rPr lang="en-US" smtClean="0"/>
-              <a:t>2019-09-16</a:t>
+              <a:t>2019-09-18</a:t>
             </a:fld>
             <a:endParaRPr lang="en-US"/>
           </a:p>
@@ -2507,7 +2507,7 @@
           <a:p>
             <a:fld id="{FC080E38-6FF2-48B3-BDAB-4FA23B840E92}" type="datetimeFigureOut">
               <a:rPr lang="en-US" smtClean="0"/>
-              <a:t>2019-09-16</a:t>
+              <a:t>2019-09-18</a:t>
             </a:fld>
             <a:endParaRPr lang="en-US"/>
           </a:p>
@@ -2720,7 +2720,7 @@
           <a:p>
             <a:fld id="{FC080E38-6FF2-48B3-BDAB-4FA23B840E92}" type="datetimeFigureOut">
               <a:rPr lang="en-US" smtClean="0"/>
-              <a:t>2019-09-16</a:t>
+              <a:t>2019-09-18</a:t>
             </a:fld>
             <a:endParaRPr lang="en-US"/>
           </a:p>
@@ -3095,6 +3095,125 @@
           <a:chExt cx="0" cy="0"/>
         </a:xfrm>
       </p:grpSpPr>
+      <p:sp>
+        <p:nvSpPr>
+          <p:cNvPr id="170" name="Rectangle 169"/>
+          <p:cNvSpPr/>
+          <p:nvPr/>
+        </p:nvSpPr>
+        <p:spPr>
+          <a:xfrm>
+            <a:off x="6850151" y="3181837"/>
+            <a:ext cx="1610281" cy="1543307"/>
+          </a:xfrm>
+          <a:prstGeom prst="rect">
+            <a:avLst/>
+          </a:prstGeom>
+          <a:solidFill>
+            <a:schemeClr val="accent1">
+              <a:lumMod val="20000"/>
+              <a:lumOff val="80000"/>
+            </a:schemeClr>
+          </a:solidFill>
+          <a:ln w="6350" cmpd="sng">
+            <a:solidFill>
+              <a:schemeClr val="bg1">
+                <a:lumMod val="50000"/>
+              </a:schemeClr>
+            </a:solidFill>
+            <a:prstDash val="solid"/>
+          </a:ln>
+          <a:effectLst>
+            <a:outerShdw blurRad="50800" dist="38100" dir="2700000" algn="tl" rotWithShape="0">
+              <a:prstClr val="black">
+                <a:alpha val="40000"/>
+              </a:prstClr>
+            </a:outerShdw>
+          </a:effectLst>
+        </p:spPr>
+        <p:style>
+          <a:lnRef idx="2">
+            <a:schemeClr val="accent1">
+              <a:shade val="50000"/>
+            </a:schemeClr>
+          </a:lnRef>
+          <a:fillRef idx="1">
+            <a:schemeClr val="accent1"/>
+          </a:fillRef>
+          <a:effectRef idx="0">
+            <a:schemeClr val="accent1"/>
+          </a:effectRef>
+          <a:fontRef idx="minor">
+            <a:schemeClr val="lt1"/>
+          </a:fontRef>
+        </p:style>
+        <p:txBody>
+          <a:bodyPr rtlCol="0" anchor="ctr"/>
+          <a:lstStyle/>
+          <a:p>
+            <a:pPr algn="ctr"/>
+            <a:endParaRPr lang="en-US"/>
+          </a:p>
+        </p:txBody>
+      </p:sp>
+      <p:sp>
+        <p:nvSpPr>
+          <p:cNvPr id="162" name="Rectangle 161"/>
+          <p:cNvSpPr/>
+          <p:nvPr/>
+        </p:nvSpPr>
+        <p:spPr>
+          <a:xfrm>
+            <a:off x="6778143" y="3253845"/>
+            <a:ext cx="1610281" cy="1543307"/>
+          </a:xfrm>
+          <a:prstGeom prst="rect">
+            <a:avLst/>
+          </a:prstGeom>
+          <a:solidFill>
+            <a:srgbClr val="FEFED2"/>
+          </a:solidFill>
+          <a:ln w="6350" cmpd="sng">
+            <a:solidFill>
+              <a:schemeClr val="bg1">
+                <a:lumMod val="50000"/>
+              </a:schemeClr>
+            </a:solidFill>
+            <a:prstDash val="solid"/>
+          </a:ln>
+          <a:effectLst>
+            <a:outerShdw blurRad="50800" dist="38100" dir="2700000" algn="tl" rotWithShape="0">
+              <a:prstClr val="black">
+                <a:alpha val="40000"/>
+              </a:prstClr>
+            </a:outerShdw>
+          </a:effectLst>
+        </p:spPr>
+        <p:style>
+          <a:lnRef idx="2">
+            <a:schemeClr val="accent1">
+              <a:shade val="50000"/>
+            </a:schemeClr>
+          </a:lnRef>
+          <a:fillRef idx="1">
+            <a:schemeClr val="accent1"/>
+          </a:fillRef>
+          <a:effectRef idx="0">
+            <a:schemeClr val="accent1"/>
+          </a:effectRef>
+          <a:fontRef idx="minor">
+            <a:schemeClr val="lt1"/>
+          </a:fontRef>
+        </p:style>
+        <p:txBody>
+          <a:bodyPr rtlCol="0" anchor="ctr"/>
+          <a:lstStyle/>
+          <a:p>
+            <a:pPr algn="ctr"/>
+            <a:endParaRPr lang="en-US"/>
+          </a:p>
+        </p:txBody>
+      </p:sp>
       <p:cxnSp>
         <p:nvCxnSpPr>
           <p:cNvPr id="182" name="Straight Arrow Connector 181"/>
@@ -3688,226 +3807,6 @@
           <a:p>
             <a:pPr algn="ctr"/>
             <a:endParaRPr lang="en-US"/>
-          </a:p>
-        </p:txBody>
-      </p:sp>
-      <p:cxnSp>
-        <p:nvCxnSpPr>
-          <p:cNvPr id="163" name="Straight Connector 162"/>
-          <p:cNvCxnSpPr>
-            <a:endCxn id="152" idx="2"/>
-          </p:cNvCxnSpPr>
-          <p:nvPr/>
-        </p:nvCxnSpPr>
-        <p:spPr>
-          <a:xfrm flipV="1">
-            <a:off x="7687260" y="3113971"/>
-            <a:ext cx="4" cy="400799"/>
-          </a:xfrm>
-          <a:prstGeom prst="line">
-            <a:avLst/>
-          </a:prstGeom>
-          <a:ln w="3175">
-            <a:solidFill>
-              <a:schemeClr val="bg1">
-                <a:lumMod val="50000"/>
-              </a:schemeClr>
-            </a:solidFill>
-            <a:tailEnd type="none" w="sm" len="sm"/>
-          </a:ln>
-        </p:spPr>
-        <p:style>
-          <a:lnRef idx="1">
-            <a:schemeClr val="accent1"/>
-          </a:lnRef>
-          <a:fillRef idx="0">
-            <a:schemeClr val="accent1"/>
-          </a:fillRef>
-          <a:effectRef idx="0">
-            <a:schemeClr val="accent1"/>
-          </a:effectRef>
-          <a:fontRef idx="minor">
-            <a:schemeClr val="tx1"/>
-          </a:fontRef>
-        </p:style>
-      </p:cxnSp>
-      <p:sp>
-        <p:nvSpPr>
-          <p:cNvPr id="13" name="Rectangle 12"/>
-          <p:cNvSpPr/>
-          <p:nvPr/>
-        </p:nvSpPr>
-        <p:spPr>
-          <a:xfrm flipV="1">
-            <a:off x="7862807" y="4184660"/>
-            <a:ext cx="624105" cy="1595154"/>
-          </a:xfrm>
-          <a:custGeom>
-            <a:avLst/>
-            <a:gdLst>
-              <a:gd name="connsiteX0" fmla="*/ 0 w 792088"/>
-              <a:gd name="connsiteY0" fmla="*/ 0 h 2337825"/>
-              <a:gd name="connsiteX1" fmla="*/ 792088 w 792088"/>
-              <a:gd name="connsiteY1" fmla="*/ 0 h 2337825"/>
-              <a:gd name="connsiteX2" fmla="*/ 792088 w 792088"/>
-              <a:gd name="connsiteY2" fmla="*/ 2337825 h 2337825"/>
-              <a:gd name="connsiteX3" fmla="*/ 0 w 792088"/>
-              <a:gd name="connsiteY3" fmla="*/ 2337825 h 2337825"/>
-              <a:gd name="connsiteX4" fmla="*/ 0 w 792088"/>
-              <a:gd name="connsiteY4" fmla="*/ 0 h 2337825"/>
-              <a:gd name="connsiteX0" fmla="*/ 0 w 792088"/>
-              <a:gd name="connsiteY0" fmla="*/ 0 h 2337825"/>
-              <a:gd name="connsiteX1" fmla="*/ 792088 w 792088"/>
-              <a:gd name="connsiteY1" fmla="*/ 0 h 2337825"/>
-              <a:gd name="connsiteX2" fmla="*/ 792088 w 792088"/>
-              <a:gd name="connsiteY2" fmla="*/ 2337825 h 2337825"/>
-              <a:gd name="connsiteX3" fmla="*/ 0 w 792088"/>
-              <a:gd name="connsiteY3" fmla="*/ 2337825 h 2337825"/>
-              <a:gd name="connsiteX4" fmla="*/ 91440 w 792088"/>
-              <a:gd name="connsiteY4" fmla="*/ 91440 h 2337825"/>
-              <a:gd name="connsiteX0" fmla="*/ 0 w 792088"/>
-              <a:gd name="connsiteY0" fmla="*/ 0 h 2337825"/>
-              <a:gd name="connsiteX1" fmla="*/ 792088 w 792088"/>
-              <a:gd name="connsiteY1" fmla="*/ 0 h 2337825"/>
-              <a:gd name="connsiteX2" fmla="*/ 792088 w 792088"/>
-              <a:gd name="connsiteY2" fmla="*/ 2337825 h 2337825"/>
-              <a:gd name="connsiteX3" fmla="*/ 0 w 792088"/>
-              <a:gd name="connsiteY3" fmla="*/ 2337825 h 2337825"/>
-              <a:gd name="connsiteX0" fmla="*/ 0 w 792088"/>
-              <a:gd name="connsiteY0" fmla="*/ 0 h 2337825"/>
-              <a:gd name="connsiteX1" fmla="*/ 792088 w 792088"/>
-              <a:gd name="connsiteY1" fmla="*/ 0 h 2337825"/>
-              <a:gd name="connsiteX2" fmla="*/ 792088 w 792088"/>
-              <a:gd name="connsiteY2" fmla="*/ 2337825 h 2337825"/>
-              <a:gd name="connsiteX3" fmla="*/ 307776 w 792088"/>
-              <a:gd name="connsiteY3" fmla="*/ 2337825 h 2337825"/>
-              <a:gd name="connsiteX0" fmla="*/ 0 w 792088"/>
-              <a:gd name="connsiteY0" fmla="*/ 0 h 2337825"/>
-              <a:gd name="connsiteX1" fmla="*/ 792088 w 792088"/>
-              <a:gd name="connsiteY1" fmla="*/ 0 h 2337825"/>
-              <a:gd name="connsiteX2" fmla="*/ 792088 w 792088"/>
-              <a:gd name="connsiteY2" fmla="*/ 2337825 h 2337825"/>
-              <a:gd name="connsiteX3" fmla="*/ 307776 w 792088"/>
-              <a:gd name="connsiteY3" fmla="*/ 2337825 h 2337825"/>
-              <a:gd name="connsiteX0" fmla="*/ 0 w 1031104"/>
-              <a:gd name="connsiteY0" fmla="*/ 0 h 2337825"/>
-              <a:gd name="connsiteX1" fmla="*/ 1031104 w 1031104"/>
-              <a:gd name="connsiteY1" fmla="*/ 0 h 2337825"/>
-              <a:gd name="connsiteX2" fmla="*/ 1031104 w 1031104"/>
-              <a:gd name="connsiteY2" fmla="*/ 2337825 h 2337825"/>
-              <a:gd name="connsiteX3" fmla="*/ 546792 w 1031104"/>
-              <a:gd name="connsiteY3" fmla="*/ 2337825 h 2337825"/>
-              <a:gd name="connsiteX0" fmla="*/ 0 w 1031104"/>
-              <a:gd name="connsiteY0" fmla="*/ 0 h 2337825"/>
-              <a:gd name="connsiteX1" fmla="*/ 1031104 w 1031104"/>
-              <a:gd name="connsiteY1" fmla="*/ 0 h 2337825"/>
-              <a:gd name="connsiteX2" fmla="*/ 1031104 w 1031104"/>
-              <a:gd name="connsiteY2" fmla="*/ 2337825 h 2337825"/>
-              <a:gd name="connsiteX3" fmla="*/ 546792 w 1031104"/>
-              <a:gd name="connsiteY3" fmla="*/ 2337825 h 2337825"/>
-              <a:gd name="connsiteX0" fmla="*/ 0 w 847748"/>
-              <a:gd name="connsiteY0" fmla="*/ 0 h 2337825"/>
-              <a:gd name="connsiteX1" fmla="*/ 847748 w 847748"/>
-              <a:gd name="connsiteY1" fmla="*/ 0 h 2337825"/>
-              <a:gd name="connsiteX2" fmla="*/ 847748 w 847748"/>
-              <a:gd name="connsiteY2" fmla="*/ 2337825 h 2337825"/>
-              <a:gd name="connsiteX3" fmla="*/ 363436 w 847748"/>
-              <a:gd name="connsiteY3" fmla="*/ 2337825 h 2337825"/>
-              <a:gd name="connsiteX0" fmla="*/ 0 w 824827"/>
-              <a:gd name="connsiteY0" fmla="*/ 2665 h 2337825"/>
-              <a:gd name="connsiteX1" fmla="*/ 824827 w 824827"/>
-              <a:gd name="connsiteY1" fmla="*/ 0 h 2337825"/>
-              <a:gd name="connsiteX2" fmla="*/ 824827 w 824827"/>
-              <a:gd name="connsiteY2" fmla="*/ 2337825 h 2337825"/>
-              <a:gd name="connsiteX3" fmla="*/ 340515 w 824827"/>
-              <a:gd name="connsiteY3" fmla="*/ 2337825 h 2337825"/>
-              <a:gd name="connsiteX0" fmla="*/ 0 w 808456"/>
-              <a:gd name="connsiteY0" fmla="*/ 0 h 2337825"/>
-              <a:gd name="connsiteX1" fmla="*/ 808456 w 808456"/>
-              <a:gd name="connsiteY1" fmla="*/ 0 h 2337825"/>
-              <a:gd name="connsiteX2" fmla="*/ 808456 w 808456"/>
-              <a:gd name="connsiteY2" fmla="*/ 2337825 h 2337825"/>
-              <a:gd name="connsiteX3" fmla="*/ 324144 w 808456"/>
-              <a:gd name="connsiteY3" fmla="*/ 2337825 h 2337825"/>
-              <a:gd name="connsiteX0" fmla="*/ 0 w 808456"/>
-              <a:gd name="connsiteY0" fmla="*/ 0 h 2337825"/>
-              <a:gd name="connsiteX1" fmla="*/ 808456 w 808456"/>
-              <a:gd name="connsiteY1" fmla="*/ 0 h 2337825"/>
-              <a:gd name="connsiteX2" fmla="*/ 808456 w 808456"/>
-              <a:gd name="connsiteY2" fmla="*/ 2337825 h 2337825"/>
-              <a:gd name="connsiteX3" fmla="*/ 324144 w 808456"/>
-              <a:gd name="connsiteY3" fmla="*/ 2337825 h 2337825"/>
-              <a:gd name="connsiteX0" fmla="*/ 0 w 851021"/>
-              <a:gd name="connsiteY0" fmla="*/ 1333 h 2337825"/>
-              <a:gd name="connsiteX1" fmla="*/ 851021 w 851021"/>
-              <a:gd name="connsiteY1" fmla="*/ 0 h 2337825"/>
-              <a:gd name="connsiteX2" fmla="*/ 851021 w 851021"/>
-              <a:gd name="connsiteY2" fmla="*/ 2337825 h 2337825"/>
-              <a:gd name="connsiteX3" fmla="*/ 366709 w 851021"/>
-              <a:gd name="connsiteY3" fmla="*/ 2337825 h 2337825"/>
-            </a:gdLst>
-            <a:ahLst/>
-            <a:cxnLst>
-              <a:cxn ang="0">
-                <a:pos x="connsiteX0" y="connsiteY0"/>
-              </a:cxn>
-              <a:cxn ang="0">
-                <a:pos x="connsiteX1" y="connsiteY1"/>
-              </a:cxn>
-              <a:cxn ang="0">
-                <a:pos x="connsiteX2" y="connsiteY2"/>
-              </a:cxn>
-              <a:cxn ang="0">
-                <a:pos x="connsiteX3" y="connsiteY3"/>
-              </a:cxn>
-            </a:cxnLst>
-            <a:rect l="l" t="t" r="r" b="b"/>
-            <a:pathLst>
-              <a:path w="851021" h="2337825">
-                <a:moveTo>
-                  <a:pt x="0" y="1333"/>
-                </a:moveTo>
-                <a:lnTo>
-                  <a:pt x="851021" y="0"/>
-                </a:lnTo>
-                <a:lnTo>
-                  <a:pt x="851021" y="2337825"/>
-                </a:lnTo>
-                <a:lnTo>
-                  <a:pt x="366709" y="2337825"/>
-                </a:lnTo>
-              </a:path>
-            </a:pathLst>
-          </a:custGeom>
-          <a:noFill/>
-          <a:ln w="3175">
-            <a:solidFill>
-              <a:schemeClr val="tx1"/>
-            </a:solidFill>
-          </a:ln>
-        </p:spPr>
-        <p:style>
-          <a:lnRef idx="2">
-            <a:schemeClr val="accent1">
-              <a:shade val="50000"/>
-            </a:schemeClr>
-          </a:lnRef>
-          <a:fillRef idx="1">
-            <a:schemeClr val="accent1"/>
-          </a:fillRef>
-          <a:effectRef idx="0">
-            <a:schemeClr val="accent1"/>
-          </a:effectRef>
-          <a:fontRef idx="minor">
-            <a:schemeClr val="lt1"/>
-          </a:fontRef>
-        </p:style>
-        <p:txBody>
-          <a:bodyPr rtlCol="0" anchor="ctr"/>
-          <a:lstStyle/>
-          <a:p>
-            <a:pPr algn="ctr"/>
-            <a:endParaRPr lang="en-US" dirty="0"/>
           </a:p>
         </p:txBody>
       </p:sp>
@@ -8282,14 +8181,7 @@
                 <a:latin typeface="Arial" panose="020B0604020202020204" pitchFamily="34" charset="0"/>
                 <a:cs typeface="Arial" panose="020B0604020202020204" pitchFamily="34" charset="0"/>
               </a:rPr>
-              <a:t>pdated JSON Authority </a:t>
-            </a:r>
-            <a:r>
-              <a:rPr lang="en-US" sz="1200" i="1" dirty="0" smtClean="0">
-                <a:latin typeface="Arial" panose="020B0604020202020204" pitchFamily="34" charset="0"/>
-                <a:cs typeface="Arial" panose="020B0604020202020204" pitchFamily="34" charset="0"/>
-              </a:rPr>
-              <a:t>Objects</a:t>
+              <a:t>pdated JSON Authority Objects</a:t>
             </a:r>
             <a:br>
               <a:rPr lang="en-US" sz="1200" i="1" dirty="0" smtClean="0">
@@ -8302,14 +8194,7 @@
                 <a:latin typeface="Arial" panose="020B0604020202020204" pitchFamily="34" charset="0"/>
                 <a:cs typeface="Arial" panose="020B0604020202020204" pitchFamily="34" charset="0"/>
               </a:rPr>
-              <a:t>bind </a:t>
-            </a:r>
-            <a:r>
-              <a:rPr lang="en-US" sz="1200" dirty="0" smtClean="0">
-                <a:latin typeface="Arial" panose="020B0604020202020204" pitchFamily="34" charset="0"/>
-                <a:cs typeface="Arial" panose="020B0604020202020204" pitchFamily="34" charset="0"/>
-              </a:rPr>
-              <a:t>each Merchant to </a:t>
+              <a:t>bind each Merchant to </a:t>
             </a:r>
             <a:r>
               <a:rPr lang="en-US" sz="1200" i="1" dirty="0" smtClean="0">
@@ -8323,14 +8208,7 @@
                 <a:latin typeface="Arial" panose="020B0604020202020204" pitchFamily="34" charset="0"/>
                 <a:cs typeface="Arial" panose="020B0604020202020204" pitchFamily="34" charset="0"/>
               </a:rPr>
-              <a:t> Bank and an for each Merchant </a:t>
-            </a:r>
-            <a:r>
-              <a:rPr lang="en-US" sz="1200" dirty="0" smtClean="0">
-                <a:latin typeface="Arial" panose="020B0604020202020204" pitchFamily="34" charset="0"/>
-                <a:cs typeface="Arial" panose="020B0604020202020204" pitchFamily="34" charset="0"/>
-              </a:rPr>
-              <a:t>specific</a:t>
+              <a:t> Bank and an for each Merchant specific</a:t>
             </a:r>
             <a:br>
               <a:rPr lang="en-US" sz="1200" dirty="0" smtClean="0">
@@ -8348,19 +8226,7 @@
                 <a:latin typeface="Arial" panose="020B0604020202020204" pitchFamily="34" charset="0"/>
                 <a:cs typeface="Arial" panose="020B0604020202020204" pitchFamily="34" charset="0"/>
               </a:rPr>
-              <a:t>Public </a:t>
-            </a:r>
-            <a:r>
-              <a:rPr lang="en-US" sz="1200" i="1" dirty="0" smtClean="0">
-                <a:solidFill>
-                  <a:schemeClr val="accent6">
-                    <a:lumMod val="50000"/>
-                  </a:schemeClr>
-                </a:solidFill>
-                <a:latin typeface="Arial" panose="020B0604020202020204" pitchFamily="34" charset="0"/>
-                <a:cs typeface="Arial" panose="020B0604020202020204" pitchFamily="34" charset="0"/>
-              </a:rPr>
-              <a:t>Key</a:t>
+              <a:t>Public Key</a:t>
             </a:r>
             <a:r>
               <a:rPr lang="en-US" sz="1200" i="1" dirty="0" smtClean="0">
@@ -9431,8 +9297,8 @@
         </p:nvSpPr>
         <p:spPr>
           <a:xfrm>
-            <a:off x="7529098" y="6646492"/>
-            <a:ext cx="1651414" cy="215444"/>
+            <a:off x="7586806" y="6646492"/>
+            <a:ext cx="1593706" cy="215444"/>
           </a:xfrm>
           <a:prstGeom prst="rect">
             <a:avLst/>
@@ -9454,7 +9320,7 @@
                 <a:latin typeface="Arial" panose="020B0604020202020204" pitchFamily="34" charset="0"/>
                 <a:cs typeface="Arial" panose="020B0604020202020204" pitchFamily="34" charset="0"/>
               </a:rPr>
-              <a:t>V0.99, </a:t>
+              <a:t>V1.0, </a:t>
             </a:r>
             <a:r>
               <a:rPr lang="en-US" sz="800" dirty="0" err="1" smtClean="0">
@@ -9475,7 +9341,7 @@
                 <a:latin typeface="Arial" panose="020B0604020202020204" pitchFamily="34" charset="0"/>
                 <a:cs typeface="Arial" panose="020B0604020202020204" pitchFamily="34" charset="0"/>
               </a:rPr>
-              <a:t>2019-09-16</a:t>
+              <a:t>2019-09-18</a:t>
             </a:r>
             <a:endParaRPr lang="en-US" sz="800" dirty="0">
               <a:latin typeface="Arial" panose="020B0604020202020204" pitchFamily="34" charset="0"/>
@@ -10075,15 +9941,15 @@
           <a:gradFill flip="none" rotWithShape="1">
             <a:gsLst>
               <a:gs pos="0">
-                <a:srgbClr val="FBEAC7"/>
+                <a:schemeClr val="accent4">
+                  <a:lumMod val="20000"/>
+                  <a:lumOff val="80000"/>
+                </a:schemeClr>
               </a:gs>
-              <a:gs pos="17999">
-                <a:srgbClr val="FEE7F2"/>
-              </a:gs>
-              <a:gs pos="48000">
+              <a:gs pos="39000">
                 <a:srgbClr val="FAC77D"/>
               </a:gs>
-              <a:gs pos="82001">
+              <a:gs pos="60000">
                 <a:srgbClr val="FBD49C"/>
               </a:gs>
               <a:gs pos="100000">
@@ -10504,8 +10370,8 @@
         </p:nvSpPr>
         <p:spPr>
           <a:xfrm>
-            <a:off x="7009977" y="2708920"/>
-            <a:ext cx="1354574" cy="405051"/>
+            <a:off x="7020272" y="2636912"/>
+            <a:ext cx="1285362" cy="405051"/>
           </a:xfrm>
           <a:prstGeom prst="roundRect">
             <a:avLst>
@@ -10524,7 +10390,7 @@
           </a:ln>
         </p:spPr>
         <p:txBody>
-          <a:bodyPr wrap="none" lIns="72000" tIns="0" rIns="72000" bIns="0" rtlCol="0" anchor="ctr" anchorCtr="0">
+          <a:bodyPr wrap="square" lIns="72000" tIns="0" rIns="72000" bIns="0" rtlCol="0" anchor="ctr" anchorCtr="0">
             <a:spAutoFit/>
           </a:bodyPr>
           <a:lstStyle/>
@@ -10535,7 +10401,14 @@
                 <a:latin typeface="Arial" panose="020B0604020202020204" pitchFamily="34" charset="0"/>
                 <a:cs typeface="Arial" panose="020B0604020202020204" pitchFamily="34" charset="0"/>
               </a:rPr>
-              <a:t>“Virtual” Payment</a:t>
+              <a:t>“</a:t>
+            </a:r>
+            <a:r>
+              <a:rPr lang="en-US" sz="1200" dirty="0" smtClean="0">
+                <a:latin typeface="Arial" panose="020B0604020202020204" pitchFamily="34" charset="0"/>
+                <a:cs typeface="Arial" panose="020B0604020202020204" pitchFamily="34" charset="0"/>
+              </a:rPr>
+              <a:t>Virtual”</a:t>
             </a:r>
             <a:br>
               <a:rPr lang="en-US" sz="1200" dirty="0" smtClean="0">
@@ -10548,7 +10421,7 @@
                 <a:latin typeface="Arial" panose="020B0604020202020204" pitchFamily="34" charset="0"/>
                 <a:cs typeface="Arial" panose="020B0604020202020204" pitchFamily="34" charset="0"/>
               </a:rPr>
-              <a:t>Card Contents</a:t>
+              <a:t>Payment Cards</a:t>
             </a:r>
             <a:endParaRPr lang="en-US" sz="1200" dirty="0">
               <a:latin typeface="Arial" panose="020B0604020202020204" pitchFamily="34" charset="0"/>
@@ -10571,9 +10444,26 @@
           <a:prstGeom prst="roundRect">
             <a:avLst/>
           </a:prstGeom>
-          <a:solidFill>
-            <a:srgbClr val="FEFED2"/>
-          </a:solidFill>
+          <a:gradFill flip="none" rotWithShape="1">
+            <a:gsLst>
+              <a:gs pos="0">
+                <a:srgbClr val="FEFED2"/>
+              </a:gs>
+              <a:gs pos="61000">
+                <a:schemeClr val="accent6">
+                  <a:lumMod val="40000"/>
+                  <a:lumOff val="60000"/>
+                </a:schemeClr>
+              </a:gs>
+              <a:gs pos="100000">
+                <a:schemeClr val="accent6">
+                  <a:lumMod val="75000"/>
+                </a:schemeClr>
+              </a:gs>
+            </a:gsLst>
+            <a:lin ang="13500000" scaled="1"/>
+            <a:tileRect/>
+          </a:gradFill>
           <a:ln w="9525"/>
           <a:effectLst>
             <a:outerShdw blurRad="50800" dist="38100" dir="2700000" algn="tl" rotWithShape="0">
@@ -11079,6 +10969,228 @@
               <a:latin typeface="Arial" panose="020B0604020202020204" pitchFamily="34" charset="0"/>
               <a:cs typeface="Arial" panose="020B0604020202020204" pitchFamily="34" charset="0"/>
             </a:endParaRPr>
+          </a:p>
+        </p:txBody>
+      </p:sp>
+      <p:sp>
+        <p:nvSpPr>
+          <p:cNvPr id="13" name="Rectangle 12"/>
+          <p:cNvSpPr/>
+          <p:nvPr/>
+        </p:nvSpPr>
+        <p:spPr>
+          <a:xfrm flipV="1">
+            <a:off x="7862807" y="4181474"/>
+            <a:ext cx="741640" cy="1598339"/>
+          </a:xfrm>
+          <a:custGeom>
+            <a:avLst/>
+            <a:gdLst>
+              <a:gd name="connsiteX0" fmla="*/ 0 w 792088"/>
+              <a:gd name="connsiteY0" fmla="*/ 0 h 2337825"/>
+              <a:gd name="connsiteX1" fmla="*/ 792088 w 792088"/>
+              <a:gd name="connsiteY1" fmla="*/ 0 h 2337825"/>
+              <a:gd name="connsiteX2" fmla="*/ 792088 w 792088"/>
+              <a:gd name="connsiteY2" fmla="*/ 2337825 h 2337825"/>
+              <a:gd name="connsiteX3" fmla="*/ 0 w 792088"/>
+              <a:gd name="connsiteY3" fmla="*/ 2337825 h 2337825"/>
+              <a:gd name="connsiteX4" fmla="*/ 0 w 792088"/>
+              <a:gd name="connsiteY4" fmla="*/ 0 h 2337825"/>
+              <a:gd name="connsiteX0" fmla="*/ 0 w 792088"/>
+              <a:gd name="connsiteY0" fmla="*/ 0 h 2337825"/>
+              <a:gd name="connsiteX1" fmla="*/ 792088 w 792088"/>
+              <a:gd name="connsiteY1" fmla="*/ 0 h 2337825"/>
+              <a:gd name="connsiteX2" fmla="*/ 792088 w 792088"/>
+              <a:gd name="connsiteY2" fmla="*/ 2337825 h 2337825"/>
+              <a:gd name="connsiteX3" fmla="*/ 0 w 792088"/>
+              <a:gd name="connsiteY3" fmla="*/ 2337825 h 2337825"/>
+              <a:gd name="connsiteX4" fmla="*/ 91440 w 792088"/>
+              <a:gd name="connsiteY4" fmla="*/ 91440 h 2337825"/>
+              <a:gd name="connsiteX0" fmla="*/ 0 w 792088"/>
+              <a:gd name="connsiteY0" fmla="*/ 0 h 2337825"/>
+              <a:gd name="connsiteX1" fmla="*/ 792088 w 792088"/>
+              <a:gd name="connsiteY1" fmla="*/ 0 h 2337825"/>
+              <a:gd name="connsiteX2" fmla="*/ 792088 w 792088"/>
+              <a:gd name="connsiteY2" fmla="*/ 2337825 h 2337825"/>
+              <a:gd name="connsiteX3" fmla="*/ 0 w 792088"/>
+              <a:gd name="connsiteY3" fmla="*/ 2337825 h 2337825"/>
+              <a:gd name="connsiteX0" fmla="*/ 0 w 792088"/>
+              <a:gd name="connsiteY0" fmla="*/ 0 h 2337825"/>
+              <a:gd name="connsiteX1" fmla="*/ 792088 w 792088"/>
+              <a:gd name="connsiteY1" fmla="*/ 0 h 2337825"/>
+              <a:gd name="connsiteX2" fmla="*/ 792088 w 792088"/>
+              <a:gd name="connsiteY2" fmla="*/ 2337825 h 2337825"/>
+              <a:gd name="connsiteX3" fmla="*/ 307776 w 792088"/>
+              <a:gd name="connsiteY3" fmla="*/ 2337825 h 2337825"/>
+              <a:gd name="connsiteX0" fmla="*/ 0 w 792088"/>
+              <a:gd name="connsiteY0" fmla="*/ 0 h 2337825"/>
+              <a:gd name="connsiteX1" fmla="*/ 792088 w 792088"/>
+              <a:gd name="connsiteY1" fmla="*/ 0 h 2337825"/>
+              <a:gd name="connsiteX2" fmla="*/ 792088 w 792088"/>
+              <a:gd name="connsiteY2" fmla="*/ 2337825 h 2337825"/>
+              <a:gd name="connsiteX3" fmla="*/ 307776 w 792088"/>
+              <a:gd name="connsiteY3" fmla="*/ 2337825 h 2337825"/>
+              <a:gd name="connsiteX0" fmla="*/ 0 w 1031104"/>
+              <a:gd name="connsiteY0" fmla="*/ 0 h 2337825"/>
+              <a:gd name="connsiteX1" fmla="*/ 1031104 w 1031104"/>
+              <a:gd name="connsiteY1" fmla="*/ 0 h 2337825"/>
+              <a:gd name="connsiteX2" fmla="*/ 1031104 w 1031104"/>
+              <a:gd name="connsiteY2" fmla="*/ 2337825 h 2337825"/>
+              <a:gd name="connsiteX3" fmla="*/ 546792 w 1031104"/>
+              <a:gd name="connsiteY3" fmla="*/ 2337825 h 2337825"/>
+              <a:gd name="connsiteX0" fmla="*/ 0 w 1031104"/>
+              <a:gd name="connsiteY0" fmla="*/ 0 h 2337825"/>
+              <a:gd name="connsiteX1" fmla="*/ 1031104 w 1031104"/>
+              <a:gd name="connsiteY1" fmla="*/ 0 h 2337825"/>
+              <a:gd name="connsiteX2" fmla="*/ 1031104 w 1031104"/>
+              <a:gd name="connsiteY2" fmla="*/ 2337825 h 2337825"/>
+              <a:gd name="connsiteX3" fmla="*/ 546792 w 1031104"/>
+              <a:gd name="connsiteY3" fmla="*/ 2337825 h 2337825"/>
+              <a:gd name="connsiteX0" fmla="*/ 0 w 847748"/>
+              <a:gd name="connsiteY0" fmla="*/ 0 h 2337825"/>
+              <a:gd name="connsiteX1" fmla="*/ 847748 w 847748"/>
+              <a:gd name="connsiteY1" fmla="*/ 0 h 2337825"/>
+              <a:gd name="connsiteX2" fmla="*/ 847748 w 847748"/>
+              <a:gd name="connsiteY2" fmla="*/ 2337825 h 2337825"/>
+              <a:gd name="connsiteX3" fmla="*/ 363436 w 847748"/>
+              <a:gd name="connsiteY3" fmla="*/ 2337825 h 2337825"/>
+              <a:gd name="connsiteX0" fmla="*/ 0 w 824827"/>
+              <a:gd name="connsiteY0" fmla="*/ 2665 h 2337825"/>
+              <a:gd name="connsiteX1" fmla="*/ 824827 w 824827"/>
+              <a:gd name="connsiteY1" fmla="*/ 0 h 2337825"/>
+              <a:gd name="connsiteX2" fmla="*/ 824827 w 824827"/>
+              <a:gd name="connsiteY2" fmla="*/ 2337825 h 2337825"/>
+              <a:gd name="connsiteX3" fmla="*/ 340515 w 824827"/>
+              <a:gd name="connsiteY3" fmla="*/ 2337825 h 2337825"/>
+              <a:gd name="connsiteX0" fmla="*/ 0 w 808456"/>
+              <a:gd name="connsiteY0" fmla="*/ 0 h 2337825"/>
+              <a:gd name="connsiteX1" fmla="*/ 808456 w 808456"/>
+              <a:gd name="connsiteY1" fmla="*/ 0 h 2337825"/>
+              <a:gd name="connsiteX2" fmla="*/ 808456 w 808456"/>
+              <a:gd name="connsiteY2" fmla="*/ 2337825 h 2337825"/>
+              <a:gd name="connsiteX3" fmla="*/ 324144 w 808456"/>
+              <a:gd name="connsiteY3" fmla="*/ 2337825 h 2337825"/>
+              <a:gd name="connsiteX0" fmla="*/ 0 w 808456"/>
+              <a:gd name="connsiteY0" fmla="*/ 0 h 2337825"/>
+              <a:gd name="connsiteX1" fmla="*/ 808456 w 808456"/>
+              <a:gd name="connsiteY1" fmla="*/ 0 h 2337825"/>
+              <a:gd name="connsiteX2" fmla="*/ 808456 w 808456"/>
+              <a:gd name="connsiteY2" fmla="*/ 2337825 h 2337825"/>
+              <a:gd name="connsiteX3" fmla="*/ 324144 w 808456"/>
+              <a:gd name="connsiteY3" fmla="*/ 2337825 h 2337825"/>
+              <a:gd name="connsiteX0" fmla="*/ 0 w 851021"/>
+              <a:gd name="connsiteY0" fmla="*/ 1333 h 2337825"/>
+              <a:gd name="connsiteX1" fmla="*/ 851021 w 851021"/>
+              <a:gd name="connsiteY1" fmla="*/ 0 h 2337825"/>
+              <a:gd name="connsiteX2" fmla="*/ 851021 w 851021"/>
+              <a:gd name="connsiteY2" fmla="*/ 2337825 h 2337825"/>
+              <a:gd name="connsiteX3" fmla="*/ 366709 w 851021"/>
+              <a:gd name="connsiteY3" fmla="*/ 2337825 h 2337825"/>
+              <a:gd name="connsiteX0" fmla="*/ 0 w 851021"/>
+              <a:gd name="connsiteY0" fmla="*/ 1333 h 2337825"/>
+              <a:gd name="connsiteX1" fmla="*/ 851021 w 851021"/>
+              <a:gd name="connsiteY1" fmla="*/ 0 h 2337825"/>
+              <a:gd name="connsiteX2" fmla="*/ 851021 w 851021"/>
+              <a:gd name="connsiteY2" fmla="*/ 2337825 h 2337825"/>
+              <a:gd name="connsiteX3" fmla="*/ 246481 w 851021"/>
+              <a:gd name="connsiteY3" fmla="*/ 2337825 h 2337825"/>
+              <a:gd name="connsiteX0" fmla="*/ 0 w 851021"/>
+              <a:gd name="connsiteY0" fmla="*/ 1333 h 2341316"/>
+              <a:gd name="connsiteX1" fmla="*/ 851021 w 851021"/>
+              <a:gd name="connsiteY1" fmla="*/ 0 h 2341316"/>
+              <a:gd name="connsiteX2" fmla="*/ 851021 w 851021"/>
+              <a:gd name="connsiteY2" fmla="*/ 2337825 h 2341316"/>
+              <a:gd name="connsiteX3" fmla="*/ 169972 w 851021"/>
+              <a:gd name="connsiteY3" fmla="*/ 2341316 h 2341316"/>
+              <a:gd name="connsiteX0" fmla="*/ 0 w 851021"/>
+              <a:gd name="connsiteY0" fmla="*/ 1333 h 2342493"/>
+              <a:gd name="connsiteX1" fmla="*/ 851021 w 851021"/>
+              <a:gd name="connsiteY1" fmla="*/ 0 h 2342493"/>
+              <a:gd name="connsiteX2" fmla="*/ 851021 w 851021"/>
+              <a:gd name="connsiteY2" fmla="*/ 2337825 h 2342493"/>
+              <a:gd name="connsiteX3" fmla="*/ 180434 w 851021"/>
+              <a:gd name="connsiteY3" fmla="*/ 2342493 h 2342493"/>
+              <a:gd name="connsiteX4" fmla="*/ 169972 w 851021"/>
+              <a:gd name="connsiteY4" fmla="*/ 2341316 h 2342493"/>
+              <a:gd name="connsiteX0" fmla="*/ 0 w 851021"/>
+              <a:gd name="connsiteY0" fmla="*/ 1333 h 2342493"/>
+              <a:gd name="connsiteX1" fmla="*/ 851021 w 851021"/>
+              <a:gd name="connsiteY1" fmla="*/ 0 h 2342493"/>
+              <a:gd name="connsiteX2" fmla="*/ 851021 w 851021"/>
+              <a:gd name="connsiteY2" fmla="*/ 2337825 h 2342493"/>
+              <a:gd name="connsiteX3" fmla="*/ 180434 w 851021"/>
+              <a:gd name="connsiteY3" fmla="*/ 2342493 h 2342493"/>
+              <a:gd name="connsiteX4" fmla="*/ 169972 w 851021"/>
+              <a:gd name="connsiteY4" fmla="*/ 2341316 h 2342493"/>
+            </a:gdLst>
+            <a:ahLst/>
+            <a:cxnLst>
+              <a:cxn ang="0">
+                <a:pos x="connsiteX0" y="connsiteY0"/>
+              </a:cxn>
+              <a:cxn ang="0">
+                <a:pos x="connsiteX1" y="connsiteY1"/>
+              </a:cxn>
+              <a:cxn ang="0">
+                <a:pos x="connsiteX2" y="connsiteY2"/>
+              </a:cxn>
+              <a:cxn ang="0">
+                <a:pos x="connsiteX3" y="connsiteY3"/>
+              </a:cxn>
+              <a:cxn ang="0">
+                <a:pos x="connsiteX4" y="connsiteY4"/>
+              </a:cxn>
+            </a:cxnLst>
+            <a:rect l="l" t="t" r="r" b="b"/>
+            <a:pathLst>
+              <a:path w="851021" h="2342493">
+                <a:moveTo>
+                  <a:pt x="0" y="1333"/>
+                </a:moveTo>
+                <a:lnTo>
+                  <a:pt x="851021" y="0"/>
+                </a:lnTo>
+                <a:lnTo>
+                  <a:pt x="851021" y="2337825"/>
+                </a:lnTo>
+                <a:lnTo>
+                  <a:pt x="180434" y="2342493"/>
+                </a:lnTo>
+                <a:lnTo>
+                  <a:pt x="169972" y="2341316"/>
+                </a:lnTo>
+              </a:path>
+            </a:pathLst>
+          </a:custGeom>
+          <a:noFill/>
+          <a:ln w="3175">
+            <a:solidFill>
+              <a:schemeClr val="tx1"/>
+            </a:solidFill>
+          </a:ln>
+        </p:spPr>
+        <p:style>
+          <a:lnRef idx="2">
+            <a:schemeClr val="accent1">
+              <a:shade val="50000"/>
+            </a:schemeClr>
+          </a:lnRef>
+          <a:fillRef idx="1">
+            <a:schemeClr val="accent1"/>
+          </a:fillRef>
+          <a:effectRef idx="0">
+            <a:schemeClr val="accent1"/>
+          </a:effectRef>
+          <a:fontRef idx="minor">
+            <a:schemeClr val="lt1"/>
+          </a:fontRef>
+        </p:style>
+        <p:txBody>
+          <a:bodyPr rtlCol="0" anchor="ctr"/>
+          <a:lstStyle/>
+          <a:p>
+            <a:pPr algn="ctr"/>
+            <a:endParaRPr lang="en-US" dirty="0"/>
           </a:p>
         </p:txBody>
       </p:sp>

--- a/saturn/enhanced-four-corner-model.pptx
+++ b/saturn/enhanced-four-corner-model.pptx
@@ -9334,14 +9334,7 @@
                 <a:latin typeface="Arial" panose="020B0604020202020204" pitchFamily="34" charset="0"/>
                 <a:cs typeface="Arial" panose="020B0604020202020204" pitchFamily="34" charset="0"/>
               </a:rPr>
-              <a:t>, </a:t>
-            </a:r>
-            <a:r>
-              <a:rPr lang="en-US" sz="800" dirty="0" smtClean="0">
-                <a:latin typeface="Arial" panose="020B0604020202020204" pitchFamily="34" charset="0"/>
-                <a:cs typeface="Arial" panose="020B0604020202020204" pitchFamily="34" charset="0"/>
-              </a:rPr>
-              <a:t>2019-09-18</a:t>
+              <a:t>, 2019-09-18</a:t>
             </a:r>
             <a:endParaRPr lang="en-US" sz="800" dirty="0">
               <a:latin typeface="Arial" panose="020B0604020202020204" pitchFamily="34" charset="0"/>
@@ -10370,8 +10363,8 @@
         </p:nvSpPr>
         <p:spPr>
           <a:xfrm>
-            <a:off x="7020272" y="2636912"/>
-            <a:ext cx="1285362" cy="405051"/>
+            <a:off x="6850151" y="2614242"/>
+            <a:ext cx="1455483" cy="472559"/>
           </a:xfrm>
           <a:prstGeom prst="roundRect">
             <a:avLst>
@@ -10382,11 +10375,7 @@
             <a:schemeClr val="bg1"/>
           </a:solidFill>
           <a:ln w="3175">
-            <a:solidFill>
-              <a:schemeClr val="bg1">
-                <a:lumMod val="50000"/>
-              </a:schemeClr>
-            </a:solidFill>
+            <a:noFill/>
           </a:ln>
         </p:spPr>
         <p:txBody>
@@ -10397,33 +10386,26 @@
           <a:p>
             <a:pPr algn="ctr"/>
             <a:r>
-              <a:rPr lang="en-US" sz="1200" dirty="0" smtClean="0">
+              <a:rPr lang="en-US" sz="1400" dirty="0" smtClean="0">
                 <a:latin typeface="Arial" panose="020B0604020202020204" pitchFamily="34" charset="0"/>
                 <a:cs typeface="Arial" panose="020B0604020202020204" pitchFamily="34" charset="0"/>
               </a:rPr>
-              <a:t>“</a:t>
-            </a:r>
-            <a:r>
-              <a:rPr lang="en-US" sz="1200" dirty="0" smtClean="0">
-                <a:latin typeface="Arial" panose="020B0604020202020204" pitchFamily="34" charset="0"/>
-                <a:cs typeface="Arial" panose="020B0604020202020204" pitchFamily="34" charset="0"/>
-              </a:rPr>
-              <a:t>Virtual”</a:t>
+              <a:t>“Virtual”</a:t>
             </a:r>
             <a:br>
-              <a:rPr lang="en-US" sz="1200" dirty="0" smtClean="0">
+              <a:rPr lang="en-US" sz="1400" dirty="0" smtClean="0">
                 <a:latin typeface="Arial" panose="020B0604020202020204" pitchFamily="34" charset="0"/>
                 <a:cs typeface="Arial" panose="020B0604020202020204" pitchFamily="34" charset="0"/>
               </a:rPr>
             </a:br>
             <a:r>
-              <a:rPr lang="en-US" sz="1200" dirty="0" smtClean="0">
+              <a:rPr lang="en-US" sz="1400" dirty="0" smtClean="0">
                 <a:latin typeface="Arial" panose="020B0604020202020204" pitchFamily="34" charset="0"/>
                 <a:cs typeface="Arial" panose="020B0604020202020204" pitchFamily="34" charset="0"/>
               </a:rPr>
               <a:t>Payment Cards</a:t>
             </a:r>
-            <a:endParaRPr lang="en-US" sz="1200" dirty="0">
+            <a:endParaRPr lang="en-US" sz="1400" dirty="0">
               <a:latin typeface="Arial" panose="020B0604020202020204" pitchFamily="34" charset="0"/>
               <a:cs typeface="Arial" panose="020B0604020202020204" pitchFamily="34" charset="0"/>
             </a:endParaRPr>

--- a/saturn/enhanced-four-corner-model.pptx
+++ b/saturn/enhanced-four-corner-model.pptx
@@ -9414,14 +9414,16 @@
       </p:sp>
       <p:pic>
         <p:nvPicPr>
-          <p:cNvPr id="121" name="Picture 120"/>
+          <p:cNvPr id="121" name="Picture 120">
+            <a:hlinkClick r:id="rId11" tooltip="Saturn"/>
+          </p:cNvPr>
           <p:cNvPicPr>
             <a:picLocks noChangeAspect="1"/>
           </p:cNvPicPr>
           <p:nvPr/>
         </p:nvPicPr>
         <p:blipFill>
-          <a:blip r:embed="rId11" cstate="print">
+          <a:blip r:embed="rId12" cstate="print">
             <a:extLst>
               <a:ext uri="{28A0092B-C50C-407E-A947-70E740481C1C}">
                 <a14:useLocalDpi xmlns:a14="http://schemas.microsoft.com/office/drawing/2010/main" val="0"/>

--- a/saturn/enhanced-four-corner-model.pptx
+++ b/saturn/enhanced-four-corner-model.pptx
@@ -288,7 +288,7 @@
           <a:p>
             <a:fld id="{FC080E38-6FF2-48B3-BDAB-4FA23B840E92}" type="datetimeFigureOut">
               <a:rPr lang="en-US" smtClean="0"/>
-              <a:t>2019-09-18</a:t>
+              <a:t>2019-10-08</a:t>
             </a:fld>
             <a:endParaRPr lang="en-US"/>
           </a:p>
@@ -458,7 +458,7 @@
           <a:p>
             <a:fld id="{FC080E38-6FF2-48B3-BDAB-4FA23B840E92}" type="datetimeFigureOut">
               <a:rPr lang="en-US" smtClean="0"/>
-              <a:t>2019-09-18</a:t>
+              <a:t>2019-10-08</a:t>
             </a:fld>
             <a:endParaRPr lang="en-US"/>
           </a:p>
@@ -638,7 +638,7 @@
           <a:p>
             <a:fld id="{FC080E38-6FF2-48B3-BDAB-4FA23B840E92}" type="datetimeFigureOut">
               <a:rPr lang="en-US" smtClean="0"/>
-              <a:t>2019-09-18</a:t>
+              <a:t>2019-10-08</a:t>
             </a:fld>
             <a:endParaRPr lang="en-US"/>
           </a:p>
@@ -808,7 +808,7 @@
           <a:p>
             <a:fld id="{FC080E38-6FF2-48B3-BDAB-4FA23B840E92}" type="datetimeFigureOut">
               <a:rPr lang="en-US" smtClean="0"/>
-              <a:t>2019-09-18</a:t>
+              <a:t>2019-10-08</a:t>
             </a:fld>
             <a:endParaRPr lang="en-US"/>
           </a:p>
@@ -1054,7 +1054,7 @@
           <a:p>
             <a:fld id="{FC080E38-6FF2-48B3-BDAB-4FA23B840E92}" type="datetimeFigureOut">
               <a:rPr lang="en-US" smtClean="0"/>
-              <a:t>2019-09-18</a:t>
+              <a:t>2019-10-08</a:t>
             </a:fld>
             <a:endParaRPr lang="en-US"/>
           </a:p>
@@ -1342,7 +1342,7 @@
           <a:p>
             <a:fld id="{FC080E38-6FF2-48B3-BDAB-4FA23B840E92}" type="datetimeFigureOut">
               <a:rPr lang="en-US" smtClean="0"/>
-              <a:t>2019-09-18</a:t>
+              <a:t>2019-10-08</a:t>
             </a:fld>
             <a:endParaRPr lang="en-US"/>
           </a:p>
@@ -1764,7 +1764,7 @@
           <a:p>
             <a:fld id="{FC080E38-6FF2-48B3-BDAB-4FA23B840E92}" type="datetimeFigureOut">
               <a:rPr lang="en-US" smtClean="0"/>
-              <a:t>2019-09-18</a:t>
+              <a:t>2019-10-08</a:t>
             </a:fld>
             <a:endParaRPr lang="en-US"/>
           </a:p>
@@ -1882,7 +1882,7 @@
           <a:p>
             <a:fld id="{FC080E38-6FF2-48B3-BDAB-4FA23B840E92}" type="datetimeFigureOut">
               <a:rPr lang="en-US" smtClean="0"/>
-              <a:t>2019-09-18</a:t>
+              <a:t>2019-10-08</a:t>
             </a:fld>
             <a:endParaRPr lang="en-US"/>
           </a:p>
@@ -1977,7 +1977,7 @@
           <a:p>
             <a:fld id="{FC080E38-6FF2-48B3-BDAB-4FA23B840E92}" type="datetimeFigureOut">
               <a:rPr lang="en-US" smtClean="0"/>
-              <a:t>2019-09-18</a:t>
+              <a:t>2019-10-08</a:t>
             </a:fld>
             <a:endParaRPr lang="en-US"/>
           </a:p>
@@ -2254,7 +2254,7 @@
           <a:p>
             <a:fld id="{FC080E38-6FF2-48B3-BDAB-4FA23B840E92}" type="datetimeFigureOut">
               <a:rPr lang="en-US" smtClean="0"/>
-              <a:t>2019-09-18</a:t>
+              <a:t>2019-10-08</a:t>
             </a:fld>
             <a:endParaRPr lang="en-US"/>
           </a:p>
@@ -2507,7 +2507,7 @@
           <a:p>
             <a:fld id="{FC080E38-6FF2-48B3-BDAB-4FA23B840E92}" type="datetimeFigureOut">
               <a:rPr lang="en-US" smtClean="0"/>
-              <a:t>2019-09-18</a:t>
+              <a:t>2019-10-08</a:t>
             </a:fld>
             <a:endParaRPr lang="en-US"/>
           </a:p>
@@ -2720,7 +2720,7 @@
           <a:p>
             <a:fld id="{FC080E38-6FF2-48B3-BDAB-4FA23B840E92}" type="datetimeFigureOut">
               <a:rPr lang="en-US" smtClean="0"/>
-              <a:t>2019-09-18</a:t>
+              <a:t>2019-10-08</a:t>
             </a:fld>
             <a:endParaRPr lang="en-US"/>
           </a:p>
@@ -4487,8 +4487,8 @@
         </p:nvCxnSpPr>
         <p:spPr>
           <a:xfrm flipH="1">
-            <a:off x="2842693" y="5662847"/>
-            <a:ext cx="3060000" cy="0"/>
+            <a:off x="2880000" y="5580000"/>
+            <a:ext cx="2988000" cy="0"/>
           </a:xfrm>
           <a:prstGeom prst="straightConnector1">
             <a:avLst/>
@@ -4722,7 +4722,7 @@
         </p:nvSpPr>
         <p:spPr>
           <a:xfrm>
-            <a:off x="4051901" y="5368050"/>
+            <a:off x="4051901" y="5449986"/>
             <a:ext cx="540589" cy="238363"/>
           </a:xfrm>
           <a:prstGeom prst="roundRect">
@@ -7706,7 +7706,7 @@
         <p:spPr>
           <a:xfrm flipH="1" flipV="1">
             <a:off x="2825770" y="3090076"/>
-            <a:ext cx="2268000" cy="2654"/>
+            <a:ext cx="2340000" cy="2654"/>
           </a:xfrm>
           <a:prstGeom prst="straightConnector1">
             <a:avLst/>
@@ -8281,7 +8281,7 @@
         </p:nvSpPr>
         <p:spPr>
           <a:xfrm>
-            <a:off x="5072029" y="2967086"/>
+            <a:off x="5126635" y="2967086"/>
             <a:ext cx="402558" cy="232464"/>
           </a:xfrm>
           <a:prstGeom prst="roundRect">
@@ -8397,7 +8397,7 @@
         </p:nvGrpSpPr>
         <p:grpSpPr>
           <a:xfrm>
-            <a:off x="4636725" y="2909446"/>
+            <a:off x="4715298" y="2909446"/>
             <a:ext cx="389850" cy="369332"/>
             <a:chOff x="6653446" y="2335884"/>
             <a:chExt cx="389850" cy="369332"/>
@@ -10779,7 +10779,7 @@
         </p:nvSpPr>
         <p:spPr>
           <a:xfrm rot="5400000">
-            <a:off x="6169850" y="4335773"/>
+            <a:off x="5993028" y="4335773"/>
             <a:ext cx="540589" cy="238363"/>
           </a:xfrm>
           <a:prstGeom prst="roundRect">
@@ -10827,7 +10827,7 @@
         </p:nvSpPr>
         <p:spPr>
           <a:xfrm rot="16200000">
-            <a:off x="2013469" y="4335773"/>
+            <a:off x="2183136" y="4335773"/>
             <a:ext cx="540589" cy="238363"/>
           </a:xfrm>
           <a:prstGeom prst="roundRect">

--- a/saturn/enhanced-four-corner-model.pptx
+++ b/saturn/enhanced-four-corner-model.pptx
@@ -288,7 +288,7 @@
           <a:p>
             <a:fld id="{FC080E38-6FF2-48B3-BDAB-4FA23B840E92}" type="datetimeFigureOut">
               <a:rPr lang="en-US" smtClean="0"/>
-              <a:t>2019-10-08</a:t>
+              <a:t>2019-10-21</a:t>
             </a:fld>
             <a:endParaRPr lang="en-US"/>
           </a:p>
@@ -458,7 +458,7 @@
           <a:p>
             <a:fld id="{FC080E38-6FF2-48B3-BDAB-4FA23B840E92}" type="datetimeFigureOut">
               <a:rPr lang="en-US" smtClean="0"/>
-              <a:t>2019-10-08</a:t>
+              <a:t>2019-10-21</a:t>
             </a:fld>
             <a:endParaRPr lang="en-US"/>
           </a:p>
@@ -638,7 +638,7 @@
           <a:p>
             <a:fld id="{FC080E38-6FF2-48B3-BDAB-4FA23B840E92}" type="datetimeFigureOut">
               <a:rPr lang="en-US" smtClean="0"/>
-              <a:t>2019-10-08</a:t>
+              <a:t>2019-10-21</a:t>
             </a:fld>
             <a:endParaRPr lang="en-US"/>
           </a:p>
@@ -808,7 +808,7 @@
           <a:p>
             <a:fld id="{FC080E38-6FF2-48B3-BDAB-4FA23B840E92}" type="datetimeFigureOut">
               <a:rPr lang="en-US" smtClean="0"/>
-              <a:t>2019-10-08</a:t>
+              <a:t>2019-10-21</a:t>
             </a:fld>
             <a:endParaRPr lang="en-US"/>
           </a:p>
@@ -1054,7 +1054,7 @@
           <a:p>
             <a:fld id="{FC080E38-6FF2-48B3-BDAB-4FA23B840E92}" type="datetimeFigureOut">
               <a:rPr lang="en-US" smtClean="0"/>
-              <a:t>2019-10-08</a:t>
+              <a:t>2019-10-21</a:t>
             </a:fld>
             <a:endParaRPr lang="en-US"/>
           </a:p>
@@ -1342,7 +1342,7 @@
           <a:p>
             <a:fld id="{FC080E38-6FF2-48B3-BDAB-4FA23B840E92}" type="datetimeFigureOut">
               <a:rPr lang="en-US" smtClean="0"/>
-              <a:t>2019-10-08</a:t>
+              <a:t>2019-10-21</a:t>
             </a:fld>
             <a:endParaRPr lang="en-US"/>
           </a:p>
@@ -1764,7 +1764,7 @@
           <a:p>
             <a:fld id="{FC080E38-6FF2-48B3-BDAB-4FA23B840E92}" type="datetimeFigureOut">
               <a:rPr lang="en-US" smtClean="0"/>
-              <a:t>2019-10-08</a:t>
+              <a:t>2019-10-21</a:t>
             </a:fld>
             <a:endParaRPr lang="en-US"/>
           </a:p>
@@ -1882,7 +1882,7 @@
           <a:p>
             <a:fld id="{FC080E38-6FF2-48B3-BDAB-4FA23B840E92}" type="datetimeFigureOut">
               <a:rPr lang="en-US" smtClean="0"/>
-              <a:t>2019-10-08</a:t>
+              <a:t>2019-10-21</a:t>
             </a:fld>
             <a:endParaRPr lang="en-US"/>
           </a:p>
@@ -1977,7 +1977,7 @@
           <a:p>
             <a:fld id="{FC080E38-6FF2-48B3-BDAB-4FA23B840E92}" type="datetimeFigureOut">
               <a:rPr lang="en-US" smtClean="0"/>
-              <a:t>2019-10-08</a:t>
+              <a:t>2019-10-21</a:t>
             </a:fld>
             <a:endParaRPr lang="en-US"/>
           </a:p>
@@ -2254,7 +2254,7 @@
           <a:p>
             <a:fld id="{FC080E38-6FF2-48B3-BDAB-4FA23B840E92}" type="datetimeFigureOut">
               <a:rPr lang="en-US" smtClean="0"/>
-              <a:t>2019-10-08</a:t>
+              <a:t>2019-10-21</a:t>
             </a:fld>
             <a:endParaRPr lang="en-US"/>
           </a:p>
@@ -2507,7 +2507,7 @@
           <a:p>
             <a:fld id="{FC080E38-6FF2-48B3-BDAB-4FA23B840E92}" type="datetimeFigureOut">
               <a:rPr lang="en-US" smtClean="0"/>
-              <a:t>2019-10-08</a:t>
+              <a:t>2019-10-21</a:t>
             </a:fld>
             <a:endParaRPr lang="en-US"/>
           </a:p>
@@ -2720,7 +2720,7 @@
           <a:p>
             <a:fld id="{FC080E38-6FF2-48B3-BDAB-4FA23B840E92}" type="datetimeFigureOut">
               <a:rPr lang="en-US" smtClean="0"/>
-              <a:t>2019-10-08</a:t>
+              <a:t>2019-10-21</a:t>
             </a:fld>
             <a:endParaRPr lang="en-US"/>
           </a:p>
@@ -4488,7 +4488,7 @@
         <p:spPr>
           <a:xfrm flipH="1">
             <a:off x="2880000" y="5580000"/>
-            <a:ext cx="2988000" cy="0"/>
+            <a:ext cx="2952000" cy="0"/>
           </a:xfrm>
           <a:prstGeom prst="straightConnector1">
             <a:avLst/>
@@ -6092,525 +6092,6 @@
           </a:extLst>
         </p:spPr>
       </p:pic>
-      <p:grpSp>
-        <p:nvGrpSpPr>
-          <p:cNvPr id="143" name="Group 142"/>
-          <p:cNvGrpSpPr/>
-          <p:nvPr/>
-        </p:nvGrpSpPr>
-        <p:grpSpPr>
-          <a:xfrm>
-            <a:off x="5902999" y="5429255"/>
-            <a:ext cx="716412" cy="535414"/>
-            <a:chOff x="2089401" y="630040"/>
-            <a:chExt cx="504468" cy="363739"/>
-          </a:xfrm>
-          <a:effectLst>
-            <a:outerShdw blurRad="50800" dist="38100" dir="2700000" algn="tl" rotWithShape="0">
-              <a:prstClr val="black">
-                <a:alpha val="40000"/>
-              </a:prstClr>
-            </a:outerShdw>
-          </a:effectLst>
-        </p:grpSpPr>
-        <p:sp>
-          <p:nvSpPr>
-            <p:cNvPr id="144" name="Rectangle 143"/>
-            <p:cNvSpPr>
-              <a:spLocks noChangeArrowheads="1"/>
-            </p:cNvSpPr>
-            <p:nvPr/>
-          </p:nvSpPr>
-          <p:spPr bwMode="auto">
-            <a:xfrm>
-              <a:off x="2470474" y="737128"/>
-              <a:ext cx="60698" cy="203641"/>
-            </a:xfrm>
-            <a:prstGeom prst="rect">
-              <a:avLst/>
-            </a:prstGeom>
-            <a:gradFill>
-              <a:gsLst>
-                <a:gs pos="0">
-                  <a:schemeClr val="bg1">
-                    <a:lumMod val="50000"/>
-                  </a:schemeClr>
-                </a:gs>
-                <a:gs pos="47000">
-                  <a:schemeClr val="bg1">
-                    <a:lumMod val="95000"/>
-                  </a:schemeClr>
-                </a:gs>
-                <a:gs pos="100000">
-                  <a:schemeClr val="bg1">
-                    <a:lumMod val="50000"/>
-                  </a:schemeClr>
-                </a:gs>
-              </a:gsLst>
-              <a:lin ang="10800000" scaled="0"/>
-            </a:gradFill>
-            <a:ln w="3175" cap="flat">
-              <a:solidFill>
-                <a:schemeClr val="tx1"/>
-              </a:solidFill>
-              <a:prstDash val="solid"/>
-              <a:miter lim="800000"/>
-              <a:headEnd/>
-              <a:tailEnd/>
-            </a:ln>
-          </p:spPr>
-          <p:txBody>
-            <a:bodyPr vert="horz" wrap="square" lIns="91440" tIns="45720" rIns="91440" bIns="45720" numCol="1" anchor="t" anchorCtr="0" compatLnSpc="1">
-              <a:prstTxWarp prst="textNoShape">
-                <a:avLst/>
-              </a:prstTxWarp>
-            </a:bodyPr>
-            <a:lstStyle/>
-            <a:p>
-              <a:endParaRPr lang="en-US"/>
-            </a:p>
-          </p:txBody>
-        </p:sp>
-        <p:sp>
-          <p:nvSpPr>
-            <p:cNvPr id="145" name="Rectangle 144"/>
-            <p:cNvSpPr>
-              <a:spLocks noChangeArrowheads="1"/>
-            </p:cNvSpPr>
-            <p:nvPr/>
-          </p:nvSpPr>
-          <p:spPr bwMode="auto">
-            <a:xfrm>
-              <a:off x="2308857" y="737128"/>
-              <a:ext cx="60698" cy="203641"/>
-            </a:xfrm>
-            <a:prstGeom prst="rect">
-              <a:avLst/>
-            </a:prstGeom>
-            <a:gradFill>
-              <a:gsLst>
-                <a:gs pos="0">
-                  <a:schemeClr val="bg1">
-                    <a:lumMod val="50000"/>
-                  </a:schemeClr>
-                </a:gs>
-                <a:gs pos="47000">
-                  <a:schemeClr val="bg1">
-                    <a:lumMod val="95000"/>
-                  </a:schemeClr>
-                </a:gs>
-                <a:gs pos="100000">
-                  <a:schemeClr val="bg1">
-                    <a:lumMod val="50000"/>
-                  </a:schemeClr>
-                </a:gs>
-              </a:gsLst>
-              <a:lin ang="10800000" scaled="0"/>
-            </a:gradFill>
-            <a:ln w="3175" cap="flat">
-              <a:solidFill>
-                <a:schemeClr val="tx1"/>
-              </a:solidFill>
-              <a:prstDash val="solid"/>
-              <a:miter lim="800000"/>
-              <a:headEnd/>
-              <a:tailEnd/>
-            </a:ln>
-          </p:spPr>
-          <p:txBody>
-            <a:bodyPr vert="horz" wrap="square" lIns="91440" tIns="45720" rIns="91440" bIns="45720" numCol="1" anchor="t" anchorCtr="0" compatLnSpc="1">
-              <a:prstTxWarp prst="textNoShape">
-                <a:avLst/>
-              </a:prstTxWarp>
-            </a:bodyPr>
-            <a:lstStyle/>
-            <a:p>
-              <a:endParaRPr lang="en-US"/>
-            </a:p>
-          </p:txBody>
-        </p:sp>
-        <p:sp>
-          <p:nvSpPr>
-            <p:cNvPr id="146" name="Rectangle 145"/>
-            <p:cNvSpPr>
-              <a:spLocks noChangeArrowheads="1"/>
-            </p:cNvSpPr>
-            <p:nvPr/>
-          </p:nvSpPr>
-          <p:spPr bwMode="auto">
-            <a:xfrm>
-              <a:off x="2147398" y="737128"/>
-              <a:ext cx="60698" cy="203641"/>
-            </a:xfrm>
-            <a:prstGeom prst="rect">
-              <a:avLst/>
-            </a:prstGeom>
-            <a:gradFill>
-              <a:gsLst>
-                <a:gs pos="0">
-                  <a:schemeClr val="bg1">
-                    <a:lumMod val="50000"/>
-                  </a:schemeClr>
-                </a:gs>
-                <a:gs pos="47000">
-                  <a:schemeClr val="bg1">
-                    <a:lumMod val="95000"/>
-                  </a:schemeClr>
-                </a:gs>
-                <a:gs pos="100000">
-                  <a:schemeClr val="bg1">
-                    <a:lumMod val="65000"/>
-                  </a:schemeClr>
-                </a:gs>
-              </a:gsLst>
-              <a:lin ang="10800000" scaled="0"/>
-            </a:gradFill>
-            <a:ln w="3175" cap="flat">
-              <a:solidFill>
-                <a:schemeClr val="tx1"/>
-              </a:solidFill>
-              <a:prstDash val="solid"/>
-              <a:miter lim="800000"/>
-              <a:headEnd/>
-              <a:tailEnd/>
-            </a:ln>
-          </p:spPr>
-          <p:txBody>
-            <a:bodyPr vert="horz" wrap="square" lIns="91440" tIns="45720" rIns="91440" bIns="45720" numCol="1" anchor="t" anchorCtr="0" compatLnSpc="1">
-              <a:prstTxWarp prst="textNoShape">
-                <a:avLst/>
-              </a:prstTxWarp>
-            </a:bodyPr>
-            <a:lstStyle/>
-            <a:p>
-              <a:endParaRPr lang="en-US"/>
-            </a:p>
-          </p:txBody>
-        </p:sp>
-        <p:sp>
-          <p:nvSpPr>
-            <p:cNvPr id="147" name="Freeform 16"/>
-            <p:cNvSpPr>
-              <a:spLocks/>
-            </p:cNvSpPr>
-            <p:nvPr/>
-          </p:nvSpPr>
-          <p:spPr bwMode="auto">
-            <a:xfrm>
-              <a:off x="2101635" y="630040"/>
-              <a:ext cx="472098" cy="120781"/>
-            </a:xfrm>
-            <a:custGeom>
-              <a:avLst/>
-              <a:gdLst>
-                <a:gd name="T0" fmla="*/ 6 w 3093"/>
-                <a:gd name="T1" fmla="*/ 451 h 764"/>
-                <a:gd name="T2" fmla="*/ 1523 w 3093"/>
-                <a:gd name="T3" fmla="*/ 0 h 764"/>
-                <a:gd name="T4" fmla="*/ 3093 w 3093"/>
-                <a:gd name="T5" fmla="*/ 468 h 764"/>
-                <a:gd name="T6" fmla="*/ 3089 w 3093"/>
-                <a:gd name="T7" fmla="*/ 764 h 764"/>
-                <a:gd name="T8" fmla="*/ 0 w 3093"/>
-                <a:gd name="T9" fmla="*/ 754 h 764"/>
-                <a:gd name="T10" fmla="*/ 6 w 3093"/>
-                <a:gd name="T11" fmla="*/ 451 h 764"/>
-              </a:gdLst>
-              <a:ahLst/>
-              <a:cxnLst>
-                <a:cxn ang="0">
-                  <a:pos x="T0" y="T1"/>
-                </a:cxn>
-                <a:cxn ang="0">
-                  <a:pos x="T2" y="T3"/>
-                </a:cxn>
-                <a:cxn ang="0">
-                  <a:pos x="T4" y="T5"/>
-                </a:cxn>
-                <a:cxn ang="0">
-                  <a:pos x="T6" y="T7"/>
-                </a:cxn>
-                <a:cxn ang="0">
-                  <a:pos x="T8" y="T9"/>
-                </a:cxn>
-                <a:cxn ang="0">
-                  <a:pos x="T10" y="T11"/>
-                </a:cxn>
-              </a:cxnLst>
-              <a:rect l="0" t="0" r="r" b="b"/>
-              <a:pathLst>
-                <a:path w="3093" h="764">
-                  <a:moveTo>
-                    <a:pt x="6" y="451"/>
-                  </a:moveTo>
-                  <a:cubicBezTo>
-                    <a:pt x="86" y="441"/>
-                    <a:pt x="1523" y="0"/>
-                    <a:pt x="1523" y="0"/>
-                  </a:cubicBezTo>
-                  <a:lnTo>
-                    <a:pt x="3093" y="468"/>
-                  </a:lnTo>
-                  <a:lnTo>
-                    <a:pt x="3089" y="764"/>
-                  </a:lnTo>
-                  <a:lnTo>
-                    <a:pt x="0" y="754"/>
-                  </a:lnTo>
-                  <a:lnTo>
-                    <a:pt x="6" y="451"/>
-                  </a:lnTo>
-                  <a:close/>
-                </a:path>
-              </a:pathLst>
-            </a:custGeom>
-            <a:solidFill>
-              <a:srgbClr val="E6E6E6"/>
-            </a:solidFill>
-            <a:ln w="3175" cap="flat">
-              <a:solidFill>
-                <a:srgbClr val="7B7B79"/>
-              </a:solidFill>
-              <a:prstDash val="solid"/>
-              <a:miter lim="800000"/>
-              <a:headEnd/>
-              <a:tailEnd/>
-            </a:ln>
-          </p:spPr>
-          <p:txBody>
-            <a:bodyPr vert="horz" wrap="square" lIns="91440" tIns="45720" rIns="91440" bIns="45720" numCol="1" anchor="t" anchorCtr="0" compatLnSpc="1">
-              <a:prstTxWarp prst="textNoShape">
-                <a:avLst/>
-              </a:prstTxWarp>
-            </a:bodyPr>
-            <a:lstStyle/>
-            <a:p>
-              <a:endParaRPr lang="en-US"/>
-            </a:p>
-          </p:txBody>
-        </p:sp>
-        <p:sp>
-          <p:nvSpPr>
-            <p:cNvPr id="148" name="Freeform 18"/>
-            <p:cNvSpPr>
-              <a:spLocks/>
-            </p:cNvSpPr>
-            <p:nvPr/>
-          </p:nvSpPr>
-          <p:spPr bwMode="auto">
-            <a:xfrm>
-              <a:off x="2120425" y="929176"/>
-              <a:ext cx="437027" cy="33707"/>
-            </a:xfrm>
-            <a:custGeom>
-              <a:avLst/>
-              <a:gdLst>
-                <a:gd name="T0" fmla="*/ 0 w 2853"/>
-                <a:gd name="T1" fmla="*/ 213 h 213"/>
-                <a:gd name="T2" fmla="*/ 4 w 2853"/>
-                <a:gd name="T3" fmla="*/ 1 h 213"/>
-                <a:gd name="T4" fmla="*/ 2849 w 2853"/>
-                <a:gd name="T5" fmla="*/ 0 h 213"/>
-                <a:gd name="T6" fmla="*/ 2853 w 2853"/>
-                <a:gd name="T7" fmla="*/ 213 h 213"/>
-              </a:gdLst>
-              <a:ahLst/>
-              <a:cxnLst>
-                <a:cxn ang="0">
-                  <a:pos x="T0" y="T1"/>
-                </a:cxn>
-                <a:cxn ang="0">
-                  <a:pos x="T2" y="T3"/>
-                </a:cxn>
-                <a:cxn ang="0">
-                  <a:pos x="T4" y="T5"/>
-                </a:cxn>
-                <a:cxn ang="0">
-                  <a:pos x="T6" y="T7"/>
-                </a:cxn>
-              </a:cxnLst>
-              <a:rect l="0" t="0" r="r" b="b"/>
-              <a:pathLst>
-                <a:path w="2853" h="213">
-                  <a:moveTo>
-                    <a:pt x="0" y="213"/>
-                  </a:moveTo>
-                  <a:lnTo>
-                    <a:pt x="4" y="1"/>
-                  </a:lnTo>
-                  <a:lnTo>
-                    <a:pt x="2849" y="0"/>
-                  </a:lnTo>
-                  <a:lnTo>
-                    <a:pt x="2853" y="213"/>
-                  </a:lnTo>
-                </a:path>
-              </a:pathLst>
-            </a:custGeom>
-            <a:solidFill>
-              <a:srgbClr val="E6E6E6"/>
-            </a:solidFill>
-            <a:ln w="3175" cap="flat">
-              <a:solidFill>
-                <a:srgbClr val="7B7B79"/>
-              </a:solidFill>
-              <a:prstDash val="solid"/>
-              <a:miter lim="800000"/>
-              <a:headEnd/>
-              <a:tailEnd/>
-            </a:ln>
-          </p:spPr>
-          <p:txBody>
-            <a:bodyPr vert="horz" wrap="square" lIns="91440" tIns="45720" rIns="91440" bIns="45720" numCol="1" anchor="t" anchorCtr="0" compatLnSpc="1">
-              <a:prstTxWarp prst="textNoShape">
-                <a:avLst/>
-              </a:prstTxWarp>
-            </a:bodyPr>
-            <a:lstStyle/>
-            <a:p>
-              <a:endParaRPr lang="en-US"/>
-            </a:p>
-          </p:txBody>
-        </p:sp>
-        <p:sp>
-          <p:nvSpPr>
-            <p:cNvPr id="149" name="Freeform 19"/>
-            <p:cNvSpPr>
-              <a:spLocks/>
-            </p:cNvSpPr>
-            <p:nvPr/>
-          </p:nvSpPr>
-          <p:spPr bwMode="auto">
-            <a:xfrm>
-              <a:off x="2089401" y="962879"/>
-              <a:ext cx="504468" cy="30900"/>
-            </a:xfrm>
-            <a:custGeom>
-              <a:avLst/>
-              <a:gdLst>
-                <a:gd name="T0" fmla="*/ 3290 w 3295"/>
-                <a:gd name="T1" fmla="*/ 0 h 197"/>
-                <a:gd name="T2" fmla="*/ 3295 w 3295"/>
-                <a:gd name="T3" fmla="*/ 197 h 197"/>
-                <a:gd name="T4" fmla="*/ 0 w 3295"/>
-                <a:gd name="T5" fmla="*/ 196 h 197"/>
-                <a:gd name="T6" fmla="*/ 4 w 3295"/>
-                <a:gd name="T7" fmla="*/ 1 h 197"/>
-                <a:gd name="T8" fmla="*/ 3290 w 3295"/>
-                <a:gd name="T9" fmla="*/ 0 h 197"/>
-              </a:gdLst>
-              <a:ahLst/>
-              <a:cxnLst>
-                <a:cxn ang="0">
-                  <a:pos x="T0" y="T1"/>
-                </a:cxn>
-                <a:cxn ang="0">
-                  <a:pos x="T2" y="T3"/>
-                </a:cxn>
-                <a:cxn ang="0">
-                  <a:pos x="T4" y="T5"/>
-                </a:cxn>
-                <a:cxn ang="0">
-                  <a:pos x="T6" y="T7"/>
-                </a:cxn>
-                <a:cxn ang="0">
-                  <a:pos x="T8" y="T9"/>
-                </a:cxn>
-              </a:cxnLst>
-              <a:rect l="0" t="0" r="r" b="b"/>
-              <a:pathLst>
-                <a:path w="3295" h="197">
-                  <a:moveTo>
-                    <a:pt x="3290" y="0"/>
-                  </a:moveTo>
-                  <a:lnTo>
-                    <a:pt x="3295" y="197"/>
-                  </a:lnTo>
-                  <a:lnTo>
-                    <a:pt x="0" y="196"/>
-                  </a:lnTo>
-                  <a:lnTo>
-                    <a:pt x="4" y="1"/>
-                  </a:lnTo>
-                  <a:lnTo>
-                    <a:pt x="3290" y="0"/>
-                  </a:lnTo>
-                  <a:close/>
-                </a:path>
-              </a:pathLst>
-            </a:custGeom>
-            <a:solidFill>
-              <a:srgbClr val="E6E6E6"/>
-            </a:solidFill>
-            <a:ln w="3175" cap="flat">
-              <a:solidFill>
-                <a:srgbClr val="7B7B79"/>
-              </a:solidFill>
-              <a:prstDash val="solid"/>
-              <a:miter lim="800000"/>
-              <a:headEnd/>
-              <a:tailEnd/>
-            </a:ln>
-          </p:spPr>
-          <p:txBody>
-            <a:bodyPr vert="horz" wrap="square" lIns="91440" tIns="45720" rIns="91440" bIns="45720" numCol="1" anchor="t" anchorCtr="0" compatLnSpc="1">
-              <a:prstTxWarp prst="textNoShape">
-                <a:avLst/>
-              </a:prstTxWarp>
-            </a:bodyPr>
-            <a:lstStyle/>
-            <a:p>
-              <a:endParaRPr lang="en-US"/>
-            </a:p>
-          </p:txBody>
-        </p:sp>
-        <p:sp>
-          <p:nvSpPr>
-            <p:cNvPr id="150" name="Line 20"/>
-            <p:cNvSpPr>
-              <a:spLocks noChangeShapeType="1"/>
-            </p:cNvSpPr>
-            <p:nvPr/>
-          </p:nvSpPr>
-          <p:spPr bwMode="auto">
-            <a:xfrm>
-              <a:off x="2105677" y="711495"/>
-              <a:ext cx="465350" cy="0"/>
-            </a:xfrm>
-            <a:prstGeom prst="line">
-              <a:avLst/>
-            </a:prstGeom>
-            <a:noFill/>
-            <a:ln w="3175" cap="flat">
-              <a:solidFill>
-                <a:srgbClr val="7B7B79"/>
-              </a:solidFill>
-              <a:prstDash val="solid"/>
-              <a:miter lim="800000"/>
-              <a:headEnd/>
-              <a:tailEnd/>
-            </a:ln>
-            <a:extLst>
-              <a:ext uri="{909E8E84-426E-40DD-AFC4-6F175D3DCCD1}">
-                <a14:hiddenFill xmlns:a14="http://schemas.microsoft.com/office/drawing/2010/main">
-                  <a:noFill/>
-                </a14:hiddenFill>
-              </a:ext>
-            </a:extLst>
-          </p:spPr>
-          <p:txBody>
-            <a:bodyPr vert="horz" wrap="square" lIns="91440" tIns="45720" rIns="91440" bIns="45720" numCol="1" anchor="t" anchorCtr="0" compatLnSpc="1">
-              <a:prstTxWarp prst="textNoShape">
-                <a:avLst/>
-              </a:prstTxWarp>
-            </a:bodyPr>
-            <a:lstStyle/>
-            <a:p>
-              <a:endParaRPr lang="en-US"/>
-            </a:p>
-          </p:txBody>
-        </p:sp>
-      </p:grpSp>
       <p:sp>
         <p:nvSpPr>
           <p:cNvPr id="151" name="TextBox 150"/>
@@ -7081,525 +6562,6 @@
             </a:extLst>
           </p:spPr>
         </p:pic>
-      </p:grpSp>
-      <p:grpSp>
-        <p:nvGrpSpPr>
-          <p:cNvPr id="66" name="Group 65"/>
-          <p:cNvGrpSpPr/>
-          <p:nvPr/>
-        </p:nvGrpSpPr>
-        <p:grpSpPr>
-          <a:xfrm>
-            <a:off x="2112763" y="5419963"/>
-            <a:ext cx="716412" cy="535414"/>
-            <a:chOff x="2089401" y="630040"/>
-            <a:chExt cx="504468" cy="363739"/>
-          </a:xfrm>
-          <a:effectLst>
-            <a:outerShdw blurRad="50800" dist="38100" dir="2700000" algn="tl" rotWithShape="0">
-              <a:prstClr val="black">
-                <a:alpha val="40000"/>
-              </a:prstClr>
-            </a:outerShdw>
-          </a:effectLst>
-        </p:grpSpPr>
-        <p:sp>
-          <p:nvSpPr>
-            <p:cNvPr id="67" name="Rectangle 66"/>
-            <p:cNvSpPr>
-              <a:spLocks noChangeArrowheads="1"/>
-            </p:cNvSpPr>
-            <p:nvPr/>
-          </p:nvSpPr>
-          <p:spPr bwMode="auto">
-            <a:xfrm>
-              <a:off x="2470474" y="737128"/>
-              <a:ext cx="60698" cy="203641"/>
-            </a:xfrm>
-            <a:prstGeom prst="rect">
-              <a:avLst/>
-            </a:prstGeom>
-            <a:gradFill>
-              <a:gsLst>
-                <a:gs pos="0">
-                  <a:schemeClr val="bg1">
-                    <a:lumMod val="50000"/>
-                  </a:schemeClr>
-                </a:gs>
-                <a:gs pos="47000">
-                  <a:schemeClr val="bg1">
-                    <a:lumMod val="95000"/>
-                  </a:schemeClr>
-                </a:gs>
-                <a:gs pos="100000">
-                  <a:schemeClr val="bg1">
-                    <a:lumMod val="50000"/>
-                  </a:schemeClr>
-                </a:gs>
-              </a:gsLst>
-              <a:lin ang="10800000" scaled="0"/>
-            </a:gradFill>
-            <a:ln w="3175" cap="flat">
-              <a:solidFill>
-                <a:schemeClr val="tx1"/>
-              </a:solidFill>
-              <a:prstDash val="solid"/>
-              <a:miter lim="800000"/>
-              <a:headEnd/>
-              <a:tailEnd/>
-            </a:ln>
-          </p:spPr>
-          <p:txBody>
-            <a:bodyPr vert="horz" wrap="square" lIns="91440" tIns="45720" rIns="91440" bIns="45720" numCol="1" anchor="t" anchorCtr="0" compatLnSpc="1">
-              <a:prstTxWarp prst="textNoShape">
-                <a:avLst/>
-              </a:prstTxWarp>
-            </a:bodyPr>
-            <a:lstStyle/>
-            <a:p>
-              <a:endParaRPr lang="en-US"/>
-            </a:p>
-          </p:txBody>
-        </p:sp>
-        <p:sp>
-          <p:nvSpPr>
-            <p:cNvPr id="68" name="Rectangle 67"/>
-            <p:cNvSpPr>
-              <a:spLocks noChangeArrowheads="1"/>
-            </p:cNvSpPr>
-            <p:nvPr/>
-          </p:nvSpPr>
-          <p:spPr bwMode="auto">
-            <a:xfrm>
-              <a:off x="2308857" y="737128"/>
-              <a:ext cx="60698" cy="203641"/>
-            </a:xfrm>
-            <a:prstGeom prst="rect">
-              <a:avLst/>
-            </a:prstGeom>
-            <a:gradFill>
-              <a:gsLst>
-                <a:gs pos="0">
-                  <a:schemeClr val="bg1">
-                    <a:lumMod val="50000"/>
-                  </a:schemeClr>
-                </a:gs>
-                <a:gs pos="47000">
-                  <a:schemeClr val="bg1">
-                    <a:lumMod val="95000"/>
-                  </a:schemeClr>
-                </a:gs>
-                <a:gs pos="100000">
-                  <a:schemeClr val="bg1">
-                    <a:lumMod val="50000"/>
-                  </a:schemeClr>
-                </a:gs>
-              </a:gsLst>
-              <a:lin ang="10800000" scaled="0"/>
-            </a:gradFill>
-            <a:ln w="3175" cap="flat">
-              <a:solidFill>
-                <a:schemeClr val="tx1"/>
-              </a:solidFill>
-              <a:prstDash val="solid"/>
-              <a:miter lim="800000"/>
-              <a:headEnd/>
-              <a:tailEnd/>
-            </a:ln>
-          </p:spPr>
-          <p:txBody>
-            <a:bodyPr vert="horz" wrap="square" lIns="91440" tIns="45720" rIns="91440" bIns="45720" numCol="1" anchor="t" anchorCtr="0" compatLnSpc="1">
-              <a:prstTxWarp prst="textNoShape">
-                <a:avLst/>
-              </a:prstTxWarp>
-            </a:bodyPr>
-            <a:lstStyle/>
-            <a:p>
-              <a:endParaRPr lang="en-US"/>
-            </a:p>
-          </p:txBody>
-        </p:sp>
-        <p:sp>
-          <p:nvSpPr>
-            <p:cNvPr id="69" name="Rectangle 68"/>
-            <p:cNvSpPr>
-              <a:spLocks noChangeArrowheads="1"/>
-            </p:cNvSpPr>
-            <p:nvPr/>
-          </p:nvSpPr>
-          <p:spPr bwMode="auto">
-            <a:xfrm>
-              <a:off x="2147398" y="737128"/>
-              <a:ext cx="60698" cy="203641"/>
-            </a:xfrm>
-            <a:prstGeom prst="rect">
-              <a:avLst/>
-            </a:prstGeom>
-            <a:gradFill>
-              <a:gsLst>
-                <a:gs pos="0">
-                  <a:schemeClr val="bg1">
-                    <a:lumMod val="50000"/>
-                  </a:schemeClr>
-                </a:gs>
-                <a:gs pos="47000">
-                  <a:schemeClr val="bg1">
-                    <a:lumMod val="95000"/>
-                  </a:schemeClr>
-                </a:gs>
-                <a:gs pos="100000">
-                  <a:schemeClr val="bg1">
-                    <a:lumMod val="65000"/>
-                  </a:schemeClr>
-                </a:gs>
-              </a:gsLst>
-              <a:lin ang="10800000" scaled="0"/>
-            </a:gradFill>
-            <a:ln w="3175" cap="flat">
-              <a:solidFill>
-                <a:schemeClr val="tx1"/>
-              </a:solidFill>
-              <a:prstDash val="solid"/>
-              <a:miter lim="800000"/>
-              <a:headEnd/>
-              <a:tailEnd/>
-            </a:ln>
-          </p:spPr>
-          <p:txBody>
-            <a:bodyPr vert="horz" wrap="square" lIns="91440" tIns="45720" rIns="91440" bIns="45720" numCol="1" anchor="t" anchorCtr="0" compatLnSpc="1">
-              <a:prstTxWarp prst="textNoShape">
-                <a:avLst/>
-              </a:prstTxWarp>
-            </a:bodyPr>
-            <a:lstStyle/>
-            <a:p>
-              <a:endParaRPr lang="en-US"/>
-            </a:p>
-          </p:txBody>
-        </p:sp>
-        <p:sp>
-          <p:nvSpPr>
-            <p:cNvPr id="70" name="Freeform 16"/>
-            <p:cNvSpPr>
-              <a:spLocks/>
-            </p:cNvSpPr>
-            <p:nvPr/>
-          </p:nvSpPr>
-          <p:spPr bwMode="auto">
-            <a:xfrm>
-              <a:off x="2101635" y="630040"/>
-              <a:ext cx="472098" cy="120781"/>
-            </a:xfrm>
-            <a:custGeom>
-              <a:avLst/>
-              <a:gdLst>
-                <a:gd name="T0" fmla="*/ 6 w 3093"/>
-                <a:gd name="T1" fmla="*/ 451 h 764"/>
-                <a:gd name="T2" fmla="*/ 1523 w 3093"/>
-                <a:gd name="T3" fmla="*/ 0 h 764"/>
-                <a:gd name="T4" fmla="*/ 3093 w 3093"/>
-                <a:gd name="T5" fmla="*/ 468 h 764"/>
-                <a:gd name="T6" fmla="*/ 3089 w 3093"/>
-                <a:gd name="T7" fmla="*/ 764 h 764"/>
-                <a:gd name="T8" fmla="*/ 0 w 3093"/>
-                <a:gd name="T9" fmla="*/ 754 h 764"/>
-                <a:gd name="T10" fmla="*/ 6 w 3093"/>
-                <a:gd name="T11" fmla="*/ 451 h 764"/>
-              </a:gdLst>
-              <a:ahLst/>
-              <a:cxnLst>
-                <a:cxn ang="0">
-                  <a:pos x="T0" y="T1"/>
-                </a:cxn>
-                <a:cxn ang="0">
-                  <a:pos x="T2" y="T3"/>
-                </a:cxn>
-                <a:cxn ang="0">
-                  <a:pos x="T4" y="T5"/>
-                </a:cxn>
-                <a:cxn ang="0">
-                  <a:pos x="T6" y="T7"/>
-                </a:cxn>
-                <a:cxn ang="0">
-                  <a:pos x="T8" y="T9"/>
-                </a:cxn>
-                <a:cxn ang="0">
-                  <a:pos x="T10" y="T11"/>
-                </a:cxn>
-              </a:cxnLst>
-              <a:rect l="0" t="0" r="r" b="b"/>
-              <a:pathLst>
-                <a:path w="3093" h="764">
-                  <a:moveTo>
-                    <a:pt x="6" y="451"/>
-                  </a:moveTo>
-                  <a:cubicBezTo>
-                    <a:pt x="86" y="441"/>
-                    <a:pt x="1523" y="0"/>
-                    <a:pt x="1523" y="0"/>
-                  </a:cubicBezTo>
-                  <a:lnTo>
-                    <a:pt x="3093" y="468"/>
-                  </a:lnTo>
-                  <a:lnTo>
-                    <a:pt x="3089" y="764"/>
-                  </a:lnTo>
-                  <a:lnTo>
-                    <a:pt x="0" y="754"/>
-                  </a:lnTo>
-                  <a:lnTo>
-                    <a:pt x="6" y="451"/>
-                  </a:lnTo>
-                  <a:close/>
-                </a:path>
-              </a:pathLst>
-            </a:custGeom>
-            <a:solidFill>
-              <a:srgbClr val="E6E6E6"/>
-            </a:solidFill>
-            <a:ln w="3175" cap="flat">
-              <a:solidFill>
-                <a:srgbClr val="7B7B79"/>
-              </a:solidFill>
-              <a:prstDash val="solid"/>
-              <a:miter lim="800000"/>
-              <a:headEnd/>
-              <a:tailEnd/>
-            </a:ln>
-          </p:spPr>
-          <p:txBody>
-            <a:bodyPr vert="horz" wrap="square" lIns="91440" tIns="45720" rIns="91440" bIns="45720" numCol="1" anchor="t" anchorCtr="0" compatLnSpc="1">
-              <a:prstTxWarp prst="textNoShape">
-                <a:avLst/>
-              </a:prstTxWarp>
-            </a:bodyPr>
-            <a:lstStyle/>
-            <a:p>
-              <a:endParaRPr lang="en-US"/>
-            </a:p>
-          </p:txBody>
-        </p:sp>
-        <p:sp>
-          <p:nvSpPr>
-            <p:cNvPr id="71" name="Freeform 18"/>
-            <p:cNvSpPr>
-              <a:spLocks/>
-            </p:cNvSpPr>
-            <p:nvPr/>
-          </p:nvSpPr>
-          <p:spPr bwMode="auto">
-            <a:xfrm>
-              <a:off x="2120425" y="929176"/>
-              <a:ext cx="437027" cy="33707"/>
-            </a:xfrm>
-            <a:custGeom>
-              <a:avLst/>
-              <a:gdLst>
-                <a:gd name="T0" fmla="*/ 0 w 2853"/>
-                <a:gd name="T1" fmla="*/ 213 h 213"/>
-                <a:gd name="T2" fmla="*/ 4 w 2853"/>
-                <a:gd name="T3" fmla="*/ 1 h 213"/>
-                <a:gd name="T4" fmla="*/ 2849 w 2853"/>
-                <a:gd name="T5" fmla="*/ 0 h 213"/>
-                <a:gd name="T6" fmla="*/ 2853 w 2853"/>
-                <a:gd name="T7" fmla="*/ 213 h 213"/>
-              </a:gdLst>
-              <a:ahLst/>
-              <a:cxnLst>
-                <a:cxn ang="0">
-                  <a:pos x="T0" y="T1"/>
-                </a:cxn>
-                <a:cxn ang="0">
-                  <a:pos x="T2" y="T3"/>
-                </a:cxn>
-                <a:cxn ang="0">
-                  <a:pos x="T4" y="T5"/>
-                </a:cxn>
-                <a:cxn ang="0">
-                  <a:pos x="T6" y="T7"/>
-                </a:cxn>
-              </a:cxnLst>
-              <a:rect l="0" t="0" r="r" b="b"/>
-              <a:pathLst>
-                <a:path w="2853" h="213">
-                  <a:moveTo>
-                    <a:pt x="0" y="213"/>
-                  </a:moveTo>
-                  <a:lnTo>
-                    <a:pt x="4" y="1"/>
-                  </a:lnTo>
-                  <a:lnTo>
-                    <a:pt x="2849" y="0"/>
-                  </a:lnTo>
-                  <a:lnTo>
-                    <a:pt x="2853" y="213"/>
-                  </a:lnTo>
-                </a:path>
-              </a:pathLst>
-            </a:custGeom>
-            <a:solidFill>
-              <a:srgbClr val="E6E6E6"/>
-            </a:solidFill>
-            <a:ln w="3175" cap="flat">
-              <a:solidFill>
-                <a:srgbClr val="7B7B79"/>
-              </a:solidFill>
-              <a:prstDash val="solid"/>
-              <a:miter lim="800000"/>
-              <a:headEnd/>
-              <a:tailEnd/>
-            </a:ln>
-          </p:spPr>
-          <p:txBody>
-            <a:bodyPr vert="horz" wrap="square" lIns="91440" tIns="45720" rIns="91440" bIns="45720" numCol="1" anchor="t" anchorCtr="0" compatLnSpc="1">
-              <a:prstTxWarp prst="textNoShape">
-                <a:avLst/>
-              </a:prstTxWarp>
-            </a:bodyPr>
-            <a:lstStyle/>
-            <a:p>
-              <a:endParaRPr lang="en-US"/>
-            </a:p>
-          </p:txBody>
-        </p:sp>
-        <p:sp>
-          <p:nvSpPr>
-            <p:cNvPr id="72" name="Freeform 19"/>
-            <p:cNvSpPr>
-              <a:spLocks/>
-            </p:cNvSpPr>
-            <p:nvPr/>
-          </p:nvSpPr>
-          <p:spPr bwMode="auto">
-            <a:xfrm>
-              <a:off x="2089401" y="962879"/>
-              <a:ext cx="504468" cy="30900"/>
-            </a:xfrm>
-            <a:custGeom>
-              <a:avLst/>
-              <a:gdLst>
-                <a:gd name="T0" fmla="*/ 3290 w 3295"/>
-                <a:gd name="T1" fmla="*/ 0 h 197"/>
-                <a:gd name="T2" fmla="*/ 3295 w 3295"/>
-                <a:gd name="T3" fmla="*/ 197 h 197"/>
-                <a:gd name="T4" fmla="*/ 0 w 3295"/>
-                <a:gd name="T5" fmla="*/ 196 h 197"/>
-                <a:gd name="T6" fmla="*/ 4 w 3295"/>
-                <a:gd name="T7" fmla="*/ 1 h 197"/>
-                <a:gd name="T8" fmla="*/ 3290 w 3295"/>
-                <a:gd name="T9" fmla="*/ 0 h 197"/>
-              </a:gdLst>
-              <a:ahLst/>
-              <a:cxnLst>
-                <a:cxn ang="0">
-                  <a:pos x="T0" y="T1"/>
-                </a:cxn>
-                <a:cxn ang="0">
-                  <a:pos x="T2" y="T3"/>
-                </a:cxn>
-                <a:cxn ang="0">
-                  <a:pos x="T4" y="T5"/>
-                </a:cxn>
-                <a:cxn ang="0">
-                  <a:pos x="T6" y="T7"/>
-                </a:cxn>
-                <a:cxn ang="0">
-                  <a:pos x="T8" y="T9"/>
-                </a:cxn>
-              </a:cxnLst>
-              <a:rect l="0" t="0" r="r" b="b"/>
-              <a:pathLst>
-                <a:path w="3295" h="197">
-                  <a:moveTo>
-                    <a:pt x="3290" y="0"/>
-                  </a:moveTo>
-                  <a:lnTo>
-                    <a:pt x="3295" y="197"/>
-                  </a:lnTo>
-                  <a:lnTo>
-                    <a:pt x="0" y="196"/>
-                  </a:lnTo>
-                  <a:lnTo>
-                    <a:pt x="4" y="1"/>
-                  </a:lnTo>
-                  <a:lnTo>
-                    <a:pt x="3290" y="0"/>
-                  </a:lnTo>
-                  <a:close/>
-                </a:path>
-              </a:pathLst>
-            </a:custGeom>
-            <a:solidFill>
-              <a:srgbClr val="E6E6E6"/>
-            </a:solidFill>
-            <a:ln w="3175" cap="flat">
-              <a:solidFill>
-                <a:srgbClr val="7B7B79"/>
-              </a:solidFill>
-              <a:prstDash val="solid"/>
-              <a:miter lim="800000"/>
-              <a:headEnd/>
-              <a:tailEnd/>
-            </a:ln>
-          </p:spPr>
-          <p:txBody>
-            <a:bodyPr vert="horz" wrap="square" lIns="91440" tIns="45720" rIns="91440" bIns="45720" numCol="1" anchor="t" anchorCtr="0" compatLnSpc="1">
-              <a:prstTxWarp prst="textNoShape">
-                <a:avLst/>
-              </a:prstTxWarp>
-            </a:bodyPr>
-            <a:lstStyle/>
-            <a:p>
-              <a:endParaRPr lang="en-US"/>
-            </a:p>
-          </p:txBody>
-        </p:sp>
-        <p:sp>
-          <p:nvSpPr>
-            <p:cNvPr id="73" name="Line 20"/>
-            <p:cNvSpPr>
-              <a:spLocks noChangeShapeType="1"/>
-            </p:cNvSpPr>
-            <p:nvPr/>
-          </p:nvSpPr>
-          <p:spPr bwMode="auto">
-            <a:xfrm>
-              <a:off x="2105677" y="711495"/>
-              <a:ext cx="465350" cy="0"/>
-            </a:xfrm>
-            <a:prstGeom prst="line">
-              <a:avLst/>
-            </a:prstGeom>
-            <a:noFill/>
-            <a:ln w="3175" cap="flat">
-              <a:solidFill>
-                <a:srgbClr val="7B7B79"/>
-              </a:solidFill>
-              <a:prstDash val="solid"/>
-              <a:miter lim="800000"/>
-              <a:headEnd/>
-              <a:tailEnd/>
-            </a:ln>
-            <a:extLst>
-              <a:ext uri="{909E8E84-426E-40DD-AFC4-6F175D3DCCD1}">
-                <a14:hiddenFill xmlns:a14="http://schemas.microsoft.com/office/drawing/2010/main">
-                  <a:noFill/>
-                </a14:hiddenFill>
-              </a:ext>
-            </a:extLst>
-          </p:spPr>
-          <p:txBody>
-            <a:bodyPr vert="horz" wrap="square" lIns="91440" tIns="45720" rIns="91440" bIns="45720" numCol="1" anchor="t" anchorCtr="0" compatLnSpc="1">
-              <a:prstTxWarp prst="textNoShape">
-                <a:avLst/>
-              </a:prstTxWarp>
-            </a:bodyPr>
-            <a:lstStyle/>
-            <a:p>
-              <a:endParaRPr lang="en-US"/>
-            </a:p>
-          </p:txBody>
-        </p:sp>
       </p:grpSp>
       <p:sp>
         <p:nvSpPr>
@@ -9926,9 +8888,9 @@
           <p:nvPr/>
         </p:nvSpPr>
         <p:spPr>
-          <a:xfrm>
-            <a:off x="2842693" y="5733076"/>
-            <a:ext cx="3060000" cy="175030"/>
+          <a:xfrm flipV="1">
+            <a:off x="2853777" y="5733076"/>
+            <a:ext cx="2988000" cy="175030"/>
           </a:xfrm>
           <a:prstGeom prst="leftRightArrow">
             <a:avLst/>
@@ -11178,6 +10140,1266 @@
           </a:p>
         </p:txBody>
       </p:sp>
+      <p:grpSp>
+        <p:nvGrpSpPr>
+          <p:cNvPr id="163" name="Group 162"/>
+          <p:cNvGrpSpPr/>
+          <p:nvPr/>
+        </p:nvGrpSpPr>
+        <p:grpSpPr>
+          <a:xfrm>
+            <a:off x="2018468" y="5361664"/>
+            <a:ext cx="927282" cy="687559"/>
+            <a:chOff x="4013200" y="3014663"/>
+            <a:chExt cx="1117600" cy="828675"/>
+          </a:xfrm>
+          <a:effectLst>
+            <a:outerShdw blurRad="50800" dist="38100" dir="2700000" algn="tl" rotWithShape="0">
+              <a:prstClr val="black">
+                <a:alpha val="40000"/>
+              </a:prstClr>
+            </a:outerShdw>
+          </a:effectLst>
+        </p:grpSpPr>
+        <p:sp>
+          <p:nvSpPr>
+            <p:cNvPr id="171" name="AutoShape 3"/>
+            <p:cNvSpPr>
+              <a:spLocks noChangeAspect="1" noChangeArrowheads="1" noTextEdit="1"/>
+            </p:cNvSpPr>
+            <p:nvPr/>
+          </p:nvSpPr>
+          <p:spPr bwMode="auto">
+            <a:xfrm>
+              <a:off x="4013200" y="3014663"/>
+              <a:ext cx="1117600" cy="828675"/>
+            </a:xfrm>
+            <a:prstGeom prst="rect">
+              <a:avLst/>
+            </a:prstGeom>
+            <a:noFill/>
+            <a:ln>
+              <a:noFill/>
+            </a:ln>
+            <a:extLst>
+              <a:ext uri="{909E8E84-426E-40DD-AFC4-6F175D3DCCD1}">
+                <a14:hiddenFill xmlns:a14="http://schemas.microsoft.com/office/drawing/2010/main">
+                  <a:solidFill>
+                    <a:srgbClr val="FFFFFF"/>
+                  </a:solidFill>
+                </a14:hiddenFill>
+              </a:ext>
+              <a:ext uri="{91240B29-F687-4F45-9708-019B960494DF}">
+                <a14:hiddenLine xmlns:a14="http://schemas.microsoft.com/office/drawing/2010/main" w="9525">
+                  <a:solidFill>
+                    <a:srgbClr val="000000"/>
+                  </a:solidFill>
+                  <a:miter lim="800000"/>
+                  <a:headEnd/>
+                  <a:tailEnd/>
+                </a14:hiddenLine>
+              </a:ext>
+            </a:extLst>
+          </p:spPr>
+          <p:txBody>
+            <a:bodyPr vert="horz" wrap="square" lIns="91440" tIns="45720" rIns="91440" bIns="45720" numCol="1" anchor="t" anchorCtr="0" compatLnSpc="1">
+              <a:prstTxWarp prst="textNoShape">
+                <a:avLst/>
+              </a:prstTxWarp>
+            </a:bodyPr>
+            <a:lstStyle/>
+            <a:p>
+              <a:endParaRPr lang="en-US"/>
+            </a:p>
+          </p:txBody>
+        </p:sp>
+        <p:sp>
+          <p:nvSpPr>
+            <p:cNvPr id="172" name="Rectangle 171"/>
+            <p:cNvSpPr/>
+            <p:nvPr/>
+          </p:nvSpPr>
+          <p:spPr>
+            <a:xfrm>
+              <a:off x="4382104" y="3274554"/>
+              <a:ext cx="104400" cy="360040"/>
+            </a:xfrm>
+            <a:prstGeom prst="rect">
+              <a:avLst/>
+            </a:prstGeom>
+            <a:gradFill flip="none" rotWithShape="1">
+              <a:gsLst>
+                <a:gs pos="61000">
+                  <a:schemeClr val="bg1">
+                    <a:lumMod val="95000"/>
+                  </a:schemeClr>
+                </a:gs>
+                <a:gs pos="32000">
+                  <a:schemeClr val="bg1"/>
+                </a:gs>
+                <a:gs pos="0">
+                  <a:schemeClr val="bg1">
+                    <a:lumMod val="50000"/>
+                  </a:schemeClr>
+                </a:gs>
+                <a:gs pos="100000">
+                  <a:schemeClr val="bg1">
+                    <a:lumMod val="50000"/>
+                  </a:schemeClr>
+                </a:gs>
+              </a:gsLst>
+              <a:lin ang="0" scaled="1"/>
+              <a:tileRect/>
+            </a:gradFill>
+            <a:ln w="6350">
+              <a:solidFill>
+                <a:schemeClr val="tx1"/>
+              </a:solidFill>
+            </a:ln>
+          </p:spPr>
+          <p:style>
+            <a:lnRef idx="2">
+              <a:schemeClr val="accent1">
+                <a:shade val="50000"/>
+              </a:schemeClr>
+            </a:lnRef>
+            <a:fillRef idx="1">
+              <a:schemeClr val="accent1"/>
+            </a:fillRef>
+            <a:effectRef idx="0">
+              <a:schemeClr val="accent1"/>
+            </a:effectRef>
+            <a:fontRef idx="minor">
+              <a:schemeClr val="lt1"/>
+            </a:fontRef>
+          </p:style>
+          <p:txBody>
+            <a:bodyPr rtlCol="0" anchor="ctr"/>
+            <a:lstStyle/>
+            <a:p>
+              <a:pPr algn="ctr"/>
+              <a:endParaRPr lang="en-US"/>
+            </a:p>
+          </p:txBody>
+        </p:sp>
+        <p:sp>
+          <p:nvSpPr>
+            <p:cNvPr id="173" name="Rectangle 172"/>
+            <p:cNvSpPr/>
+            <p:nvPr/>
+          </p:nvSpPr>
+          <p:spPr>
+            <a:xfrm>
+              <a:off x="4588637" y="3274554"/>
+              <a:ext cx="104400" cy="360040"/>
+            </a:xfrm>
+            <a:prstGeom prst="rect">
+              <a:avLst/>
+            </a:prstGeom>
+            <a:gradFill flip="none" rotWithShape="1">
+              <a:gsLst>
+                <a:gs pos="61000">
+                  <a:schemeClr val="bg1">
+                    <a:lumMod val="95000"/>
+                  </a:schemeClr>
+                </a:gs>
+                <a:gs pos="32000">
+                  <a:schemeClr val="bg1"/>
+                </a:gs>
+                <a:gs pos="0">
+                  <a:schemeClr val="bg1">
+                    <a:lumMod val="50000"/>
+                  </a:schemeClr>
+                </a:gs>
+                <a:gs pos="100000">
+                  <a:schemeClr val="bg1">
+                    <a:lumMod val="50000"/>
+                  </a:schemeClr>
+                </a:gs>
+              </a:gsLst>
+              <a:lin ang="0" scaled="1"/>
+              <a:tileRect/>
+            </a:gradFill>
+            <a:ln w="6350">
+              <a:solidFill>
+                <a:schemeClr val="tx1"/>
+              </a:solidFill>
+            </a:ln>
+          </p:spPr>
+          <p:style>
+            <a:lnRef idx="2">
+              <a:schemeClr val="accent1">
+                <a:shade val="50000"/>
+              </a:schemeClr>
+            </a:lnRef>
+            <a:fillRef idx="1">
+              <a:schemeClr val="accent1"/>
+            </a:fillRef>
+            <a:effectRef idx="0">
+              <a:schemeClr val="accent1"/>
+            </a:effectRef>
+            <a:fontRef idx="minor">
+              <a:schemeClr val="lt1"/>
+            </a:fontRef>
+          </p:style>
+          <p:txBody>
+            <a:bodyPr rtlCol="0" anchor="ctr"/>
+            <a:lstStyle/>
+            <a:p>
+              <a:pPr algn="ctr"/>
+              <a:endParaRPr lang="en-US"/>
+            </a:p>
+          </p:txBody>
+        </p:sp>
+        <p:sp>
+          <p:nvSpPr>
+            <p:cNvPr id="174" name="Rectangle 173"/>
+            <p:cNvSpPr/>
+            <p:nvPr/>
+          </p:nvSpPr>
+          <p:spPr>
+            <a:xfrm>
+              <a:off x="4795170" y="3274554"/>
+              <a:ext cx="104400" cy="360040"/>
+            </a:xfrm>
+            <a:prstGeom prst="rect">
+              <a:avLst/>
+            </a:prstGeom>
+            <a:gradFill flip="none" rotWithShape="1">
+              <a:gsLst>
+                <a:gs pos="61000">
+                  <a:schemeClr val="bg1">
+                    <a:lumMod val="95000"/>
+                  </a:schemeClr>
+                </a:gs>
+                <a:gs pos="32000">
+                  <a:schemeClr val="bg1"/>
+                </a:gs>
+                <a:gs pos="0">
+                  <a:schemeClr val="bg1">
+                    <a:lumMod val="50000"/>
+                  </a:schemeClr>
+                </a:gs>
+                <a:gs pos="100000">
+                  <a:schemeClr val="bg1">
+                    <a:lumMod val="50000"/>
+                  </a:schemeClr>
+                </a:gs>
+              </a:gsLst>
+              <a:lin ang="0" scaled="1"/>
+              <a:tileRect/>
+            </a:gradFill>
+            <a:ln w="6350">
+              <a:solidFill>
+                <a:schemeClr val="tx1"/>
+              </a:solidFill>
+            </a:ln>
+          </p:spPr>
+          <p:style>
+            <a:lnRef idx="2">
+              <a:schemeClr val="accent1">
+                <a:shade val="50000"/>
+              </a:schemeClr>
+            </a:lnRef>
+            <a:fillRef idx="1">
+              <a:schemeClr val="accent1"/>
+            </a:fillRef>
+            <a:effectRef idx="0">
+              <a:schemeClr val="accent1"/>
+            </a:effectRef>
+            <a:fontRef idx="minor">
+              <a:schemeClr val="lt1"/>
+            </a:fontRef>
+          </p:style>
+          <p:txBody>
+            <a:bodyPr rtlCol="0" anchor="ctr"/>
+            <a:lstStyle/>
+            <a:p>
+              <a:pPr algn="ctr"/>
+              <a:endParaRPr lang="en-US"/>
+            </a:p>
+          </p:txBody>
+        </p:sp>
+        <p:sp>
+          <p:nvSpPr>
+            <p:cNvPr id="175" name="Rectangle 174"/>
+            <p:cNvSpPr/>
+            <p:nvPr/>
+          </p:nvSpPr>
+          <p:spPr>
+            <a:xfrm>
+              <a:off x="4175571" y="3274554"/>
+              <a:ext cx="104400" cy="360040"/>
+            </a:xfrm>
+            <a:prstGeom prst="rect">
+              <a:avLst/>
+            </a:prstGeom>
+            <a:gradFill flip="none" rotWithShape="1">
+              <a:gsLst>
+                <a:gs pos="61000">
+                  <a:schemeClr val="bg1">
+                    <a:lumMod val="95000"/>
+                  </a:schemeClr>
+                </a:gs>
+                <a:gs pos="32000">
+                  <a:schemeClr val="bg1"/>
+                </a:gs>
+                <a:gs pos="0">
+                  <a:schemeClr val="bg1">
+                    <a:lumMod val="50000"/>
+                  </a:schemeClr>
+                </a:gs>
+                <a:gs pos="100000">
+                  <a:schemeClr val="bg1">
+                    <a:lumMod val="50000"/>
+                  </a:schemeClr>
+                </a:gs>
+              </a:gsLst>
+              <a:lin ang="0" scaled="1"/>
+              <a:tileRect/>
+            </a:gradFill>
+            <a:ln w="6350">
+              <a:solidFill>
+                <a:schemeClr val="tx1"/>
+              </a:solidFill>
+            </a:ln>
+          </p:spPr>
+          <p:style>
+            <a:lnRef idx="2">
+              <a:schemeClr val="accent1">
+                <a:shade val="50000"/>
+              </a:schemeClr>
+            </a:lnRef>
+            <a:fillRef idx="1">
+              <a:schemeClr val="accent1"/>
+            </a:fillRef>
+            <a:effectRef idx="0">
+              <a:schemeClr val="accent1"/>
+            </a:effectRef>
+            <a:fontRef idx="minor">
+              <a:schemeClr val="lt1"/>
+            </a:fontRef>
+          </p:style>
+          <p:txBody>
+            <a:bodyPr rtlCol="0" anchor="ctr"/>
+            <a:lstStyle/>
+            <a:p>
+              <a:pPr algn="ctr"/>
+              <a:endParaRPr lang="en-US"/>
+            </a:p>
+          </p:txBody>
+        </p:sp>
+        <p:sp>
+          <p:nvSpPr>
+            <p:cNvPr id="176" name="Freeform 10"/>
+            <p:cNvSpPr>
+              <a:spLocks/>
+            </p:cNvSpPr>
+            <p:nvPr/>
+          </p:nvSpPr>
+          <p:spPr bwMode="auto">
+            <a:xfrm>
+              <a:off x="4108450" y="3062288"/>
+              <a:ext cx="858838" cy="142875"/>
+            </a:xfrm>
+            <a:custGeom>
+              <a:avLst/>
+              <a:gdLst>
+                <a:gd name="T0" fmla="*/ 0 w 1125"/>
+                <a:gd name="T1" fmla="*/ 187 h 187"/>
+                <a:gd name="T2" fmla="*/ 563 w 1125"/>
+                <a:gd name="T3" fmla="*/ 0 h 187"/>
+                <a:gd name="T4" fmla="*/ 1125 w 1125"/>
+                <a:gd name="T5" fmla="*/ 187 h 187"/>
+              </a:gdLst>
+              <a:ahLst/>
+              <a:cxnLst>
+                <a:cxn ang="0">
+                  <a:pos x="T0" y="T1"/>
+                </a:cxn>
+                <a:cxn ang="0">
+                  <a:pos x="T2" y="T3"/>
+                </a:cxn>
+                <a:cxn ang="0">
+                  <a:pos x="T4" y="T5"/>
+                </a:cxn>
+              </a:cxnLst>
+              <a:rect l="0" t="0" r="r" b="b"/>
+              <a:pathLst>
+                <a:path w="1125" h="187">
+                  <a:moveTo>
+                    <a:pt x="0" y="187"/>
+                  </a:moveTo>
+                  <a:lnTo>
+                    <a:pt x="563" y="0"/>
+                  </a:lnTo>
+                  <a:lnTo>
+                    <a:pt x="1125" y="187"/>
+                  </a:lnTo>
+                </a:path>
+              </a:pathLst>
+            </a:custGeom>
+            <a:solidFill>
+              <a:srgbClr val="E0E0E0"/>
+            </a:solidFill>
+            <a:ln w="0">
+              <a:solidFill>
+                <a:srgbClr val="000000"/>
+              </a:solidFill>
+              <a:prstDash val="solid"/>
+              <a:round/>
+              <a:headEnd/>
+              <a:tailEnd/>
+            </a:ln>
+          </p:spPr>
+          <p:txBody>
+            <a:bodyPr vert="horz" wrap="square" lIns="91440" tIns="45720" rIns="91440" bIns="45720" numCol="1" anchor="t" anchorCtr="0" compatLnSpc="1">
+              <a:prstTxWarp prst="textNoShape">
+                <a:avLst/>
+              </a:prstTxWarp>
+            </a:bodyPr>
+            <a:lstStyle/>
+            <a:p>
+              <a:endParaRPr lang="en-US"/>
+            </a:p>
+          </p:txBody>
+        </p:sp>
+        <p:sp>
+          <p:nvSpPr>
+            <p:cNvPr id="177" name="Freeform 11"/>
+            <p:cNvSpPr>
+              <a:spLocks/>
+            </p:cNvSpPr>
+            <p:nvPr/>
+          </p:nvSpPr>
+          <p:spPr bwMode="auto">
+            <a:xfrm>
+              <a:off x="4108450" y="3062288"/>
+              <a:ext cx="858838" cy="142875"/>
+            </a:xfrm>
+            <a:custGeom>
+              <a:avLst/>
+              <a:gdLst>
+                <a:gd name="T0" fmla="*/ 0 w 1125"/>
+                <a:gd name="T1" fmla="*/ 187 h 187"/>
+                <a:gd name="T2" fmla="*/ 563 w 1125"/>
+                <a:gd name="T3" fmla="*/ 0 h 187"/>
+                <a:gd name="T4" fmla="*/ 1125 w 1125"/>
+                <a:gd name="T5" fmla="*/ 187 h 187"/>
+              </a:gdLst>
+              <a:ahLst/>
+              <a:cxnLst>
+                <a:cxn ang="0">
+                  <a:pos x="T0" y="T1"/>
+                </a:cxn>
+                <a:cxn ang="0">
+                  <a:pos x="T2" y="T3"/>
+                </a:cxn>
+                <a:cxn ang="0">
+                  <a:pos x="T4" y="T5"/>
+                </a:cxn>
+              </a:cxnLst>
+              <a:rect l="0" t="0" r="r" b="b"/>
+              <a:pathLst>
+                <a:path w="1125" h="187">
+                  <a:moveTo>
+                    <a:pt x="0" y="187"/>
+                  </a:moveTo>
+                  <a:lnTo>
+                    <a:pt x="563" y="0"/>
+                  </a:lnTo>
+                  <a:lnTo>
+                    <a:pt x="1125" y="187"/>
+                  </a:lnTo>
+                </a:path>
+              </a:pathLst>
+            </a:custGeom>
+            <a:noFill/>
+            <a:ln w="9525" cap="rnd">
+              <a:solidFill>
+                <a:srgbClr val="404040"/>
+              </a:solidFill>
+              <a:prstDash val="solid"/>
+              <a:miter lim="800000"/>
+              <a:headEnd/>
+              <a:tailEnd/>
+            </a:ln>
+            <a:extLst>
+              <a:ext uri="{909E8E84-426E-40DD-AFC4-6F175D3DCCD1}">
+                <a14:hiddenFill xmlns:a14="http://schemas.microsoft.com/office/drawing/2010/main">
+                  <a:solidFill>
+                    <a:srgbClr val="FFFFFF"/>
+                  </a:solidFill>
+                </a14:hiddenFill>
+              </a:ext>
+            </a:extLst>
+          </p:spPr>
+          <p:txBody>
+            <a:bodyPr vert="horz" wrap="square" lIns="91440" tIns="45720" rIns="91440" bIns="45720" numCol="1" anchor="t" anchorCtr="0" compatLnSpc="1">
+              <a:prstTxWarp prst="textNoShape">
+                <a:avLst/>
+              </a:prstTxWarp>
+            </a:bodyPr>
+            <a:lstStyle/>
+            <a:p>
+              <a:endParaRPr lang="en-US"/>
+            </a:p>
+          </p:txBody>
+        </p:sp>
+        <p:sp>
+          <p:nvSpPr>
+            <p:cNvPr id="178" name="Rectangle 12"/>
+            <p:cNvSpPr>
+              <a:spLocks noChangeArrowheads="1"/>
+            </p:cNvSpPr>
+            <p:nvPr/>
+          </p:nvSpPr>
+          <p:spPr bwMode="auto">
+            <a:xfrm>
+              <a:off x="4108450" y="3209926"/>
+              <a:ext cx="858838" cy="95250"/>
+            </a:xfrm>
+            <a:prstGeom prst="rect">
+              <a:avLst/>
+            </a:prstGeom>
+            <a:solidFill>
+              <a:srgbClr val="F2F2F2"/>
+            </a:solidFill>
+            <a:ln w="9525" cap="flat">
+              <a:solidFill>
+                <a:srgbClr val="404040"/>
+              </a:solidFill>
+              <a:prstDash val="solid"/>
+              <a:miter lim="800000"/>
+              <a:headEnd/>
+              <a:tailEnd/>
+            </a:ln>
+          </p:spPr>
+          <p:txBody>
+            <a:bodyPr vert="horz" wrap="square" lIns="91440" tIns="45720" rIns="91440" bIns="45720" numCol="1" anchor="t" anchorCtr="0" compatLnSpc="1">
+              <a:prstTxWarp prst="textNoShape">
+                <a:avLst/>
+              </a:prstTxWarp>
+            </a:bodyPr>
+            <a:lstStyle/>
+            <a:p>
+              <a:endParaRPr lang="en-US"/>
+            </a:p>
+          </p:txBody>
+        </p:sp>
+        <p:sp>
+          <p:nvSpPr>
+            <p:cNvPr id="183" name="Rectangle 13"/>
+            <p:cNvSpPr>
+              <a:spLocks noChangeArrowheads="1"/>
+            </p:cNvSpPr>
+            <p:nvPr/>
+          </p:nvSpPr>
+          <p:spPr bwMode="auto">
+            <a:xfrm>
+              <a:off x="4060825" y="3673476"/>
+              <a:ext cx="954088" cy="57150"/>
+            </a:xfrm>
+            <a:prstGeom prst="rect">
+              <a:avLst/>
+            </a:prstGeom>
+            <a:solidFill>
+              <a:srgbClr val="F2F2F2"/>
+            </a:solidFill>
+            <a:ln w="9525" cap="flat">
+              <a:solidFill>
+                <a:srgbClr val="404040"/>
+              </a:solidFill>
+              <a:prstDash val="solid"/>
+              <a:miter lim="800000"/>
+              <a:headEnd/>
+              <a:tailEnd/>
+            </a:ln>
+          </p:spPr>
+          <p:txBody>
+            <a:bodyPr vert="horz" wrap="square" lIns="91440" tIns="45720" rIns="91440" bIns="45720" numCol="1" anchor="t" anchorCtr="0" compatLnSpc="1">
+              <a:prstTxWarp prst="textNoShape">
+                <a:avLst/>
+              </a:prstTxWarp>
+            </a:bodyPr>
+            <a:lstStyle/>
+            <a:p>
+              <a:endParaRPr lang="en-US"/>
+            </a:p>
+          </p:txBody>
+        </p:sp>
+        <p:sp>
+          <p:nvSpPr>
+            <p:cNvPr id="187" name="Rectangle 14"/>
+            <p:cNvSpPr>
+              <a:spLocks noChangeArrowheads="1"/>
+            </p:cNvSpPr>
+            <p:nvPr/>
+          </p:nvSpPr>
+          <p:spPr bwMode="auto">
+            <a:xfrm>
+              <a:off x="4108450" y="3616326"/>
+              <a:ext cx="858838" cy="57150"/>
+            </a:xfrm>
+            <a:prstGeom prst="rect">
+              <a:avLst/>
+            </a:prstGeom>
+            <a:solidFill>
+              <a:srgbClr val="F2F2F2"/>
+            </a:solidFill>
+            <a:ln w="9525" cap="flat">
+              <a:solidFill>
+                <a:srgbClr val="404040"/>
+              </a:solidFill>
+              <a:prstDash val="solid"/>
+              <a:miter lim="800000"/>
+              <a:headEnd/>
+              <a:tailEnd/>
+            </a:ln>
+          </p:spPr>
+          <p:txBody>
+            <a:bodyPr vert="horz" wrap="square" lIns="91440" tIns="45720" rIns="91440" bIns="45720" numCol="1" anchor="t" anchorCtr="0" compatLnSpc="1">
+              <a:prstTxWarp prst="textNoShape">
+                <a:avLst/>
+              </a:prstTxWarp>
+            </a:bodyPr>
+            <a:lstStyle/>
+            <a:p>
+              <a:endParaRPr lang="en-US"/>
+            </a:p>
+          </p:txBody>
+        </p:sp>
+      </p:grpSp>
+      <p:grpSp>
+        <p:nvGrpSpPr>
+          <p:cNvPr id="211" name="Group 210"/>
+          <p:cNvGrpSpPr/>
+          <p:nvPr/>
+        </p:nvGrpSpPr>
+        <p:grpSpPr>
+          <a:xfrm>
+            <a:off x="5827126" y="5361664"/>
+            <a:ext cx="927282" cy="687559"/>
+            <a:chOff x="4013200" y="3014663"/>
+            <a:chExt cx="1117600" cy="828675"/>
+          </a:xfrm>
+          <a:effectLst>
+            <a:outerShdw blurRad="50800" dist="38100" dir="2700000" algn="tl" rotWithShape="0">
+              <a:prstClr val="black">
+                <a:alpha val="40000"/>
+              </a:prstClr>
+            </a:outerShdw>
+          </a:effectLst>
+        </p:grpSpPr>
+        <p:sp>
+          <p:nvSpPr>
+            <p:cNvPr id="220" name="AutoShape 3"/>
+            <p:cNvSpPr>
+              <a:spLocks noChangeAspect="1" noChangeArrowheads="1" noTextEdit="1"/>
+            </p:cNvSpPr>
+            <p:nvPr/>
+          </p:nvSpPr>
+          <p:spPr bwMode="auto">
+            <a:xfrm>
+              <a:off x="4013200" y="3014663"/>
+              <a:ext cx="1117600" cy="828675"/>
+            </a:xfrm>
+            <a:prstGeom prst="rect">
+              <a:avLst/>
+            </a:prstGeom>
+            <a:noFill/>
+            <a:ln>
+              <a:noFill/>
+            </a:ln>
+            <a:extLst>
+              <a:ext uri="{909E8E84-426E-40DD-AFC4-6F175D3DCCD1}">
+                <a14:hiddenFill xmlns:a14="http://schemas.microsoft.com/office/drawing/2010/main">
+                  <a:solidFill>
+                    <a:srgbClr val="FFFFFF"/>
+                  </a:solidFill>
+                </a14:hiddenFill>
+              </a:ext>
+              <a:ext uri="{91240B29-F687-4F45-9708-019B960494DF}">
+                <a14:hiddenLine xmlns:a14="http://schemas.microsoft.com/office/drawing/2010/main" w="9525">
+                  <a:solidFill>
+                    <a:srgbClr val="000000"/>
+                  </a:solidFill>
+                  <a:miter lim="800000"/>
+                  <a:headEnd/>
+                  <a:tailEnd/>
+                </a14:hiddenLine>
+              </a:ext>
+            </a:extLst>
+          </p:spPr>
+          <p:txBody>
+            <a:bodyPr vert="horz" wrap="square" lIns="91440" tIns="45720" rIns="91440" bIns="45720" numCol="1" anchor="t" anchorCtr="0" compatLnSpc="1">
+              <a:prstTxWarp prst="textNoShape">
+                <a:avLst/>
+              </a:prstTxWarp>
+            </a:bodyPr>
+            <a:lstStyle/>
+            <a:p>
+              <a:endParaRPr lang="en-US"/>
+            </a:p>
+          </p:txBody>
+        </p:sp>
+        <p:sp>
+          <p:nvSpPr>
+            <p:cNvPr id="221" name="Rectangle 220"/>
+            <p:cNvSpPr/>
+            <p:nvPr/>
+          </p:nvSpPr>
+          <p:spPr>
+            <a:xfrm>
+              <a:off x="4382104" y="3274554"/>
+              <a:ext cx="104400" cy="360040"/>
+            </a:xfrm>
+            <a:prstGeom prst="rect">
+              <a:avLst/>
+            </a:prstGeom>
+            <a:gradFill flip="none" rotWithShape="1">
+              <a:gsLst>
+                <a:gs pos="61000">
+                  <a:schemeClr val="bg1">
+                    <a:lumMod val="95000"/>
+                  </a:schemeClr>
+                </a:gs>
+                <a:gs pos="32000">
+                  <a:schemeClr val="bg1"/>
+                </a:gs>
+                <a:gs pos="0">
+                  <a:schemeClr val="bg1">
+                    <a:lumMod val="50000"/>
+                  </a:schemeClr>
+                </a:gs>
+                <a:gs pos="100000">
+                  <a:schemeClr val="bg1">
+                    <a:lumMod val="50000"/>
+                  </a:schemeClr>
+                </a:gs>
+              </a:gsLst>
+              <a:lin ang="0" scaled="1"/>
+              <a:tileRect/>
+            </a:gradFill>
+            <a:ln w="6350">
+              <a:solidFill>
+                <a:schemeClr val="tx1"/>
+              </a:solidFill>
+            </a:ln>
+          </p:spPr>
+          <p:style>
+            <a:lnRef idx="2">
+              <a:schemeClr val="accent1">
+                <a:shade val="50000"/>
+              </a:schemeClr>
+            </a:lnRef>
+            <a:fillRef idx="1">
+              <a:schemeClr val="accent1"/>
+            </a:fillRef>
+            <a:effectRef idx="0">
+              <a:schemeClr val="accent1"/>
+            </a:effectRef>
+            <a:fontRef idx="minor">
+              <a:schemeClr val="lt1"/>
+            </a:fontRef>
+          </p:style>
+          <p:txBody>
+            <a:bodyPr rtlCol="0" anchor="ctr"/>
+            <a:lstStyle/>
+            <a:p>
+              <a:pPr algn="ctr"/>
+              <a:endParaRPr lang="en-US"/>
+            </a:p>
+          </p:txBody>
+        </p:sp>
+        <p:sp>
+          <p:nvSpPr>
+            <p:cNvPr id="222" name="Rectangle 221"/>
+            <p:cNvSpPr/>
+            <p:nvPr/>
+          </p:nvSpPr>
+          <p:spPr>
+            <a:xfrm>
+              <a:off x="4588637" y="3274554"/>
+              <a:ext cx="104400" cy="360040"/>
+            </a:xfrm>
+            <a:prstGeom prst="rect">
+              <a:avLst/>
+            </a:prstGeom>
+            <a:gradFill flip="none" rotWithShape="1">
+              <a:gsLst>
+                <a:gs pos="61000">
+                  <a:schemeClr val="bg1">
+                    <a:lumMod val="95000"/>
+                  </a:schemeClr>
+                </a:gs>
+                <a:gs pos="32000">
+                  <a:schemeClr val="bg1"/>
+                </a:gs>
+                <a:gs pos="0">
+                  <a:schemeClr val="bg1">
+                    <a:lumMod val="50000"/>
+                  </a:schemeClr>
+                </a:gs>
+                <a:gs pos="100000">
+                  <a:schemeClr val="bg1">
+                    <a:lumMod val="50000"/>
+                  </a:schemeClr>
+                </a:gs>
+              </a:gsLst>
+              <a:lin ang="0" scaled="1"/>
+              <a:tileRect/>
+            </a:gradFill>
+            <a:ln w="6350">
+              <a:solidFill>
+                <a:schemeClr val="tx1"/>
+              </a:solidFill>
+            </a:ln>
+          </p:spPr>
+          <p:style>
+            <a:lnRef idx="2">
+              <a:schemeClr val="accent1">
+                <a:shade val="50000"/>
+              </a:schemeClr>
+            </a:lnRef>
+            <a:fillRef idx="1">
+              <a:schemeClr val="accent1"/>
+            </a:fillRef>
+            <a:effectRef idx="0">
+              <a:schemeClr val="accent1"/>
+            </a:effectRef>
+            <a:fontRef idx="minor">
+              <a:schemeClr val="lt1"/>
+            </a:fontRef>
+          </p:style>
+          <p:txBody>
+            <a:bodyPr rtlCol="0" anchor="ctr"/>
+            <a:lstStyle/>
+            <a:p>
+              <a:pPr algn="ctr"/>
+              <a:endParaRPr lang="en-US"/>
+            </a:p>
+          </p:txBody>
+        </p:sp>
+        <p:sp>
+          <p:nvSpPr>
+            <p:cNvPr id="223" name="Rectangle 222"/>
+            <p:cNvSpPr/>
+            <p:nvPr/>
+          </p:nvSpPr>
+          <p:spPr>
+            <a:xfrm>
+              <a:off x="4795170" y="3274554"/>
+              <a:ext cx="104400" cy="360040"/>
+            </a:xfrm>
+            <a:prstGeom prst="rect">
+              <a:avLst/>
+            </a:prstGeom>
+            <a:gradFill flip="none" rotWithShape="1">
+              <a:gsLst>
+                <a:gs pos="61000">
+                  <a:schemeClr val="bg1">
+                    <a:lumMod val="95000"/>
+                  </a:schemeClr>
+                </a:gs>
+                <a:gs pos="32000">
+                  <a:schemeClr val="bg1"/>
+                </a:gs>
+                <a:gs pos="0">
+                  <a:schemeClr val="bg1">
+                    <a:lumMod val="50000"/>
+                  </a:schemeClr>
+                </a:gs>
+                <a:gs pos="100000">
+                  <a:schemeClr val="bg1">
+                    <a:lumMod val="50000"/>
+                  </a:schemeClr>
+                </a:gs>
+              </a:gsLst>
+              <a:lin ang="0" scaled="1"/>
+              <a:tileRect/>
+            </a:gradFill>
+            <a:ln w="6350">
+              <a:solidFill>
+                <a:schemeClr val="tx1"/>
+              </a:solidFill>
+            </a:ln>
+          </p:spPr>
+          <p:style>
+            <a:lnRef idx="2">
+              <a:schemeClr val="accent1">
+                <a:shade val="50000"/>
+              </a:schemeClr>
+            </a:lnRef>
+            <a:fillRef idx="1">
+              <a:schemeClr val="accent1"/>
+            </a:fillRef>
+            <a:effectRef idx="0">
+              <a:schemeClr val="accent1"/>
+            </a:effectRef>
+            <a:fontRef idx="minor">
+              <a:schemeClr val="lt1"/>
+            </a:fontRef>
+          </p:style>
+          <p:txBody>
+            <a:bodyPr rtlCol="0" anchor="ctr"/>
+            <a:lstStyle/>
+            <a:p>
+              <a:pPr algn="ctr"/>
+              <a:endParaRPr lang="en-US"/>
+            </a:p>
+          </p:txBody>
+        </p:sp>
+        <p:sp>
+          <p:nvSpPr>
+            <p:cNvPr id="228" name="Rectangle 227"/>
+            <p:cNvSpPr/>
+            <p:nvPr/>
+          </p:nvSpPr>
+          <p:spPr>
+            <a:xfrm>
+              <a:off x="4175571" y="3274554"/>
+              <a:ext cx="104400" cy="360040"/>
+            </a:xfrm>
+            <a:prstGeom prst="rect">
+              <a:avLst/>
+            </a:prstGeom>
+            <a:gradFill flip="none" rotWithShape="1">
+              <a:gsLst>
+                <a:gs pos="61000">
+                  <a:schemeClr val="bg1">
+                    <a:lumMod val="95000"/>
+                  </a:schemeClr>
+                </a:gs>
+                <a:gs pos="32000">
+                  <a:schemeClr val="bg1"/>
+                </a:gs>
+                <a:gs pos="0">
+                  <a:schemeClr val="bg1">
+                    <a:lumMod val="50000"/>
+                  </a:schemeClr>
+                </a:gs>
+                <a:gs pos="100000">
+                  <a:schemeClr val="bg1">
+                    <a:lumMod val="50000"/>
+                  </a:schemeClr>
+                </a:gs>
+              </a:gsLst>
+              <a:lin ang="0" scaled="1"/>
+              <a:tileRect/>
+            </a:gradFill>
+            <a:ln w="6350">
+              <a:solidFill>
+                <a:schemeClr val="tx1"/>
+              </a:solidFill>
+            </a:ln>
+          </p:spPr>
+          <p:style>
+            <a:lnRef idx="2">
+              <a:schemeClr val="accent1">
+                <a:shade val="50000"/>
+              </a:schemeClr>
+            </a:lnRef>
+            <a:fillRef idx="1">
+              <a:schemeClr val="accent1"/>
+            </a:fillRef>
+            <a:effectRef idx="0">
+              <a:schemeClr val="accent1"/>
+            </a:effectRef>
+            <a:fontRef idx="minor">
+              <a:schemeClr val="lt1"/>
+            </a:fontRef>
+          </p:style>
+          <p:txBody>
+            <a:bodyPr rtlCol="0" anchor="ctr"/>
+            <a:lstStyle/>
+            <a:p>
+              <a:pPr algn="ctr"/>
+              <a:endParaRPr lang="en-US"/>
+            </a:p>
+          </p:txBody>
+        </p:sp>
+        <p:sp>
+          <p:nvSpPr>
+            <p:cNvPr id="229" name="Freeform 10"/>
+            <p:cNvSpPr>
+              <a:spLocks/>
+            </p:cNvSpPr>
+            <p:nvPr/>
+          </p:nvSpPr>
+          <p:spPr bwMode="auto">
+            <a:xfrm>
+              <a:off x="4108450" y="3062288"/>
+              <a:ext cx="858838" cy="142875"/>
+            </a:xfrm>
+            <a:custGeom>
+              <a:avLst/>
+              <a:gdLst>
+                <a:gd name="T0" fmla="*/ 0 w 1125"/>
+                <a:gd name="T1" fmla="*/ 187 h 187"/>
+                <a:gd name="T2" fmla="*/ 563 w 1125"/>
+                <a:gd name="T3" fmla="*/ 0 h 187"/>
+                <a:gd name="T4" fmla="*/ 1125 w 1125"/>
+                <a:gd name="T5" fmla="*/ 187 h 187"/>
+              </a:gdLst>
+              <a:ahLst/>
+              <a:cxnLst>
+                <a:cxn ang="0">
+                  <a:pos x="T0" y="T1"/>
+                </a:cxn>
+                <a:cxn ang="0">
+                  <a:pos x="T2" y="T3"/>
+                </a:cxn>
+                <a:cxn ang="0">
+                  <a:pos x="T4" y="T5"/>
+                </a:cxn>
+              </a:cxnLst>
+              <a:rect l="0" t="0" r="r" b="b"/>
+              <a:pathLst>
+                <a:path w="1125" h="187">
+                  <a:moveTo>
+                    <a:pt x="0" y="187"/>
+                  </a:moveTo>
+                  <a:lnTo>
+                    <a:pt x="563" y="0"/>
+                  </a:lnTo>
+                  <a:lnTo>
+                    <a:pt x="1125" y="187"/>
+                  </a:lnTo>
+                </a:path>
+              </a:pathLst>
+            </a:custGeom>
+            <a:solidFill>
+              <a:srgbClr val="E0E0E0"/>
+            </a:solidFill>
+            <a:ln w="0">
+              <a:solidFill>
+                <a:srgbClr val="000000"/>
+              </a:solidFill>
+              <a:prstDash val="solid"/>
+              <a:round/>
+              <a:headEnd/>
+              <a:tailEnd/>
+            </a:ln>
+          </p:spPr>
+          <p:txBody>
+            <a:bodyPr vert="horz" wrap="square" lIns="91440" tIns="45720" rIns="91440" bIns="45720" numCol="1" anchor="t" anchorCtr="0" compatLnSpc="1">
+              <a:prstTxWarp prst="textNoShape">
+                <a:avLst/>
+              </a:prstTxWarp>
+            </a:bodyPr>
+            <a:lstStyle/>
+            <a:p>
+              <a:endParaRPr lang="en-US"/>
+            </a:p>
+          </p:txBody>
+        </p:sp>
+        <p:sp>
+          <p:nvSpPr>
+            <p:cNvPr id="230" name="Freeform 11"/>
+            <p:cNvSpPr>
+              <a:spLocks/>
+            </p:cNvSpPr>
+            <p:nvPr/>
+          </p:nvSpPr>
+          <p:spPr bwMode="auto">
+            <a:xfrm>
+              <a:off x="4108450" y="3062288"/>
+              <a:ext cx="858838" cy="142875"/>
+            </a:xfrm>
+            <a:custGeom>
+              <a:avLst/>
+              <a:gdLst>
+                <a:gd name="T0" fmla="*/ 0 w 1125"/>
+                <a:gd name="T1" fmla="*/ 187 h 187"/>
+                <a:gd name="T2" fmla="*/ 563 w 1125"/>
+                <a:gd name="T3" fmla="*/ 0 h 187"/>
+                <a:gd name="T4" fmla="*/ 1125 w 1125"/>
+                <a:gd name="T5" fmla="*/ 187 h 187"/>
+              </a:gdLst>
+              <a:ahLst/>
+              <a:cxnLst>
+                <a:cxn ang="0">
+                  <a:pos x="T0" y="T1"/>
+                </a:cxn>
+                <a:cxn ang="0">
+                  <a:pos x="T2" y="T3"/>
+                </a:cxn>
+                <a:cxn ang="0">
+                  <a:pos x="T4" y="T5"/>
+                </a:cxn>
+              </a:cxnLst>
+              <a:rect l="0" t="0" r="r" b="b"/>
+              <a:pathLst>
+                <a:path w="1125" h="187">
+                  <a:moveTo>
+                    <a:pt x="0" y="187"/>
+                  </a:moveTo>
+                  <a:lnTo>
+                    <a:pt x="563" y="0"/>
+                  </a:lnTo>
+                  <a:lnTo>
+                    <a:pt x="1125" y="187"/>
+                  </a:lnTo>
+                </a:path>
+              </a:pathLst>
+            </a:custGeom>
+            <a:noFill/>
+            <a:ln w="9525" cap="rnd">
+              <a:solidFill>
+                <a:srgbClr val="404040"/>
+              </a:solidFill>
+              <a:prstDash val="solid"/>
+              <a:miter lim="800000"/>
+              <a:headEnd/>
+              <a:tailEnd/>
+            </a:ln>
+            <a:extLst>
+              <a:ext uri="{909E8E84-426E-40DD-AFC4-6F175D3DCCD1}">
+                <a14:hiddenFill xmlns:a14="http://schemas.microsoft.com/office/drawing/2010/main">
+                  <a:solidFill>
+                    <a:srgbClr val="FFFFFF"/>
+                  </a:solidFill>
+                </a14:hiddenFill>
+              </a:ext>
+            </a:extLst>
+          </p:spPr>
+          <p:txBody>
+            <a:bodyPr vert="horz" wrap="square" lIns="91440" tIns="45720" rIns="91440" bIns="45720" numCol="1" anchor="t" anchorCtr="0" compatLnSpc="1">
+              <a:prstTxWarp prst="textNoShape">
+                <a:avLst/>
+              </a:prstTxWarp>
+            </a:bodyPr>
+            <a:lstStyle/>
+            <a:p>
+              <a:endParaRPr lang="en-US"/>
+            </a:p>
+          </p:txBody>
+        </p:sp>
+        <p:sp>
+          <p:nvSpPr>
+            <p:cNvPr id="231" name="Rectangle 12"/>
+            <p:cNvSpPr>
+              <a:spLocks noChangeArrowheads="1"/>
+            </p:cNvSpPr>
+            <p:nvPr/>
+          </p:nvSpPr>
+          <p:spPr bwMode="auto">
+            <a:xfrm>
+              <a:off x="4108450" y="3209926"/>
+              <a:ext cx="858838" cy="95250"/>
+            </a:xfrm>
+            <a:prstGeom prst="rect">
+              <a:avLst/>
+            </a:prstGeom>
+            <a:solidFill>
+              <a:srgbClr val="F2F2F2"/>
+            </a:solidFill>
+            <a:ln w="9525" cap="flat">
+              <a:solidFill>
+                <a:srgbClr val="404040"/>
+              </a:solidFill>
+              <a:prstDash val="solid"/>
+              <a:miter lim="800000"/>
+              <a:headEnd/>
+              <a:tailEnd/>
+            </a:ln>
+          </p:spPr>
+          <p:txBody>
+            <a:bodyPr vert="horz" wrap="square" lIns="91440" tIns="45720" rIns="91440" bIns="45720" numCol="1" anchor="t" anchorCtr="0" compatLnSpc="1">
+              <a:prstTxWarp prst="textNoShape">
+                <a:avLst/>
+              </a:prstTxWarp>
+            </a:bodyPr>
+            <a:lstStyle/>
+            <a:p>
+              <a:endParaRPr lang="en-US"/>
+            </a:p>
+          </p:txBody>
+        </p:sp>
+        <p:sp>
+          <p:nvSpPr>
+            <p:cNvPr id="232" name="Rectangle 13"/>
+            <p:cNvSpPr>
+              <a:spLocks noChangeArrowheads="1"/>
+            </p:cNvSpPr>
+            <p:nvPr/>
+          </p:nvSpPr>
+          <p:spPr bwMode="auto">
+            <a:xfrm>
+              <a:off x="4060825" y="3673476"/>
+              <a:ext cx="954088" cy="57150"/>
+            </a:xfrm>
+            <a:prstGeom prst="rect">
+              <a:avLst/>
+            </a:prstGeom>
+            <a:solidFill>
+              <a:srgbClr val="F2F2F2"/>
+            </a:solidFill>
+            <a:ln w="9525" cap="flat">
+              <a:solidFill>
+                <a:srgbClr val="404040"/>
+              </a:solidFill>
+              <a:prstDash val="solid"/>
+              <a:miter lim="800000"/>
+              <a:headEnd/>
+              <a:tailEnd/>
+            </a:ln>
+          </p:spPr>
+          <p:txBody>
+            <a:bodyPr vert="horz" wrap="square" lIns="91440" tIns="45720" rIns="91440" bIns="45720" numCol="1" anchor="t" anchorCtr="0" compatLnSpc="1">
+              <a:prstTxWarp prst="textNoShape">
+                <a:avLst/>
+              </a:prstTxWarp>
+            </a:bodyPr>
+            <a:lstStyle/>
+            <a:p>
+              <a:endParaRPr lang="en-US"/>
+            </a:p>
+          </p:txBody>
+        </p:sp>
+        <p:sp>
+          <p:nvSpPr>
+            <p:cNvPr id="233" name="Rectangle 14"/>
+            <p:cNvSpPr>
+              <a:spLocks noChangeArrowheads="1"/>
+            </p:cNvSpPr>
+            <p:nvPr/>
+          </p:nvSpPr>
+          <p:spPr bwMode="auto">
+            <a:xfrm>
+              <a:off x="4108450" y="3616326"/>
+              <a:ext cx="858838" cy="57150"/>
+            </a:xfrm>
+            <a:prstGeom prst="rect">
+              <a:avLst/>
+            </a:prstGeom>
+            <a:solidFill>
+              <a:srgbClr val="F2F2F2"/>
+            </a:solidFill>
+            <a:ln w="9525" cap="flat">
+              <a:solidFill>
+                <a:srgbClr val="404040"/>
+              </a:solidFill>
+              <a:prstDash val="solid"/>
+              <a:miter lim="800000"/>
+              <a:headEnd/>
+              <a:tailEnd/>
+            </a:ln>
+          </p:spPr>
+          <p:txBody>
+            <a:bodyPr vert="horz" wrap="square" lIns="91440" tIns="45720" rIns="91440" bIns="45720" numCol="1" anchor="t" anchorCtr="0" compatLnSpc="1">
+              <a:prstTxWarp prst="textNoShape">
+                <a:avLst/>
+              </a:prstTxWarp>
+            </a:bodyPr>
+            <a:lstStyle/>
+            <a:p>
+              <a:endParaRPr lang="en-US"/>
+            </a:p>
+          </p:txBody>
+        </p:sp>
+      </p:grpSp>
     </p:spTree>
     <p:extLst>
       <p:ext uri="{BB962C8B-B14F-4D97-AF65-F5344CB8AC3E}">
